--- a/documents/Azure_PCI_PaaS_Management_Reference_Architecture.pptx
+++ b/documents/Azure_PCI_PaaS_Management_Reference_Architecture.pptx
@@ -468,7 +468,6 @@
               <a:rPr lang="en-US"/>
               <a:t>Fifth level</a:t>
             </a:r>
-            <a:endParaRPr lang="en-US"/>
           </a:p>
         </p:txBody>
       </p:sp>
@@ -2883,14 +2882,14 @@
           </a:ln>
           <a:extLst>
             <a:ext uri="{909E8E84-426E-40dd-AFC4-6F175D3DCCD1}">
-              <a14:hiddenFill xmlns:a14="http://schemas.microsoft.com/office/drawing/2010/main" xmlns="">
+              <a14:hiddenFill xmlns="" xmlns:a14="http://schemas.microsoft.com/office/drawing/2010/main">
                 <a:solidFill>
                   <a:srgbClr val="FFFFFF"/>
                 </a:solidFill>
               </a14:hiddenFill>
             </a:ext>
             <a:ext uri="{91240B29-F687-4f45-9708-019B960494DF}">
-              <a14:hiddenLine xmlns:a14="http://schemas.microsoft.com/office/drawing/2010/main" xmlns="" w="9525">
+              <a14:hiddenLine xmlns="" xmlns:a14="http://schemas.microsoft.com/office/drawing/2010/main" w="9525">
                 <a:solidFill>
                   <a:srgbClr val="000000"/>
                 </a:solidFill>
@@ -4765,23 +4764,7 @@
                   <a:srgbClr val="FFFF00"/>
                 </a:solidFill>
               </a:rPr>
-              <a:t>Azure </a:t>
-            </a:r>
-            <a:r>
-              <a:rPr lang="en-US" sz="3600" dirty="0">
-                <a:solidFill>
-                  <a:srgbClr val="FFFF00"/>
-                </a:solidFill>
-              </a:rPr>
-              <a:t>PaaS </a:t>
-            </a:r>
-            <a:r>
-              <a:rPr lang="en-US" sz="3600" dirty="0">
-                <a:solidFill>
-                  <a:srgbClr val="FFFF00"/>
-                </a:solidFill>
-              </a:rPr>
-              <a:t>PCI Reference Architecture</a:t>
+              <a:t>Azure PaaS PCI Reference Architecture</a:t>
             </a:r>
           </a:p>
           <a:p>
@@ -5081,9 +5064,38 @@
           </a:p>
         </p:txBody>
       </p:sp>
+      <p:sp>
+        <p:nvSpPr>
+          <p:cNvPr id="10" name="TextBox 9"/>
+          <p:cNvSpPr txBox="1"/>
+          <p:nvPr/>
+        </p:nvSpPr>
+        <p:spPr>
+          <a:xfrm>
+            <a:off x="2460990" y="1797739"/>
+            <a:ext cx="1239519" cy="400110"/>
+          </a:xfrm>
+          <a:prstGeom prst="rect">
+            <a:avLst/>
+          </a:prstGeom>
+          <a:noFill/>
+        </p:spPr>
+        <p:txBody>
+          <a:bodyPr wrap="square" rtlCol="0">
+            <a:spAutoFit/>
+          </a:bodyPr>
+          <a:lstStyle/>
+          <a:p>
+            <a:r>
+              <a:rPr lang="en-US" sz="1000" dirty="0"/>
+              <a:t>App Service Environment</a:t>
+            </a:r>
+          </a:p>
+        </p:txBody>
+      </p:sp>
       <p:pic>
         <p:nvPicPr>
-          <p:cNvPr id="9" name="Picture 8"/>
+          <p:cNvPr id="11" name="Picture 10"/>
           <p:cNvPicPr>
             <a:picLocks noChangeAspect="1"/>
           </p:cNvPicPr>
@@ -5103,8 +5115,8 @@
         </p:blipFill>
         <p:spPr>
           <a:xfrm>
-            <a:off x="2621115" y="1187771"/>
-            <a:ext cx="538160" cy="538160"/>
+            <a:off x="3757989" y="1230795"/>
+            <a:ext cx="517145" cy="517145"/>
           </a:xfrm>
           <a:prstGeom prst="rect">
             <a:avLst/>
@@ -5113,14 +5125,14 @@
       </p:pic>
       <p:sp>
         <p:nvSpPr>
-          <p:cNvPr id="10" name="TextBox 9"/>
+          <p:cNvPr id="12" name="TextBox 11"/>
           <p:cNvSpPr txBox="1"/>
           <p:nvPr/>
         </p:nvSpPr>
         <p:spPr>
           <a:xfrm>
-            <a:off x="2518470" y="1799265"/>
-            <a:ext cx="1239519" cy="400110"/>
+            <a:off x="3479931" y="1829032"/>
+            <a:ext cx="1239519" cy="246221"/>
           </a:xfrm>
           <a:prstGeom prst="rect">
             <a:avLst/>
@@ -5135,14 +5147,14 @@
           <a:p>
             <a:r>
               <a:rPr lang="en-US" sz="1000" dirty="0"/>
-              <a:t>App Service Environment</a:t>
+              <a:t>OMS Log Analytics</a:t>
             </a:r>
           </a:p>
         </p:txBody>
       </p:sp>
       <p:pic>
         <p:nvPicPr>
-          <p:cNvPr id="11" name="Picture 10"/>
+          <p:cNvPr id="13" name="Picture 12"/>
           <p:cNvPicPr>
             <a:picLocks noChangeAspect="1"/>
           </p:cNvPicPr>
@@ -5162,7 +5174,7 @@
         </p:blipFill>
         <p:spPr>
           <a:xfrm>
-            <a:off x="3757989" y="1230795"/>
+            <a:off x="5079999" y="1245361"/>
             <a:ext cx="517145" cy="517145"/>
           </a:xfrm>
           <a:prstGeom prst="rect">
@@ -5172,13 +5184,13 @@
       </p:pic>
       <p:sp>
         <p:nvSpPr>
-          <p:cNvPr id="12" name="TextBox 11"/>
+          <p:cNvPr id="14" name="TextBox 13"/>
           <p:cNvSpPr txBox="1"/>
           <p:nvPr/>
         </p:nvSpPr>
         <p:spPr>
           <a:xfrm>
-            <a:off x="3479931" y="1829032"/>
+            <a:off x="4882894" y="1826978"/>
             <a:ext cx="1239519" cy="246221"/>
           </a:xfrm>
           <a:prstGeom prst="rect">
@@ -5194,14 +5206,14 @@
           <a:p>
             <a:r>
               <a:rPr lang="en-US" sz="1000" dirty="0"/>
-              <a:t>OMS Log Analytics</a:t>
+              <a:t>Azure Key Vault</a:t>
             </a:r>
           </a:p>
         </p:txBody>
       </p:sp>
       <p:pic>
         <p:nvPicPr>
-          <p:cNvPr id="13" name="Picture 12"/>
+          <p:cNvPr id="15" name="Picture 14"/>
           <p:cNvPicPr>
             <a:picLocks noChangeAspect="1"/>
           </p:cNvPicPr>
@@ -5221,8 +5233,8 @@
         </p:blipFill>
         <p:spPr>
           <a:xfrm>
-            <a:off x="5079999" y="1245361"/>
-            <a:ext cx="517145" cy="517145"/>
+            <a:off x="7809579" y="1242850"/>
+            <a:ext cx="560047" cy="560047"/>
           </a:xfrm>
           <a:prstGeom prst="rect">
             <a:avLst/>
@@ -5231,13 +5243,13 @@
       </p:pic>
       <p:sp>
         <p:nvSpPr>
-          <p:cNvPr id="14" name="TextBox 13"/>
+          <p:cNvPr id="16" name="TextBox 15"/>
           <p:cNvSpPr txBox="1"/>
           <p:nvPr/>
         </p:nvSpPr>
         <p:spPr>
           <a:xfrm>
-            <a:off x="4882894" y="1826978"/>
+            <a:off x="7666736" y="1812202"/>
             <a:ext cx="1239519" cy="246221"/>
           </a:xfrm>
           <a:prstGeom prst="rect">
@@ -5249,18 +5261,25 @@
           <a:bodyPr wrap="square" rtlCol="0">
             <a:spAutoFit/>
           </a:bodyPr>
-          <a:lstStyle/>
+          <a:lstStyle>
+            <a:defPPr>
+              <a:defRPr lang="en-US"/>
+            </a:defPPr>
+            <a:lvl1pPr>
+              <a:defRPr sz="1400"/>
+            </a:lvl1pPr>
+          </a:lstStyle>
           <a:p>
             <a:r>
               <a:rPr lang="en-US" sz="1000" dirty="0"/>
-              <a:t>Azure Key Vault</a:t>
+              <a:t>Azure SQL DB</a:t>
             </a:r>
           </a:p>
         </p:txBody>
       </p:sp>
       <p:pic>
         <p:nvPicPr>
-          <p:cNvPr id="15" name="Picture 14"/>
+          <p:cNvPr id="17" name="Picture 16"/>
           <p:cNvPicPr>
             <a:picLocks noChangeAspect="1"/>
           </p:cNvPicPr>
@@ -5280,8 +5299,8 @@
         </p:blipFill>
         <p:spPr>
           <a:xfrm>
-            <a:off x="7809579" y="1242850"/>
-            <a:ext cx="560047" cy="560047"/>
+            <a:off x="224251" y="2588834"/>
+            <a:ext cx="548895" cy="548895"/>
           </a:xfrm>
           <a:prstGeom prst="rect">
             <a:avLst/>
@@ -5290,13 +5309,13 @@
       </p:pic>
       <p:sp>
         <p:nvSpPr>
-          <p:cNvPr id="16" name="TextBox 15"/>
+          <p:cNvPr id="18" name="TextBox 17"/>
           <p:cNvSpPr txBox="1"/>
           <p:nvPr/>
         </p:nvSpPr>
         <p:spPr>
           <a:xfrm>
-            <a:off x="7666736" y="1812202"/>
+            <a:off x="-16255" y="3201420"/>
             <a:ext cx="1239519" cy="246221"/>
           </a:xfrm>
           <a:prstGeom prst="rect">
@@ -5319,14 +5338,14 @@
           <a:p>
             <a:r>
               <a:rPr lang="en-US" sz="1000" dirty="0"/>
-              <a:t>Azure SQL DB</a:t>
+              <a:t>Application Insights</a:t>
             </a:r>
           </a:p>
         </p:txBody>
       </p:sp>
       <p:pic>
         <p:nvPicPr>
-          <p:cNvPr id="17" name="Picture 16"/>
+          <p:cNvPr id="19" name="Picture 18"/>
           <p:cNvPicPr>
             <a:picLocks noChangeAspect="1"/>
           </p:cNvPicPr>
@@ -5346,7 +5365,7 @@
         </p:blipFill>
         <p:spPr>
           <a:xfrm>
-            <a:off x="224251" y="2588834"/>
+            <a:off x="1386585" y="2563998"/>
             <a:ext cx="548895" cy="548895"/>
           </a:xfrm>
           <a:prstGeom prst="rect">
@@ -5356,14 +5375,14 @@
       </p:pic>
       <p:sp>
         <p:nvSpPr>
-          <p:cNvPr id="18" name="TextBox 17"/>
+          <p:cNvPr id="20" name="TextBox 19"/>
           <p:cNvSpPr txBox="1"/>
           <p:nvPr/>
         </p:nvSpPr>
         <p:spPr>
           <a:xfrm>
-            <a:off x="-16255" y="3201420"/>
-            <a:ext cx="1239519" cy="246221"/>
+            <a:off x="1278951" y="3201420"/>
+            <a:ext cx="1239519" cy="400110"/>
           </a:xfrm>
           <a:prstGeom prst="rect">
             <a:avLst/>
@@ -5385,14 +5404,14 @@
           <a:p>
             <a:r>
               <a:rPr lang="en-US" sz="1000" dirty="0"/>
-              <a:t>Application Insights</a:t>
+              <a:t>Azure Security Center</a:t>
             </a:r>
           </a:p>
         </p:txBody>
       </p:sp>
       <p:pic>
         <p:nvPicPr>
-          <p:cNvPr id="19" name="Picture 18"/>
+          <p:cNvPr id="21" name="Picture 20"/>
           <p:cNvPicPr>
             <a:picLocks noChangeAspect="1"/>
           </p:cNvPicPr>
@@ -5412,7 +5431,7 @@
         </p:blipFill>
         <p:spPr>
           <a:xfrm>
-            <a:off x="1386585" y="2563998"/>
+            <a:off x="2604260" y="2556462"/>
             <a:ext cx="548895" cy="548895"/>
           </a:xfrm>
           <a:prstGeom prst="rect">
@@ -5422,14 +5441,14 @@
       </p:pic>
       <p:sp>
         <p:nvSpPr>
-          <p:cNvPr id="20" name="TextBox 19"/>
+          <p:cNvPr id="22" name="TextBox 21"/>
           <p:cNvSpPr txBox="1"/>
           <p:nvPr/>
         </p:nvSpPr>
         <p:spPr>
           <a:xfrm>
-            <a:off x="1278951" y="3201420"/>
-            <a:ext cx="1239519" cy="400110"/>
+            <a:off x="2432050" y="3201420"/>
+            <a:ext cx="1239519" cy="246221"/>
           </a:xfrm>
           <a:prstGeom prst="rect">
             <a:avLst/>
@@ -5451,14 +5470,14 @@
           <a:p>
             <a:r>
               <a:rPr lang="en-US" sz="1000" dirty="0"/>
-              <a:t>Azure Security Center</a:t>
+              <a:t>Azure Web App</a:t>
             </a:r>
           </a:p>
         </p:txBody>
       </p:sp>
       <p:pic>
         <p:nvPicPr>
-          <p:cNvPr id="21" name="Picture 20"/>
+          <p:cNvPr id="23" name="Picture 22"/>
           <p:cNvPicPr>
             <a:picLocks noChangeAspect="1"/>
           </p:cNvPicPr>
@@ -5478,7 +5497,7 @@
         </p:blipFill>
         <p:spPr>
           <a:xfrm>
-            <a:off x="2604260" y="2556462"/>
+            <a:off x="3697093" y="2569304"/>
             <a:ext cx="548895" cy="548895"/>
           </a:xfrm>
           <a:prstGeom prst="rect">
@@ -5488,13 +5507,13 @@
       </p:pic>
       <p:sp>
         <p:nvSpPr>
-          <p:cNvPr id="22" name="TextBox 21"/>
+          <p:cNvPr id="24" name="TextBox 23"/>
           <p:cNvSpPr txBox="1"/>
           <p:nvPr/>
         </p:nvSpPr>
         <p:spPr>
           <a:xfrm>
-            <a:off x="2432050" y="3201420"/>
+            <a:off x="3476147" y="3201420"/>
             <a:ext cx="1239519" cy="246221"/>
           </a:xfrm>
           <a:prstGeom prst="rect">
@@ -5517,14 +5536,14 @@
           <a:p>
             <a:r>
               <a:rPr lang="en-US" sz="1000" dirty="0"/>
-              <a:t>Azure Web App</a:t>
+              <a:t>Azure Automation</a:t>
             </a:r>
           </a:p>
         </p:txBody>
       </p:sp>
       <p:pic>
         <p:nvPicPr>
-          <p:cNvPr id="23" name="Picture 22"/>
+          <p:cNvPr id="25" name="Picture 24"/>
           <p:cNvPicPr>
             <a:picLocks noChangeAspect="1"/>
           </p:cNvPicPr>
@@ -5544,7 +5563,7 @@
         </p:blipFill>
         <p:spPr>
           <a:xfrm>
-            <a:off x="3697093" y="2569304"/>
+            <a:off x="4953758" y="2588833"/>
             <a:ext cx="548895" cy="548895"/>
           </a:xfrm>
           <a:prstGeom prst="rect">
@@ -5554,14 +5573,14 @@
       </p:pic>
       <p:sp>
         <p:nvSpPr>
-          <p:cNvPr id="24" name="TextBox 23"/>
+          <p:cNvPr id="26" name="TextBox 25"/>
           <p:cNvSpPr txBox="1"/>
           <p:nvPr/>
         </p:nvSpPr>
         <p:spPr>
           <a:xfrm>
-            <a:off x="3476147" y="3201420"/>
-            <a:ext cx="1239519" cy="246221"/>
+            <a:off x="4824668" y="3201420"/>
+            <a:ext cx="1239519" cy="400110"/>
           </a:xfrm>
           <a:prstGeom prst="rect">
             <a:avLst/>
@@ -5583,72 +5602,6 @@
           <a:p>
             <a:r>
               <a:rPr lang="en-US" sz="1000" dirty="0"/>
-              <a:t>Azure Automation</a:t>
-            </a:r>
-          </a:p>
-        </p:txBody>
-      </p:sp>
-      <p:pic>
-        <p:nvPicPr>
-          <p:cNvPr id="25" name="Picture 24"/>
-          <p:cNvPicPr>
-            <a:picLocks noChangeAspect="1"/>
-          </p:cNvPicPr>
-          <p:nvPr/>
-        </p:nvPicPr>
-        <p:blipFill>
-          <a:blip r:embed="rId12">
-            <a:extLst>
-              <a:ext uri="{28A0092B-C50C-407E-A947-70E740481C1C}">
-                <a14:useLocalDpi xmlns:a14="http://schemas.microsoft.com/office/drawing/2010/main" val="0"/>
-              </a:ext>
-            </a:extLst>
-          </a:blip>
-          <a:stretch>
-            <a:fillRect/>
-          </a:stretch>
-        </p:blipFill>
-        <p:spPr>
-          <a:xfrm>
-            <a:off x="4953758" y="2588833"/>
-            <a:ext cx="548895" cy="548895"/>
-          </a:xfrm>
-          <a:prstGeom prst="rect">
-            <a:avLst/>
-          </a:prstGeom>
-        </p:spPr>
-      </p:pic>
-      <p:sp>
-        <p:nvSpPr>
-          <p:cNvPr id="26" name="TextBox 25"/>
-          <p:cNvSpPr txBox="1"/>
-          <p:nvPr/>
-        </p:nvSpPr>
-        <p:spPr>
-          <a:xfrm>
-            <a:off x="4824668" y="3201420"/>
-            <a:ext cx="1239519" cy="400110"/>
-          </a:xfrm>
-          <a:prstGeom prst="rect">
-            <a:avLst/>
-          </a:prstGeom>
-          <a:noFill/>
-        </p:spPr>
-        <p:txBody>
-          <a:bodyPr wrap="square" rtlCol="0">
-            <a:spAutoFit/>
-          </a:bodyPr>
-          <a:lstStyle>
-            <a:defPPr>
-              <a:defRPr lang="en-US"/>
-            </a:defPPr>
-            <a:lvl1pPr>
-              <a:defRPr sz="1400"/>
-            </a:lvl1pPr>
-          </a:lstStyle>
-          <a:p>
-            <a:r>
-              <a:rPr lang="en-US" sz="1000" dirty="0"/>
               <a:t>Azure Automation Runbooks</a:t>
             </a:r>
           </a:p>
@@ -5663,7 +5616,7 @@
           <p:nvPr/>
         </p:nvPicPr>
         <p:blipFill>
-          <a:blip r:embed="rId13">
+          <a:blip r:embed="rId12">
             <a:duotone>
               <a:prstClr val="black"/>
               <a:schemeClr val="accent2">
@@ -5718,6 +5671,72 @@
       <p:pic>
         <p:nvPicPr>
           <p:cNvPr id="29" name="Picture 28"/>
+          <p:cNvPicPr>
+            <a:picLocks noChangeAspect="1"/>
+          </p:cNvPicPr>
+          <p:nvPr/>
+        </p:nvPicPr>
+        <p:blipFill>
+          <a:blip r:embed="rId13">
+            <a:extLst>
+              <a:ext uri="{28A0092B-C50C-407E-A947-70E740481C1C}">
+                <a14:useLocalDpi xmlns:a14="http://schemas.microsoft.com/office/drawing/2010/main" val="0"/>
+              </a:ext>
+            </a:extLst>
+          </a:blip>
+          <a:stretch>
+            <a:fillRect/>
+          </a:stretch>
+        </p:blipFill>
+        <p:spPr>
+          <a:xfrm>
+            <a:off x="7826315" y="2514900"/>
+            <a:ext cx="470130" cy="470130"/>
+          </a:xfrm>
+          <a:prstGeom prst="rect">
+            <a:avLst/>
+          </a:prstGeom>
+        </p:spPr>
+      </p:pic>
+      <p:sp>
+        <p:nvSpPr>
+          <p:cNvPr id="30" name="TextBox 29"/>
+          <p:cNvSpPr txBox="1"/>
+          <p:nvPr/>
+        </p:nvSpPr>
+        <p:spPr>
+          <a:xfrm>
+            <a:off x="7676685" y="3201420"/>
+            <a:ext cx="1239519" cy="400110"/>
+          </a:xfrm>
+          <a:prstGeom prst="rect">
+            <a:avLst/>
+          </a:prstGeom>
+          <a:noFill/>
+        </p:spPr>
+        <p:txBody>
+          <a:bodyPr wrap="square" rtlCol="0">
+            <a:spAutoFit/>
+          </a:bodyPr>
+          <a:lstStyle>
+            <a:defPPr>
+              <a:defRPr lang="en-US"/>
+            </a:defPPr>
+            <a:lvl1pPr>
+              <a:defRPr sz="1400"/>
+            </a:lvl1pPr>
+          </a:lstStyle>
+          <a:p>
+            <a:r>
+              <a:rPr lang="en-US" sz="1000" dirty="0"/>
+              <a:t>Azure Virtual Network</a:t>
+            </a:r>
+          </a:p>
+        </p:txBody>
+      </p:sp>
+      <p:pic>
+        <p:nvPicPr>
+          <p:cNvPr id="31" name="Picture 30"/>
           <p:cNvPicPr>
             <a:picLocks noChangeAspect="1"/>
           </p:cNvPicPr>
@@ -5737,7 +5756,7 @@
         </p:blipFill>
         <p:spPr>
           <a:xfrm>
-            <a:off x="7826315" y="2514900"/>
+            <a:off x="9040773" y="2549952"/>
             <a:ext cx="470130" cy="470130"/>
           </a:xfrm>
           <a:prstGeom prst="rect">
@@ -5747,13 +5766,13 @@
       </p:pic>
       <p:sp>
         <p:nvSpPr>
-          <p:cNvPr id="30" name="TextBox 29"/>
+          <p:cNvPr id="32" name="TextBox 31"/>
           <p:cNvSpPr txBox="1"/>
           <p:nvPr/>
         </p:nvSpPr>
         <p:spPr>
           <a:xfrm>
-            <a:off x="7676685" y="3201420"/>
+            <a:off x="8936726" y="3201420"/>
             <a:ext cx="1239519" cy="400110"/>
           </a:xfrm>
           <a:prstGeom prst="rect">
@@ -5776,14 +5795,14 @@
           <a:p>
             <a:r>
               <a:rPr lang="en-US" sz="1000" dirty="0"/>
-              <a:t>Azure Virtual Network</a:t>
+              <a:t>Azure Virtual Machine</a:t>
             </a:r>
           </a:p>
         </p:txBody>
       </p:sp>
       <p:pic>
         <p:nvPicPr>
-          <p:cNvPr id="31" name="Picture 30"/>
+          <p:cNvPr id="33" name="Picture 32"/>
           <p:cNvPicPr>
             <a:picLocks noChangeAspect="1"/>
           </p:cNvPicPr>
@@ -5803,8 +5822,8 @@
         </p:blipFill>
         <p:spPr>
           <a:xfrm>
-            <a:off x="9040773" y="2549952"/>
-            <a:ext cx="470130" cy="470130"/>
+            <a:off x="278059" y="3915042"/>
+            <a:ext cx="464620" cy="464620"/>
           </a:xfrm>
           <a:prstGeom prst="rect">
             <a:avLst/>
@@ -5813,14 +5832,14 @@
       </p:pic>
       <p:sp>
         <p:nvSpPr>
-          <p:cNvPr id="32" name="TextBox 31"/>
+          <p:cNvPr id="34" name="TextBox 33"/>
           <p:cNvSpPr txBox="1"/>
           <p:nvPr/>
         </p:nvSpPr>
         <p:spPr>
           <a:xfrm>
-            <a:off x="8936726" y="3201420"/>
-            <a:ext cx="1239519" cy="400110"/>
+            <a:off x="46873" y="4447580"/>
+            <a:ext cx="1113261" cy="553998"/>
           </a:xfrm>
           <a:prstGeom prst="rect">
             <a:avLst/>
@@ -5842,14 +5861,14 @@
           <a:p>
             <a:r>
               <a:rPr lang="en-US" sz="1000" dirty="0"/>
-              <a:t>Azure Virtual Machine</a:t>
+              <a:t>Azure Resource Group and Policies</a:t>
             </a:r>
           </a:p>
         </p:txBody>
       </p:sp>
       <p:pic>
         <p:nvPicPr>
-          <p:cNvPr id="33" name="Picture 32"/>
+          <p:cNvPr id="35" name="Picture 34"/>
           <p:cNvPicPr>
             <a:picLocks noChangeAspect="1"/>
           </p:cNvPicPr>
@@ -5869,8 +5888,8 @@
         </p:blipFill>
         <p:spPr>
           <a:xfrm>
-            <a:off x="278059" y="3915042"/>
-            <a:ext cx="464620" cy="464620"/>
+            <a:off x="1386585" y="3915042"/>
+            <a:ext cx="470130" cy="470130"/>
           </a:xfrm>
           <a:prstGeom prst="rect">
             <a:avLst/>
@@ -5879,14 +5898,14 @@
       </p:pic>
       <p:sp>
         <p:nvSpPr>
-          <p:cNvPr id="34" name="TextBox 33"/>
+          <p:cNvPr id="36" name="TextBox 35"/>
           <p:cNvSpPr txBox="1"/>
           <p:nvPr/>
         </p:nvSpPr>
         <p:spPr>
           <a:xfrm>
-            <a:off x="46873" y="4447580"/>
-            <a:ext cx="1113261" cy="553998"/>
+            <a:off x="1278951" y="4447580"/>
+            <a:ext cx="974755" cy="400110"/>
           </a:xfrm>
           <a:prstGeom prst="rect">
             <a:avLst/>
@@ -5908,14 +5927,14 @@
           <a:p>
             <a:r>
               <a:rPr lang="en-US" sz="1000" dirty="0"/>
-              <a:t>Azure Resource Group and Policies</a:t>
+              <a:t>Azure Blob Storage</a:t>
             </a:r>
           </a:p>
         </p:txBody>
       </p:sp>
       <p:pic>
         <p:nvPicPr>
-          <p:cNvPr id="35" name="Picture 34"/>
+          <p:cNvPr id="37" name="Picture 36"/>
           <p:cNvPicPr>
             <a:picLocks noChangeAspect="1"/>
           </p:cNvPicPr>
@@ -5935,8 +5954,8 @@
         </p:blipFill>
         <p:spPr>
           <a:xfrm>
-            <a:off x="1386585" y="3915042"/>
-            <a:ext cx="470130" cy="470130"/>
+            <a:off x="6451746" y="2556876"/>
+            <a:ext cx="580852" cy="580852"/>
           </a:xfrm>
           <a:prstGeom prst="rect">
             <a:avLst/>
@@ -5945,14 +5964,14 @@
       </p:pic>
       <p:sp>
         <p:nvSpPr>
-          <p:cNvPr id="36" name="TextBox 35"/>
+          <p:cNvPr id="38" name="TextBox 37"/>
           <p:cNvSpPr txBox="1"/>
           <p:nvPr/>
         </p:nvSpPr>
         <p:spPr>
           <a:xfrm>
-            <a:off x="1223264" y="4432130"/>
-            <a:ext cx="1677932" cy="246221"/>
+            <a:off x="6343340" y="3201420"/>
+            <a:ext cx="836799" cy="246221"/>
           </a:xfrm>
           <a:prstGeom prst="rect">
             <a:avLst/>
@@ -5974,14 +5993,14 @@
           <a:p>
             <a:r>
               <a:rPr lang="en-US" sz="1000" dirty="0"/>
-              <a:t>Azure Blob Storage</a:t>
+              <a:t>Azure DNS</a:t>
             </a:r>
           </a:p>
         </p:txBody>
       </p:sp>
       <p:pic>
         <p:nvPicPr>
-          <p:cNvPr id="37" name="Picture 36"/>
+          <p:cNvPr id="39" name="Picture 38"/>
           <p:cNvPicPr>
             <a:picLocks noChangeAspect="1"/>
           </p:cNvPicPr>
@@ -6001,8 +6020,8 @@
         </p:blipFill>
         <p:spPr>
           <a:xfrm>
-            <a:off x="6451746" y="2556876"/>
-            <a:ext cx="580852" cy="580852"/>
+            <a:off x="8972358" y="1242850"/>
+            <a:ext cx="584128" cy="584128"/>
           </a:xfrm>
           <a:prstGeom prst="rect">
             <a:avLst/>
@@ -6011,14 +6030,14 @@
       </p:pic>
       <p:sp>
         <p:nvSpPr>
-          <p:cNvPr id="38" name="TextBox 37"/>
+          <p:cNvPr id="40" name="TextBox 39"/>
           <p:cNvSpPr txBox="1"/>
           <p:nvPr/>
         </p:nvSpPr>
         <p:spPr>
           <a:xfrm>
-            <a:off x="6343340" y="3201420"/>
-            <a:ext cx="836799" cy="246221"/>
+            <a:off x="8726075" y="1803772"/>
+            <a:ext cx="1239519" cy="246221"/>
           </a:xfrm>
           <a:prstGeom prst="rect">
             <a:avLst/>
@@ -6040,14 +6059,14 @@
           <a:p>
             <a:r>
               <a:rPr lang="en-US" sz="1000" dirty="0"/>
-              <a:t>Azure DNS</a:t>
+              <a:t>Azure Load Balancer</a:t>
             </a:r>
           </a:p>
         </p:txBody>
       </p:sp>
       <p:pic>
         <p:nvPicPr>
-          <p:cNvPr id="39" name="Picture 38"/>
+          <p:cNvPr id="2" name="Picture 1"/>
           <p:cNvPicPr>
             <a:picLocks noChangeAspect="1"/>
           </p:cNvPicPr>
@@ -6067,8 +6086,8 @@
         </p:blipFill>
         <p:spPr>
           <a:xfrm>
-            <a:off x="8972358" y="1242850"/>
-            <a:ext cx="584128" cy="584128"/>
+            <a:off x="2589993" y="3915042"/>
+            <a:ext cx="617177" cy="617177"/>
           </a:xfrm>
           <a:prstGeom prst="rect">
             <a:avLst/>
@@ -6077,14 +6096,14 @@
       </p:pic>
       <p:sp>
         <p:nvSpPr>
-          <p:cNvPr id="40" name="TextBox 39"/>
+          <p:cNvPr id="41" name="TextBox 40"/>
           <p:cNvSpPr txBox="1"/>
           <p:nvPr/>
         </p:nvSpPr>
         <p:spPr>
           <a:xfrm>
-            <a:off x="8726075" y="1803772"/>
-            <a:ext cx="1239519" cy="246221"/>
+            <a:off x="2501392" y="4447580"/>
+            <a:ext cx="974755" cy="707886"/>
           </a:xfrm>
           <a:prstGeom prst="rect">
             <a:avLst/>
@@ -6106,11 +6125,41 @@
           <a:p>
             <a:r>
               <a:rPr lang="en-US" sz="1000" dirty="0"/>
-              <a:t>Azure Load Balancer</a:t>
-            </a:r>
-          </a:p>
-        </p:txBody>
-      </p:sp>
+              <a:t>Azure Active Directory access control (RBAC)</a:t>
+            </a:r>
+          </a:p>
+        </p:txBody>
+      </p:sp>
+      <p:pic>
+        <p:nvPicPr>
+          <p:cNvPr id="3" name="Picture 2"/>
+          <p:cNvPicPr>
+            <a:picLocks noChangeAspect="1"/>
+          </p:cNvPicPr>
+          <p:nvPr/>
+        </p:nvPicPr>
+        <p:blipFill>
+          <a:blip r:embed="rId20">
+            <a:extLst>
+              <a:ext uri="{28A0092B-C50C-407E-A947-70E740481C1C}">
+                <a14:useLocalDpi xmlns:a14="http://schemas.microsoft.com/office/drawing/2010/main" val="0"/>
+              </a:ext>
+            </a:extLst>
+          </a:blip>
+          <a:stretch>
+            <a:fillRect/>
+          </a:stretch>
+        </p:blipFill>
+        <p:spPr>
+          <a:xfrm>
+            <a:off x="2550978" y="1144402"/>
+            <a:ext cx="587251" cy="587251"/>
+          </a:xfrm>
+          <a:prstGeom prst="rect">
+            <a:avLst/>
+          </a:prstGeom>
+        </p:spPr>
+      </p:pic>
     </p:spTree>
     <p:extLst>
       <p:ext uri="{BB962C8B-B14F-4D97-AF65-F5344CB8AC3E}">

--- a/documents/Azure_PCI_PaaS_Management_Reference_Architecture.pptx
+++ b/documents/Azure_PCI_PaaS_Management_Reference_Architecture.pptx
@@ -208,7 +208,7 @@
           <a:p>
             <a:fld id="{8BAD32BC-9A36-444A-AC36-0834185C81D6}" type="datetimeFigureOut">
               <a:rPr lang="en-US" smtClean="0"/>
-              <a:t>1/30/2017</a:t>
+              <a:t>2/2/2017</a:t>
             </a:fld>
             <a:endParaRPr lang="en-US"/>
           </a:p>
@@ -373,7 +373,7 @@
           <a:p>
             <a:fld id="{9513AB20-DDA0-498D-8E7E-1827A09E602C}" type="datetimeFigureOut">
               <a:rPr lang="en-US" smtClean="0"/>
-              <a:t>1/30/2017</a:t>
+              <a:t>2/2/2017</a:t>
             </a:fld>
             <a:endParaRPr lang="en-US"/>
           </a:p>
@@ -2882,14 +2882,14 @@
           </a:ln>
           <a:extLst>
             <a:ext uri="{909E8E84-426E-40dd-AFC4-6F175D3DCCD1}">
-              <a14:hiddenFill xmlns="" xmlns:a14="http://schemas.microsoft.com/office/drawing/2010/main">
+              <a14:hiddenFill xmlns:a14="http://schemas.microsoft.com/office/drawing/2010/main" xmlns="">
                 <a:solidFill>
                   <a:srgbClr val="FFFFFF"/>
                 </a:solidFill>
               </a14:hiddenFill>
             </a:ext>
             <a:ext uri="{91240B29-F687-4f45-9708-019B960494DF}">
-              <a14:hiddenLine xmlns="" xmlns:a14="http://schemas.microsoft.com/office/drawing/2010/main" w="9525">
+              <a14:hiddenLine xmlns:a14="http://schemas.microsoft.com/office/drawing/2010/main" xmlns="" w="9525">
                 <a:solidFill>
                   <a:srgbClr val="000000"/>
                 </a:solidFill>
@@ -13001,7 +13001,7 @@
       </p:grpSpPr>
       <p:pic>
         <p:nvPicPr>
-          <p:cNvPr id="6" name="Picture 5"/>
+          <p:cNvPr id="3" name="Picture 2"/>
           <p:cNvPicPr>
             <a:picLocks noChangeAspect="1"/>
           </p:cNvPicPr>
@@ -13015,22 +13015,12 @@
         </p:blipFill>
         <p:spPr>
           <a:xfrm>
-            <a:off x="4733271" y="1266110"/>
-            <a:ext cx="4227849" cy="3970033"/>
-          </a:xfrm>
-          <a:prstGeom prst="rect">
-            <a:avLst/>
-          </a:prstGeom>
-          <a:ln>
-            <a:noFill/>
-          </a:ln>
-          <a:effectLst>
-            <a:outerShdw blurRad="292100" dist="139700" dir="2700000" algn="tl" rotWithShape="0">
-              <a:srgbClr val="333333">
-                <a:alpha val="65000"/>
-              </a:srgbClr>
-            </a:outerShdw>
-          </a:effectLst>
+            <a:off x="4890957" y="1116611"/>
+            <a:ext cx="4165600" cy="4191187"/>
+          </a:xfrm>
+          <a:prstGeom prst="rect">
+            <a:avLst/>
+          </a:prstGeom>
         </p:spPr>
       </p:pic>
       <p:sp>
@@ -13269,7 +13259,7 @@
         </p:blipFill>
         <p:spPr bwMode="auto">
           <a:xfrm>
-            <a:off x="5307470" y="2534414"/>
+            <a:off x="5269633" y="1885021"/>
             <a:ext cx="426294" cy="426294"/>
           </a:xfrm>
           <a:prstGeom prst="rect">
@@ -13347,7 +13337,7 @@
               <a:rPr lang="en-US" sz="1400" dirty="0">
                 <a:hlinkClick r:id="rId6"/>
               </a:rPr>
-              <a:t>azurepcisamples@avyanconsulting.com</a:t>
+              <a:t>azurecompliance@avyanconsulting.com</a:t>
             </a:r>
             <a:r>
               <a:rPr lang="en-US" sz="1400" dirty="0"/>

--- a/documents/Azure_PCI_PaaS_Management_Reference_Architecture.pptx
+++ b/documents/Azure_PCI_PaaS_Management_Reference_Architecture.pptx
@@ -208,7 +208,7 @@
           <a:p>
             <a:fld id="{8BAD32BC-9A36-444A-AC36-0834185C81D6}" type="datetimeFigureOut">
               <a:rPr lang="en-US" smtClean="0"/>
-              <a:t>2/2/2017</a:t>
+              <a:t>2/3/2017</a:t>
             </a:fld>
             <a:endParaRPr lang="en-US"/>
           </a:p>
@@ -2882,14 +2882,14 @@
           </a:ln>
           <a:extLst>
             <a:ext uri="{909E8E84-426E-40dd-AFC4-6F175D3DCCD1}">
-              <a14:hiddenFill xmlns:a14="http://schemas.microsoft.com/office/drawing/2010/main" xmlns="">
+              <a14:hiddenFill xmlns="" xmlns:a14="http://schemas.microsoft.com/office/drawing/2010/main">
                 <a:solidFill>
                   <a:srgbClr val="FFFFFF"/>
                 </a:solidFill>
               </a14:hiddenFill>
             </a:ext>
             <a:ext uri="{91240B29-F687-4f45-9708-019B960494DF}">
-              <a14:hiddenLine xmlns:a14="http://schemas.microsoft.com/office/drawing/2010/main" xmlns="" w="9525">
+              <a14:hiddenLine xmlns="" xmlns:a14="http://schemas.microsoft.com/office/drawing/2010/main" w="9525">
                 <a:solidFill>
                   <a:srgbClr val="000000"/>
                 </a:solidFill>
@@ -12292,7 +12292,7 @@
           <p:nvPr>
             <p:extLst>
               <p:ext uri="{D42A27DB-BD31-4B8C-83A1-F6EECF244321}">
-                <p14:modId xmlns:p14="http://schemas.microsoft.com/office/powerpoint/2010/main" val="3212476861"/>
+                <p14:modId xmlns:p14="http://schemas.microsoft.com/office/powerpoint/2010/main" val="3177429196"/>
               </p:ext>
             </p:extLst>
           </p:nvPr>
@@ -12445,6 +12445,44 @@
                         <a:cs typeface="+mn-cs"/>
                       </a:endParaRPr>
                     </a:p>
+                    <a:p>
+                      <a:pPr marL="173038" indent="-173038" rtl="0">
+                        <a:buFont typeface="Arial" panose="020B0604020202020204" pitchFamily="34" charset="0"/>
+                        <a:buChar char="•"/>
+                      </a:pPr>
+                      <a:r>
+                        <a:rPr lang="en-US" sz="800" kern="1200" dirty="0" err="1">
+                          <a:solidFill>
+                            <a:srgbClr val="7F7F7F"/>
+                          </a:solidFill>
+                          <a:latin typeface="Calibri" panose="020F0502020204030204" pitchFamily="34" charset="0"/>
+                          <a:ea typeface="+mn-ea"/>
+                          <a:cs typeface="+mn-cs"/>
+                          <a:hlinkClick r:id="rId35"/>
+                        </a:rPr>
+                        <a:t>AutoShutDown</a:t>
+                      </a:r>
+                      <a:r>
+                        <a:rPr lang="en-US" sz="800" kern="1200" dirty="0">
+                          <a:solidFill>
+                            <a:srgbClr val="7F7F7F"/>
+                          </a:solidFill>
+                          <a:latin typeface="Calibri" panose="020F0502020204030204" pitchFamily="34" charset="0"/>
+                          <a:ea typeface="+mn-ea"/>
+                          <a:cs typeface="+mn-cs"/>
+                          <a:hlinkClick r:id="rId35"/>
+                        </a:rPr>
+                        <a:t> Policy</a:t>
+                      </a:r>
+                      <a:endParaRPr lang="en-US" sz="800" kern="1200" dirty="0">
+                        <a:solidFill>
+                          <a:srgbClr val="7F7F7F"/>
+                        </a:solidFill>
+                        <a:latin typeface="Calibri" panose="020F0502020204030204" pitchFamily="34" charset="0"/>
+                        <a:ea typeface="+mn-ea"/>
+                        <a:cs typeface="+mn-cs"/>
+                      </a:endParaRPr>
+                    </a:p>
                   </a:txBody>
                   <a:tcPr marL="57150" marR="57150" marT="28575" marB="28575"/>
                 </a:tc>
@@ -12715,7 +12753,7 @@
                           <a:latin typeface="+mn-lt"/>
                           <a:ea typeface="+mn-ea"/>
                           <a:cs typeface="+mn-cs"/>
-                          <a:hlinkClick r:id="rId35"/>
+                          <a:hlinkClick r:id="rId36"/>
                         </a:rPr>
                         <a:t>Enable Diagnostics Logging</a:t>
                       </a:r>
@@ -12870,7 +12908,7 @@
                           <a:latin typeface="+mn-lt"/>
                           <a:ea typeface="+mn-ea"/>
                           <a:cs typeface="+mn-cs"/>
-                          <a:hlinkClick r:id="rId36"/>
+                          <a:hlinkClick r:id="rId37"/>
                         </a:rPr>
                         <a:t>Azure automation</a:t>
                       </a:r>

--- a/documents/Azure_PCI_PaaS_Management_Reference_Architecture.pptx
+++ b/documents/Azure_PCI_PaaS_Management_Reference_Architecture.pptx
@@ -5,18 +5,21 @@
     <p:sldMasterId id="2147483660" r:id="rId1"/>
   </p:sldMasterIdLst>
   <p:notesMasterIdLst>
-    <p:notesMasterId r:id="rId8"/>
+    <p:notesMasterId r:id="rId11"/>
   </p:notesMasterIdLst>
   <p:handoutMasterIdLst>
-    <p:handoutMasterId r:id="rId9"/>
+    <p:handoutMasterId r:id="rId12"/>
   </p:handoutMasterIdLst>
   <p:sldIdLst>
     <p:sldId id="256" r:id="rId2"/>
     <p:sldId id="258" r:id="rId3"/>
-    <p:sldId id="261" r:id="rId4"/>
-    <p:sldId id="257" r:id="rId5"/>
-    <p:sldId id="259" r:id="rId6"/>
-    <p:sldId id="262" r:id="rId7"/>
+    <p:sldId id="264" r:id="rId4"/>
+    <p:sldId id="265" r:id="rId5"/>
+    <p:sldId id="261" r:id="rId6"/>
+    <p:sldId id="263" r:id="rId7"/>
+    <p:sldId id="257" r:id="rId8"/>
+    <p:sldId id="259" r:id="rId9"/>
+    <p:sldId id="262" r:id="rId10"/>
   </p:sldIdLst>
   <p:sldSz cx="10160000" cy="5715000"/>
   <p:notesSz cx="6858000" cy="9144000"/>
@@ -208,7 +211,7 @@
           <a:p>
             <a:fld id="{8BAD32BC-9A36-444A-AC36-0834185C81D6}" type="datetimeFigureOut">
               <a:rPr lang="en-US" smtClean="0"/>
-              <a:t>2/3/2017</a:t>
+              <a:t>3/24/2017</a:t>
             </a:fld>
             <a:endParaRPr lang="en-US"/>
           </a:p>
@@ -373,7 +376,7 @@
           <a:p>
             <a:fld id="{9513AB20-DDA0-498D-8E7E-1827A09E602C}" type="datetimeFigureOut">
               <a:rPr lang="en-US" smtClean="0"/>
-              <a:t>2/2/2017</a:t>
+              <a:t>3/24/2017</a:t>
             </a:fld>
             <a:endParaRPr lang="en-US"/>
           </a:p>
@@ -746,7 +749,7 @@
           <a:p>
             <a:fld id="{E2BF9D02-AA6A-480F-9596-6C8D89AF7DB4}" type="slidenum">
               <a:rPr lang="en-US" smtClean="0"/>
-              <a:t>6</a:t>
+              <a:t>9</a:t>
             </a:fld>
             <a:endParaRPr lang="en-US" dirty="0"/>
           </a:p>
@@ -2882,14 +2885,14 @@
           </a:ln>
           <a:extLst>
             <a:ext uri="{909E8E84-426E-40dd-AFC4-6F175D3DCCD1}">
-              <a14:hiddenFill xmlns="" xmlns:a14="http://schemas.microsoft.com/office/drawing/2010/main">
+              <a14:hiddenFill xmlns:a14="http://schemas.microsoft.com/office/drawing/2010/main" xmlns="">
                 <a:solidFill>
                   <a:srgbClr val="FFFFFF"/>
                 </a:solidFill>
               </a14:hiddenFill>
             </a:ext>
             <a:ext uri="{91240B29-F687-4f45-9708-019B960494DF}">
-              <a14:hiddenLine xmlns="" xmlns:a14="http://schemas.microsoft.com/office/drawing/2010/main" w="9525">
+              <a14:hiddenLine xmlns:a14="http://schemas.microsoft.com/office/drawing/2010/main" xmlns="" w="9525">
                 <a:solidFill>
                   <a:srgbClr val="000000"/>
                 </a:solidFill>
@@ -4908,6 +4911,106 @@
       </p:grpSpPr>
       <p:sp>
         <p:nvSpPr>
+          <p:cNvPr id="6" name="Text Placeholder 5"/>
+          <p:cNvSpPr>
+            <a:spLocks noGrp="1"/>
+          </p:cNvSpPr>
+          <p:nvPr>
+            <p:ph type="body" idx="1"/>
+          </p:nvPr>
+        </p:nvSpPr>
+        <p:spPr/>
+        <p:txBody>
+          <a:bodyPr/>
+          <a:lstStyle/>
+          <a:p>
+            <a:r>
+              <a:rPr lang="en-US" dirty="0"/>
+              <a:t>ADDRESSING FEW PAINS</a:t>
+            </a:r>
+          </a:p>
+        </p:txBody>
+      </p:sp>
+      <p:sp>
+        <p:nvSpPr>
+          <p:cNvPr id="7" name="Content Placeholder 6"/>
+          <p:cNvSpPr>
+            <a:spLocks noGrp="1"/>
+          </p:cNvSpPr>
+          <p:nvPr>
+            <p:ph sz="half" idx="2"/>
+          </p:nvPr>
+        </p:nvSpPr>
+        <p:spPr>
+          <a:solidFill>
+            <a:schemeClr val="bg1">
+              <a:lumMod val="95000"/>
+            </a:schemeClr>
+          </a:solidFill>
+        </p:spPr>
+        <p:txBody>
+          <a:bodyPr/>
+          <a:lstStyle/>
+          <a:p>
+            <a:r>
+              <a:rPr lang="en-US" dirty="0"/>
+              <a:t>Easing customer conversations, especially for standing up secure and compliant  in Azure adoption</a:t>
+            </a:r>
+          </a:p>
+        </p:txBody>
+      </p:sp>
+      <p:sp>
+        <p:nvSpPr>
+          <p:cNvPr id="8" name="Text Placeholder 7"/>
+          <p:cNvSpPr>
+            <a:spLocks noGrp="1"/>
+          </p:cNvSpPr>
+          <p:nvPr>
+            <p:ph type="body" sz="quarter" idx="3"/>
+          </p:nvPr>
+        </p:nvSpPr>
+        <p:spPr/>
+        <p:txBody>
+          <a:bodyPr/>
+          <a:lstStyle/>
+          <a:p>
+            <a:pPr marL="0" indent="0">
+              <a:buNone/>
+            </a:pPr>
+            <a:r>
+              <a:rPr lang="en-US" dirty="0"/>
+              <a:t>SHOWCASING VALUE</a:t>
+            </a:r>
+          </a:p>
+        </p:txBody>
+      </p:sp>
+      <p:sp>
+        <p:nvSpPr>
+          <p:cNvPr id="9" name="Content Placeholder 8"/>
+          <p:cNvSpPr>
+            <a:spLocks noGrp="1"/>
+          </p:cNvSpPr>
+          <p:nvPr>
+            <p:ph sz="quarter" idx="4"/>
+          </p:nvPr>
+        </p:nvSpPr>
+        <p:spPr>
+          <a:solidFill>
+            <a:schemeClr val="bg1">
+              <a:lumMod val="95000"/>
+            </a:schemeClr>
+          </a:solidFill>
+        </p:spPr>
+        <p:txBody>
+          <a:bodyPr/>
+          <a:lstStyle/>
+          <a:p>
+            <a:endParaRPr lang="en-US" dirty="0"/>
+          </a:p>
+        </p:txBody>
+      </p:sp>
+      <p:sp>
+        <p:nvSpPr>
           <p:cNvPr id="4" name="Title 3"/>
           <p:cNvSpPr>
             <a:spLocks noGrp="1"/>
@@ -4917,11 +5020,4580 @@
           </p:nvPr>
         </p:nvSpPr>
         <p:spPr>
-          <a:xfrm>
-            <a:off x="0" y="8"/>
-            <a:ext cx="10160000" cy="750338"/>
-          </a:xfrm>
-        </p:spPr>
+          <a:noFill/>
+        </p:spPr>
+        <p:txBody>
+          <a:bodyPr/>
+          <a:lstStyle/>
+          <a:p>
+            <a:r>
+              <a:rPr lang="en-US" sz="2000" dirty="0">
+                <a:solidFill>
+                  <a:srgbClr val="0070C0"/>
+                </a:solidFill>
+              </a:rPr>
+              <a:t>WHY WE BUILT THIS QUICKSTART?</a:t>
+            </a:r>
+          </a:p>
+        </p:txBody>
+      </p:sp>
+    </p:spTree>
+    <p:extLst>
+      <p:ext uri="{BB962C8B-B14F-4D97-AF65-F5344CB8AC3E}">
+        <p14:creationId xmlns:p14="http://schemas.microsoft.com/office/powerpoint/2010/main" val="982421116"/>
+      </p:ext>
+    </p:extLst>
+  </p:cSld>
+  <p:clrMapOvr>
+    <a:masterClrMapping/>
+  </p:clrMapOvr>
+</p:sld>
+</file>
+
+<file path=ppt/slides/slide4.xml><?xml version="1.0" encoding="utf-8"?>
+<p:sld xmlns:a="http://schemas.openxmlformats.org/drawingml/2006/main" xmlns:r="http://schemas.openxmlformats.org/officeDocument/2006/relationships" xmlns:p="http://schemas.openxmlformats.org/presentationml/2006/main">
+  <p:cSld>
+    <p:spTree>
+      <p:nvGrpSpPr>
+        <p:cNvPr id="1" name=""/>
+        <p:cNvGrpSpPr/>
+        <p:nvPr/>
+      </p:nvGrpSpPr>
+      <p:grpSpPr>
+        <a:xfrm>
+          <a:off x="0" y="0"/>
+          <a:ext cx="0" cy="0"/>
+          <a:chOff x="0" y="0"/>
+          <a:chExt cx="0" cy="0"/>
+        </a:xfrm>
+      </p:grpSpPr>
+      <p:sp>
+        <p:nvSpPr>
+          <p:cNvPr id="27" name="Rectangle 26"/>
+          <p:cNvSpPr/>
+          <p:nvPr/>
+        </p:nvSpPr>
+        <p:spPr>
+          <a:xfrm>
+            <a:off x="400051" y="2012669"/>
+            <a:ext cx="4153568" cy="726802"/>
+          </a:xfrm>
+          <a:prstGeom prst="rect">
+            <a:avLst/>
+          </a:prstGeom>
+          <a:solidFill>
+            <a:srgbClr val="F49D00"/>
+          </a:solidFill>
+          <a:ln w="9525" cap="flat" cmpd="sng" algn="ctr">
+            <a:noFill/>
+            <a:prstDash val="solid"/>
+          </a:ln>
+          <a:effectLst/>
+        </p:spPr>
+        <p:txBody>
+          <a:bodyPr rtlCol="0" anchor="ctr"/>
+          <a:lstStyle/>
+          <a:p>
+            <a:pPr marL="0" marR="0" lvl="0" indent="0" algn="ctr" defTabSz="1219170" eaLnBrk="1" fontAlgn="auto" latinLnBrk="0" hangingPunct="1">
+              <a:lnSpc>
+                <a:spcPct val="100000"/>
+              </a:lnSpc>
+              <a:spcBef>
+                <a:spcPts val="0"/>
+              </a:spcBef>
+              <a:spcAft>
+                <a:spcPts val="0"/>
+              </a:spcAft>
+              <a:buClrTx/>
+              <a:buSzTx/>
+              <a:buFontTx/>
+              <a:buNone/>
+              <a:tabLst/>
+              <a:defRPr/>
+            </a:pPr>
+            <a:endParaRPr kumimoji="0" lang="en-US" sz="2400" b="0" i="0" u="none" strike="noStrike" kern="0" cap="none" spc="0" normalizeH="0" baseline="0" noProof="0">
+              <a:ln>
+                <a:noFill/>
+              </a:ln>
+              <a:solidFill>
+                <a:prstClr val="white"/>
+              </a:solidFill>
+              <a:effectLst/>
+              <a:uLnTx/>
+              <a:uFillTx/>
+              <a:latin typeface="Open Sans Light"/>
+              <a:ea typeface="+mn-ea"/>
+              <a:cs typeface="+mn-cs"/>
+            </a:endParaRPr>
+          </a:p>
+        </p:txBody>
+      </p:sp>
+      <p:sp>
+        <p:nvSpPr>
+          <p:cNvPr id="28" name="Rectangle 27"/>
+          <p:cNvSpPr/>
+          <p:nvPr/>
+        </p:nvSpPr>
+        <p:spPr>
+          <a:xfrm>
+            <a:off x="400051" y="2734383"/>
+            <a:ext cx="4153568" cy="726802"/>
+          </a:xfrm>
+          <a:prstGeom prst="rect">
+            <a:avLst/>
+          </a:prstGeom>
+          <a:solidFill>
+            <a:srgbClr val="1D6E9B"/>
+          </a:solidFill>
+          <a:ln w="9525" cap="flat" cmpd="sng" algn="ctr">
+            <a:noFill/>
+            <a:prstDash val="solid"/>
+          </a:ln>
+          <a:effectLst/>
+        </p:spPr>
+        <p:txBody>
+          <a:bodyPr rtlCol="0" anchor="ctr"/>
+          <a:lstStyle/>
+          <a:p>
+            <a:pPr marL="0" marR="0" lvl="0" indent="0" algn="ctr" defTabSz="1219170" eaLnBrk="1" fontAlgn="auto" latinLnBrk="0" hangingPunct="1">
+              <a:lnSpc>
+                <a:spcPct val="100000"/>
+              </a:lnSpc>
+              <a:spcBef>
+                <a:spcPts val="0"/>
+              </a:spcBef>
+              <a:spcAft>
+                <a:spcPts val="0"/>
+              </a:spcAft>
+              <a:buClrTx/>
+              <a:buSzTx/>
+              <a:buFontTx/>
+              <a:buNone/>
+              <a:tabLst/>
+              <a:defRPr/>
+            </a:pPr>
+            <a:endParaRPr kumimoji="0" lang="en-US" sz="2400" b="0" i="0" u="none" strike="noStrike" kern="0" cap="none" spc="0" normalizeH="0" baseline="0" noProof="0">
+              <a:ln>
+                <a:noFill/>
+              </a:ln>
+              <a:solidFill>
+                <a:prstClr val="white"/>
+              </a:solidFill>
+              <a:effectLst/>
+              <a:uLnTx/>
+              <a:uFillTx/>
+              <a:latin typeface="Open Sans Light"/>
+              <a:ea typeface="+mn-ea"/>
+              <a:cs typeface="+mn-cs"/>
+            </a:endParaRPr>
+          </a:p>
+        </p:txBody>
+      </p:sp>
+      <p:sp>
+        <p:nvSpPr>
+          <p:cNvPr id="29" name="Rectangle 28"/>
+          <p:cNvSpPr/>
+          <p:nvPr/>
+        </p:nvSpPr>
+        <p:spPr>
+          <a:xfrm>
+            <a:off x="400051" y="3457223"/>
+            <a:ext cx="4153568" cy="726802"/>
+          </a:xfrm>
+          <a:prstGeom prst="rect">
+            <a:avLst/>
+          </a:prstGeom>
+          <a:solidFill>
+            <a:srgbClr val="CF423F"/>
+          </a:solidFill>
+          <a:ln w="9525" cap="flat" cmpd="sng" algn="ctr">
+            <a:noFill/>
+            <a:prstDash val="solid"/>
+          </a:ln>
+          <a:effectLst/>
+        </p:spPr>
+        <p:txBody>
+          <a:bodyPr rtlCol="0" anchor="ctr"/>
+          <a:lstStyle/>
+          <a:p>
+            <a:pPr marL="0" marR="0" lvl="0" indent="0" algn="ctr" defTabSz="1219170" eaLnBrk="1" fontAlgn="auto" latinLnBrk="0" hangingPunct="1">
+              <a:lnSpc>
+                <a:spcPct val="100000"/>
+              </a:lnSpc>
+              <a:spcBef>
+                <a:spcPts val="0"/>
+              </a:spcBef>
+              <a:spcAft>
+                <a:spcPts val="0"/>
+              </a:spcAft>
+              <a:buClrTx/>
+              <a:buSzTx/>
+              <a:buFontTx/>
+              <a:buNone/>
+              <a:tabLst/>
+              <a:defRPr/>
+            </a:pPr>
+            <a:endParaRPr kumimoji="0" lang="en-US" sz="2400" b="0" i="0" u="none" strike="noStrike" kern="0" cap="none" spc="0" normalizeH="0" baseline="0" noProof="0">
+              <a:ln>
+                <a:noFill/>
+              </a:ln>
+              <a:solidFill>
+                <a:prstClr val="white"/>
+              </a:solidFill>
+              <a:effectLst/>
+              <a:uLnTx/>
+              <a:uFillTx/>
+              <a:latin typeface="Open Sans Light"/>
+              <a:ea typeface="+mn-ea"/>
+              <a:cs typeface="+mn-cs"/>
+            </a:endParaRPr>
+          </a:p>
+        </p:txBody>
+      </p:sp>
+      <p:sp>
+        <p:nvSpPr>
+          <p:cNvPr id="30" name="Rectangle 29"/>
+          <p:cNvSpPr/>
+          <p:nvPr/>
+        </p:nvSpPr>
+        <p:spPr>
+          <a:xfrm>
+            <a:off x="400051" y="1290954"/>
+            <a:ext cx="4153568" cy="726802"/>
+          </a:xfrm>
+          <a:prstGeom prst="rect">
+            <a:avLst/>
+          </a:prstGeom>
+          <a:solidFill>
+            <a:srgbClr val="4DB3C7"/>
+          </a:solidFill>
+          <a:ln w="9525" cap="flat" cmpd="sng" algn="ctr">
+            <a:noFill/>
+            <a:prstDash val="solid"/>
+          </a:ln>
+          <a:effectLst/>
+        </p:spPr>
+        <p:txBody>
+          <a:bodyPr rtlCol="0" anchor="ctr"/>
+          <a:lstStyle/>
+          <a:p>
+            <a:pPr marL="0" marR="0" lvl="0" indent="0" algn="ctr" defTabSz="1219170" eaLnBrk="1" fontAlgn="auto" latinLnBrk="0" hangingPunct="1">
+              <a:lnSpc>
+                <a:spcPct val="100000"/>
+              </a:lnSpc>
+              <a:spcBef>
+                <a:spcPts val="0"/>
+              </a:spcBef>
+              <a:spcAft>
+                <a:spcPts val="0"/>
+              </a:spcAft>
+              <a:buClrTx/>
+              <a:buSzTx/>
+              <a:buFontTx/>
+              <a:buNone/>
+              <a:tabLst/>
+              <a:defRPr/>
+            </a:pPr>
+            <a:endParaRPr kumimoji="0" lang="en-US" sz="2400" b="0" i="0" u="none" strike="noStrike" kern="0" cap="none" spc="0" normalizeH="0" baseline="0" noProof="0">
+              <a:ln>
+                <a:noFill/>
+              </a:ln>
+              <a:solidFill>
+                <a:prstClr val="white"/>
+              </a:solidFill>
+              <a:effectLst/>
+              <a:uLnTx/>
+              <a:uFillTx/>
+              <a:latin typeface="Open Sans Light"/>
+              <a:ea typeface="+mn-ea"/>
+              <a:cs typeface="+mn-cs"/>
+            </a:endParaRPr>
+          </a:p>
+        </p:txBody>
+      </p:sp>
+      <p:sp>
+        <p:nvSpPr>
+          <p:cNvPr id="31" name="Freeform 37"/>
+          <p:cNvSpPr>
+            <a:spLocks/>
+          </p:cNvSpPr>
+          <p:nvPr/>
+        </p:nvSpPr>
+        <p:spPr bwMode="auto">
+          <a:xfrm>
+            <a:off x="535528" y="5075080"/>
+            <a:ext cx="3750501" cy="3327375"/>
+          </a:xfrm>
+          <a:custGeom>
+            <a:avLst/>
+            <a:gdLst>
+              <a:gd name="T0" fmla="*/ 1178 w 1554"/>
+              <a:gd name="T1" fmla="*/ 59 h 1379"/>
+              <a:gd name="T2" fmla="*/ 1171 w 1554"/>
+              <a:gd name="T3" fmla="*/ 26 h 1379"/>
+              <a:gd name="T4" fmla="*/ 1149 w 1554"/>
+              <a:gd name="T5" fmla="*/ 0 h 1379"/>
+              <a:gd name="T6" fmla="*/ 1120 w 1554"/>
+              <a:gd name="T7" fmla="*/ 7 h 1379"/>
+              <a:gd name="T8" fmla="*/ 1085 w 1554"/>
+              <a:gd name="T9" fmla="*/ 8 h 1379"/>
+              <a:gd name="T10" fmla="*/ 1038 w 1554"/>
+              <a:gd name="T11" fmla="*/ 24 h 1379"/>
+              <a:gd name="T12" fmla="*/ 960 w 1554"/>
+              <a:gd name="T13" fmla="*/ 59 h 1379"/>
+              <a:gd name="T14" fmla="*/ 902 w 1554"/>
+              <a:gd name="T15" fmla="*/ 98 h 1379"/>
+              <a:gd name="T16" fmla="*/ 864 w 1554"/>
+              <a:gd name="T17" fmla="*/ 118 h 1379"/>
+              <a:gd name="T18" fmla="*/ 757 w 1554"/>
+              <a:gd name="T19" fmla="*/ 209 h 1379"/>
+              <a:gd name="T20" fmla="*/ 653 w 1554"/>
+              <a:gd name="T21" fmla="*/ 295 h 1379"/>
+              <a:gd name="T22" fmla="*/ 607 w 1554"/>
+              <a:gd name="T23" fmla="*/ 352 h 1379"/>
+              <a:gd name="T24" fmla="*/ 543 w 1554"/>
+              <a:gd name="T25" fmla="*/ 404 h 1379"/>
+              <a:gd name="T26" fmla="*/ 502 w 1554"/>
+              <a:gd name="T27" fmla="*/ 444 h 1379"/>
+              <a:gd name="T28" fmla="*/ 469 w 1554"/>
+              <a:gd name="T29" fmla="*/ 479 h 1379"/>
+              <a:gd name="T30" fmla="*/ 528 w 1554"/>
+              <a:gd name="T31" fmla="*/ 366 h 1379"/>
+              <a:gd name="T32" fmla="*/ 558 w 1554"/>
+              <a:gd name="T33" fmla="*/ 304 h 1379"/>
+              <a:gd name="T34" fmla="*/ 524 w 1554"/>
+              <a:gd name="T35" fmla="*/ 181 h 1379"/>
+              <a:gd name="T36" fmla="*/ 406 w 1554"/>
+              <a:gd name="T37" fmla="*/ 272 h 1379"/>
+              <a:gd name="T38" fmla="*/ 379 w 1554"/>
+              <a:gd name="T39" fmla="*/ 397 h 1379"/>
+              <a:gd name="T40" fmla="*/ 263 w 1554"/>
+              <a:gd name="T41" fmla="*/ 581 h 1379"/>
+              <a:gd name="T42" fmla="*/ 214 w 1554"/>
+              <a:gd name="T43" fmla="*/ 697 h 1379"/>
+              <a:gd name="T44" fmla="*/ 133 w 1554"/>
+              <a:gd name="T45" fmla="*/ 878 h 1379"/>
+              <a:gd name="T46" fmla="*/ 77 w 1554"/>
+              <a:gd name="T47" fmla="*/ 1078 h 1379"/>
+              <a:gd name="T48" fmla="*/ 0 w 1554"/>
+              <a:gd name="T49" fmla="*/ 1293 h 1379"/>
+              <a:gd name="T50" fmla="*/ 1477 w 1554"/>
+              <a:gd name="T51" fmla="*/ 1379 h 1379"/>
+              <a:gd name="T52" fmla="*/ 1495 w 1554"/>
+              <a:gd name="T53" fmla="*/ 1298 h 1379"/>
+              <a:gd name="T54" fmla="*/ 1509 w 1554"/>
+              <a:gd name="T55" fmla="*/ 1188 h 1379"/>
+              <a:gd name="T56" fmla="*/ 1503 w 1554"/>
+              <a:gd name="T57" fmla="*/ 1122 h 1379"/>
+              <a:gd name="T58" fmla="*/ 1542 w 1554"/>
+              <a:gd name="T59" fmla="*/ 1006 h 1379"/>
+              <a:gd name="T60" fmla="*/ 1542 w 1554"/>
+              <a:gd name="T61" fmla="*/ 953 h 1379"/>
+              <a:gd name="T62" fmla="*/ 1543 w 1554"/>
+              <a:gd name="T63" fmla="*/ 898 h 1379"/>
+              <a:gd name="T64" fmla="*/ 1537 w 1554"/>
+              <a:gd name="T65" fmla="*/ 841 h 1379"/>
+              <a:gd name="T66" fmla="*/ 1509 w 1554"/>
+              <a:gd name="T67" fmla="*/ 764 h 1379"/>
+              <a:gd name="T68" fmla="*/ 1472 w 1554"/>
+              <a:gd name="T69" fmla="*/ 716 h 1379"/>
+              <a:gd name="T70" fmla="*/ 1468 w 1554"/>
+              <a:gd name="T71" fmla="*/ 673 h 1379"/>
+              <a:gd name="T72" fmla="*/ 1427 w 1554"/>
+              <a:gd name="T73" fmla="*/ 574 h 1379"/>
+              <a:gd name="T74" fmla="*/ 1399 w 1554"/>
+              <a:gd name="T75" fmla="*/ 550 h 1379"/>
+              <a:gd name="T76" fmla="*/ 1405 w 1554"/>
+              <a:gd name="T77" fmla="*/ 495 h 1379"/>
+              <a:gd name="T78" fmla="*/ 1384 w 1554"/>
+              <a:gd name="T79" fmla="*/ 448 h 1379"/>
+              <a:gd name="T80" fmla="*/ 1352 w 1554"/>
+              <a:gd name="T81" fmla="*/ 359 h 1379"/>
+              <a:gd name="T82" fmla="*/ 1314 w 1554"/>
+              <a:gd name="T83" fmla="*/ 287 h 1379"/>
+              <a:gd name="T84" fmla="*/ 1245 w 1554"/>
+              <a:gd name="T85" fmla="*/ 181 h 1379"/>
+              <a:gd name="T86" fmla="*/ 1237 w 1554"/>
+              <a:gd name="T87" fmla="*/ 145 h 1379"/>
+              <a:gd name="T88" fmla="*/ 1241 w 1554"/>
+              <a:gd name="T89" fmla="*/ 81 h 1379"/>
+              <a:gd name="T90" fmla="*/ 1178 w 1554"/>
+              <a:gd name="T91" fmla="*/ 59 h 1379"/>
+            </a:gdLst>
+            <a:ahLst/>
+            <a:cxnLst>
+              <a:cxn ang="0">
+                <a:pos x="T0" y="T1"/>
+              </a:cxn>
+              <a:cxn ang="0">
+                <a:pos x="T2" y="T3"/>
+              </a:cxn>
+              <a:cxn ang="0">
+                <a:pos x="T4" y="T5"/>
+              </a:cxn>
+              <a:cxn ang="0">
+                <a:pos x="T6" y="T7"/>
+              </a:cxn>
+              <a:cxn ang="0">
+                <a:pos x="T8" y="T9"/>
+              </a:cxn>
+              <a:cxn ang="0">
+                <a:pos x="T10" y="T11"/>
+              </a:cxn>
+              <a:cxn ang="0">
+                <a:pos x="T12" y="T13"/>
+              </a:cxn>
+              <a:cxn ang="0">
+                <a:pos x="T14" y="T15"/>
+              </a:cxn>
+              <a:cxn ang="0">
+                <a:pos x="T16" y="T17"/>
+              </a:cxn>
+              <a:cxn ang="0">
+                <a:pos x="T18" y="T19"/>
+              </a:cxn>
+              <a:cxn ang="0">
+                <a:pos x="T20" y="T21"/>
+              </a:cxn>
+              <a:cxn ang="0">
+                <a:pos x="T22" y="T23"/>
+              </a:cxn>
+              <a:cxn ang="0">
+                <a:pos x="T24" y="T25"/>
+              </a:cxn>
+              <a:cxn ang="0">
+                <a:pos x="T26" y="T27"/>
+              </a:cxn>
+              <a:cxn ang="0">
+                <a:pos x="T28" y="T29"/>
+              </a:cxn>
+              <a:cxn ang="0">
+                <a:pos x="T30" y="T31"/>
+              </a:cxn>
+              <a:cxn ang="0">
+                <a:pos x="T32" y="T33"/>
+              </a:cxn>
+              <a:cxn ang="0">
+                <a:pos x="T34" y="T35"/>
+              </a:cxn>
+              <a:cxn ang="0">
+                <a:pos x="T36" y="T37"/>
+              </a:cxn>
+              <a:cxn ang="0">
+                <a:pos x="T38" y="T39"/>
+              </a:cxn>
+              <a:cxn ang="0">
+                <a:pos x="T40" y="T41"/>
+              </a:cxn>
+              <a:cxn ang="0">
+                <a:pos x="T42" y="T43"/>
+              </a:cxn>
+              <a:cxn ang="0">
+                <a:pos x="T44" y="T45"/>
+              </a:cxn>
+              <a:cxn ang="0">
+                <a:pos x="T46" y="T47"/>
+              </a:cxn>
+              <a:cxn ang="0">
+                <a:pos x="T48" y="T49"/>
+              </a:cxn>
+              <a:cxn ang="0">
+                <a:pos x="T50" y="T51"/>
+              </a:cxn>
+              <a:cxn ang="0">
+                <a:pos x="T52" y="T53"/>
+              </a:cxn>
+              <a:cxn ang="0">
+                <a:pos x="T54" y="T55"/>
+              </a:cxn>
+              <a:cxn ang="0">
+                <a:pos x="T56" y="T57"/>
+              </a:cxn>
+              <a:cxn ang="0">
+                <a:pos x="T58" y="T59"/>
+              </a:cxn>
+              <a:cxn ang="0">
+                <a:pos x="T60" y="T61"/>
+              </a:cxn>
+              <a:cxn ang="0">
+                <a:pos x="T62" y="T63"/>
+              </a:cxn>
+              <a:cxn ang="0">
+                <a:pos x="T64" y="T65"/>
+              </a:cxn>
+              <a:cxn ang="0">
+                <a:pos x="T66" y="T67"/>
+              </a:cxn>
+              <a:cxn ang="0">
+                <a:pos x="T68" y="T69"/>
+              </a:cxn>
+              <a:cxn ang="0">
+                <a:pos x="T70" y="T71"/>
+              </a:cxn>
+              <a:cxn ang="0">
+                <a:pos x="T72" y="T73"/>
+              </a:cxn>
+              <a:cxn ang="0">
+                <a:pos x="T74" y="T75"/>
+              </a:cxn>
+              <a:cxn ang="0">
+                <a:pos x="T76" y="T77"/>
+              </a:cxn>
+              <a:cxn ang="0">
+                <a:pos x="T78" y="T79"/>
+              </a:cxn>
+              <a:cxn ang="0">
+                <a:pos x="T80" y="T81"/>
+              </a:cxn>
+              <a:cxn ang="0">
+                <a:pos x="T82" y="T83"/>
+              </a:cxn>
+              <a:cxn ang="0">
+                <a:pos x="T84" y="T85"/>
+              </a:cxn>
+              <a:cxn ang="0">
+                <a:pos x="T86" y="T87"/>
+              </a:cxn>
+              <a:cxn ang="0">
+                <a:pos x="T88" y="T89"/>
+              </a:cxn>
+              <a:cxn ang="0">
+                <a:pos x="T90" y="T91"/>
+              </a:cxn>
+            </a:cxnLst>
+            <a:rect l="0" t="0" r="r" b="b"/>
+            <a:pathLst>
+              <a:path w="1554" h="1379">
+                <a:moveTo>
+                  <a:pt x="1178" y="59"/>
+                </a:moveTo>
+                <a:cubicBezTo>
+                  <a:pt x="1178" y="59"/>
+                  <a:pt x="1176" y="36"/>
+                  <a:pt x="1171" y="26"/>
+                </a:cubicBezTo>
+                <a:cubicBezTo>
+                  <a:pt x="1167" y="16"/>
+                  <a:pt x="1166" y="0"/>
+                  <a:pt x="1149" y="0"/>
+                </a:cubicBezTo>
+                <a:cubicBezTo>
+                  <a:pt x="1132" y="0"/>
+                  <a:pt x="1126" y="6"/>
+                  <a:pt x="1120" y="7"/>
+                </a:cubicBezTo>
+                <a:cubicBezTo>
+                  <a:pt x="1113" y="8"/>
+                  <a:pt x="1099" y="7"/>
+                  <a:pt x="1085" y="8"/>
+                </a:cubicBezTo>
+                <a:cubicBezTo>
+                  <a:pt x="1070" y="9"/>
+                  <a:pt x="1065" y="19"/>
+                  <a:pt x="1038" y="24"/>
+                </a:cubicBezTo>
+                <a:cubicBezTo>
+                  <a:pt x="1011" y="28"/>
+                  <a:pt x="975" y="46"/>
+                  <a:pt x="960" y="59"/>
+                </a:cubicBezTo>
+                <a:cubicBezTo>
+                  <a:pt x="944" y="71"/>
+                  <a:pt x="914" y="88"/>
+                  <a:pt x="902" y="98"/>
+                </a:cubicBezTo>
+                <a:cubicBezTo>
+                  <a:pt x="890" y="108"/>
+                  <a:pt x="875" y="104"/>
+                  <a:pt x="864" y="118"/>
+                </a:cubicBezTo>
+                <a:cubicBezTo>
+                  <a:pt x="852" y="133"/>
+                  <a:pt x="779" y="187"/>
+                  <a:pt x="757" y="209"/>
+                </a:cubicBezTo>
+                <a:cubicBezTo>
+                  <a:pt x="734" y="230"/>
+                  <a:pt x="663" y="268"/>
+                  <a:pt x="653" y="295"/>
+                </a:cubicBezTo>
+                <a:cubicBezTo>
+                  <a:pt x="643" y="323"/>
+                  <a:pt x="627" y="345"/>
+                  <a:pt x="607" y="352"/>
+                </a:cubicBezTo>
+                <a:cubicBezTo>
+                  <a:pt x="586" y="359"/>
+                  <a:pt x="551" y="388"/>
+                  <a:pt x="543" y="404"/>
+                </a:cubicBezTo>
+                <a:cubicBezTo>
+                  <a:pt x="536" y="419"/>
+                  <a:pt x="513" y="428"/>
+                  <a:pt x="502" y="444"/>
+                </a:cubicBezTo>
+                <a:cubicBezTo>
+                  <a:pt x="490" y="460"/>
+                  <a:pt x="469" y="479"/>
+                  <a:pt x="469" y="479"/>
+                </a:cubicBezTo>
+                <a:cubicBezTo>
+                  <a:pt x="469" y="479"/>
+                  <a:pt x="514" y="385"/>
+                  <a:pt x="528" y="366"/>
+                </a:cubicBezTo>
+                <a:cubicBezTo>
+                  <a:pt x="541" y="348"/>
+                  <a:pt x="546" y="314"/>
+                  <a:pt x="558" y="304"/>
+                </a:cubicBezTo>
+                <a:cubicBezTo>
+                  <a:pt x="552" y="279"/>
+                  <a:pt x="534" y="216"/>
+                  <a:pt x="524" y="181"/>
+                </a:cubicBezTo>
+                <a:cubicBezTo>
+                  <a:pt x="483" y="203"/>
+                  <a:pt x="418" y="248"/>
+                  <a:pt x="406" y="272"/>
+                </a:cubicBezTo>
+                <a:cubicBezTo>
+                  <a:pt x="394" y="295"/>
+                  <a:pt x="382" y="373"/>
+                  <a:pt x="379" y="397"/>
+                </a:cubicBezTo>
+                <a:cubicBezTo>
+                  <a:pt x="345" y="416"/>
+                  <a:pt x="272" y="552"/>
+                  <a:pt x="263" y="581"/>
+                </a:cubicBezTo>
+                <a:cubicBezTo>
+                  <a:pt x="254" y="609"/>
+                  <a:pt x="219" y="652"/>
+                  <a:pt x="214" y="697"/>
+                </a:cubicBezTo>
+                <a:cubicBezTo>
+                  <a:pt x="208" y="743"/>
+                  <a:pt x="151" y="831"/>
+                  <a:pt x="133" y="878"/>
+                </a:cubicBezTo>
+                <a:cubicBezTo>
+                  <a:pt x="115" y="924"/>
+                  <a:pt x="87" y="1041"/>
+                  <a:pt x="77" y="1078"/>
+                </a:cubicBezTo>
+                <a:cubicBezTo>
+                  <a:pt x="67" y="1115"/>
+                  <a:pt x="0" y="1293"/>
+                  <a:pt x="0" y="1293"/>
+                </a:cubicBezTo>
+                <a:cubicBezTo>
+                  <a:pt x="1477" y="1379"/>
+                  <a:pt x="1477" y="1379"/>
+                  <a:pt x="1477" y="1379"/>
+                </a:cubicBezTo>
+                <a:cubicBezTo>
+                  <a:pt x="1477" y="1379"/>
+                  <a:pt x="1493" y="1335"/>
+                  <a:pt x="1495" y="1298"/>
+                </a:cubicBezTo>
+                <a:cubicBezTo>
+                  <a:pt x="1497" y="1262"/>
+                  <a:pt x="1510" y="1219"/>
+                  <a:pt x="1509" y="1188"/>
+                </a:cubicBezTo>
+                <a:cubicBezTo>
+                  <a:pt x="1508" y="1158"/>
+                  <a:pt x="1500" y="1150"/>
+                  <a:pt x="1503" y="1122"/>
+                </a:cubicBezTo>
+                <a:cubicBezTo>
+                  <a:pt x="1507" y="1094"/>
+                  <a:pt x="1539" y="1032"/>
+                  <a:pt x="1542" y="1006"/>
+                </a:cubicBezTo>
+                <a:cubicBezTo>
+                  <a:pt x="1544" y="980"/>
+                  <a:pt x="1541" y="973"/>
+                  <a:pt x="1542" y="953"/>
+                </a:cubicBezTo>
+                <a:cubicBezTo>
+                  <a:pt x="1543" y="933"/>
+                  <a:pt x="1554" y="910"/>
+                  <a:pt x="1543" y="898"/>
+                </a:cubicBezTo>
+                <a:cubicBezTo>
+                  <a:pt x="1531" y="886"/>
+                  <a:pt x="1542" y="860"/>
+                  <a:pt x="1537" y="841"/>
+                </a:cubicBezTo>
+                <a:cubicBezTo>
+                  <a:pt x="1532" y="822"/>
+                  <a:pt x="1527" y="782"/>
+                  <a:pt x="1509" y="764"/>
+                </a:cubicBezTo>
+                <a:cubicBezTo>
+                  <a:pt x="1491" y="745"/>
+                  <a:pt x="1468" y="725"/>
+                  <a:pt x="1472" y="716"/>
+                </a:cubicBezTo>
+                <a:cubicBezTo>
+                  <a:pt x="1475" y="706"/>
+                  <a:pt x="1474" y="692"/>
+                  <a:pt x="1468" y="673"/>
+                </a:cubicBezTo>
+                <a:cubicBezTo>
+                  <a:pt x="1461" y="653"/>
+                  <a:pt x="1434" y="584"/>
+                  <a:pt x="1427" y="574"/>
+                </a:cubicBezTo>
+                <a:cubicBezTo>
+                  <a:pt x="1420" y="565"/>
+                  <a:pt x="1405" y="559"/>
+                  <a:pt x="1399" y="550"/>
+                </a:cubicBezTo>
+                <a:cubicBezTo>
+                  <a:pt x="1394" y="541"/>
+                  <a:pt x="1409" y="513"/>
+                  <a:pt x="1405" y="495"/>
+                </a:cubicBezTo>
+                <a:cubicBezTo>
+                  <a:pt x="1402" y="477"/>
+                  <a:pt x="1391" y="468"/>
+                  <a:pt x="1384" y="448"/>
+                </a:cubicBezTo>
+                <a:cubicBezTo>
+                  <a:pt x="1369" y="411"/>
+                  <a:pt x="1351" y="375"/>
+                  <a:pt x="1352" y="359"/>
+                </a:cubicBezTo>
+                <a:cubicBezTo>
+                  <a:pt x="1352" y="342"/>
+                  <a:pt x="1319" y="311"/>
+                  <a:pt x="1314" y="287"/>
+                </a:cubicBezTo>
+                <a:cubicBezTo>
+                  <a:pt x="1309" y="262"/>
+                  <a:pt x="1251" y="201"/>
+                  <a:pt x="1245" y="181"/>
+                </a:cubicBezTo>
+                <a:cubicBezTo>
+                  <a:pt x="1239" y="161"/>
+                  <a:pt x="1233" y="161"/>
+                  <a:pt x="1237" y="145"/>
+                </a:cubicBezTo>
+                <a:cubicBezTo>
+                  <a:pt x="1241" y="130"/>
+                  <a:pt x="1255" y="98"/>
+                  <a:pt x="1241" y="81"/>
+                </a:cubicBezTo>
+                <a:cubicBezTo>
+                  <a:pt x="1228" y="64"/>
+                  <a:pt x="1197" y="59"/>
+                  <a:pt x="1178" y="59"/>
+                </a:cubicBezTo>
+                <a:close/>
+              </a:path>
+            </a:pathLst>
+          </a:custGeom>
+          <a:solidFill>
+            <a:sysClr val="window" lastClr="FFFFFF">
+              <a:lumMod val="85000"/>
+            </a:sysClr>
+          </a:solidFill>
+          <a:ln w="3175">
+            <a:noFill/>
+          </a:ln>
+        </p:spPr>
+        <p:txBody>
+          <a:bodyPr vert="horz" wrap="square" lIns="91440" tIns="45720" rIns="91440" bIns="45720" numCol="1" anchor="t" anchorCtr="0" compatLnSpc="1">
+            <a:prstTxWarp prst="textNoShape">
+              <a:avLst/>
+            </a:prstTxWarp>
+          </a:bodyPr>
+          <a:lstStyle/>
+          <a:p>
+            <a:pPr marL="0" marR="0" lvl="0" indent="0" defTabSz="1219170" eaLnBrk="1" fontAlgn="auto" latinLnBrk="0" hangingPunct="1">
+              <a:lnSpc>
+                <a:spcPct val="100000"/>
+              </a:lnSpc>
+              <a:spcBef>
+                <a:spcPts val="0"/>
+              </a:spcBef>
+              <a:spcAft>
+                <a:spcPts val="0"/>
+              </a:spcAft>
+              <a:buClrTx/>
+              <a:buSzTx/>
+              <a:buFontTx/>
+              <a:buNone/>
+              <a:tabLst/>
+              <a:defRPr/>
+            </a:pPr>
+            <a:endParaRPr kumimoji="0" lang="en-US" sz="2400" b="0" i="0" u="none" strike="noStrike" kern="0" cap="none" spc="0" normalizeH="0" baseline="0" noProof="0">
+              <a:ln>
+                <a:solidFill>
+                  <a:srgbClr val="85CA46"/>
+                </a:solidFill>
+              </a:ln>
+              <a:solidFill>
+                <a:srgbClr val="373737"/>
+              </a:solidFill>
+              <a:effectLst/>
+              <a:uLnTx/>
+              <a:uFillTx/>
+              <a:latin typeface="Gotham Light"/>
+              <a:cs typeface="Gotham Light"/>
+            </a:endParaRPr>
+          </a:p>
+        </p:txBody>
+      </p:sp>
+      <p:sp>
+        <p:nvSpPr>
+          <p:cNvPr id="32" name="Freeform 51"/>
+          <p:cNvSpPr/>
+          <p:nvPr/>
+        </p:nvSpPr>
+        <p:spPr>
+          <a:xfrm rot="16200000">
+            <a:off x="4286282" y="1549280"/>
+            <a:ext cx="992134" cy="475485"/>
+          </a:xfrm>
+          <a:custGeom>
+            <a:avLst/>
+            <a:gdLst>
+              <a:gd name="connsiteX0" fmla="*/ 992134 w 992134"/>
+              <a:gd name="connsiteY0" fmla="*/ 1 h 475485"/>
+              <a:gd name="connsiteX1" fmla="*/ 992134 w 992134"/>
+              <a:gd name="connsiteY1" fmla="*/ 475485 h 475485"/>
+              <a:gd name="connsiteX2" fmla="*/ 306334 w 992134"/>
+              <a:gd name="connsiteY2" fmla="*/ 475485 h 475485"/>
+              <a:gd name="connsiteX3" fmla="*/ 306334 w 992134"/>
+              <a:gd name="connsiteY3" fmla="*/ 475484 h 475485"/>
+              <a:gd name="connsiteX4" fmla="*/ 0 w 992134"/>
+              <a:gd name="connsiteY4" fmla="*/ 475484 h 475485"/>
+              <a:gd name="connsiteX5" fmla="*/ 253885 w 992134"/>
+              <a:gd name="connsiteY5" fmla="*/ 0 h 475485"/>
+              <a:gd name="connsiteX6" fmla="*/ 685800 w 992134"/>
+              <a:gd name="connsiteY6" fmla="*/ 0 h 475485"/>
+              <a:gd name="connsiteX7" fmla="*/ 685800 w 992134"/>
+              <a:gd name="connsiteY7" fmla="*/ 1 h 475485"/>
+            </a:gdLst>
+            <a:ahLst/>
+            <a:cxnLst>
+              <a:cxn ang="0">
+                <a:pos x="connsiteX0" y="connsiteY0"/>
+              </a:cxn>
+              <a:cxn ang="0">
+                <a:pos x="connsiteX1" y="connsiteY1"/>
+              </a:cxn>
+              <a:cxn ang="0">
+                <a:pos x="connsiteX2" y="connsiteY2"/>
+              </a:cxn>
+              <a:cxn ang="0">
+                <a:pos x="connsiteX3" y="connsiteY3"/>
+              </a:cxn>
+              <a:cxn ang="0">
+                <a:pos x="connsiteX4" y="connsiteY4"/>
+              </a:cxn>
+              <a:cxn ang="0">
+                <a:pos x="connsiteX5" y="connsiteY5"/>
+              </a:cxn>
+              <a:cxn ang="0">
+                <a:pos x="connsiteX6" y="connsiteY6"/>
+              </a:cxn>
+              <a:cxn ang="0">
+                <a:pos x="connsiteX7" y="connsiteY7"/>
+              </a:cxn>
+            </a:cxnLst>
+            <a:rect l="l" t="t" r="r" b="b"/>
+            <a:pathLst>
+              <a:path w="992134" h="475485">
+                <a:moveTo>
+                  <a:pt x="992134" y="1"/>
+                </a:moveTo>
+                <a:lnTo>
+                  <a:pt x="992134" y="475485"/>
+                </a:lnTo>
+                <a:lnTo>
+                  <a:pt x="306334" y="475485"/>
+                </a:lnTo>
+                <a:lnTo>
+                  <a:pt x="306334" y="475484"/>
+                </a:lnTo>
+                <a:lnTo>
+                  <a:pt x="0" y="475484"/>
+                </a:lnTo>
+                <a:lnTo>
+                  <a:pt x="253885" y="0"/>
+                </a:lnTo>
+                <a:lnTo>
+                  <a:pt x="685800" y="0"/>
+                </a:lnTo>
+                <a:lnTo>
+                  <a:pt x="685800" y="1"/>
+                </a:lnTo>
+                <a:close/>
+              </a:path>
+            </a:pathLst>
+          </a:custGeom>
+          <a:solidFill>
+            <a:srgbClr val="4DB3C7">
+              <a:lumMod val="75000"/>
+            </a:srgbClr>
+          </a:solidFill>
+          <a:ln w="9525" cap="flat" cmpd="sng" algn="ctr">
+            <a:noFill/>
+            <a:prstDash val="solid"/>
+          </a:ln>
+          <a:effectLst/>
+        </p:spPr>
+        <p:txBody>
+          <a:bodyPr wrap="square" rtlCol="0" anchor="ctr">
+            <a:noAutofit/>
+          </a:bodyPr>
+          <a:lstStyle/>
+          <a:p>
+            <a:pPr marL="0" marR="0" lvl="0" indent="0" algn="ctr" defTabSz="1219170" eaLnBrk="1" fontAlgn="auto" latinLnBrk="0" hangingPunct="1">
+              <a:lnSpc>
+                <a:spcPct val="100000"/>
+              </a:lnSpc>
+              <a:spcBef>
+                <a:spcPts val="0"/>
+              </a:spcBef>
+              <a:spcAft>
+                <a:spcPts val="0"/>
+              </a:spcAft>
+              <a:buClrTx/>
+              <a:buSzTx/>
+              <a:buFontTx/>
+              <a:buNone/>
+              <a:tabLst/>
+              <a:defRPr/>
+            </a:pPr>
+            <a:endParaRPr kumimoji="0" lang="en-US" sz="2400" b="0" i="0" u="none" strike="noStrike" kern="0" cap="none" spc="0" normalizeH="0" baseline="0" noProof="0">
+              <a:ln>
+                <a:noFill/>
+              </a:ln>
+              <a:solidFill>
+                <a:prstClr val="white"/>
+              </a:solidFill>
+              <a:effectLst/>
+              <a:uLnTx/>
+              <a:uFillTx/>
+              <a:latin typeface="Open Sans Light"/>
+              <a:ea typeface="+mn-ea"/>
+              <a:cs typeface="+mn-cs"/>
+            </a:endParaRPr>
+          </a:p>
+        </p:txBody>
+      </p:sp>
+      <p:sp>
+        <p:nvSpPr>
+          <p:cNvPr id="33" name="Freeform 50"/>
+          <p:cNvSpPr/>
+          <p:nvPr/>
+        </p:nvSpPr>
+        <p:spPr>
+          <a:xfrm rot="16200000">
+            <a:off x="4157569" y="2399708"/>
+            <a:ext cx="1249561" cy="475485"/>
+          </a:xfrm>
+          <a:custGeom>
+            <a:avLst/>
+            <a:gdLst>
+              <a:gd name="connsiteX0" fmla="*/ 1249561 w 1249561"/>
+              <a:gd name="connsiteY0" fmla="*/ 1 h 475485"/>
+              <a:gd name="connsiteX1" fmla="*/ 991278 w 1249561"/>
+              <a:gd name="connsiteY1" fmla="*/ 475485 h 475485"/>
+              <a:gd name="connsiteX2" fmla="*/ 434530 w 1249561"/>
+              <a:gd name="connsiteY2" fmla="*/ 475485 h 475485"/>
+              <a:gd name="connsiteX3" fmla="*/ 434531 w 1249561"/>
+              <a:gd name="connsiteY3" fmla="*/ 475484 h 475485"/>
+              <a:gd name="connsiteX4" fmla="*/ 0 w 1249561"/>
+              <a:gd name="connsiteY4" fmla="*/ 475484 h 475485"/>
+              <a:gd name="connsiteX5" fmla="*/ 521910 w 1249561"/>
+              <a:gd name="connsiteY5" fmla="*/ 0 h 475485"/>
+              <a:gd name="connsiteX6" fmla="*/ 1109579 w 1249561"/>
+              <a:gd name="connsiteY6" fmla="*/ 0 h 475485"/>
+              <a:gd name="connsiteX7" fmla="*/ 1109578 w 1249561"/>
+              <a:gd name="connsiteY7" fmla="*/ 1 h 475485"/>
+            </a:gdLst>
+            <a:ahLst/>
+            <a:cxnLst>
+              <a:cxn ang="0">
+                <a:pos x="connsiteX0" y="connsiteY0"/>
+              </a:cxn>
+              <a:cxn ang="0">
+                <a:pos x="connsiteX1" y="connsiteY1"/>
+              </a:cxn>
+              <a:cxn ang="0">
+                <a:pos x="connsiteX2" y="connsiteY2"/>
+              </a:cxn>
+              <a:cxn ang="0">
+                <a:pos x="connsiteX3" y="connsiteY3"/>
+              </a:cxn>
+              <a:cxn ang="0">
+                <a:pos x="connsiteX4" y="connsiteY4"/>
+              </a:cxn>
+              <a:cxn ang="0">
+                <a:pos x="connsiteX5" y="connsiteY5"/>
+              </a:cxn>
+              <a:cxn ang="0">
+                <a:pos x="connsiteX6" y="connsiteY6"/>
+              </a:cxn>
+              <a:cxn ang="0">
+                <a:pos x="connsiteX7" y="connsiteY7"/>
+              </a:cxn>
+            </a:cxnLst>
+            <a:rect l="l" t="t" r="r" b="b"/>
+            <a:pathLst>
+              <a:path w="1249561" h="475485">
+                <a:moveTo>
+                  <a:pt x="1249561" y="1"/>
+                </a:moveTo>
+                <a:lnTo>
+                  <a:pt x="991278" y="475485"/>
+                </a:lnTo>
+                <a:lnTo>
+                  <a:pt x="434530" y="475485"/>
+                </a:lnTo>
+                <a:lnTo>
+                  <a:pt x="434531" y="475484"/>
+                </a:lnTo>
+                <a:lnTo>
+                  <a:pt x="0" y="475484"/>
+                </a:lnTo>
+                <a:lnTo>
+                  <a:pt x="521910" y="0"/>
+                </a:lnTo>
+                <a:lnTo>
+                  <a:pt x="1109579" y="0"/>
+                </a:lnTo>
+                <a:lnTo>
+                  <a:pt x="1109578" y="1"/>
+                </a:lnTo>
+                <a:close/>
+              </a:path>
+            </a:pathLst>
+          </a:custGeom>
+          <a:solidFill>
+            <a:srgbClr val="F49D00">
+              <a:lumMod val="75000"/>
+            </a:srgbClr>
+          </a:solidFill>
+          <a:ln w="9525" cap="flat" cmpd="sng" algn="ctr">
+            <a:noFill/>
+            <a:prstDash val="solid"/>
+          </a:ln>
+          <a:effectLst/>
+        </p:spPr>
+        <p:txBody>
+          <a:bodyPr wrap="square" rtlCol="0" anchor="ctr">
+            <a:noAutofit/>
+          </a:bodyPr>
+          <a:lstStyle/>
+          <a:p>
+            <a:pPr marL="0" marR="0" lvl="0" indent="0" algn="ctr" defTabSz="1219170" eaLnBrk="1" fontAlgn="auto" latinLnBrk="0" hangingPunct="1">
+              <a:lnSpc>
+                <a:spcPct val="100000"/>
+              </a:lnSpc>
+              <a:spcBef>
+                <a:spcPts val="0"/>
+              </a:spcBef>
+              <a:spcAft>
+                <a:spcPts val="0"/>
+              </a:spcAft>
+              <a:buClrTx/>
+              <a:buSzTx/>
+              <a:buFontTx/>
+              <a:buNone/>
+              <a:tabLst/>
+              <a:defRPr/>
+            </a:pPr>
+            <a:endParaRPr kumimoji="0" lang="en-US" sz="3200" b="0" i="0" u="none" strike="noStrike" kern="0" cap="none" spc="0" normalizeH="0" baseline="0" noProof="0">
+              <a:ln>
+                <a:noFill/>
+              </a:ln>
+              <a:solidFill>
+                <a:prstClr val="white"/>
+              </a:solidFill>
+              <a:effectLst/>
+              <a:uLnTx/>
+              <a:uFillTx/>
+              <a:latin typeface="Open Sans Light"/>
+              <a:ea typeface="+mn-ea"/>
+              <a:cs typeface="+mn-cs"/>
+            </a:endParaRPr>
+          </a:p>
+        </p:txBody>
+      </p:sp>
+      <p:sp>
+        <p:nvSpPr>
+          <p:cNvPr id="34" name="Freeform 49"/>
+          <p:cNvSpPr/>
+          <p:nvPr/>
+        </p:nvSpPr>
+        <p:spPr>
+          <a:xfrm rot="16200000">
+            <a:off x="4019272" y="3259718"/>
+            <a:ext cx="1526156" cy="475485"/>
+          </a:xfrm>
+          <a:custGeom>
+            <a:avLst/>
+            <a:gdLst>
+              <a:gd name="connsiteX0" fmla="*/ 1526156 w 1526156"/>
+              <a:gd name="connsiteY0" fmla="*/ 1 h 475485"/>
+              <a:gd name="connsiteX1" fmla="*/ 1025091 w 1526156"/>
+              <a:gd name="connsiteY1" fmla="*/ 475485 h 475485"/>
+              <a:gd name="connsiteX2" fmla="*/ 355289 w 1526156"/>
+              <a:gd name="connsiteY2" fmla="*/ 475485 h 475485"/>
+              <a:gd name="connsiteX3" fmla="*/ 355289 w 1526156"/>
+              <a:gd name="connsiteY3" fmla="*/ 475484 h 475485"/>
+              <a:gd name="connsiteX4" fmla="*/ 0 w 1526156"/>
+              <a:gd name="connsiteY4" fmla="*/ 475484 h 475485"/>
+              <a:gd name="connsiteX5" fmla="*/ 789589 w 1526156"/>
+              <a:gd name="connsiteY5" fmla="*/ 0 h 475485"/>
+              <a:gd name="connsiteX6" fmla="*/ 1345888 w 1526156"/>
+              <a:gd name="connsiteY6" fmla="*/ 0 h 475485"/>
+              <a:gd name="connsiteX7" fmla="*/ 1345887 w 1526156"/>
+              <a:gd name="connsiteY7" fmla="*/ 1 h 475485"/>
+            </a:gdLst>
+            <a:ahLst/>
+            <a:cxnLst>
+              <a:cxn ang="0">
+                <a:pos x="connsiteX0" y="connsiteY0"/>
+              </a:cxn>
+              <a:cxn ang="0">
+                <a:pos x="connsiteX1" y="connsiteY1"/>
+              </a:cxn>
+              <a:cxn ang="0">
+                <a:pos x="connsiteX2" y="connsiteY2"/>
+              </a:cxn>
+              <a:cxn ang="0">
+                <a:pos x="connsiteX3" y="connsiteY3"/>
+              </a:cxn>
+              <a:cxn ang="0">
+                <a:pos x="connsiteX4" y="connsiteY4"/>
+              </a:cxn>
+              <a:cxn ang="0">
+                <a:pos x="connsiteX5" y="connsiteY5"/>
+              </a:cxn>
+              <a:cxn ang="0">
+                <a:pos x="connsiteX6" y="connsiteY6"/>
+              </a:cxn>
+              <a:cxn ang="0">
+                <a:pos x="connsiteX7" y="connsiteY7"/>
+              </a:cxn>
+            </a:cxnLst>
+            <a:rect l="l" t="t" r="r" b="b"/>
+            <a:pathLst>
+              <a:path w="1526156" h="475485">
+                <a:moveTo>
+                  <a:pt x="1526156" y="1"/>
+                </a:moveTo>
+                <a:lnTo>
+                  <a:pt x="1025091" y="475485"/>
+                </a:lnTo>
+                <a:lnTo>
+                  <a:pt x="355289" y="475485"/>
+                </a:lnTo>
+                <a:lnTo>
+                  <a:pt x="355289" y="475484"/>
+                </a:lnTo>
+                <a:lnTo>
+                  <a:pt x="0" y="475484"/>
+                </a:lnTo>
+                <a:lnTo>
+                  <a:pt x="789589" y="0"/>
+                </a:lnTo>
+                <a:lnTo>
+                  <a:pt x="1345888" y="0"/>
+                </a:lnTo>
+                <a:lnTo>
+                  <a:pt x="1345887" y="1"/>
+                </a:lnTo>
+                <a:close/>
+              </a:path>
+            </a:pathLst>
+          </a:custGeom>
+          <a:solidFill>
+            <a:srgbClr val="D2326B">
+              <a:lumMod val="75000"/>
+            </a:srgbClr>
+          </a:solidFill>
+          <a:ln w="9525" cap="flat" cmpd="sng" algn="ctr">
+            <a:noFill/>
+            <a:prstDash val="solid"/>
+          </a:ln>
+          <a:effectLst/>
+        </p:spPr>
+        <p:txBody>
+          <a:bodyPr wrap="square" rtlCol="0" anchor="ctr">
+            <a:noAutofit/>
+          </a:bodyPr>
+          <a:lstStyle/>
+          <a:p>
+            <a:pPr marL="0" marR="0" lvl="0" indent="0" algn="ctr" defTabSz="1219170" eaLnBrk="1" fontAlgn="auto" latinLnBrk="0" hangingPunct="1">
+              <a:lnSpc>
+                <a:spcPct val="100000"/>
+              </a:lnSpc>
+              <a:spcBef>
+                <a:spcPts val="0"/>
+              </a:spcBef>
+              <a:spcAft>
+                <a:spcPts val="0"/>
+              </a:spcAft>
+              <a:buClrTx/>
+              <a:buSzTx/>
+              <a:buFontTx/>
+              <a:buNone/>
+              <a:tabLst/>
+              <a:defRPr/>
+            </a:pPr>
+            <a:endParaRPr kumimoji="0" lang="en-US" sz="3200" b="0" i="0" u="none" strike="noStrike" kern="0" cap="none" spc="0" normalizeH="0" baseline="0" noProof="0">
+              <a:ln>
+                <a:noFill/>
+              </a:ln>
+              <a:solidFill>
+                <a:prstClr val="white"/>
+              </a:solidFill>
+              <a:effectLst/>
+              <a:uLnTx/>
+              <a:uFillTx/>
+              <a:latin typeface="Open Sans Light"/>
+              <a:ea typeface="+mn-ea"/>
+              <a:cs typeface="+mn-cs"/>
+            </a:endParaRPr>
+          </a:p>
+        </p:txBody>
+      </p:sp>
+      <p:sp>
+        <p:nvSpPr>
+          <p:cNvPr id="35" name="Freeform 30"/>
+          <p:cNvSpPr/>
+          <p:nvPr/>
+        </p:nvSpPr>
+        <p:spPr>
+          <a:xfrm rot="16200000">
+            <a:off x="3886675" y="4115156"/>
+            <a:ext cx="1791350" cy="475485"/>
+          </a:xfrm>
+          <a:custGeom>
+            <a:avLst/>
+            <a:gdLst>
+              <a:gd name="connsiteX0" fmla="*/ 1791350 w 1791350"/>
+              <a:gd name="connsiteY0" fmla="*/ 0 h 475485"/>
+              <a:gd name="connsiteX1" fmla="*/ 998932 w 1791350"/>
+              <a:gd name="connsiteY1" fmla="*/ 475485 h 475485"/>
+              <a:gd name="connsiteX2" fmla="*/ 496283 w 1791350"/>
+              <a:gd name="connsiteY2" fmla="*/ 475485 h 475485"/>
+              <a:gd name="connsiteX3" fmla="*/ 496282 w 1791350"/>
+              <a:gd name="connsiteY3" fmla="*/ 475485 h 475485"/>
+              <a:gd name="connsiteX4" fmla="*/ 0 w 1791350"/>
+              <a:gd name="connsiteY4" fmla="*/ 475485 h 475485"/>
+              <a:gd name="connsiteX5" fmla="*/ 1075640 w 1791350"/>
+              <a:gd name="connsiteY5" fmla="*/ 1 h 475485"/>
+              <a:gd name="connsiteX6" fmla="*/ 1145140 w 1791350"/>
+              <a:gd name="connsiteY6" fmla="*/ 1 h 475485"/>
+              <a:gd name="connsiteX7" fmla="*/ 1145141 w 1791350"/>
+              <a:gd name="connsiteY7" fmla="*/ 0 h 475485"/>
+            </a:gdLst>
+            <a:ahLst/>
+            <a:cxnLst>
+              <a:cxn ang="0">
+                <a:pos x="connsiteX0" y="connsiteY0"/>
+              </a:cxn>
+              <a:cxn ang="0">
+                <a:pos x="connsiteX1" y="connsiteY1"/>
+              </a:cxn>
+              <a:cxn ang="0">
+                <a:pos x="connsiteX2" y="connsiteY2"/>
+              </a:cxn>
+              <a:cxn ang="0">
+                <a:pos x="connsiteX3" y="connsiteY3"/>
+              </a:cxn>
+              <a:cxn ang="0">
+                <a:pos x="connsiteX4" y="connsiteY4"/>
+              </a:cxn>
+              <a:cxn ang="0">
+                <a:pos x="connsiteX5" y="connsiteY5"/>
+              </a:cxn>
+              <a:cxn ang="0">
+                <a:pos x="connsiteX6" y="connsiteY6"/>
+              </a:cxn>
+              <a:cxn ang="0">
+                <a:pos x="connsiteX7" y="connsiteY7"/>
+              </a:cxn>
+            </a:cxnLst>
+            <a:rect l="l" t="t" r="r" b="b"/>
+            <a:pathLst>
+              <a:path w="1791350" h="475485">
+                <a:moveTo>
+                  <a:pt x="1791350" y="0"/>
+                </a:moveTo>
+                <a:lnTo>
+                  <a:pt x="998932" y="475485"/>
+                </a:lnTo>
+                <a:lnTo>
+                  <a:pt x="496283" y="475485"/>
+                </a:lnTo>
+                <a:lnTo>
+                  <a:pt x="496282" y="475485"/>
+                </a:lnTo>
+                <a:lnTo>
+                  <a:pt x="0" y="475485"/>
+                </a:lnTo>
+                <a:lnTo>
+                  <a:pt x="1075640" y="1"/>
+                </a:lnTo>
+                <a:lnTo>
+                  <a:pt x="1145140" y="1"/>
+                </a:lnTo>
+                <a:lnTo>
+                  <a:pt x="1145141" y="0"/>
+                </a:lnTo>
+                <a:close/>
+              </a:path>
+            </a:pathLst>
+          </a:custGeom>
+          <a:solidFill>
+            <a:srgbClr val="21B169">
+              <a:lumMod val="75000"/>
+            </a:srgbClr>
+          </a:solidFill>
+          <a:ln w="9525" cap="flat" cmpd="sng" algn="ctr">
+            <a:noFill/>
+            <a:prstDash val="solid"/>
+          </a:ln>
+          <a:effectLst/>
+        </p:spPr>
+        <p:txBody>
+          <a:bodyPr wrap="square" rtlCol="0" anchor="ctr">
+            <a:noAutofit/>
+          </a:bodyPr>
+          <a:lstStyle/>
+          <a:p>
+            <a:pPr marL="0" marR="0" lvl="0" indent="0" algn="ctr" defTabSz="1219170" eaLnBrk="1" fontAlgn="auto" latinLnBrk="0" hangingPunct="1">
+              <a:lnSpc>
+                <a:spcPct val="100000"/>
+              </a:lnSpc>
+              <a:spcBef>
+                <a:spcPts val="0"/>
+              </a:spcBef>
+              <a:spcAft>
+                <a:spcPts val="0"/>
+              </a:spcAft>
+              <a:buClrTx/>
+              <a:buSzTx/>
+              <a:buFontTx/>
+              <a:buNone/>
+              <a:tabLst/>
+              <a:defRPr/>
+            </a:pPr>
+            <a:endParaRPr kumimoji="0" lang="en-US" sz="2400" b="0" i="0" u="none" strike="noStrike" kern="0" cap="none" spc="0" normalizeH="0" baseline="0" noProof="0">
+              <a:ln>
+                <a:noFill/>
+              </a:ln>
+              <a:solidFill>
+                <a:prstClr val="white"/>
+              </a:solidFill>
+              <a:effectLst/>
+              <a:uLnTx/>
+              <a:uFillTx/>
+              <a:latin typeface="Open Sans Light"/>
+              <a:ea typeface="+mn-ea"/>
+              <a:cs typeface="+mn-cs"/>
+            </a:endParaRPr>
+          </a:p>
+        </p:txBody>
+      </p:sp>
+      <p:sp>
+        <p:nvSpPr>
+          <p:cNvPr id="36" name="Rectangle 35"/>
+          <p:cNvSpPr/>
+          <p:nvPr/>
+        </p:nvSpPr>
+        <p:spPr>
+          <a:xfrm>
+            <a:off x="5019254" y="2280096"/>
+            <a:ext cx="3873921" cy="992135"/>
+          </a:xfrm>
+          <a:prstGeom prst="rect">
+            <a:avLst/>
+          </a:prstGeom>
+          <a:solidFill>
+            <a:srgbClr val="F49D00"/>
+          </a:solidFill>
+          <a:ln w="9525" cap="flat" cmpd="sng" algn="ctr">
+            <a:noFill/>
+            <a:prstDash val="solid"/>
+          </a:ln>
+          <a:effectLst/>
+        </p:spPr>
+        <p:txBody>
+          <a:bodyPr lIns="274320" tIns="0" rtlCol="0" anchor="ctr"/>
+          <a:lstStyle/>
+          <a:p>
+            <a:pPr marL="0" marR="0" lvl="0" indent="0" defTabSz="1219170" eaLnBrk="1" fontAlgn="auto" latinLnBrk="0" hangingPunct="1">
+              <a:lnSpc>
+                <a:spcPct val="100000"/>
+              </a:lnSpc>
+              <a:spcBef>
+                <a:spcPts val="0"/>
+              </a:spcBef>
+              <a:spcAft>
+                <a:spcPts val="0"/>
+              </a:spcAft>
+              <a:buClrTx/>
+              <a:buSzTx/>
+              <a:buFontTx/>
+              <a:buNone/>
+              <a:tabLst/>
+              <a:defRPr/>
+            </a:pPr>
+            <a:r>
+              <a:rPr kumimoji="0" lang="en-US" sz="3200" b="0" i="0" u="none" strike="noStrike" kern="0" cap="none" spc="0" normalizeH="0" baseline="0" noProof="0" dirty="0">
+                <a:ln>
+                  <a:noFill/>
+                </a:ln>
+                <a:solidFill>
+                  <a:srgbClr val="FFFFFF"/>
+                </a:solidFill>
+                <a:effectLst/>
+                <a:uLnTx/>
+                <a:uFillTx/>
+                <a:latin typeface="Open Sans Light"/>
+                <a:ea typeface="+mn-ea"/>
+                <a:cs typeface="+mn-cs"/>
+              </a:rPr>
+              <a:t>02</a:t>
+            </a:r>
+          </a:p>
+        </p:txBody>
+      </p:sp>
+      <p:sp>
+        <p:nvSpPr>
+          <p:cNvPr id="37" name="Rectangle 36"/>
+          <p:cNvSpPr/>
+          <p:nvPr/>
+        </p:nvSpPr>
+        <p:spPr>
+          <a:xfrm>
+            <a:off x="5019254" y="1290955"/>
+            <a:ext cx="3873921" cy="992135"/>
+          </a:xfrm>
+          <a:prstGeom prst="rect">
+            <a:avLst/>
+          </a:prstGeom>
+          <a:solidFill>
+            <a:srgbClr val="4DB3C7"/>
+          </a:solidFill>
+          <a:ln w="9525" cap="flat" cmpd="sng" algn="ctr">
+            <a:noFill/>
+            <a:prstDash val="solid"/>
+          </a:ln>
+          <a:effectLst/>
+        </p:spPr>
+        <p:txBody>
+          <a:bodyPr lIns="274320" tIns="0" rtlCol="0" anchor="ctr"/>
+          <a:lstStyle/>
+          <a:p>
+            <a:pPr marL="0" marR="0" lvl="0" indent="0" defTabSz="1219170" eaLnBrk="1" fontAlgn="auto" latinLnBrk="0" hangingPunct="1">
+              <a:lnSpc>
+                <a:spcPct val="100000"/>
+              </a:lnSpc>
+              <a:spcBef>
+                <a:spcPts val="0"/>
+              </a:spcBef>
+              <a:spcAft>
+                <a:spcPts val="0"/>
+              </a:spcAft>
+              <a:buClrTx/>
+              <a:buSzTx/>
+              <a:buFontTx/>
+              <a:buNone/>
+              <a:tabLst/>
+              <a:defRPr/>
+            </a:pPr>
+            <a:r>
+              <a:rPr kumimoji="0" lang="en-US" sz="3200" b="0" i="0" u="none" strike="noStrike" kern="0" cap="none" spc="0" normalizeH="0" baseline="0" noProof="0" dirty="0">
+                <a:ln>
+                  <a:noFill/>
+                </a:ln>
+                <a:solidFill>
+                  <a:srgbClr val="FFFFFF"/>
+                </a:solidFill>
+                <a:effectLst/>
+                <a:uLnTx/>
+                <a:uFillTx/>
+                <a:latin typeface="Open Sans Light"/>
+                <a:ea typeface="+mn-ea"/>
+                <a:cs typeface="+mn-cs"/>
+              </a:rPr>
+              <a:t>01</a:t>
+            </a:r>
+          </a:p>
+        </p:txBody>
+      </p:sp>
+      <p:sp>
+        <p:nvSpPr>
+          <p:cNvPr id="38" name="Rectangle 37"/>
+          <p:cNvSpPr/>
+          <p:nvPr/>
+        </p:nvSpPr>
+        <p:spPr>
+          <a:xfrm>
+            <a:off x="5019254" y="3268403"/>
+            <a:ext cx="3873921" cy="992135"/>
+          </a:xfrm>
+          <a:prstGeom prst="rect">
+            <a:avLst/>
+          </a:prstGeom>
+          <a:solidFill>
+            <a:srgbClr val="1D6E9B"/>
+          </a:solidFill>
+          <a:ln w="9525" cap="flat" cmpd="sng" algn="ctr">
+            <a:noFill/>
+            <a:prstDash val="solid"/>
+          </a:ln>
+          <a:effectLst/>
+        </p:spPr>
+        <p:txBody>
+          <a:bodyPr lIns="274320" tIns="0" rtlCol="0" anchor="ctr"/>
+          <a:lstStyle/>
+          <a:p>
+            <a:pPr marL="0" marR="0" lvl="0" indent="0" defTabSz="1219170" eaLnBrk="1" fontAlgn="auto" latinLnBrk="0" hangingPunct="1">
+              <a:lnSpc>
+                <a:spcPct val="100000"/>
+              </a:lnSpc>
+              <a:spcBef>
+                <a:spcPts val="0"/>
+              </a:spcBef>
+              <a:spcAft>
+                <a:spcPts val="0"/>
+              </a:spcAft>
+              <a:buClrTx/>
+              <a:buSzTx/>
+              <a:buFontTx/>
+              <a:buNone/>
+              <a:tabLst/>
+              <a:defRPr/>
+            </a:pPr>
+            <a:r>
+              <a:rPr kumimoji="0" lang="en-US" sz="3200" b="0" i="0" u="none" strike="noStrike" kern="0" cap="none" spc="0" normalizeH="0" baseline="0" noProof="0" dirty="0">
+                <a:ln>
+                  <a:noFill/>
+                </a:ln>
+                <a:solidFill>
+                  <a:srgbClr val="FFFFFF"/>
+                </a:solidFill>
+                <a:effectLst/>
+                <a:uLnTx/>
+                <a:uFillTx/>
+                <a:latin typeface="Open Sans Light"/>
+                <a:ea typeface="+mn-ea"/>
+                <a:cs typeface="+mn-cs"/>
+              </a:rPr>
+              <a:t>03</a:t>
+            </a:r>
+          </a:p>
+        </p:txBody>
+      </p:sp>
+      <p:sp>
+        <p:nvSpPr>
+          <p:cNvPr id="39" name="Rectangle 38"/>
+          <p:cNvSpPr/>
+          <p:nvPr/>
+        </p:nvSpPr>
+        <p:spPr>
+          <a:xfrm>
+            <a:off x="5019254" y="4256438"/>
+            <a:ext cx="3873921" cy="992135"/>
+          </a:xfrm>
+          <a:prstGeom prst="rect">
+            <a:avLst/>
+          </a:prstGeom>
+          <a:solidFill>
+            <a:srgbClr val="CF423F"/>
+          </a:solidFill>
+          <a:ln w="9525" cap="flat" cmpd="sng" algn="ctr">
+            <a:noFill/>
+            <a:prstDash val="solid"/>
+          </a:ln>
+          <a:effectLst/>
+        </p:spPr>
+        <p:txBody>
+          <a:bodyPr lIns="274320" tIns="0" rtlCol="0" anchor="ctr"/>
+          <a:lstStyle/>
+          <a:p>
+            <a:pPr marL="0" marR="0" lvl="0" indent="0" defTabSz="1219170" eaLnBrk="1" fontAlgn="auto" latinLnBrk="0" hangingPunct="1">
+              <a:lnSpc>
+                <a:spcPct val="100000"/>
+              </a:lnSpc>
+              <a:spcBef>
+                <a:spcPts val="0"/>
+              </a:spcBef>
+              <a:spcAft>
+                <a:spcPts val="0"/>
+              </a:spcAft>
+              <a:buClrTx/>
+              <a:buSzTx/>
+              <a:buFontTx/>
+              <a:buNone/>
+              <a:tabLst/>
+              <a:defRPr/>
+            </a:pPr>
+            <a:r>
+              <a:rPr kumimoji="0" lang="en-US" sz="3200" b="0" i="0" u="none" strike="noStrike" kern="0" cap="none" spc="0" normalizeH="0" baseline="0" noProof="0" dirty="0">
+                <a:ln>
+                  <a:noFill/>
+                </a:ln>
+                <a:solidFill>
+                  <a:srgbClr val="FFFFFF"/>
+                </a:solidFill>
+                <a:effectLst/>
+                <a:uLnTx/>
+                <a:uFillTx/>
+                <a:latin typeface="Open Sans Light"/>
+                <a:ea typeface="+mn-ea"/>
+                <a:cs typeface="+mn-cs"/>
+              </a:rPr>
+              <a:t>04</a:t>
+            </a:r>
+          </a:p>
+        </p:txBody>
+      </p:sp>
+      <p:sp>
+        <p:nvSpPr>
+          <p:cNvPr id="40" name="Rectangle 39"/>
+          <p:cNvSpPr/>
+          <p:nvPr/>
+        </p:nvSpPr>
+        <p:spPr>
+          <a:xfrm>
+            <a:off x="5962650" y="1552175"/>
+            <a:ext cx="2590800" cy="589392"/>
+          </a:xfrm>
+          <a:prstGeom prst="rect">
+            <a:avLst/>
+          </a:prstGeom>
+        </p:spPr>
+        <p:txBody>
+          <a:bodyPr wrap="square" lIns="0" rIns="0">
+            <a:spAutoFit/>
+          </a:bodyPr>
+          <a:lstStyle/>
+          <a:p>
+            <a:pPr defTabSz="1219170">
+              <a:lnSpc>
+                <a:spcPct val="85000"/>
+              </a:lnSpc>
+            </a:pPr>
+            <a:r>
+              <a:rPr lang="en-US" sz="1600" dirty="0">
+                <a:solidFill>
+                  <a:schemeClr val="bg1">
+                    <a:lumMod val="95000"/>
+                  </a:schemeClr>
+                </a:solidFill>
+                <a:latin typeface="Open Sans Light"/>
+              </a:rPr>
+              <a:t>Drive Azure Adoption</a:t>
+            </a:r>
+          </a:p>
+          <a:p>
+            <a:pPr defTabSz="1219170">
+              <a:lnSpc>
+                <a:spcPct val="85000"/>
+              </a:lnSpc>
+            </a:pPr>
+            <a:r>
+              <a:rPr lang="en-US" sz="1100" dirty="0">
+                <a:solidFill>
+                  <a:schemeClr val="bg1">
+                    <a:lumMod val="95000"/>
+                  </a:schemeClr>
+                </a:solidFill>
+                <a:latin typeface="Open Sans Light"/>
+              </a:rPr>
+              <a:t>Showcase ease of standing up secure and compliant infrastructure</a:t>
+            </a:r>
+          </a:p>
+        </p:txBody>
+      </p:sp>
+      <p:sp>
+        <p:nvSpPr>
+          <p:cNvPr id="41" name="Rectangle 40"/>
+          <p:cNvSpPr/>
+          <p:nvPr/>
+        </p:nvSpPr>
+        <p:spPr>
+          <a:xfrm>
+            <a:off x="5962650" y="2546351"/>
+            <a:ext cx="2590800" cy="667875"/>
+          </a:xfrm>
+          <a:prstGeom prst="rect">
+            <a:avLst/>
+          </a:prstGeom>
+        </p:spPr>
+        <p:txBody>
+          <a:bodyPr wrap="square" lIns="0" rIns="0">
+            <a:spAutoFit/>
+          </a:bodyPr>
+          <a:lstStyle/>
+          <a:p>
+            <a:pPr defTabSz="1219170">
+              <a:lnSpc>
+                <a:spcPct val="85000"/>
+              </a:lnSpc>
+            </a:pPr>
+            <a:r>
+              <a:rPr lang="en-US" sz="1600" dirty="0">
+                <a:solidFill>
+                  <a:schemeClr val="bg1">
+                    <a:lumMod val="95000"/>
+                  </a:schemeClr>
+                </a:solidFill>
+                <a:latin typeface="Open Sans Light"/>
+              </a:rPr>
+              <a:t>Showcase a commonly used Reference Architecture</a:t>
+            </a:r>
+          </a:p>
+          <a:p>
+            <a:pPr defTabSz="1219170">
+              <a:lnSpc>
+                <a:spcPct val="85000"/>
+              </a:lnSpc>
+            </a:pPr>
+            <a:r>
+              <a:rPr lang="en-US" sz="1100" dirty="0">
+                <a:solidFill>
+                  <a:schemeClr val="bg1">
+                    <a:lumMod val="95000"/>
+                  </a:schemeClr>
+                </a:solidFill>
+                <a:latin typeface="Open Sans Light"/>
+              </a:rPr>
+              <a:t>Azure PaaS LOB Web Apps</a:t>
+            </a:r>
+          </a:p>
+        </p:txBody>
+      </p:sp>
+      <p:sp>
+        <p:nvSpPr>
+          <p:cNvPr id="42" name="Rectangle 41"/>
+          <p:cNvSpPr/>
+          <p:nvPr/>
+        </p:nvSpPr>
+        <p:spPr>
+          <a:xfrm>
+            <a:off x="5962650" y="3529943"/>
+            <a:ext cx="2590800" cy="654795"/>
+          </a:xfrm>
+          <a:prstGeom prst="rect">
+            <a:avLst/>
+          </a:prstGeom>
+        </p:spPr>
+        <p:txBody>
+          <a:bodyPr wrap="square" lIns="0" rIns="0">
+            <a:spAutoFit/>
+          </a:bodyPr>
+          <a:lstStyle/>
+          <a:p>
+            <a:pPr defTabSz="1219170">
+              <a:lnSpc>
+                <a:spcPct val="85000"/>
+              </a:lnSpc>
+            </a:pPr>
+            <a:r>
+              <a:rPr lang="en-US" sz="1600" dirty="0">
+                <a:solidFill>
+                  <a:schemeClr val="bg1"/>
+                </a:solidFill>
+                <a:latin typeface="Open Sans Light"/>
+              </a:rPr>
+              <a:t>Showcase Microsoft Partner Relationship</a:t>
+            </a:r>
+          </a:p>
+          <a:p>
+            <a:pPr defTabSz="1219170">
+              <a:lnSpc>
+                <a:spcPct val="85000"/>
+              </a:lnSpc>
+            </a:pPr>
+            <a:r>
+              <a:rPr lang="en-US" sz="1100" dirty="0">
+                <a:solidFill>
+                  <a:schemeClr val="bg1">
+                    <a:lumMod val="95000"/>
+                  </a:schemeClr>
+                </a:solidFill>
+                <a:latin typeface="Open Sans Light"/>
+              </a:rPr>
+              <a:t>Microsoft and Avyan Consulting</a:t>
+            </a:r>
+          </a:p>
+        </p:txBody>
+      </p:sp>
+      <p:sp>
+        <p:nvSpPr>
+          <p:cNvPr id="43" name="Rectangle 42"/>
+          <p:cNvSpPr/>
+          <p:nvPr/>
+        </p:nvSpPr>
+        <p:spPr>
+          <a:xfrm>
+            <a:off x="5962650" y="4446065"/>
+            <a:ext cx="2590800" cy="798680"/>
+          </a:xfrm>
+          <a:prstGeom prst="rect">
+            <a:avLst/>
+          </a:prstGeom>
+        </p:spPr>
+        <p:txBody>
+          <a:bodyPr wrap="square" lIns="0" rIns="0">
+            <a:spAutoFit/>
+          </a:bodyPr>
+          <a:lstStyle/>
+          <a:p>
+            <a:pPr defTabSz="1219170">
+              <a:lnSpc>
+                <a:spcPct val="85000"/>
+              </a:lnSpc>
+            </a:pPr>
+            <a:r>
+              <a:rPr lang="en-US" sz="1600" dirty="0">
+                <a:solidFill>
+                  <a:srgbClr val="FFFFFF"/>
+                </a:solidFill>
+                <a:latin typeface="Open Sans Light"/>
+              </a:rPr>
+              <a:t>Learn and Democratize Solution</a:t>
+            </a:r>
+          </a:p>
+          <a:p>
+            <a:pPr defTabSz="1219170">
+              <a:lnSpc>
+                <a:spcPct val="85000"/>
+              </a:lnSpc>
+            </a:pPr>
+            <a:r>
+              <a:rPr lang="en-US" sz="1100" dirty="0" err="1">
+                <a:solidFill>
+                  <a:schemeClr val="bg1">
+                    <a:lumMod val="95000"/>
+                  </a:schemeClr>
+                </a:solidFill>
+                <a:latin typeface="Open Sans Light"/>
+              </a:rPr>
+              <a:t>Opensourcing</a:t>
+            </a:r>
+            <a:r>
+              <a:rPr lang="en-US" sz="1100" dirty="0">
+                <a:solidFill>
+                  <a:schemeClr val="bg1">
+                    <a:lumMod val="95000"/>
+                  </a:schemeClr>
+                </a:solidFill>
+                <a:latin typeface="Open Sans Light"/>
+              </a:rPr>
+              <a:t> allows us to learn from the larger community</a:t>
+            </a:r>
+          </a:p>
+        </p:txBody>
+      </p:sp>
+      <p:sp>
+        <p:nvSpPr>
+          <p:cNvPr id="44" name="Freeform 33"/>
+          <p:cNvSpPr>
+            <a:spLocks noEditPoints="1"/>
+          </p:cNvSpPr>
+          <p:nvPr/>
+        </p:nvSpPr>
+        <p:spPr bwMode="auto">
+          <a:xfrm>
+            <a:off x="1844988" y="1832066"/>
+            <a:ext cx="1156558" cy="1232394"/>
+          </a:xfrm>
+          <a:custGeom>
+            <a:avLst/>
+            <a:gdLst>
+              <a:gd name="T0" fmla="*/ 352 w 847"/>
+              <a:gd name="T1" fmla="*/ 452 h 903"/>
+              <a:gd name="T2" fmla="*/ 495 w 847"/>
+              <a:gd name="T3" fmla="*/ 452 h 903"/>
+              <a:gd name="T4" fmla="*/ 423 w 847"/>
+              <a:gd name="T5" fmla="*/ 495 h 903"/>
+              <a:gd name="T6" fmla="*/ 423 w 847"/>
+              <a:gd name="T7" fmla="*/ 409 h 903"/>
+              <a:gd name="T8" fmla="*/ 423 w 847"/>
+              <a:gd name="T9" fmla="*/ 495 h 903"/>
+              <a:gd name="T10" fmla="*/ 814 w 847"/>
+              <a:gd name="T11" fmla="*/ 226 h 903"/>
+              <a:gd name="T12" fmla="*/ 559 w 847"/>
+              <a:gd name="T13" fmla="*/ 217 h 903"/>
+              <a:gd name="T14" fmla="*/ 288 w 847"/>
+              <a:gd name="T15" fmla="*/ 217 h 903"/>
+              <a:gd name="T16" fmla="*/ 33 w 847"/>
+              <a:gd name="T17" fmla="*/ 226 h 903"/>
+              <a:gd name="T18" fmla="*/ 94 w 847"/>
+              <a:gd name="T19" fmla="*/ 509 h 903"/>
+              <a:gd name="T20" fmla="*/ 129 w 847"/>
+              <a:gd name="T21" fmla="*/ 717 h 903"/>
+              <a:gd name="T22" fmla="*/ 423 w 847"/>
+              <a:gd name="T23" fmla="*/ 903 h 903"/>
+              <a:gd name="T24" fmla="*/ 717 w 847"/>
+              <a:gd name="T25" fmla="*/ 717 h 903"/>
+              <a:gd name="T26" fmla="*/ 814 w 847"/>
+              <a:gd name="T27" fmla="*/ 677 h 903"/>
+              <a:gd name="T28" fmla="*/ 129 w 847"/>
+              <a:gd name="T29" fmla="*/ 689 h 903"/>
+              <a:gd name="T30" fmla="*/ 57 w 847"/>
+              <a:gd name="T31" fmla="*/ 663 h 903"/>
+              <a:gd name="T32" fmla="*/ 174 w 847"/>
+              <a:gd name="T33" fmla="*/ 471 h 903"/>
+              <a:gd name="T34" fmla="*/ 283 w 847"/>
+              <a:gd name="T35" fmla="*/ 658 h 903"/>
+              <a:gd name="T36" fmla="*/ 267 w 847"/>
+              <a:gd name="T37" fmla="*/ 505 h 903"/>
+              <a:gd name="T38" fmla="*/ 267 w 847"/>
+              <a:gd name="T39" fmla="*/ 399 h 903"/>
+              <a:gd name="T40" fmla="*/ 267 w 847"/>
+              <a:gd name="T41" fmla="*/ 505 h 903"/>
+              <a:gd name="T42" fmla="*/ 175 w 847"/>
+              <a:gd name="T43" fmla="*/ 433 h 903"/>
+              <a:gd name="T44" fmla="*/ 129 w 847"/>
+              <a:gd name="T45" fmla="*/ 215 h 903"/>
+              <a:gd name="T46" fmla="*/ 269 w 847"/>
+              <a:gd name="T47" fmla="*/ 362 h 903"/>
+              <a:gd name="T48" fmla="*/ 502 w 847"/>
+              <a:gd name="T49" fmla="*/ 315 h 903"/>
+              <a:gd name="T50" fmla="*/ 537 w 847"/>
+              <a:gd name="T51" fmla="*/ 255 h 903"/>
+              <a:gd name="T52" fmla="*/ 423 w 847"/>
+              <a:gd name="T53" fmla="*/ 29 h 903"/>
+              <a:gd name="T54" fmla="*/ 423 w 847"/>
+              <a:gd name="T55" fmla="*/ 273 h 903"/>
+              <a:gd name="T56" fmla="*/ 423 w 847"/>
+              <a:gd name="T57" fmla="*/ 29 h 903"/>
+              <a:gd name="T58" fmla="*/ 391 w 847"/>
+              <a:gd name="T59" fmla="*/ 290 h 903"/>
+              <a:gd name="T60" fmla="*/ 299 w 847"/>
+              <a:gd name="T61" fmla="*/ 343 h 903"/>
+              <a:gd name="T62" fmla="*/ 299 w 847"/>
+              <a:gd name="T63" fmla="*/ 561 h 903"/>
+              <a:gd name="T64" fmla="*/ 391 w 847"/>
+              <a:gd name="T65" fmla="*/ 614 h 903"/>
+              <a:gd name="T66" fmla="*/ 299 w 847"/>
+              <a:gd name="T67" fmla="*/ 561 h 903"/>
+              <a:gd name="T68" fmla="*/ 315 w 847"/>
+              <a:gd name="T69" fmla="*/ 677 h 903"/>
+              <a:gd name="T70" fmla="*/ 532 w 847"/>
+              <a:gd name="T71" fmla="*/ 677 h 903"/>
+              <a:gd name="T72" fmla="*/ 537 w 847"/>
+              <a:gd name="T73" fmla="*/ 648 h 903"/>
+              <a:gd name="T74" fmla="*/ 502 w 847"/>
+              <a:gd name="T75" fmla="*/ 588 h 903"/>
+              <a:gd name="T76" fmla="*/ 537 w 847"/>
+              <a:gd name="T77" fmla="*/ 648 h 903"/>
+              <a:gd name="T78" fmla="*/ 488 w 847"/>
+              <a:gd name="T79" fmla="*/ 563 h 903"/>
+              <a:gd name="T80" fmla="*/ 359 w 847"/>
+              <a:gd name="T81" fmla="*/ 563 h 903"/>
+              <a:gd name="T82" fmla="*/ 294 w 847"/>
+              <a:gd name="T83" fmla="*/ 452 h 903"/>
+              <a:gd name="T84" fmla="*/ 359 w 847"/>
+              <a:gd name="T85" fmla="*/ 340 h 903"/>
+              <a:gd name="T86" fmla="*/ 488 w 847"/>
+              <a:gd name="T87" fmla="*/ 340 h 903"/>
+              <a:gd name="T88" fmla="*/ 552 w 847"/>
+              <a:gd name="T89" fmla="*/ 452 h 903"/>
+              <a:gd name="T90" fmla="*/ 717 w 847"/>
+              <a:gd name="T91" fmla="*/ 215 h 903"/>
+              <a:gd name="T92" fmla="*/ 672 w 847"/>
+              <a:gd name="T93" fmla="*/ 433 h 903"/>
+              <a:gd name="T94" fmla="*/ 564 w 847"/>
+              <a:gd name="T95" fmla="*/ 245 h 903"/>
+              <a:gd name="T96" fmla="*/ 580 w 847"/>
+              <a:gd name="T97" fmla="*/ 399 h 903"/>
+              <a:gd name="T98" fmla="*/ 580 w 847"/>
+              <a:gd name="T99" fmla="*/ 505 h 903"/>
+              <a:gd name="T100" fmla="*/ 580 w 847"/>
+              <a:gd name="T101" fmla="*/ 399 h 903"/>
+              <a:gd name="T102" fmla="*/ 717 w 847"/>
+              <a:gd name="T103" fmla="*/ 689 h 903"/>
+              <a:gd name="T104" fmla="*/ 564 w 847"/>
+              <a:gd name="T105" fmla="*/ 658 h 903"/>
+              <a:gd name="T106" fmla="*/ 672 w 847"/>
+              <a:gd name="T107" fmla="*/ 471 h 903"/>
+            </a:gdLst>
+            <a:ahLst/>
+            <a:cxnLst>
+              <a:cxn ang="0">
+                <a:pos x="T0" y="T1"/>
+              </a:cxn>
+              <a:cxn ang="0">
+                <a:pos x="T2" y="T3"/>
+              </a:cxn>
+              <a:cxn ang="0">
+                <a:pos x="T4" y="T5"/>
+              </a:cxn>
+              <a:cxn ang="0">
+                <a:pos x="T6" y="T7"/>
+              </a:cxn>
+              <a:cxn ang="0">
+                <a:pos x="T8" y="T9"/>
+              </a:cxn>
+              <a:cxn ang="0">
+                <a:pos x="T10" y="T11"/>
+              </a:cxn>
+              <a:cxn ang="0">
+                <a:pos x="T12" y="T13"/>
+              </a:cxn>
+              <a:cxn ang="0">
+                <a:pos x="T14" y="T15"/>
+              </a:cxn>
+              <a:cxn ang="0">
+                <a:pos x="T16" y="T17"/>
+              </a:cxn>
+              <a:cxn ang="0">
+                <a:pos x="T18" y="T19"/>
+              </a:cxn>
+              <a:cxn ang="0">
+                <a:pos x="T20" y="T21"/>
+              </a:cxn>
+              <a:cxn ang="0">
+                <a:pos x="T22" y="T23"/>
+              </a:cxn>
+              <a:cxn ang="0">
+                <a:pos x="T24" y="T25"/>
+              </a:cxn>
+              <a:cxn ang="0">
+                <a:pos x="T26" y="T27"/>
+              </a:cxn>
+              <a:cxn ang="0">
+                <a:pos x="T28" y="T29"/>
+              </a:cxn>
+              <a:cxn ang="0">
+                <a:pos x="T30" y="T31"/>
+              </a:cxn>
+              <a:cxn ang="0">
+                <a:pos x="T32" y="T33"/>
+              </a:cxn>
+              <a:cxn ang="0">
+                <a:pos x="T34" y="T35"/>
+              </a:cxn>
+              <a:cxn ang="0">
+                <a:pos x="T36" y="T37"/>
+              </a:cxn>
+              <a:cxn ang="0">
+                <a:pos x="T38" y="T39"/>
+              </a:cxn>
+              <a:cxn ang="0">
+                <a:pos x="T40" y="T41"/>
+              </a:cxn>
+              <a:cxn ang="0">
+                <a:pos x="T42" y="T43"/>
+              </a:cxn>
+              <a:cxn ang="0">
+                <a:pos x="T44" y="T45"/>
+              </a:cxn>
+              <a:cxn ang="0">
+                <a:pos x="T46" y="T47"/>
+              </a:cxn>
+              <a:cxn ang="0">
+                <a:pos x="T48" y="T49"/>
+              </a:cxn>
+              <a:cxn ang="0">
+                <a:pos x="T50" y="T51"/>
+              </a:cxn>
+              <a:cxn ang="0">
+                <a:pos x="T52" y="T53"/>
+              </a:cxn>
+              <a:cxn ang="0">
+                <a:pos x="T54" y="T55"/>
+              </a:cxn>
+              <a:cxn ang="0">
+                <a:pos x="T56" y="T57"/>
+              </a:cxn>
+              <a:cxn ang="0">
+                <a:pos x="T58" y="T59"/>
+              </a:cxn>
+              <a:cxn ang="0">
+                <a:pos x="T60" y="T61"/>
+              </a:cxn>
+              <a:cxn ang="0">
+                <a:pos x="T62" y="T63"/>
+              </a:cxn>
+              <a:cxn ang="0">
+                <a:pos x="T64" y="T65"/>
+              </a:cxn>
+              <a:cxn ang="0">
+                <a:pos x="T66" y="T67"/>
+              </a:cxn>
+              <a:cxn ang="0">
+                <a:pos x="T68" y="T69"/>
+              </a:cxn>
+              <a:cxn ang="0">
+                <a:pos x="T70" y="T71"/>
+              </a:cxn>
+              <a:cxn ang="0">
+                <a:pos x="T72" y="T73"/>
+              </a:cxn>
+              <a:cxn ang="0">
+                <a:pos x="T74" y="T75"/>
+              </a:cxn>
+              <a:cxn ang="0">
+                <a:pos x="T76" y="T77"/>
+              </a:cxn>
+              <a:cxn ang="0">
+                <a:pos x="T78" y="T79"/>
+              </a:cxn>
+              <a:cxn ang="0">
+                <a:pos x="T80" y="T81"/>
+              </a:cxn>
+              <a:cxn ang="0">
+                <a:pos x="T82" y="T83"/>
+              </a:cxn>
+              <a:cxn ang="0">
+                <a:pos x="T84" y="T85"/>
+              </a:cxn>
+              <a:cxn ang="0">
+                <a:pos x="T86" y="T87"/>
+              </a:cxn>
+              <a:cxn ang="0">
+                <a:pos x="T88" y="T89"/>
+              </a:cxn>
+              <a:cxn ang="0">
+                <a:pos x="T90" y="T91"/>
+              </a:cxn>
+              <a:cxn ang="0">
+                <a:pos x="T92" y="T93"/>
+              </a:cxn>
+              <a:cxn ang="0">
+                <a:pos x="T94" y="T95"/>
+              </a:cxn>
+              <a:cxn ang="0">
+                <a:pos x="T96" y="T97"/>
+              </a:cxn>
+              <a:cxn ang="0">
+                <a:pos x="T98" y="T99"/>
+              </a:cxn>
+              <a:cxn ang="0">
+                <a:pos x="T100" y="T101"/>
+              </a:cxn>
+              <a:cxn ang="0">
+                <a:pos x="T102" y="T103"/>
+              </a:cxn>
+              <a:cxn ang="0">
+                <a:pos x="T104" y="T105"/>
+              </a:cxn>
+              <a:cxn ang="0">
+                <a:pos x="T106" y="T107"/>
+              </a:cxn>
+            </a:cxnLst>
+            <a:rect l="0" t="0" r="r" b="b"/>
+            <a:pathLst>
+              <a:path w="847" h="903">
+                <a:moveTo>
+                  <a:pt x="423" y="380"/>
+                </a:moveTo>
+                <a:cubicBezTo>
+                  <a:pt x="384" y="380"/>
+                  <a:pt x="352" y="412"/>
+                  <a:pt x="352" y="452"/>
+                </a:cubicBezTo>
+                <a:cubicBezTo>
+                  <a:pt x="352" y="491"/>
+                  <a:pt x="384" y="523"/>
+                  <a:pt x="423" y="523"/>
+                </a:cubicBezTo>
+                <a:cubicBezTo>
+                  <a:pt x="463" y="523"/>
+                  <a:pt x="495" y="491"/>
+                  <a:pt x="495" y="452"/>
+                </a:cubicBezTo>
+                <a:cubicBezTo>
+                  <a:pt x="495" y="412"/>
+                  <a:pt x="463" y="380"/>
+                  <a:pt x="423" y="380"/>
+                </a:cubicBezTo>
+                <a:close/>
+                <a:moveTo>
+                  <a:pt x="423" y="495"/>
+                </a:moveTo>
+                <a:cubicBezTo>
+                  <a:pt x="400" y="495"/>
+                  <a:pt x="380" y="475"/>
+                  <a:pt x="380" y="452"/>
+                </a:cubicBezTo>
+                <a:cubicBezTo>
+                  <a:pt x="380" y="428"/>
+                  <a:pt x="400" y="409"/>
+                  <a:pt x="423" y="409"/>
+                </a:cubicBezTo>
+                <a:cubicBezTo>
+                  <a:pt x="447" y="409"/>
+                  <a:pt x="466" y="428"/>
+                  <a:pt x="466" y="452"/>
+                </a:cubicBezTo>
+                <a:cubicBezTo>
+                  <a:pt x="466" y="475"/>
+                  <a:pt x="447" y="495"/>
+                  <a:pt x="423" y="495"/>
+                </a:cubicBezTo>
+                <a:close/>
+                <a:moveTo>
+                  <a:pt x="695" y="452"/>
+                </a:moveTo>
+                <a:cubicBezTo>
+                  <a:pt x="789" y="368"/>
+                  <a:pt x="847" y="282"/>
+                  <a:pt x="814" y="226"/>
+                </a:cubicBezTo>
+                <a:cubicBezTo>
+                  <a:pt x="804" y="208"/>
+                  <a:pt x="778" y="186"/>
+                  <a:pt x="717" y="186"/>
+                </a:cubicBezTo>
+                <a:cubicBezTo>
+                  <a:pt x="674" y="186"/>
+                  <a:pt x="619" y="197"/>
+                  <a:pt x="559" y="217"/>
+                </a:cubicBezTo>
+                <a:cubicBezTo>
+                  <a:pt x="534" y="93"/>
+                  <a:pt x="488" y="0"/>
+                  <a:pt x="423" y="0"/>
+                </a:cubicBezTo>
+                <a:cubicBezTo>
+                  <a:pt x="359" y="0"/>
+                  <a:pt x="313" y="93"/>
+                  <a:pt x="288" y="217"/>
+                </a:cubicBezTo>
+                <a:cubicBezTo>
+                  <a:pt x="228" y="197"/>
+                  <a:pt x="173" y="186"/>
+                  <a:pt x="129" y="186"/>
+                </a:cubicBezTo>
+                <a:cubicBezTo>
+                  <a:pt x="68" y="186"/>
+                  <a:pt x="43" y="208"/>
+                  <a:pt x="33" y="226"/>
+                </a:cubicBezTo>
+                <a:cubicBezTo>
+                  <a:pt x="0" y="282"/>
+                  <a:pt x="58" y="368"/>
+                  <a:pt x="152" y="452"/>
+                </a:cubicBezTo>
+                <a:cubicBezTo>
+                  <a:pt x="131" y="471"/>
+                  <a:pt x="111" y="490"/>
+                  <a:pt x="94" y="509"/>
+                </a:cubicBezTo>
+                <a:cubicBezTo>
+                  <a:pt x="31" y="580"/>
+                  <a:pt x="10" y="638"/>
+                  <a:pt x="32" y="677"/>
+                </a:cubicBezTo>
+                <a:cubicBezTo>
+                  <a:pt x="43" y="696"/>
+                  <a:pt x="68" y="717"/>
+                  <a:pt x="129" y="717"/>
+                </a:cubicBezTo>
+                <a:cubicBezTo>
+                  <a:pt x="173" y="717"/>
+                  <a:pt x="228" y="706"/>
+                  <a:pt x="288" y="686"/>
+                </a:cubicBezTo>
+                <a:cubicBezTo>
+                  <a:pt x="313" y="810"/>
+                  <a:pt x="359" y="903"/>
+                  <a:pt x="423" y="903"/>
+                </a:cubicBezTo>
+                <a:cubicBezTo>
+                  <a:pt x="488" y="903"/>
+                  <a:pt x="534" y="810"/>
+                  <a:pt x="559" y="686"/>
+                </a:cubicBezTo>
+                <a:cubicBezTo>
+                  <a:pt x="619" y="706"/>
+                  <a:pt x="674" y="717"/>
+                  <a:pt x="717" y="717"/>
+                </a:cubicBezTo>
+                <a:cubicBezTo>
+                  <a:pt x="717" y="717"/>
+                  <a:pt x="717" y="717"/>
+                  <a:pt x="717" y="717"/>
+                </a:cubicBezTo>
+                <a:cubicBezTo>
+                  <a:pt x="778" y="717"/>
+                  <a:pt x="804" y="696"/>
+                  <a:pt x="814" y="677"/>
+                </a:cubicBezTo>
+                <a:cubicBezTo>
+                  <a:pt x="847" y="621"/>
+                  <a:pt x="789" y="535"/>
+                  <a:pt x="695" y="452"/>
+                </a:cubicBezTo>
+                <a:close/>
+                <a:moveTo>
+                  <a:pt x="129" y="689"/>
+                </a:moveTo>
+                <a:cubicBezTo>
+                  <a:pt x="129" y="689"/>
+                  <a:pt x="129" y="689"/>
+                  <a:pt x="129" y="689"/>
+                </a:cubicBezTo>
+                <a:cubicBezTo>
+                  <a:pt x="103" y="689"/>
+                  <a:pt x="70" y="684"/>
+                  <a:pt x="57" y="663"/>
+                </a:cubicBezTo>
+                <a:cubicBezTo>
+                  <a:pt x="42" y="636"/>
+                  <a:pt x="64" y="586"/>
+                  <a:pt x="116" y="528"/>
+                </a:cubicBezTo>
+                <a:cubicBezTo>
+                  <a:pt x="133" y="509"/>
+                  <a:pt x="153" y="490"/>
+                  <a:pt x="174" y="471"/>
+                </a:cubicBezTo>
+                <a:cubicBezTo>
+                  <a:pt x="204" y="495"/>
+                  <a:pt x="235" y="518"/>
+                  <a:pt x="269" y="541"/>
+                </a:cubicBezTo>
+                <a:cubicBezTo>
+                  <a:pt x="272" y="581"/>
+                  <a:pt x="276" y="621"/>
+                  <a:pt x="283" y="658"/>
+                </a:cubicBezTo>
+                <a:cubicBezTo>
+                  <a:pt x="224" y="678"/>
+                  <a:pt x="171" y="689"/>
+                  <a:pt x="129" y="689"/>
+                </a:cubicBezTo>
+                <a:close/>
+                <a:moveTo>
+                  <a:pt x="267" y="505"/>
+                </a:moveTo>
+                <a:cubicBezTo>
+                  <a:pt x="241" y="487"/>
+                  <a:pt x="218" y="469"/>
+                  <a:pt x="197" y="452"/>
+                </a:cubicBezTo>
+                <a:cubicBezTo>
+                  <a:pt x="218" y="434"/>
+                  <a:pt x="242" y="416"/>
+                  <a:pt x="267" y="399"/>
+                </a:cubicBezTo>
+                <a:cubicBezTo>
+                  <a:pt x="266" y="416"/>
+                  <a:pt x="266" y="434"/>
+                  <a:pt x="266" y="452"/>
+                </a:cubicBezTo>
+                <a:cubicBezTo>
+                  <a:pt x="266" y="469"/>
+                  <a:pt x="266" y="487"/>
+                  <a:pt x="267" y="505"/>
+                </a:cubicBezTo>
+                <a:close/>
+                <a:moveTo>
+                  <a:pt x="269" y="362"/>
+                </a:moveTo>
+                <a:cubicBezTo>
+                  <a:pt x="235" y="385"/>
+                  <a:pt x="203" y="409"/>
+                  <a:pt x="175" y="433"/>
+                </a:cubicBezTo>
+                <a:cubicBezTo>
+                  <a:pt x="81" y="350"/>
+                  <a:pt x="37" y="275"/>
+                  <a:pt x="57" y="240"/>
+                </a:cubicBezTo>
+                <a:cubicBezTo>
+                  <a:pt x="70" y="219"/>
+                  <a:pt x="103" y="215"/>
+                  <a:pt x="129" y="215"/>
+                </a:cubicBezTo>
+                <a:cubicBezTo>
+                  <a:pt x="171" y="215"/>
+                  <a:pt x="224" y="226"/>
+                  <a:pt x="283" y="245"/>
+                </a:cubicBezTo>
+                <a:cubicBezTo>
+                  <a:pt x="276" y="283"/>
+                  <a:pt x="272" y="322"/>
+                  <a:pt x="269" y="362"/>
+                </a:cubicBezTo>
+                <a:close/>
+                <a:moveTo>
+                  <a:pt x="548" y="343"/>
+                </a:moveTo>
+                <a:cubicBezTo>
+                  <a:pt x="533" y="333"/>
+                  <a:pt x="518" y="324"/>
+                  <a:pt x="502" y="315"/>
+                </a:cubicBezTo>
+                <a:cubicBezTo>
+                  <a:pt x="487" y="306"/>
+                  <a:pt x="471" y="298"/>
+                  <a:pt x="456" y="290"/>
+                </a:cubicBezTo>
+                <a:cubicBezTo>
+                  <a:pt x="483" y="277"/>
+                  <a:pt x="510" y="265"/>
+                  <a:pt x="537" y="255"/>
+                </a:cubicBezTo>
+                <a:cubicBezTo>
+                  <a:pt x="541" y="283"/>
+                  <a:pt x="545" y="312"/>
+                  <a:pt x="548" y="343"/>
+                </a:cubicBezTo>
+                <a:close/>
+                <a:moveTo>
+                  <a:pt x="423" y="29"/>
+                </a:moveTo>
+                <a:cubicBezTo>
+                  <a:pt x="464" y="29"/>
+                  <a:pt x="507" y="104"/>
+                  <a:pt x="532" y="227"/>
+                </a:cubicBezTo>
+                <a:cubicBezTo>
+                  <a:pt x="497" y="240"/>
+                  <a:pt x="460" y="255"/>
+                  <a:pt x="423" y="273"/>
+                </a:cubicBezTo>
+                <a:cubicBezTo>
+                  <a:pt x="387" y="255"/>
+                  <a:pt x="350" y="240"/>
+                  <a:pt x="315" y="227"/>
+                </a:cubicBezTo>
+                <a:cubicBezTo>
+                  <a:pt x="340" y="104"/>
+                  <a:pt x="383" y="29"/>
+                  <a:pt x="423" y="29"/>
+                </a:cubicBezTo>
+                <a:close/>
+                <a:moveTo>
+                  <a:pt x="310" y="255"/>
+                </a:moveTo>
+                <a:cubicBezTo>
+                  <a:pt x="336" y="265"/>
+                  <a:pt x="364" y="277"/>
+                  <a:pt x="391" y="290"/>
+                </a:cubicBezTo>
+                <a:cubicBezTo>
+                  <a:pt x="376" y="298"/>
+                  <a:pt x="360" y="306"/>
+                  <a:pt x="345" y="315"/>
+                </a:cubicBezTo>
+                <a:cubicBezTo>
+                  <a:pt x="329" y="324"/>
+                  <a:pt x="314" y="333"/>
+                  <a:pt x="299" y="343"/>
+                </a:cubicBezTo>
+                <a:cubicBezTo>
+                  <a:pt x="302" y="312"/>
+                  <a:pt x="305" y="283"/>
+                  <a:pt x="310" y="255"/>
+                </a:cubicBezTo>
+                <a:close/>
+                <a:moveTo>
+                  <a:pt x="299" y="561"/>
+                </a:moveTo>
+                <a:cubicBezTo>
+                  <a:pt x="314" y="570"/>
+                  <a:pt x="329" y="579"/>
+                  <a:pt x="345" y="588"/>
+                </a:cubicBezTo>
+                <a:cubicBezTo>
+                  <a:pt x="360" y="597"/>
+                  <a:pt x="376" y="606"/>
+                  <a:pt x="391" y="614"/>
+                </a:cubicBezTo>
+                <a:cubicBezTo>
+                  <a:pt x="364" y="627"/>
+                  <a:pt x="336" y="638"/>
+                  <a:pt x="310" y="648"/>
+                </a:cubicBezTo>
+                <a:cubicBezTo>
+                  <a:pt x="305" y="621"/>
+                  <a:pt x="302" y="592"/>
+                  <a:pt x="299" y="561"/>
+                </a:cubicBezTo>
+                <a:close/>
+                <a:moveTo>
+                  <a:pt x="423" y="874"/>
+                </a:moveTo>
+                <a:cubicBezTo>
+                  <a:pt x="383" y="874"/>
+                  <a:pt x="340" y="799"/>
+                  <a:pt x="315" y="677"/>
+                </a:cubicBezTo>
+                <a:cubicBezTo>
+                  <a:pt x="350" y="664"/>
+                  <a:pt x="387" y="648"/>
+                  <a:pt x="423" y="630"/>
+                </a:cubicBezTo>
+                <a:cubicBezTo>
+                  <a:pt x="460" y="648"/>
+                  <a:pt x="497" y="664"/>
+                  <a:pt x="532" y="677"/>
+                </a:cubicBezTo>
+                <a:cubicBezTo>
+                  <a:pt x="507" y="799"/>
+                  <a:pt x="464" y="874"/>
+                  <a:pt x="423" y="874"/>
+                </a:cubicBezTo>
+                <a:close/>
+                <a:moveTo>
+                  <a:pt x="537" y="648"/>
+                </a:moveTo>
+                <a:cubicBezTo>
+                  <a:pt x="510" y="638"/>
+                  <a:pt x="483" y="627"/>
+                  <a:pt x="456" y="614"/>
+                </a:cubicBezTo>
+                <a:cubicBezTo>
+                  <a:pt x="471" y="606"/>
+                  <a:pt x="487" y="597"/>
+                  <a:pt x="502" y="588"/>
+                </a:cubicBezTo>
+                <a:cubicBezTo>
+                  <a:pt x="518" y="579"/>
+                  <a:pt x="533" y="570"/>
+                  <a:pt x="548" y="561"/>
+                </a:cubicBezTo>
+                <a:cubicBezTo>
+                  <a:pt x="545" y="592"/>
+                  <a:pt x="541" y="621"/>
+                  <a:pt x="537" y="648"/>
+                </a:cubicBezTo>
+                <a:close/>
+                <a:moveTo>
+                  <a:pt x="550" y="525"/>
+                </a:moveTo>
+                <a:cubicBezTo>
+                  <a:pt x="531" y="538"/>
+                  <a:pt x="510" y="551"/>
+                  <a:pt x="488" y="563"/>
+                </a:cubicBezTo>
+                <a:cubicBezTo>
+                  <a:pt x="466" y="576"/>
+                  <a:pt x="445" y="587"/>
+                  <a:pt x="423" y="598"/>
+                </a:cubicBezTo>
+                <a:cubicBezTo>
+                  <a:pt x="402" y="587"/>
+                  <a:pt x="380" y="576"/>
+                  <a:pt x="359" y="563"/>
+                </a:cubicBezTo>
+                <a:cubicBezTo>
+                  <a:pt x="337" y="551"/>
+                  <a:pt x="316" y="538"/>
+                  <a:pt x="296" y="525"/>
+                </a:cubicBezTo>
+                <a:cubicBezTo>
+                  <a:pt x="295" y="501"/>
+                  <a:pt x="294" y="477"/>
+                  <a:pt x="294" y="452"/>
+                </a:cubicBezTo>
+                <a:cubicBezTo>
+                  <a:pt x="294" y="426"/>
+                  <a:pt x="295" y="402"/>
+                  <a:pt x="296" y="379"/>
+                </a:cubicBezTo>
+                <a:cubicBezTo>
+                  <a:pt x="317" y="365"/>
+                  <a:pt x="337" y="352"/>
+                  <a:pt x="359" y="340"/>
+                </a:cubicBezTo>
+                <a:cubicBezTo>
+                  <a:pt x="380" y="328"/>
+                  <a:pt x="402" y="316"/>
+                  <a:pt x="423" y="305"/>
+                </a:cubicBezTo>
+                <a:cubicBezTo>
+                  <a:pt x="445" y="316"/>
+                  <a:pt x="466" y="328"/>
+                  <a:pt x="488" y="340"/>
+                </a:cubicBezTo>
+                <a:cubicBezTo>
+                  <a:pt x="510" y="353"/>
+                  <a:pt x="531" y="366"/>
+                  <a:pt x="550" y="379"/>
+                </a:cubicBezTo>
+                <a:cubicBezTo>
+                  <a:pt x="552" y="402"/>
+                  <a:pt x="552" y="426"/>
+                  <a:pt x="552" y="452"/>
+                </a:cubicBezTo>
+                <a:cubicBezTo>
+                  <a:pt x="552" y="477"/>
+                  <a:pt x="552" y="501"/>
+                  <a:pt x="550" y="525"/>
+                </a:cubicBezTo>
+                <a:close/>
+                <a:moveTo>
+                  <a:pt x="717" y="215"/>
+                </a:moveTo>
+                <a:cubicBezTo>
+                  <a:pt x="744" y="215"/>
+                  <a:pt x="777" y="219"/>
+                  <a:pt x="790" y="240"/>
+                </a:cubicBezTo>
+                <a:cubicBezTo>
+                  <a:pt x="810" y="275"/>
+                  <a:pt x="766" y="350"/>
+                  <a:pt x="672" y="433"/>
+                </a:cubicBezTo>
+                <a:cubicBezTo>
+                  <a:pt x="643" y="409"/>
+                  <a:pt x="611" y="385"/>
+                  <a:pt x="578" y="362"/>
+                </a:cubicBezTo>
+                <a:cubicBezTo>
+                  <a:pt x="575" y="322"/>
+                  <a:pt x="571" y="283"/>
+                  <a:pt x="564" y="245"/>
+                </a:cubicBezTo>
+                <a:cubicBezTo>
+                  <a:pt x="623" y="226"/>
+                  <a:pt x="676" y="215"/>
+                  <a:pt x="717" y="215"/>
+                </a:cubicBezTo>
+                <a:close/>
+                <a:moveTo>
+                  <a:pt x="580" y="399"/>
+                </a:moveTo>
+                <a:cubicBezTo>
+                  <a:pt x="605" y="416"/>
+                  <a:pt x="629" y="434"/>
+                  <a:pt x="650" y="452"/>
+                </a:cubicBezTo>
+                <a:cubicBezTo>
+                  <a:pt x="629" y="469"/>
+                  <a:pt x="605" y="487"/>
+                  <a:pt x="580" y="505"/>
+                </a:cubicBezTo>
+                <a:cubicBezTo>
+                  <a:pt x="581" y="487"/>
+                  <a:pt x="581" y="469"/>
+                  <a:pt x="581" y="452"/>
+                </a:cubicBezTo>
+                <a:cubicBezTo>
+                  <a:pt x="581" y="434"/>
+                  <a:pt x="581" y="416"/>
+                  <a:pt x="580" y="399"/>
+                </a:cubicBezTo>
+                <a:close/>
+                <a:moveTo>
+                  <a:pt x="790" y="663"/>
+                </a:moveTo>
+                <a:cubicBezTo>
+                  <a:pt x="777" y="684"/>
+                  <a:pt x="744" y="689"/>
+                  <a:pt x="717" y="689"/>
+                </a:cubicBezTo>
+                <a:cubicBezTo>
+                  <a:pt x="717" y="689"/>
+                  <a:pt x="717" y="689"/>
+                  <a:pt x="717" y="689"/>
+                </a:cubicBezTo>
+                <a:cubicBezTo>
+                  <a:pt x="676" y="689"/>
+                  <a:pt x="623" y="678"/>
+                  <a:pt x="564" y="658"/>
+                </a:cubicBezTo>
+                <a:cubicBezTo>
+                  <a:pt x="571" y="621"/>
+                  <a:pt x="575" y="581"/>
+                  <a:pt x="578" y="541"/>
+                </a:cubicBezTo>
+                <a:cubicBezTo>
+                  <a:pt x="611" y="519"/>
+                  <a:pt x="643" y="495"/>
+                  <a:pt x="672" y="471"/>
+                </a:cubicBezTo>
+                <a:cubicBezTo>
+                  <a:pt x="766" y="553"/>
+                  <a:pt x="810" y="628"/>
+                  <a:pt x="790" y="663"/>
+                </a:cubicBezTo>
+                <a:close/>
+              </a:path>
+            </a:pathLst>
+          </a:custGeom>
+          <a:solidFill>
+            <a:srgbClr val="FFFFFF"/>
+          </a:solidFill>
+          <a:ln>
+            <a:noFill/>
+          </a:ln>
+        </p:spPr>
+        <p:txBody>
+          <a:bodyPr vert="horz" wrap="square" lIns="91440" tIns="45720" rIns="91440" bIns="45720" numCol="1" anchor="t" anchorCtr="0" compatLnSpc="1">
+            <a:prstTxWarp prst="textNoShape">
+              <a:avLst/>
+            </a:prstTxWarp>
+          </a:bodyPr>
+          <a:lstStyle/>
+          <a:p>
+            <a:pPr defTabSz="1219170"/>
+            <a:endParaRPr lang="en-US" sz="2400">
+              <a:solidFill>
+                <a:srgbClr val="57565A"/>
+              </a:solidFill>
+              <a:latin typeface="Open Sans Light"/>
+            </a:endParaRPr>
+          </a:p>
+        </p:txBody>
+      </p:sp>
+      <p:sp useBgFill="1">
+        <p:nvSpPr>
+          <p:cNvPr id="45" name="Freeform 35"/>
+          <p:cNvSpPr>
+            <a:spLocks/>
+          </p:cNvSpPr>
+          <p:nvPr/>
+        </p:nvSpPr>
+        <p:spPr bwMode="white">
+          <a:xfrm>
+            <a:off x="-558168" y="1247767"/>
+            <a:ext cx="2517765" cy="6823645"/>
+          </a:xfrm>
+          <a:custGeom>
+            <a:avLst/>
+            <a:gdLst>
+              <a:gd name="T0" fmla="*/ 901 w 1398"/>
+              <a:gd name="T1" fmla="*/ 142 h 4117"/>
+              <a:gd name="T2" fmla="*/ 627 w 1398"/>
+              <a:gd name="T3" fmla="*/ 341 h 4117"/>
+              <a:gd name="T4" fmla="*/ 477 w 1398"/>
+              <a:gd name="T5" fmla="*/ 611 h 4117"/>
+              <a:gd name="T6" fmla="*/ 477 w 1398"/>
+              <a:gd name="T7" fmla="*/ 950 h 4117"/>
+              <a:gd name="T8" fmla="*/ 608 w 1398"/>
+              <a:gd name="T9" fmla="*/ 1279 h 4117"/>
+              <a:gd name="T10" fmla="*/ 690 w 1398"/>
+              <a:gd name="T11" fmla="*/ 1853 h 4117"/>
+              <a:gd name="T12" fmla="*/ 1176 w 1398"/>
+              <a:gd name="T13" fmla="*/ 1888 h 4117"/>
+              <a:gd name="T14" fmla="*/ 1398 w 1398"/>
+              <a:gd name="T15" fmla="*/ 2588 h 4117"/>
+              <a:gd name="T16" fmla="*/ 1042 w 1398"/>
+              <a:gd name="T17" fmla="*/ 3142 h 4117"/>
+              <a:gd name="T18" fmla="*/ 901 w 1398"/>
+              <a:gd name="T19" fmla="*/ 3441 h 4117"/>
+              <a:gd name="T20" fmla="*/ 690 w 1398"/>
+              <a:gd name="T21" fmla="*/ 4117 h 4117"/>
+              <a:gd name="T22" fmla="*/ 0 w 1398"/>
+              <a:gd name="T23" fmla="*/ 4117 h 4117"/>
+              <a:gd name="T24" fmla="*/ 0 w 1398"/>
+              <a:gd name="T25" fmla="*/ 0 h 4117"/>
+              <a:gd name="T26" fmla="*/ 699 w 1398"/>
+              <a:gd name="T27" fmla="*/ 0 h 4117"/>
+              <a:gd name="T28" fmla="*/ 901 w 1398"/>
+              <a:gd name="T29" fmla="*/ 142 h 4117"/>
+              <a:gd name="connsiteX0" fmla="*/ 6445 w 10000"/>
+              <a:gd name="connsiteY0" fmla="*/ 412 h 10067"/>
+              <a:gd name="connsiteX1" fmla="*/ 4485 w 10000"/>
+              <a:gd name="connsiteY1" fmla="*/ 895 h 10067"/>
+              <a:gd name="connsiteX2" fmla="*/ 3412 w 10000"/>
+              <a:gd name="connsiteY2" fmla="*/ 1551 h 10067"/>
+              <a:gd name="connsiteX3" fmla="*/ 3412 w 10000"/>
+              <a:gd name="connsiteY3" fmla="*/ 2375 h 10067"/>
+              <a:gd name="connsiteX4" fmla="*/ 4349 w 10000"/>
+              <a:gd name="connsiteY4" fmla="*/ 3174 h 10067"/>
+              <a:gd name="connsiteX5" fmla="*/ 4936 w 10000"/>
+              <a:gd name="connsiteY5" fmla="*/ 4568 h 10067"/>
+              <a:gd name="connsiteX6" fmla="*/ 8412 w 10000"/>
+              <a:gd name="connsiteY6" fmla="*/ 4653 h 10067"/>
+              <a:gd name="connsiteX7" fmla="*/ 10000 w 10000"/>
+              <a:gd name="connsiteY7" fmla="*/ 6353 h 10067"/>
+              <a:gd name="connsiteX8" fmla="*/ 7454 w 10000"/>
+              <a:gd name="connsiteY8" fmla="*/ 7699 h 10067"/>
+              <a:gd name="connsiteX9" fmla="*/ 6445 w 10000"/>
+              <a:gd name="connsiteY9" fmla="*/ 8425 h 10067"/>
+              <a:gd name="connsiteX10" fmla="*/ 4936 w 10000"/>
+              <a:gd name="connsiteY10" fmla="*/ 10067 h 10067"/>
+              <a:gd name="connsiteX11" fmla="*/ 0 w 10000"/>
+              <a:gd name="connsiteY11" fmla="*/ 10067 h 10067"/>
+              <a:gd name="connsiteX12" fmla="*/ 0 w 10000"/>
+              <a:gd name="connsiteY12" fmla="*/ 67 h 10067"/>
+              <a:gd name="connsiteX13" fmla="*/ 5315 w 10000"/>
+              <a:gd name="connsiteY13" fmla="*/ 0 h 10067"/>
+              <a:gd name="connsiteX14" fmla="*/ 6445 w 10000"/>
+              <a:gd name="connsiteY14" fmla="*/ 412 h 10067"/>
+              <a:gd name="connsiteX0" fmla="*/ 6445 w 10000"/>
+              <a:gd name="connsiteY0" fmla="*/ 412 h 10067"/>
+              <a:gd name="connsiteX1" fmla="*/ 4485 w 10000"/>
+              <a:gd name="connsiteY1" fmla="*/ 895 h 10067"/>
+              <a:gd name="connsiteX2" fmla="*/ 3412 w 10000"/>
+              <a:gd name="connsiteY2" fmla="*/ 1551 h 10067"/>
+              <a:gd name="connsiteX3" fmla="*/ 3412 w 10000"/>
+              <a:gd name="connsiteY3" fmla="*/ 2375 h 10067"/>
+              <a:gd name="connsiteX4" fmla="*/ 4349 w 10000"/>
+              <a:gd name="connsiteY4" fmla="*/ 3174 h 10067"/>
+              <a:gd name="connsiteX5" fmla="*/ 4936 w 10000"/>
+              <a:gd name="connsiteY5" fmla="*/ 4568 h 10067"/>
+              <a:gd name="connsiteX6" fmla="*/ 8412 w 10000"/>
+              <a:gd name="connsiteY6" fmla="*/ 4653 h 10067"/>
+              <a:gd name="connsiteX7" fmla="*/ 10000 w 10000"/>
+              <a:gd name="connsiteY7" fmla="*/ 6353 h 10067"/>
+              <a:gd name="connsiteX8" fmla="*/ 7454 w 10000"/>
+              <a:gd name="connsiteY8" fmla="*/ 7699 h 10067"/>
+              <a:gd name="connsiteX9" fmla="*/ 6445 w 10000"/>
+              <a:gd name="connsiteY9" fmla="*/ 8425 h 10067"/>
+              <a:gd name="connsiteX10" fmla="*/ 4936 w 10000"/>
+              <a:gd name="connsiteY10" fmla="*/ 10067 h 10067"/>
+              <a:gd name="connsiteX11" fmla="*/ 0 w 10000"/>
+              <a:gd name="connsiteY11" fmla="*/ 10067 h 10067"/>
+              <a:gd name="connsiteX12" fmla="*/ 39 w 10000"/>
+              <a:gd name="connsiteY12" fmla="*/ 0 h 10067"/>
+              <a:gd name="connsiteX13" fmla="*/ 5315 w 10000"/>
+              <a:gd name="connsiteY13" fmla="*/ 0 h 10067"/>
+              <a:gd name="connsiteX14" fmla="*/ 6445 w 10000"/>
+              <a:gd name="connsiteY14" fmla="*/ 412 h 10067"/>
+              <a:gd name="connsiteX0" fmla="*/ 9519 w 10000"/>
+              <a:gd name="connsiteY0" fmla="*/ 11 h 10067"/>
+              <a:gd name="connsiteX1" fmla="*/ 4485 w 10000"/>
+              <a:gd name="connsiteY1" fmla="*/ 895 h 10067"/>
+              <a:gd name="connsiteX2" fmla="*/ 3412 w 10000"/>
+              <a:gd name="connsiteY2" fmla="*/ 1551 h 10067"/>
+              <a:gd name="connsiteX3" fmla="*/ 3412 w 10000"/>
+              <a:gd name="connsiteY3" fmla="*/ 2375 h 10067"/>
+              <a:gd name="connsiteX4" fmla="*/ 4349 w 10000"/>
+              <a:gd name="connsiteY4" fmla="*/ 3174 h 10067"/>
+              <a:gd name="connsiteX5" fmla="*/ 4936 w 10000"/>
+              <a:gd name="connsiteY5" fmla="*/ 4568 h 10067"/>
+              <a:gd name="connsiteX6" fmla="*/ 8412 w 10000"/>
+              <a:gd name="connsiteY6" fmla="*/ 4653 h 10067"/>
+              <a:gd name="connsiteX7" fmla="*/ 10000 w 10000"/>
+              <a:gd name="connsiteY7" fmla="*/ 6353 h 10067"/>
+              <a:gd name="connsiteX8" fmla="*/ 7454 w 10000"/>
+              <a:gd name="connsiteY8" fmla="*/ 7699 h 10067"/>
+              <a:gd name="connsiteX9" fmla="*/ 6445 w 10000"/>
+              <a:gd name="connsiteY9" fmla="*/ 8425 h 10067"/>
+              <a:gd name="connsiteX10" fmla="*/ 4936 w 10000"/>
+              <a:gd name="connsiteY10" fmla="*/ 10067 h 10067"/>
+              <a:gd name="connsiteX11" fmla="*/ 0 w 10000"/>
+              <a:gd name="connsiteY11" fmla="*/ 10067 h 10067"/>
+              <a:gd name="connsiteX12" fmla="*/ 39 w 10000"/>
+              <a:gd name="connsiteY12" fmla="*/ 0 h 10067"/>
+              <a:gd name="connsiteX13" fmla="*/ 5315 w 10000"/>
+              <a:gd name="connsiteY13" fmla="*/ 0 h 10067"/>
+              <a:gd name="connsiteX14" fmla="*/ 9519 w 10000"/>
+              <a:gd name="connsiteY14" fmla="*/ 11 h 10067"/>
+              <a:gd name="connsiteX0" fmla="*/ 9519 w 10000"/>
+              <a:gd name="connsiteY0" fmla="*/ 11 h 10067"/>
+              <a:gd name="connsiteX1" fmla="*/ 4485 w 10000"/>
+              <a:gd name="connsiteY1" fmla="*/ 895 h 10067"/>
+              <a:gd name="connsiteX2" fmla="*/ 3412 w 10000"/>
+              <a:gd name="connsiteY2" fmla="*/ 1551 h 10067"/>
+              <a:gd name="connsiteX3" fmla="*/ 3412 w 10000"/>
+              <a:gd name="connsiteY3" fmla="*/ 2375 h 10067"/>
+              <a:gd name="connsiteX4" fmla="*/ 4349 w 10000"/>
+              <a:gd name="connsiteY4" fmla="*/ 3174 h 10067"/>
+              <a:gd name="connsiteX5" fmla="*/ 4936 w 10000"/>
+              <a:gd name="connsiteY5" fmla="*/ 4568 h 10067"/>
+              <a:gd name="connsiteX6" fmla="*/ 8412 w 10000"/>
+              <a:gd name="connsiteY6" fmla="*/ 4653 h 10067"/>
+              <a:gd name="connsiteX7" fmla="*/ 10000 w 10000"/>
+              <a:gd name="connsiteY7" fmla="*/ 6353 h 10067"/>
+              <a:gd name="connsiteX8" fmla="*/ 7454 w 10000"/>
+              <a:gd name="connsiteY8" fmla="*/ 7699 h 10067"/>
+              <a:gd name="connsiteX9" fmla="*/ 6445 w 10000"/>
+              <a:gd name="connsiteY9" fmla="*/ 8425 h 10067"/>
+              <a:gd name="connsiteX10" fmla="*/ 4936 w 10000"/>
+              <a:gd name="connsiteY10" fmla="*/ 10067 h 10067"/>
+              <a:gd name="connsiteX11" fmla="*/ 0 w 10000"/>
+              <a:gd name="connsiteY11" fmla="*/ 10067 h 10067"/>
+              <a:gd name="connsiteX12" fmla="*/ 39 w 10000"/>
+              <a:gd name="connsiteY12" fmla="*/ 0 h 10067"/>
+              <a:gd name="connsiteX13" fmla="*/ 5315 w 10000"/>
+              <a:gd name="connsiteY13" fmla="*/ 0 h 10067"/>
+              <a:gd name="connsiteX14" fmla="*/ 9519 w 10000"/>
+              <a:gd name="connsiteY14" fmla="*/ 11 h 10067"/>
+              <a:gd name="connsiteX0" fmla="*/ 9519 w 10000"/>
+              <a:gd name="connsiteY0" fmla="*/ 11 h 10067"/>
+              <a:gd name="connsiteX1" fmla="*/ 4485 w 10000"/>
+              <a:gd name="connsiteY1" fmla="*/ 895 h 10067"/>
+              <a:gd name="connsiteX2" fmla="*/ 3412 w 10000"/>
+              <a:gd name="connsiteY2" fmla="*/ 1551 h 10067"/>
+              <a:gd name="connsiteX3" fmla="*/ 4438 w 10000"/>
+              <a:gd name="connsiteY3" fmla="*/ 2346 h 10067"/>
+              <a:gd name="connsiteX4" fmla="*/ 4349 w 10000"/>
+              <a:gd name="connsiteY4" fmla="*/ 3174 h 10067"/>
+              <a:gd name="connsiteX5" fmla="*/ 4936 w 10000"/>
+              <a:gd name="connsiteY5" fmla="*/ 4568 h 10067"/>
+              <a:gd name="connsiteX6" fmla="*/ 8412 w 10000"/>
+              <a:gd name="connsiteY6" fmla="*/ 4653 h 10067"/>
+              <a:gd name="connsiteX7" fmla="*/ 10000 w 10000"/>
+              <a:gd name="connsiteY7" fmla="*/ 6353 h 10067"/>
+              <a:gd name="connsiteX8" fmla="*/ 7454 w 10000"/>
+              <a:gd name="connsiteY8" fmla="*/ 7699 h 10067"/>
+              <a:gd name="connsiteX9" fmla="*/ 6445 w 10000"/>
+              <a:gd name="connsiteY9" fmla="*/ 8425 h 10067"/>
+              <a:gd name="connsiteX10" fmla="*/ 4936 w 10000"/>
+              <a:gd name="connsiteY10" fmla="*/ 10067 h 10067"/>
+              <a:gd name="connsiteX11" fmla="*/ 0 w 10000"/>
+              <a:gd name="connsiteY11" fmla="*/ 10067 h 10067"/>
+              <a:gd name="connsiteX12" fmla="*/ 39 w 10000"/>
+              <a:gd name="connsiteY12" fmla="*/ 0 h 10067"/>
+              <a:gd name="connsiteX13" fmla="*/ 5315 w 10000"/>
+              <a:gd name="connsiteY13" fmla="*/ 0 h 10067"/>
+              <a:gd name="connsiteX14" fmla="*/ 9519 w 10000"/>
+              <a:gd name="connsiteY14" fmla="*/ 11 h 10067"/>
+              <a:gd name="connsiteX0" fmla="*/ 9519 w 10000"/>
+              <a:gd name="connsiteY0" fmla="*/ 11 h 10067"/>
+              <a:gd name="connsiteX1" fmla="*/ 4485 w 10000"/>
+              <a:gd name="connsiteY1" fmla="*/ 895 h 10067"/>
+              <a:gd name="connsiteX2" fmla="*/ 4123 w 10000"/>
+              <a:gd name="connsiteY2" fmla="*/ 1573 h 10067"/>
+              <a:gd name="connsiteX3" fmla="*/ 4438 w 10000"/>
+              <a:gd name="connsiteY3" fmla="*/ 2346 h 10067"/>
+              <a:gd name="connsiteX4" fmla="*/ 4349 w 10000"/>
+              <a:gd name="connsiteY4" fmla="*/ 3174 h 10067"/>
+              <a:gd name="connsiteX5" fmla="*/ 4936 w 10000"/>
+              <a:gd name="connsiteY5" fmla="*/ 4568 h 10067"/>
+              <a:gd name="connsiteX6" fmla="*/ 8412 w 10000"/>
+              <a:gd name="connsiteY6" fmla="*/ 4653 h 10067"/>
+              <a:gd name="connsiteX7" fmla="*/ 10000 w 10000"/>
+              <a:gd name="connsiteY7" fmla="*/ 6353 h 10067"/>
+              <a:gd name="connsiteX8" fmla="*/ 7454 w 10000"/>
+              <a:gd name="connsiteY8" fmla="*/ 7699 h 10067"/>
+              <a:gd name="connsiteX9" fmla="*/ 6445 w 10000"/>
+              <a:gd name="connsiteY9" fmla="*/ 8425 h 10067"/>
+              <a:gd name="connsiteX10" fmla="*/ 4936 w 10000"/>
+              <a:gd name="connsiteY10" fmla="*/ 10067 h 10067"/>
+              <a:gd name="connsiteX11" fmla="*/ 0 w 10000"/>
+              <a:gd name="connsiteY11" fmla="*/ 10067 h 10067"/>
+              <a:gd name="connsiteX12" fmla="*/ 39 w 10000"/>
+              <a:gd name="connsiteY12" fmla="*/ 0 h 10067"/>
+              <a:gd name="connsiteX13" fmla="*/ 5315 w 10000"/>
+              <a:gd name="connsiteY13" fmla="*/ 0 h 10067"/>
+              <a:gd name="connsiteX14" fmla="*/ 9519 w 10000"/>
+              <a:gd name="connsiteY14" fmla="*/ 11 h 10067"/>
+              <a:gd name="connsiteX0" fmla="*/ 9519 w 10000"/>
+              <a:gd name="connsiteY0" fmla="*/ 11 h 10067"/>
+              <a:gd name="connsiteX1" fmla="*/ 5294 w 10000"/>
+              <a:gd name="connsiteY1" fmla="*/ 763 h 10067"/>
+              <a:gd name="connsiteX2" fmla="*/ 4123 w 10000"/>
+              <a:gd name="connsiteY2" fmla="*/ 1573 h 10067"/>
+              <a:gd name="connsiteX3" fmla="*/ 4438 w 10000"/>
+              <a:gd name="connsiteY3" fmla="*/ 2346 h 10067"/>
+              <a:gd name="connsiteX4" fmla="*/ 4349 w 10000"/>
+              <a:gd name="connsiteY4" fmla="*/ 3174 h 10067"/>
+              <a:gd name="connsiteX5" fmla="*/ 4936 w 10000"/>
+              <a:gd name="connsiteY5" fmla="*/ 4568 h 10067"/>
+              <a:gd name="connsiteX6" fmla="*/ 8412 w 10000"/>
+              <a:gd name="connsiteY6" fmla="*/ 4653 h 10067"/>
+              <a:gd name="connsiteX7" fmla="*/ 10000 w 10000"/>
+              <a:gd name="connsiteY7" fmla="*/ 6353 h 10067"/>
+              <a:gd name="connsiteX8" fmla="*/ 7454 w 10000"/>
+              <a:gd name="connsiteY8" fmla="*/ 7699 h 10067"/>
+              <a:gd name="connsiteX9" fmla="*/ 6445 w 10000"/>
+              <a:gd name="connsiteY9" fmla="*/ 8425 h 10067"/>
+              <a:gd name="connsiteX10" fmla="*/ 4936 w 10000"/>
+              <a:gd name="connsiteY10" fmla="*/ 10067 h 10067"/>
+              <a:gd name="connsiteX11" fmla="*/ 0 w 10000"/>
+              <a:gd name="connsiteY11" fmla="*/ 10067 h 10067"/>
+              <a:gd name="connsiteX12" fmla="*/ 39 w 10000"/>
+              <a:gd name="connsiteY12" fmla="*/ 0 h 10067"/>
+              <a:gd name="connsiteX13" fmla="*/ 5315 w 10000"/>
+              <a:gd name="connsiteY13" fmla="*/ 0 h 10067"/>
+              <a:gd name="connsiteX14" fmla="*/ 9519 w 10000"/>
+              <a:gd name="connsiteY14" fmla="*/ 11 h 10067"/>
+              <a:gd name="connsiteX0" fmla="*/ 9519 w 10000"/>
+              <a:gd name="connsiteY0" fmla="*/ 11 h 10067"/>
+              <a:gd name="connsiteX1" fmla="*/ 5294 w 10000"/>
+              <a:gd name="connsiteY1" fmla="*/ 763 h 10067"/>
+              <a:gd name="connsiteX2" fmla="*/ 4123 w 10000"/>
+              <a:gd name="connsiteY2" fmla="*/ 1573 h 10067"/>
+              <a:gd name="connsiteX3" fmla="*/ 4438 w 10000"/>
+              <a:gd name="connsiteY3" fmla="*/ 2346 h 10067"/>
+              <a:gd name="connsiteX4" fmla="*/ 5079 w 10000"/>
+              <a:gd name="connsiteY4" fmla="*/ 3174 h 10067"/>
+              <a:gd name="connsiteX5" fmla="*/ 4936 w 10000"/>
+              <a:gd name="connsiteY5" fmla="*/ 4568 h 10067"/>
+              <a:gd name="connsiteX6" fmla="*/ 8412 w 10000"/>
+              <a:gd name="connsiteY6" fmla="*/ 4653 h 10067"/>
+              <a:gd name="connsiteX7" fmla="*/ 10000 w 10000"/>
+              <a:gd name="connsiteY7" fmla="*/ 6353 h 10067"/>
+              <a:gd name="connsiteX8" fmla="*/ 7454 w 10000"/>
+              <a:gd name="connsiteY8" fmla="*/ 7699 h 10067"/>
+              <a:gd name="connsiteX9" fmla="*/ 6445 w 10000"/>
+              <a:gd name="connsiteY9" fmla="*/ 8425 h 10067"/>
+              <a:gd name="connsiteX10" fmla="*/ 4936 w 10000"/>
+              <a:gd name="connsiteY10" fmla="*/ 10067 h 10067"/>
+              <a:gd name="connsiteX11" fmla="*/ 0 w 10000"/>
+              <a:gd name="connsiteY11" fmla="*/ 10067 h 10067"/>
+              <a:gd name="connsiteX12" fmla="*/ 39 w 10000"/>
+              <a:gd name="connsiteY12" fmla="*/ 0 h 10067"/>
+              <a:gd name="connsiteX13" fmla="*/ 5315 w 10000"/>
+              <a:gd name="connsiteY13" fmla="*/ 0 h 10067"/>
+              <a:gd name="connsiteX14" fmla="*/ 9519 w 10000"/>
+              <a:gd name="connsiteY14" fmla="*/ 11 h 10067"/>
+            </a:gdLst>
+            <a:ahLst/>
+            <a:cxnLst>
+              <a:cxn ang="0">
+                <a:pos x="connsiteX0" y="connsiteY0"/>
+              </a:cxn>
+              <a:cxn ang="0">
+                <a:pos x="connsiteX1" y="connsiteY1"/>
+              </a:cxn>
+              <a:cxn ang="0">
+                <a:pos x="connsiteX2" y="connsiteY2"/>
+              </a:cxn>
+              <a:cxn ang="0">
+                <a:pos x="connsiteX3" y="connsiteY3"/>
+              </a:cxn>
+              <a:cxn ang="0">
+                <a:pos x="connsiteX4" y="connsiteY4"/>
+              </a:cxn>
+              <a:cxn ang="0">
+                <a:pos x="connsiteX5" y="connsiteY5"/>
+              </a:cxn>
+              <a:cxn ang="0">
+                <a:pos x="connsiteX6" y="connsiteY6"/>
+              </a:cxn>
+              <a:cxn ang="0">
+                <a:pos x="connsiteX7" y="connsiteY7"/>
+              </a:cxn>
+              <a:cxn ang="0">
+                <a:pos x="connsiteX8" y="connsiteY8"/>
+              </a:cxn>
+              <a:cxn ang="0">
+                <a:pos x="connsiteX9" y="connsiteY9"/>
+              </a:cxn>
+              <a:cxn ang="0">
+                <a:pos x="connsiteX10" y="connsiteY10"/>
+              </a:cxn>
+              <a:cxn ang="0">
+                <a:pos x="connsiteX11" y="connsiteY11"/>
+              </a:cxn>
+              <a:cxn ang="0">
+                <a:pos x="connsiteX12" y="connsiteY12"/>
+              </a:cxn>
+              <a:cxn ang="0">
+                <a:pos x="connsiteX13" y="connsiteY13"/>
+              </a:cxn>
+              <a:cxn ang="0">
+                <a:pos x="connsiteX14" y="connsiteY14"/>
+              </a:cxn>
+            </a:cxnLst>
+            <a:rect l="l" t="t" r="r" b="b"/>
+            <a:pathLst>
+              <a:path w="10000" h="10067">
+                <a:moveTo>
+                  <a:pt x="9519" y="11"/>
+                </a:moveTo>
+                <a:cubicBezTo>
+                  <a:pt x="6737" y="306"/>
+                  <a:pt x="6972" y="468"/>
+                  <a:pt x="5294" y="763"/>
+                </a:cubicBezTo>
+                <a:lnTo>
+                  <a:pt x="4123" y="1573"/>
+                </a:lnTo>
+                <a:lnTo>
+                  <a:pt x="4438" y="2346"/>
+                </a:lnTo>
+                <a:cubicBezTo>
+                  <a:pt x="4408" y="2622"/>
+                  <a:pt x="5109" y="2898"/>
+                  <a:pt x="5079" y="3174"/>
+                </a:cubicBezTo>
+                <a:cubicBezTo>
+                  <a:pt x="5031" y="3639"/>
+                  <a:pt x="4984" y="4103"/>
+                  <a:pt x="4936" y="4568"/>
+                </a:cubicBezTo>
+                <a:lnTo>
+                  <a:pt x="8412" y="4653"/>
+                </a:lnTo>
+                <a:lnTo>
+                  <a:pt x="10000" y="6353"/>
+                </a:lnTo>
+                <a:lnTo>
+                  <a:pt x="7454" y="7699"/>
+                </a:lnTo>
+                <a:lnTo>
+                  <a:pt x="6445" y="8425"/>
+                </a:lnTo>
+                <a:lnTo>
+                  <a:pt x="4936" y="10067"/>
+                </a:lnTo>
+                <a:lnTo>
+                  <a:pt x="0" y="10067"/>
+                </a:lnTo>
+                <a:cubicBezTo>
+                  <a:pt x="13" y="6711"/>
+                  <a:pt x="26" y="3356"/>
+                  <a:pt x="39" y="0"/>
+                </a:cubicBezTo>
+                <a:lnTo>
+                  <a:pt x="5315" y="0"/>
+                </a:lnTo>
+                <a:lnTo>
+                  <a:pt x="9519" y="11"/>
+                </a:lnTo>
+                <a:close/>
+              </a:path>
+            </a:pathLst>
+          </a:custGeom>
+          <a:solidFill>
+            <a:sysClr val="window" lastClr="FFFFFF"/>
+          </a:solidFill>
+          <a:ln>
+            <a:noFill/>
+          </a:ln>
+          <a:extLst>
+            <a:ext uri="{91240B29-F687-4f45-9708-019B960494DF}">
+              <a14:hiddenLine xmlns="" xmlns:a14="http://schemas.microsoft.com/office/drawing/2010/main" w="9525">
+                <a:solidFill>
+                  <a:srgbClr val="000000"/>
+                </a:solidFill>
+                <a:round/>
+                <a:headEnd/>
+                <a:tailEnd/>
+              </a14:hiddenLine>
+            </a:ext>
+          </a:extLst>
+        </p:spPr>
+        <p:txBody>
+          <a:bodyPr vert="horz" wrap="square" lIns="91440" tIns="45720" rIns="91440" bIns="45720" numCol="1" anchor="t" anchorCtr="0" compatLnSpc="1">
+            <a:prstTxWarp prst="textNoShape">
+              <a:avLst/>
+            </a:prstTxWarp>
+          </a:bodyPr>
+          <a:lstStyle/>
+          <a:p>
+            <a:pPr marL="0" marR="0" lvl="0" indent="0" defTabSz="1219170" eaLnBrk="1" fontAlgn="auto" latinLnBrk="0" hangingPunct="1">
+              <a:lnSpc>
+                <a:spcPct val="100000"/>
+              </a:lnSpc>
+              <a:spcBef>
+                <a:spcPts val="0"/>
+              </a:spcBef>
+              <a:spcAft>
+                <a:spcPts val="0"/>
+              </a:spcAft>
+              <a:buClrTx/>
+              <a:buSzTx/>
+              <a:buFontTx/>
+              <a:buNone/>
+              <a:tabLst/>
+              <a:defRPr/>
+            </a:pPr>
+            <a:endParaRPr kumimoji="0" lang="en-US" sz="2400" b="0" i="0" u="none" strike="noStrike" kern="0" cap="none" spc="0" normalizeH="0" baseline="0" noProof="0">
+              <a:ln>
+                <a:noFill/>
+              </a:ln>
+              <a:solidFill>
+                <a:srgbClr val="373737"/>
+              </a:solidFill>
+              <a:effectLst/>
+              <a:uLnTx/>
+              <a:uFillTx/>
+              <a:latin typeface="Gotham Light"/>
+              <a:cs typeface="Gotham Light"/>
+            </a:endParaRPr>
+          </a:p>
+        </p:txBody>
+      </p:sp>
+      <p:sp>
+        <p:nvSpPr>
+          <p:cNvPr id="46" name="Freeform 36"/>
+          <p:cNvSpPr>
+            <a:spLocks noEditPoints="1"/>
+          </p:cNvSpPr>
+          <p:nvPr/>
+        </p:nvSpPr>
+        <p:spPr bwMode="auto">
+          <a:xfrm>
+            <a:off x="160148" y="1085851"/>
+            <a:ext cx="3832821" cy="5233907"/>
+          </a:xfrm>
+          <a:custGeom>
+            <a:avLst/>
+            <a:gdLst>
+              <a:gd name="T0" fmla="*/ 913 w 1589"/>
+              <a:gd name="T1" fmla="*/ 29 h 2169"/>
+              <a:gd name="T2" fmla="*/ 126 w 1589"/>
+              <a:gd name="T3" fmla="*/ 393 h 2169"/>
+              <a:gd name="T4" fmla="*/ 89 w 1589"/>
+              <a:gd name="T5" fmla="*/ 690 h 2169"/>
+              <a:gd name="T6" fmla="*/ 103 w 1589"/>
+              <a:gd name="T7" fmla="*/ 930 h 2169"/>
+              <a:gd name="T8" fmla="*/ 20 w 1589"/>
+              <a:gd name="T9" fmla="*/ 1132 h 2169"/>
+              <a:gd name="T10" fmla="*/ 99 w 1589"/>
+              <a:gd name="T11" fmla="*/ 1174 h 2169"/>
+              <a:gd name="T12" fmla="*/ 69 w 1589"/>
+              <a:gd name="T13" fmla="*/ 1255 h 2169"/>
+              <a:gd name="T14" fmla="*/ 107 w 1589"/>
+              <a:gd name="T15" fmla="*/ 1335 h 2169"/>
+              <a:gd name="T16" fmla="*/ 90 w 1589"/>
+              <a:gd name="T17" fmla="*/ 1427 h 2169"/>
+              <a:gd name="T18" fmla="*/ 153 w 1589"/>
+              <a:gd name="T19" fmla="*/ 1482 h 2169"/>
+              <a:gd name="T20" fmla="*/ 229 w 1589"/>
+              <a:gd name="T21" fmla="*/ 1642 h 2169"/>
+              <a:gd name="T22" fmla="*/ 583 w 1589"/>
+              <a:gd name="T23" fmla="*/ 1567 h 2169"/>
+              <a:gd name="T24" fmla="*/ 675 w 1589"/>
+              <a:gd name="T25" fmla="*/ 1816 h 2169"/>
+              <a:gd name="T26" fmla="*/ 630 w 1589"/>
+              <a:gd name="T27" fmla="*/ 2057 h 2169"/>
+              <a:gd name="T28" fmla="*/ 696 w 1589"/>
+              <a:gd name="T29" fmla="*/ 2163 h 2169"/>
+              <a:gd name="T30" fmla="*/ 1299 w 1589"/>
+              <a:gd name="T31" fmla="*/ 1653 h 2169"/>
+              <a:gd name="T32" fmla="*/ 1589 w 1589"/>
+              <a:gd name="T33" fmla="*/ 633 h 2169"/>
+              <a:gd name="T34" fmla="*/ 1216 w 1589"/>
+              <a:gd name="T35" fmla="*/ 1223 h 2169"/>
+              <a:gd name="T36" fmla="*/ 1103 w 1589"/>
+              <a:gd name="T37" fmla="*/ 1202 h 2169"/>
+              <a:gd name="T38" fmla="*/ 1051 w 1589"/>
+              <a:gd name="T39" fmla="*/ 1111 h 2169"/>
+              <a:gd name="T40" fmla="*/ 975 w 1589"/>
+              <a:gd name="T41" fmla="*/ 1004 h 2169"/>
+              <a:gd name="T42" fmla="*/ 818 w 1589"/>
+              <a:gd name="T43" fmla="*/ 995 h 2169"/>
+              <a:gd name="T44" fmla="*/ 630 w 1589"/>
+              <a:gd name="T45" fmla="*/ 887 h 2169"/>
+              <a:gd name="T46" fmla="*/ 551 w 1589"/>
+              <a:gd name="T47" fmla="*/ 808 h 2169"/>
+              <a:gd name="T48" fmla="*/ 442 w 1589"/>
+              <a:gd name="T49" fmla="*/ 755 h 2169"/>
+              <a:gd name="T50" fmla="*/ 341 w 1589"/>
+              <a:gd name="T51" fmla="*/ 708 h 2169"/>
+              <a:gd name="T52" fmla="*/ 171 w 1589"/>
+              <a:gd name="T53" fmla="*/ 590 h 2169"/>
+              <a:gd name="T54" fmla="*/ 198 w 1589"/>
+              <a:gd name="T55" fmla="*/ 482 h 2169"/>
+              <a:gd name="T56" fmla="*/ 244 w 1589"/>
+              <a:gd name="T57" fmla="*/ 409 h 2169"/>
+              <a:gd name="T58" fmla="*/ 370 w 1589"/>
+              <a:gd name="T59" fmla="*/ 283 h 2169"/>
+              <a:gd name="T60" fmla="*/ 457 w 1589"/>
+              <a:gd name="T61" fmla="*/ 211 h 2169"/>
+              <a:gd name="T62" fmla="*/ 592 w 1589"/>
+              <a:gd name="T63" fmla="*/ 147 h 2169"/>
+              <a:gd name="T64" fmla="*/ 782 w 1589"/>
+              <a:gd name="T65" fmla="*/ 96 h 2169"/>
+              <a:gd name="T66" fmla="*/ 936 w 1589"/>
+              <a:gd name="T67" fmla="*/ 87 h 2169"/>
+              <a:gd name="T68" fmla="*/ 1105 w 1589"/>
+              <a:gd name="T69" fmla="*/ 108 h 2169"/>
+              <a:gd name="T70" fmla="*/ 1373 w 1589"/>
+              <a:gd name="T71" fmla="*/ 309 h 2169"/>
+              <a:gd name="T72" fmla="*/ 1523 w 1589"/>
+              <a:gd name="T73" fmla="*/ 620 h 2169"/>
+              <a:gd name="T74" fmla="*/ 1529 w 1589"/>
+              <a:gd name="T75" fmla="*/ 754 h 2169"/>
+              <a:gd name="T76" fmla="*/ 1439 w 1589"/>
+              <a:gd name="T77" fmla="*/ 910 h 2169"/>
+              <a:gd name="T78" fmla="*/ 1297 w 1589"/>
+              <a:gd name="T79" fmla="*/ 1105 h 2169"/>
+            </a:gdLst>
+            <a:ahLst/>
+            <a:cxnLst>
+              <a:cxn ang="0">
+                <a:pos x="T0" y="T1"/>
+              </a:cxn>
+              <a:cxn ang="0">
+                <a:pos x="T2" y="T3"/>
+              </a:cxn>
+              <a:cxn ang="0">
+                <a:pos x="T4" y="T5"/>
+              </a:cxn>
+              <a:cxn ang="0">
+                <a:pos x="T6" y="T7"/>
+              </a:cxn>
+              <a:cxn ang="0">
+                <a:pos x="T8" y="T9"/>
+              </a:cxn>
+              <a:cxn ang="0">
+                <a:pos x="T10" y="T11"/>
+              </a:cxn>
+              <a:cxn ang="0">
+                <a:pos x="T12" y="T13"/>
+              </a:cxn>
+              <a:cxn ang="0">
+                <a:pos x="T14" y="T15"/>
+              </a:cxn>
+              <a:cxn ang="0">
+                <a:pos x="T16" y="T17"/>
+              </a:cxn>
+              <a:cxn ang="0">
+                <a:pos x="T18" y="T19"/>
+              </a:cxn>
+              <a:cxn ang="0">
+                <a:pos x="T20" y="T21"/>
+              </a:cxn>
+              <a:cxn ang="0">
+                <a:pos x="T22" y="T23"/>
+              </a:cxn>
+              <a:cxn ang="0">
+                <a:pos x="T24" y="T25"/>
+              </a:cxn>
+              <a:cxn ang="0">
+                <a:pos x="T26" y="T27"/>
+              </a:cxn>
+              <a:cxn ang="0">
+                <a:pos x="T28" y="T29"/>
+              </a:cxn>
+              <a:cxn ang="0">
+                <a:pos x="T30" y="T31"/>
+              </a:cxn>
+              <a:cxn ang="0">
+                <a:pos x="T32" y="T33"/>
+              </a:cxn>
+              <a:cxn ang="0">
+                <a:pos x="T34" y="T35"/>
+              </a:cxn>
+              <a:cxn ang="0">
+                <a:pos x="T36" y="T37"/>
+              </a:cxn>
+              <a:cxn ang="0">
+                <a:pos x="T38" y="T39"/>
+              </a:cxn>
+              <a:cxn ang="0">
+                <a:pos x="T40" y="T41"/>
+              </a:cxn>
+              <a:cxn ang="0">
+                <a:pos x="T42" y="T43"/>
+              </a:cxn>
+              <a:cxn ang="0">
+                <a:pos x="T44" y="T45"/>
+              </a:cxn>
+              <a:cxn ang="0">
+                <a:pos x="T46" y="T47"/>
+              </a:cxn>
+              <a:cxn ang="0">
+                <a:pos x="T48" y="T49"/>
+              </a:cxn>
+              <a:cxn ang="0">
+                <a:pos x="T50" y="T51"/>
+              </a:cxn>
+              <a:cxn ang="0">
+                <a:pos x="T52" y="T53"/>
+              </a:cxn>
+              <a:cxn ang="0">
+                <a:pos x="T54" y="T55"/>
+              </a:cxn>
+              <a:cxn ang="0">
+                <a:pos x="T56" y="T57"/>
+              </a:cxn>
+              <a:cxn ang="0">
+                <a:pos x="T58" y="T59"/>
+              </a:cxn>
+              <a:cxn ang="0">
+                <a:pos x="T60" y="T61"/>
+              </a:cxn>
+              <a:cxn ang="0">
+                <a:pos x="T62" y="T63"/>
+              </a:cxn>
+              <a:cxn ang="0">
+                <a:pos x="T64" y="T65"/>
+              </a:cxn>
+              <a:cxn ang="0">
+                <a:pos x="T66" y="T67"/>
+              </a:cxn>
+              <a:cxn ang="0">
+                <a:pos x="T68" y="T69"/>
+              </a:cxn>
+              <a:cxn ang="0">
+                <a:pos x="T70" y="T71"/>
+              </a:cxn>
+              <a:cxn ang="0">
+                <a:pos x="T72" y="T73"/>
+              </a:cxn>
+              <a:cxn ang="0">
+                <a:pos x="T74" y="T75"/>
+              </a:cxn>
+              <a:cxn ang="0">
+                <a:pos x="T76" y="T77"/>
+              </a:cxn>
+              <a:cxn ang="0">
+                <a:pos x="T78" y="T79"/>
+              </a:cxn>
+            </a:cxnLst>
+            <a:rect l="0" t="0" r="r" b="b"/>
+            <a:pathLst>
+              <a:path w="1589" h="2169">
+                <a:moveTo>
+                  <a:pt x="1589" y="633"/>
+                </a:moveTo>
+                <a:cubicBezTo>
+                  <a:pt x="1589" y="257"/>
+                  <a:pt x="1275" y="0"/>
+                  <a:pt x="913" y="29"/>
+                </a:cubicBezTo>
+                <a:cubicBezTo>
+                  <a:pt x="552" y="57"/>
+                  <a:pt x="378" y="162"/>
+                  <a:pt x="302" y="210"/>
+                </a:cubicBezTo>
+                <a:cubicBezTo>
+                  <a:pt x="226" y="257"/>
+                  <a:pt x="152" y="341"/>
+                  <a:pt x="126" y="393"/>
+                </a:cubicBezTo>
+                <a:cubicBezTo>
+                  <a:pt x="99" y="445"/>
+                  <a:pt x="83" y="542"/>
+                  <a:pt x="80" y="587"/>
+                </a:cubicBezTo>
+                <a:cubicBezTo>
+                  <a:pt x="77" y="632"/>
+                  <a:pt x="82" y="660"/>
+                  <a:pt x="89" y="690"/>
+                </a:cubicBezTo>
+                <a:cubicBezTo>
+                  <a:pt x="96" y="720"/>
+                  <a:pt x="126" y="769"/>
+                  <a:pt x="135" y="806"/>
+                </a:cubicBezTo>
+                <a:cubicBezTo>
+                  <a:pt x="143" y="842"/>
+                  <a:pt x="120" y="904"/>
+                  <a:pt x="103" y="930"/>
+                </a:cubicBezTo>
+                <a:cubicBezTo>
+                  <a:pt x="87" y="955"/>
+                  <a:pt x="29" y="1039"/>
+                  <a:pt x="15" y="1060"/>
+                </a:cubicBezTo>
+                <a:cubicBezTo>
+                  <a:pt x="0" y="1081"/>
+                  <a:pt x="10" y="1109"/>
+                  <a:pt x="20" y="1132"/>
+                </a:cubicBezTo>
+                <a:cubicBezTo>
+                  <a:pt x="30" y="1156"/>
+                  <a:pt x="67" y="1165"/>
+                  <a:pt x="75" y="1168"/>
+                </a:cubicBezTo>
+                <a:cubicBezTo>
+                  <a:pt x="83" y="1171"/>
+                  <a:pt x="96" y="1171"/>
+                  <a:pt x="99" y="1174"/>
+                </a:cubicBezTo>
+                <a:cubicBezTo>
+                  <a:pt x="101" y="1177"/>
+                  <a:pt x="97" y="1202"/>
+                  <a:pt x="92" y="1217"/>
+                </a:cubicBezTo>
+                <a:cubicBezTo>
+                  <a:pt x="88" y="1231"/>
+                  <a:pt x="74" y="1247"/>
+                  <a:pt x="69" y="1255"/>
+                </a:cubicBezTo>
+                <a:cubicBezTo>
+                  <a:pt x="64" y="1264"/>
+                  <a:pt x="72" y="1292"/>
+                  <a:pt x="80" y="1309"/>
+                </a:cubicBezTo>
+                <a:cubicBezTo>
+                  <a:pt x="87" y="1326"/>
+                  <a:pt x="107" y="1335"/>
+                  <a:pt x="107" y="1335"/>
+                </a:cubicBezTo>
+                <a:cubicBezTo>
+                  <a:pt x="107" y="1335"/>
+                  <a:pt x="79" y="1358"/>
+                  <a:pt x="80" y="1384"/>
+                </a:cubicBezTo>
+                <a:cubicBezTo>
+                  <a:pt x="80" y="1410"/>
+                  <a:pt x="84" y="1423"/>
+                  <a:pt x="90" y="1427"/>
+                </a:cubicBezTo>
+                <a:cubicBezTo>
+                  <a:pt x="95" y="1431"/>
+                  <a:pt x="127" y="1439"/>
+                  <a:pt x="135" y="1451"/>
+                </a:cubicBezTo>
+                <a:cubicBezTo>
+                  <a:pt x="143" y="1462"/>
+                  <a:pt x="151" y="1473"/>
+                  <a:pt x="153" y="1482"/>
+                </a:cubicBezTo>
+                <a:cubicBezTo>
+                  <a:pt x="154" y="1488"/>
+                  <a:pt x="150" y="1502"/>
+                  <a:pt x="149" y="1511"/>
+                </a:cubicBezTo>
+                <a:cubicBezTo>
+                  <a:pt x="145" y="1553"/>
+                  <a:pt x="162" y="1638"/>
+                  <a:pt x="229" y="1642"/>
+                </a:cubicBezTo>
+                <a:cubicBezTo>
+                  <a:pt x="282" y="1645"/>
+                  <a:pt x="365" y="1614"/>
+                  <a:pt x="396" y="1607"/>
+                </a:cubicBezTo>
+                <a:cubicBezTo>
+                  <a:pt x="426" y="1601"/>
+                  <a:pt x="559" y="1551"/>
+                  <a:pt x="583" y="1567"/>
+                </a:cubicBezTo>
+                <a:cubicBezTo>
+                  <a:pt x="608" y="1584"/>
+                  <a:pt x="612" y="1609"/>
+                  <a:pt x="619" y="1632"/>
+                </a:cubicBezTo>
+                <a:cubicBezTo>
+                  <a:pt x="627" y="1656"/>
+                  <a:pt x="665" y="1773"/>
+                  <a:pt x="675" y="1816"/>
+                </a:cubicBezTo>
+                <a:cubicBezTo>
+                  <a:pt x="685" y="1858"/>
+                  <a:pt x="708" y="1934"/>
+                  <a:pt x="714" y="1957"/>
+                </a:cubicBezTo>
+                <a:cubicBezTo>
+                  <a:pt x="675" y="1967"/>
+                  <a:pt x="635" y="2046"/>
+                  <a:pt x="630" y="2057"/>
+                </a:cubicBezTo>
+                <a:cubicBezTo>
+                  <a:pt x="609" y="2163"/>
+                  <a:pt x="609" y="2163"/>
+                  <a:pt x="609" y="2163"/>
+                </a:cubicBezTo>
+                <a:cubicBezTo>
+                  <a:pt x="609" y="2163"/>
+                  <a:pt x="697" y="2169"/>
+                  <a:pt x="696" y="2163"/>
+                </a:cubicBezTo>
+                <a:cubicBezTo>
+                  <a:pt x="695" y="2158"/>
+                  <a:pt x="1263" y="1721"/>
+                  <a:pt x="1263" y="1721"/>
+                </a:cubicBezTo>
+                <a:cubicBezTo>
+                  <a:pt x="1299" y="1653"/>
+                  <a:pt x="1299" y="1653"/>
+                  <a:pt x="1299" y="1653"/>
+                </a:cubicBezTo>
+                <a:cubicBezTo>
+                  <a:pt x="1219" y="1406"/>
+                  <a:pt x="1279" y="1307"/>
+                  <a:pt x="1355" y="1193"/>
+                </a:cubicBezTo>
+                <a:cubicBezTo>
+                  <a:pt x="1426" y="1087"/>
+                  <a:pt x="1589" y="1008"/>
+                  <a:pt x="1589" y="633"/>
+                </a:cubicBezTo>
+                <a:close/>
+                <a:moveTo>
+                  <a:pt x="1297" y="1119"/>
+                </a:moveTo>
+                <a:cubicBezTo>
+                  <a:pt x="1297" y="1169"/>
+                  <a:pt x="1263" y="1211"/>
+                  <a:pt x="1216" y="1223"/>
+                </a:cubicBezTo>
+                <a:cubicBezTo>
+                  <a:pt x="1208" y="1245"/>
+                  <a:pt x="1187" y="1261"/>
+                  <a:pt x="1162" y="1261"/>
+                </a:cubicBezTo>
+                <a:cubicBezTo>
+                  <a:pt x="1129" y="1261"/>
+                  <a:pt x="1103" y="1234"/>
+                  <a:pt x="1103" y="1202"/>
+                </a:cubicBezTo>
+                <a:cubicBezTo>
+                  <a:pt x="1103" y="1197"/>
+                  <a:pt x="1104" y="1191"/>
+                  <a:pt x="1106" y="1186"/>
+                </a:cubicBezTo>
+                <a:cubicBezTo>
+                  <a:pt x="1074" y="1176"/>
+                  <a:pt x="1051" y="1146"/>
+                  <a:pt x="1051" y="1111"/>
+                </a:cubicBezTo>
+                <a:cubicBezTo>
+                  <a:pt x="1051" y="1107"/>
+                  <a:pt x="1052" y="1103"/>
+                  <a:pt x="1052" y="1099"/>
+                </a:cubicBezTo>
+                <a:cubicBezTo>
+                  <a:pt x="1010" y="1087"/>
+                  <a:pt x="978" y="1050"/>
+                  <a:pt x="975" y="1004"/>
+                </a:cubicBezTo>
+                <a:cubicBezTo>
+                  <a:pt x="946" y="1001"/>
+                  <a:pt x="920" y="993"/>
+                  <a:pt x="895" y="981"/>
+                </a:cubicBezTo>
+                <a:cubicBezTo>
+                  <a:pt x="871" y="990"/>
+                  <a:pt x="845" y="995"/>
+                  <a:pt x="818" y="995"/>
+                </a:cubicBezTo>
+                <a:cubicBezTo>
+                  <a:pt x="738" y="995"/>
+                  <a:pt x="668" y="952"/>
+                  <a:pt x="631" y="887"/>
+                </a:cubicBezTo>
+                <a:cubicBezTo>
+                  <a:pt x="631" y="887"/>
+                  <a:pt x="630" y="887"/>
+                  <a:pt x="630" y="887"/>
+                </a:cubicBezTo>
+                <a:cubicBezTo>
+                  <a:pt x="586" y="887"/>
+                  <a:pt x="551" y="852"/>
+                  <a:pt x="551" y="809"/>
+                </a:cubicBezTo>
+                <a:cubicBezTo>
+                  <a:pt x="551" y="809"/>
+                  <a:pt x="551" y="809"/>
+                  <a:pt x="551" y="808"/>
+                </a:cubicBezTo>
+                <a:cubicBezTo>
+                  <a:pt x="549" y="809"/>
+                  <a:pt x="547" y="809"/>
+                  <a:pt x="545" y="809"/>
+                </a:cubicBezTo>
+                <a:cubicBezTo>
+                  <a:pt x="502" y="809"/>
+                  <a:pt x="465" y="787"/>
+                  <a:pt x="442" y="755"/>
+                </a:cubicBezTo>
+                <a:cubicBezTo>
+                  <a:pt x="433" y="758"/>
+                  <a:pt x="424" y="760"/>
+                  <a:pt x="414" y="760"/>
+                </a:cubicBezTo>
+                <a:cubicBezTo>
+                  <a:pt x="380" y="760"/>
+                  <a:pt x="352" y="738"/>
+                  <a:pt x="341" y="708"/>
+                </a:cubicBezTo>
+                <a:cubicBezTo>
+                  <a:pt x="327" y="713"/>
+                  <a:pt x="312" y="716"/>
+                  <a:pt x="297" y="716"/>
+                </a:cubicBezTo>
+                <a:cubicBezTo>
+                  <a:pt x="227" y="716"/>
+                  <a:pt x="171" y="660"/>
+                  <a:pt x="171" y="590"/>
+                </a:cubicBezTo>
+                <a:cubicBezTo>
+                  <a:pt x="171" y="559"/>
+                  <a:pt x="183" y="530"/>
+                  <a:pt x="202" y="508"/>
+                </a:cubicBezTo>
+                <a:cubicBezTo>
+                  <a:pt x="199" y="500"/>
+                  <a:pt x="198" y="491"/>
+                  <a:pt x="198" y="482"/>
+                </a:cubicBezTo>
+                <a:cubicBezTo>
+                  <a:pt x="198" y="450"/>
+                  <a:pt x="217" y="422"/>
+                  <a:pt x="244" y="410"/>
+                </a:cubicBezTo>
+                <a:cubicBezTo>
+                  <a:pt x="244" y="410"/>
+                  <a:pt x="244" y="409"/>
+                  <a:pt x="244" y="409"/>
+                </a:cubicBezTo>
+                <a:cubicBezTo>
+                  <a:pt x="244" y="340"/>
+                  <a:pt x="300" y="283"/>
+                  <a:pt x="370" y="283"/>
+                </a:cubicBezTo>
+                <a:cubicBezTo>
+                  <a:pt x="370" y="283"/>
+                  <a:pt x="370" y="283"/>
+                  <a:pt x="370" y="283"/>
+                </a:cubicBezTo>
+                <a:cubicBezTo>
+                  <a:pt x="370" y="282"/>
+                  <a:pt x="370" y="281"/>
+                  <a:pt x="370" y="280"/>
+                </a:cubicBezTo>
+                <a:cubicBezTo>
+                  <a:pt x="370" y="236"/>
+                  <a:pt x="414" y="211"/>
+                  <a:pt x="457" y="211"/>
+                </a:cubicBezTo>
+                <a:cubicBezTo>
+                  <a:pt x="470" y="211"/>
+                  <a:pt x="481" y="214"/>
+                  <a:pt x="492" y="219"/>
+                </a:cubicBezTo>
+                <a:cubicBezTo>
+                  <a:pt x="514" y="181"/>
+                  <a:pt x="545" y="147"/>
+                  <a:pt x="592" y="147"/>
+                </a:cubicBezTo>
+                <a:cubicBezTo>
+                  <a:pt x="609" y="147"/>
+                  <a:pt x="626" y="151"/>
+                  <a:pt x="641" y="157"/>
+                </a:cubicBezTo>
+                <a:cubicBezTo>
+                  <a:pt x="679" y="125"/>
+                  <a:pt x="728" y="96"/>
+                  <a:pt x="782" y="96"/>
+                </a:cubicBezTo>
+                <a:cubicBezTo>
+                  <a:pt x="817" y="96"/>
+                  <a:pt x="841" y="99"/>
+                  <a:pt x="871" y="114"/>
+                </a:cubicBezTo>
+                <a:cubicBezTo>
+                  <a:pt x="888" y="105"/>
+                  <a:pt x="916" y="87"/>
+                  <a:pt x="936" y="87"/>
+                </a:cubicBezTo>
+                <a:cubicBezTo>
+                  <a:pt x="980" y="87"/>
+                  <a:pt x="1011" y="86"/>
+                  <a:pt x="1033" y="120"/>
+                </a:cubicBezTo>
+                <a:cubicBezTo>
+                  <a:pt x="1046" y="111"/>
+                  <a:pt x="1088" y="108"/>
+                  <a:pt x="1105" y="108"/>
+                </a:cubicBezTo>
+                <a:cubicBezTo>
+                  <a:pt x="1139" y="108"/>
+                  <a:pt x="1188" y="156"/>
+                  <a:pt x="1199" y="186"/>
+                </a:cubicBezTo>
+                <a:cubicBezTo>
+                  <a:pt x="1279" y="152"/>
+                  <a:pt x="1357" y="225"/>
+                  <a:pt x="1373" y="309"/>
+                </a:cubicBezTo>
+                <a:cubicBezTo>
+                  <a:pt x="1432" y="305"/>
+                  <a:pt x="1485" y="391"/>
+                  <a:pt x="1462" y="442"/>
+                </a:cubicBezTo>
+                <a:cubicBezTo>
+                  <a:pt x="1513" y="483"/>
+                  <a:pt x="1523" y="549"/>
+                  <a:pt x="1523" y="620"/>
+                </a:cubicBezTo>
+                <a:cubicBezTo>
+                  <a:pt x="1523" y="645"/>
+                  <a:pt x="1519" y="669"/>
+                  <a:pt x="1512" y="692"/>
+                </a:cubicBezTo>
+                <a:cubicBezTo>
+                  <a:pt x="1522" y="710"/>
+                  <a:pt x="1529" y="731"/>
+                  <a:pt x="1529" y="754"/>
+                </a:cubicBezTo>
+                <a:cubicBezTo>
+                  <a:pt x="1529" y="814"/>
+                  <a:pt x="1487" y="864"/>
+                  <a:pt x="1432" y="877"/>
+                </a:cubicBezTo>
+                <a:cubicBezTo>
+                  <a:pt x="1437" y="887"/>
+                  <a:pt x="1439" y="898"/>
+                  <a:pt x="1439" y="910"/>
+                </a:cubicBezTo>
+                <a:cubicBezTo>
+                  <a:pt x="1439" y="946"/>
+                  <a:pt x="1415" y="976"/>
+                  <a:pt x="1383" y="985"/>
+                </a:cubicBezTo>
+                <a:cubicBezTo>
+                  <a:pt x="1381" y="1040"/>
+                  <a:pt x="1346" y="1087"/>
+                  <a:pt x="1297" y="1105"/>
+                </a:cubicBezTo>
+                <a:cubicBezTo>
+                  <a:pt x="1297" y="1110"/>
+                  <a:pt x="1297" y="1114"/>
+                  <a:pt x="1297" y="1119"/>
+                </a:cubicBezTo>
+                <a:close/>
+              </a:path>
+            </a:pathLst>
+          </a:custGeom>
+          <a:solidFill>
+            <a:sysClr val="window" lastClr="FFFFFF">
+              <a:lumMod val="85000"/>
+            </a:sysClr>
+          </a:solidFill>
+          <a:ln w="3175">
+            <a:noFill/>
+          </a:ln>
+        </p:spPr>
+        <p:txBody>
+          <a:bodyPr vert="horz" wrap="square" lIns="91440" tIns="45720" rIns="91440" bIns="45720" numCol="1" anchor="t" anchorCtr="0" compatLnSpc="1">
+            <a:prstTxWarp prst="textNoShape">
+              <a:avLst/>
+            </a:prstTxWarp>
+          </a:bodyPr>
+          <a:lstStyle/>
+          <a:p>
+            <a:pPr marL="0" marR="0" lvl="0" indent="0" defTabSz="1219170" eaLnBrk="1" fontAlgn="auto" latinLnBrk="0" hangingPunct="1">
+              <a:lnSpc>
+                <a:spcPct val="100000"/>
+              </a:lnSpc>
+              <a:spcBef>
+                <a:spcPts val="0"/>
+              </a:spcBef>
+              <a:spcAft>
+                <a:spcPts val="0"/>
+              </a:spcAft>
+              <a:buClrTx/>
+              <a:buSzTx/>
+              <a:buFontTx/>
+              <a:buNone/>
+              <a:tabLst/>
+              <a:defRPr/>
+            </a:pPr>
+            <a:endParaRPr kumimoji="0" lang="en-US" sz="2400" b="0" i="0" u="none" strike="noStrike" kern="0" cap="none" spc="0" normalizeH="0" baseline="0" noProof="0">
+              <a:ln>
+                <a:solidFill>
+                  <a:srgbClr val="85CA46"/>
+                </a:solidFill>
+              </a:ln>
+              <a:solidFill>
+                <a:srgbClr val="373737"/>
+              </a:solidFill>
+              <a:effectLst/>
+              <a:uLnTx/>
+              <a:uFillTx/>
+              <a:latin typeface="Gotham Light"/>
+              <a:cs typeface="Gotham Light"/>
+            </a:endParaRPr>
+          </a:p>
+        </p:txBody>
+      </p:sp>
+      <p:sp>
+        <p:nvSpPr>
+          <p:cNvPr id="47" name="Title 46"/>
+          <p:cNvSpPr>
+            <a:spLocks noGrp="1"/>
+          </p:cNvSpPr>
+          <p:nvPr>
+            <p:ph type="title"/>
+          </p:nvPr>
+        </p:nvSpPr>
+        <p:spPr/>
+        <p:txBody>
+          <a:bodyPr/>
+          <a:lstStyle/>
+          <a:p>
+            <a:r>
+              <a:rPr lang="en-US" sz="2400" dirty="0">
+                <a:solidFill>
+                  <a:srgbClr val="0070C0"/>
+                </a:solidFill>
+              </a:rPr>
+              <a:t>WHY WE BUILT THIS QUICKSTART?</a:t>
+            </a:r>
+            <a:endParaRPr lang="en-US" dirty="0"/>
+          </a:p>
+        </p:txBody>
+      </p:sp>
+    </p:spTree>
+    <p:extLst>
+      <p:ext uri="{BB962C8B-B14F-4D97-AF65-F5344CB8AC3E}">
+        <p14:creationId xmlns:p14="http://schemas.microsoft.com/office/powerpoint/2010/main" val="3482039076"/>
+      </p:ext>
+    </p:extLst>
+  </p:cSld>
+  <p:clrMapOvr>
+    <a:masterClrMapping/>
+  </p:clrMapOvr>
+  <p:timing>
+    <p:tnLst>
+      <p:par>
+        <p:cTn id="1" dur="indefinite" restart="never" nodeType="tmRoot">
+          <p:childTnLst>
+            <p:seq concurrent="1" nextAc="seek">
+              <p:cTn id="2" dur="indefinite" nodeType="mainSeq">
+                <p:childTnLst>
+                  <p:par>
+                    <p:cTn id="3" fill="hold">
+                      <p:stCondLst>
+                        <p:cond delay="indefinite"/>
+                        <p:cond evt="onBegin" delay="0">
+                          <p:tn val="2"/>
+                        </p:cond>
+                      </p:stCondLst>
+                      <p:childTnLst>
+                        <p:par>
+                          <p:cTn id="4" fill="hold">
+                            <p:stCondLst>
+                              <p:cond delay="0"/>
+                            </p:stCondLst>
+                            <p:childTnLst>
+                              <p:par>
+                                <p:cTn id="5" presetID="2" presetClass="entr" presetSubtype="8" fill="hold" grpId="0" nodeType="withEffect">
+                                  <p:stCondLst>
+                                    <p:cond delay="0"/>
+                                  </p:stCondLst>
+                                  <p:childTnLst>
+                                    <p:set>
+                                      <p:cBhvr>
+                                        <p:cTn id="6" dur="1" fill="hold">
+                                          <p:stCondLst>
+                                            <p:cond delay="0"/>
+                                          </p:stCondLst>
+                                        </p:cTn>
+                                        <p:tgtEl>
+                                          <p:spTgt spid="30"/>
+                                        </p:tgtEl>
+                                        <p:attrNameLst>
+                                          <p:attrName>style.visibility</p:attrName>
+                                        </p:attrNameLst>
+                                      </p:cBhvr>
+                                      <p:to>
+                                        <p:strVal val="visible"/>
+                                      </p:to>
+                                    </p:set>
+                                    <p:anim calcmode="lin" valueType="num">
+                                      <p:cBhvr additive="base">
+                                        <p:cTn id="7" dur="400" fill="hold"/>
+                                        <p:tgtEl>
+                                          <p:spTgt spid="30"/>
+                                        </p:tgtEl>
+                                        <p:attrNameLst>
+                                          <p:attrName>ppt_x</p:attrName>
+                                        </p:attrNameLst>
+                                      </p:cBhvr>
+                                      <p:tavLst>
+                                        <p:tav tm="0">
+                                          <p:val>
+                                            <p:strVal val="0-#ppt_w/2"/>
+                                          </p:val>
+                                        </p:tav>
+                                        <p:tav tm="100000">
+                                          <p:val>
+                                            <p:strVal val="#ppt_x"/>
+                                          </p:val>
+                                        </p:tav>
+                                      </p:tavLst>
+                                    </p:anim>
+                                    <p:anim calcmode="lin" valueType="num">
+                                      <p:cBhvr additive="base">
+                                        <p:cTn id="8" dur="400" fill="hold"/>
+                                        <p:tgtEl>
+                                          <p:spTgt spid="30"/>
+                                        </p:tgtEl>
+                                        <p:attrNameLst>
+                                          <p:attrName>ppt_y</p:attrName>
+                                        </p:attrNameLst>
+                                      </p:cBhvr>
+                                      <p:tavLst>
+                                        <p:tav tm="0">
+                                          <p:val>
+                                            <p:strVal val="#ppt_y"/>
+                                          </p:val>
+                                        </p:tav>
+                                        <p:tav tm="100000">
+                                          <p:val>
+                                            <p:strVal val="#ppt_y"/>
+                                          </p:val>
+                                        </p:tav>
+                                      </p:tavLst>
+                                    </p:anim>
+                                  </p:childTnLst>
+                                </p:cTn>
+                              </p:par>
+                              <p:par>
+                                <p:cTn id="9" presetID="2" presetClass="entr" presetSubtype="8" fill="hold" grpId="0" nodeType="withEffect">
+                                  <p:stCondLst>
+                                    <p:cond delay="100"/>
+                                  </p:stCondLst>
+                                  <p:childTnLst>
+                                    <p:set>
+                                      <p:cBhvr>
+                                        <p:cTn id="10" dur="1" fill="hold">
+                                          <p:stCondLst>
+                                            <p:cond delay="0"/>
+                                          </p:stCondLst>
+                                        </p:cTn>
+                                        <p:tgtEl>
+                                          <p:spTgt spid="27"/>
+                                        </p:tgtEl>
+                                        <p:attrNameLst>
+                                          <p:attrName>style.visibility</p:attrName>
+                                        </p:attrNameLst>
+                                      </p:cBhvr>
+                                      <p:to>
+                                        <p:strVal val="visible"/>
+                                      </p:to>
+                                    </p:set>
+                                    <p:anim calcmode="lin" valueType="num">
+                                      <p:cBhvr additive="base">
+                                        <p:cTn id="11" dur="400" fill="hold"/>
+                                        <p:tgtEl>
+                                          <p:spTgt spid="27"/>
+                                        </p:tgtEl>
+                                        <p:attrNameLst>
+                                          <p:attrName>ppt_x</p:attrName>
+                                        </p:attrNameLst>
+                                      </p:cBhvr>
+                                      <p:tavLst>
+                                        <p:tav tm="0">
+                                          <p:val>
+                                            <p:strVal val="0-#ppt_w/2"/>
+                                          </p:val>
+                                        </p:tav>
+                                        <p:tav tm="100000">
+                                          <p:val>
+                                            <p:strVal val="#ppt_x"/>
+                                          </p:val>
+                                        </p:tav>
+                                      </p:tavLst>
+                                    </p:anim>
+                                    <p:anim calcmode="lin" valueType="num">
+                                      <p:cBhvr additive="base">
+                                        <p:cTn id="12" dur="400" fill="hold"/>
+                                        <p:tgtEl>
+                                          <p:spTgt spid="27"/>
+                                        </p:tgtEl>
+                                        <p:attrNameLst>
+                                          <p:attrName>ppt_y</p:attrName>
+                                        </p:attrNameLst>
+                                      </p:cBhvr>
+                                      <p:tavLst>
+                                        <p:tav tm="0">
+                                          <p:val>
+                                            <p:strVal val="#ppt_y"/>
+                                          </p:val>
+                                        </p:tav>
+                                        <p:tav tm="100000">
+                                          <p:val>
+                                            <p:strVal val="#ppt_y"/>
+                                          </p:val>
+                                        </p:tav>
+                                      </p:tavLst>
+                                    </p:anim>
+                                  </p:childTnLst>
+                                </p:cTn>
+                              </p:par>
+                              <p:par>
+                                <p:cTn id="13" presetID="2" presetClass="entr" presetSubtype="8" fill="hold" grpId="0" nodeType="withEffect">
+                                  <p:stCondLst>
+                                    <p:cond delay="200"/>
+                                  </p:stCondLst>
+                                  <p:childTnLst>
+                                    <p:set>
+                                      <p:cBhvr>
+                                        <p:cTn id="14" dur="1" fill="hold">
+                                          <p:stCondLst>
+                                            <p:cond delay="0"/>
+                                          </p:stCondLst>
+                                        </p:cTn>
+                                        <p:tgtEl>
+                                          <p:spTgt spid="28"/>
+                                        </p:tgtEl>
+                                        <p:attrNameLst>
+                                          <p:attrName>style.visibility</p:attrName>
+                                        </p:attrNameLst>
+                                      </p:cBhvr>
+                                      <p:to>
+                                        <p:strVal val="visible"/>
+                                      </p:to>
+                                    </p:set>
+                                    <p:anim calcmode="lin" valueType="num">
+                                      <p:cBhvr additive="base">
+                                        <p:cTn id="15" dur="400" fill="hold"/>
+                                        <p:tgtEl>
+                                          <p:spTgt spid="28"/>
+                                        </p:tgtEl>
+                                        <p:attrNameLst>
+                                          <p:attrName>ppt_x</p:attrName>
+                                        </p:attrNameLst>
+                                      </p:cBhvr>
+                                      <p:tavLst>
+                                        <p:tav tm="0">
+                                          <p:val>
+                                            <p:strVal val="0-#ppt_w/2"/>
+                                          </p:val>
+                                        </p:tav>
+                                        <p:tav tm="100000">
+                                          <p:val>
+                                            <p:strVal val="#ppt_x"/>
+                                          </p:val>
+                                        </p:tav>
+                                      </p:tavLst>
+                                    </p:anim>
+                                    <p:anim calcmode="lin" valueType="num">
+                                      <p:cBhvr additive="base">
+                                        <p:cTn id="16" dur="400" fill="hold"/>
+                                        <p:tgtEl>
+                                          <p:spTgt spid="28"/>
+                                        </p:tgtEl>
+                                        <p:attrNameLst>
+                                          <p:attrName>ppt_y</p:attrName>
+                                        </p:attrNameLst>
+                                      </p:cBhvr>
+                                      <p:tavLst>
+                                        <p:tav tm="0">
+                                          <p:val>
+                                            <p:strVal val="#ppt_y"/>
+                                          </p:val>
+                                        </p:tav>
+                                        <p:tav tm="100000">
+                                          <p:val>
+                                            <p:strVal val="#ppt_y"/>
+                                          </p:val>
+                                        </p:tav>
+                                      </p:tavLst>
+                                    </p:anim>
+                                  </p:childTnLst>
+                                </p:cTn>
+                              </p:par>
+                              <p:par>
+                                <p:cTn id="17" presetID="2" presetClass="entr" presetSubtype="8" fill="hold" grpId="0" nodeType="withEffect">
+                                  <p:stCondLst>
+                                    <p:cond delay="300"/>
+                                  </p:stCondLst>
+                                  <p:childTnLst>
+                                    <p:set>
+                                      <p:cBhvr>
+                                        <p:cTn id="18" dur="1" fill="hold">
+                                          <p:stCondLst>
+                                            <p:cond delay="0"/>
+                                          </p:stCondLst>
+                                        </p:cTn>
+                                        <p:tgtEl>
+                                          <p:spTgt spid="29"/>
+                                        </p:tgtEl>
+                                        <p:attrNameLst>
+                                          <p:attrName>style.visibility</p:attrName>
+                                        </p:attrNameLst>
+                                      </p:cBhvr>
+                                      <p:to>
+                                        <p:strVal val="visible"/>
+                                      </p:to>
+                                    </p:set>
+                                    <p:anim calcmode="lin" valueType="num">
+                                      <p:cBhvr additive="base">
+                                        <p:cTn id="19" dur="400" fill="hold"/>
+                                        <p:tgtEl>
+                                          <p:spTgt spid="29"/>
+                                        </p:tgtEl>
+                                        <p:attrNameLst>
+                                          <p:attrName>ppt_x</p:attrName>
+                                        </p:attrNameLst>
+                                      </p:cBhvr>
+                                      <p:tavLst>
+                                        <p:tav tm="0">
+                                          <p:val>
+                                            <p:strVal val="0-#ppt_w/2"/>
+                                          </p:val>
+                                        </p:tav>
+                                        <p:tav tm="100000">
+                                          <p:val>
+                                            <p:strVal val="#ppt_x"/>
+                                          </p:val>
+                                        </p:tav>
+                                      </p:tavLst>
+                                    </p:anim>
+                                    <p:anim calcmode="lin" valueType="num">
+                                      <p:cBhvr additive="base">
+                                        <p:cTn id="20" dur="400" fill="hold"/>
+                                        <p:tgtEl>
+                                          <p:spTgt spid="29"/>
+                                        </p:tgtEl>
+                                        <p:attrNameLst>
+                                          <p:attrName>ppt_y</p:attrName>
+                                        </p:attrNameLst>
+                                      </p:cBhvr>
+                                      <p:tavLst>
+                                        <p:tav tm="0">
+                                          <p:val>
+                                            <p:strVal val="#ppt_y"/>
+                                          </p:val>
+                                        </p:tav>
+                                        <p:tav tm="100000">
+                                          <p:val>
+                                            <p:strVal val="#ppt_y"/>
+                                          </p:val>
+                                        </p:tav>
+                                      </p:tavLst>
+                                    </p:anim>
+                                  </p:childTnLst>
+                                </p:cTn>
+                              </p:par>
+                              <p:par>
+                                <p:cTn id="21" presetID="22" presetClass="entr" presetSubtype="8" fill="hold" grpId="0" nodeType="withEffect">
+                                  <p:stCondLst>
+                                    <p:cond delay="400"/>
+                                  </p:stCondLst>
+                                  <p:childTnLst>
+                                    <p:set>
+                                      <p:cBhvr>
+                                        <p:cTn id="22" dur="1" fill="hold">
+                                          <p:stCondLst>
+                                            <p:cond delay="0"/>
+                                          </p:stCondLst>
+                                        </p:cTn>
+                                        <p:tgtEl>
+                                          <p:spTgt spid="32"/>
+                                        </p:tgtEl>
+                                        <p:attrNameLst>
+                                          <p:attrName>style.visibility</p:attrName>
+                                        </p:attrNameLst>
+                                      </p:cBhvr>
+                                      <p:to>
+                                        <p:strVal val="visible"/>
+                                      </p:to>
+                                    </p:set>
+                                    <p:animEffect transition="in" filter="wipe(left)">
+                                      <p:cBhvr>
+                                        <p:cTn id="23" dur="100"/>
+                                        <p:tgtEl>
+                                          <p:spTgt spid="32"/>
+                                        </p:tgtEl>
+                                      </p:cBhvr>
+                                    </p:animEffect>
+                                  </p:childTnLst>
+                                </p:cTn>
+                              </p:par>
+                              <p:par>
+                                <p:cTn id="24" presetID="22" presetClass="entr" presetSubtype="8" fill="hold" grpId="0" nodeType="withEffect">
+                                  <p:stCondLst>
+                                    <p:cond delay="500"/>
+                                  </p:stCondLst>
+                                  <p:childTnLst>
+                                    <p:set>
+                                      <p:cBhvr>
+                                        <p:cTn id="25" dur="1" fill="hold">
+                                          <p:stCondLst>
+                                            <p:cond delay="0"/>
+                                          </p:stCondLst>
+                                        </p:cTn>
+                                        <p:tgtEl>
+                                          <p:spTgt spid="33"/>
+                                        </p:tgtEl>
+                                        <p:attrNameLst>
+                                          <p:attrName>style.visibility</p:attrName>
+                                        </p:attrNameLst>
+                                      </p:cBhvr>
+                                      <p:to>
+                                        <p:strVal val="visible"/>
+                                      </p:to>
+                                    </p:set>
+                                    <p:animEffect transition="in" filter="wipe(left)">
+                                      <p:cBhvr>
+                                        <p:cTn id="26" dur="100"/>
+                                        <p:tgtEl>
+                                          <p:spTgt spid="33"/>
+                                        </p:tgtEl>
+                                      </p:cBhvr>
+                                    </p:animEffect>
+                                  </p:childTnLst>
+                                </p:cTn>
+                              </p:par>
+                              <p:par>
+                                <p:cTn id="27" presetID="22" presetClass="entr" presetSubtype="8" fill="hold" grpId="0" nodeType="withEffect">
+                                  <p:stCondLst>
+                                    <p:cond delay="600"/>
+                                  </p:stCondLst>
+                                  <p:childTnLst>
+                                    <p:set>
+                                      <p:cBhvr>
+                                        <p:cTn id="28" dur="1" fill="hold">
+                                          <p:stCondLst>
+                                            <p:cond delay="0"/>
+                                          </p:stCondLst>
+                                        </p:cTn>
+                                        <p:tgtEl>
+                                          <p:spTgt spid="34"/>
+                                        </p:tgtEl>
+                                        <p:attrNameLst>
+                                          <p:attrName>style.visibility</p:attrName>
+                                        </p:attrNameLst>
+                                      </p:cBhvr>
+                                      <p:to>
+                                        <p:strVal val="visible"/>
+                                      </p:to>
+                                    </p:set>
+                                    <p:animEffect transition="in" filter="wipe(left)">
+                                      <p:cBhvr>
+                                        <p:cTn id="29" dur="100"/>
+                                        <p:tgtEl>
+                                          <p:spTgt spid="34"/>
+                                        </p:tgtEl>
+                                      </p:cBhvr>
+                                    </p:animEffect>
+                                  </p:childTnLst>
+                                </p:cTn>
+                              </p:par>
+                              <p:par>
+                                <p:cTn id="30" presetID="22" presetClass="entr" presetSubtype="8" fill="hold" grpId="0" nodeType="withEffect">
+                                  <p:stCondLst>
+                                    <p:cond delay="700"/>
+                                  </p:stCondLst>
+                                  <p:childTnLst>
+                                    <p:set>
+                                      <p:cBhvr>
+                                        <p:cTn id="31" dur="1" fill="hold">
+                                          <p:stCondLst>
+                                            <p:cond delay="0"/>
+                                          </p:stCondLst>
+                                        </p:cTn>
+                                        <p:tgtEl>
+                                          <p:spTgt spid="35"/>
+                                        </p:tgtEl>
+                                        <p:attrNameLst>
+                                          <p:attrName>style.visibility</p:attrName>
+                                        </p:attrNameLst>
+                                      </p:cBhvr>
+                                      <p:to>
+                                        <p:strVal val="visible"/>
+                                      </p:to>
+                                    </p:set>
+                                    <p:animEffect transition="in" filter="wipe(left)">
+                                      <p:cBhvr>
+                                        <p:cTn id="32" dur="100"/>
+                                        <p:tgtEl>
+                                          <p:spTgt spid="35"/>
+                                        </p:tgtEl>
+                                      </p:cBhvr>
+                                    </p:animEffect>
+                                  </p:childTnLst>
+                                </p:cTn>
+                              </p:par>
+                              <p:par>
+                                <p:cTn id="33" presetID="22" presetClass="entr" presetSubtype="8" fill="hold" grpId="0" nodeType="withEffect">
+                                  <p:stCondLst>
+                                    <p:cond delay="600"/>
+                                  </p:stCondLst>
+                                  <p:childTnLst>
+                                    <p:set>
+                                      <p:cBhvr>
+                                        <p:cTn id="34" dur="1" fill="hold">
+                                          <p:stCondLst>
+                                            <p:cond delay="0"/>
+                                          </p:stCondLst>
+                                        </p:cTn>
+                                        <p:tgtEl>
+                                          <p:spTgt spid="37"/>
+                                        </p:tgtEl>
+                                        <p:attrNameLst>
+                                          <p:attrName>style.visibility</p:attrName>
+                                        </p:attrNameLst>
+                                      </p:cBhvr>
+                                      <p:to>
+                                        <p:strVal val="visible"/>
+                                      </p:to>
+                                    </p:set>
+                                    <p:animEffect transition="in" filter="wipe(left)">
+                                      <p:cBhvr>
+                                        <p:cTn id="35" dur="250"/>
+                                        <p:tgtEl>
+                                          <p:spTgt spid="37"/>
+                                        </p:tgtEl>
+                                      </p:cBhvr>
+                                    </p:animEffect>
+                                  </p:childTnLst>
+                                </p:cTn>
+                              </p:par>
+                              <p:par>
+                                <p:cTn id="36" presetID="22" presetClass="entr" presetSubtype="8" fill="hold" grpId="0" nodeType="withEffect">
+                                  <p:stCondLst>
+                                    <p:cond delay="700"/>
+                                  </p:stCondLst>
+                                  <p:childTnLst>
+                                    <p:set>
+                                      <p:cBhvr>
+                                        <p:cTn id="37" dur="1" fill="hold">
+                                          <p:stCondLst>
+                                            <p:cond delay="0"/>
+                                          </p:stCondLst>
+                                        </p:cTn>
+                                        <p:tgtEl>
+                                          <p:spTgt spid="36"/>
+                                        </p:tgtEl>
+                                        <p:attrNameLst>
+                                          <p:attrName>style.visibility</p:attrName>
+                                        </p:attrNameLst>
+                                      </p:cBhvr>
+                                      <p:to>
+                                        <p:strVal val="visible"/>
+                                      </p:to>
+                                    </p:set>
+                                    <p:animEffect transition="in" filter="wipe(left)">
+                                      <p:cBhvr>
+                                        <p:cTn id="38" dur="250"/>
+                                        <p:tgtEl>
+                                          <p:spTgt spid="36"/>
+                                        </p:tgtEl>
+                                      </p:cBhvr>
+                                    </p:animEffect>
+                                  </p:childTnLst>
+                                </p:cTn>
+                              </p:par>
+                              <p:par>
+                                <p:cTn id="39" presetID="22" presetClass="entr" presetSubtype="8" fill="hold" grpId="0" nodeType="withEffect">
+                                  <p:stCondLst>
+                                    <p:cond delay="800"/>
+                                  </p:stCondLst>
+                                  <p:childTnLst>
+                                    <p:set>
+                                      <p:cBhvr>
+                                        <p:cTn id="40" dur="1" fill="hold">
+                                          <p:stCondLst>
+                                            <p:cond delay="0"/>
+                                          </p:stCondLst>
+                                        </p:cTn>
+                                        <p:tgtEl>
+                                          <p:spTgt spid="38"/>
+                                        </p:tgtEl>
+                                        <p:attrNameLst>
+                                          <p:attrName>style.visibility</p:attrName>
+                                        </p:attrNameLst>
+                                      </p:cBhvr>
+                                      <p:to>
+                                        <p:strVal val="visible"/>
+                                      </p:to>
+                                    </p:set>
+                                    <p:animEffect transition="in" filter="wipe(left)">
+                                      <p:cBhvr>
+                                        <p:cTn id="41" dur="250"/>
+                                        <p:tgtEl>
+                                          <p:spTgt spid="38"/>
+                                        </p:tgtEl>
+                                      </p:cBhvr>
+                                    </p:animEffect>
+                                  </p:childTnLst>
+                                </p:cTn>
+                              </p:par>
+                              <p:par>
+                                <p:cTn id="42" presetID="22" presetClass="entr" presetSubtype="8" fill="hold" grpId="0" nodeType="withEffect">
+                                  <p:stCondLst>
+                                    <p:cond delay="900"/>
+                                  </p:stCondLst>
+                                  <p:childTnLst>
+                                    <p:set>
+                                      <p:cBhvr>
+                                        <p:cTn id="43" dur="1" fill="hold">
+                                          <p:stCondLst>
+                                            <p:cond delay="0"/>
+                                          </p:stCondLst>
+                                        </p:cTn>
+                                        <p:tgtEl>
+                                          <p:spTgt spid="39"/>
+                                        </p:tgtEl>
+                                        <p:attrNameLst>
+                                          <p:attrName>style.visibility</p:attrName>
+                                        </p:attrNameLst>
+                                      </p:cBhvr>
+                                      <p:to>
+                                        <p:strVal val="visible"/>
+                                      </p:to>
+                                    </p:set>
+                                    <p:animEffect transition="in" filter="wipe(left)">
+                                      <p:cBhvr>
+                                        <p:cTn id="44" dur="250"/>
+                                        <p:tgtEl>
+                                          <p:spTgt spid="39"/>
+                                        </p:tgtEl>
+                                      </p:cBhvr>
+                                    </p:animEffect>
+                                  </p:childTnLst>
+                                </p:cTn>
+                              </p:par>
+                            </p:childTnLst>
+                          </p:cTn>
+                        </p:par>
+                      </p:childTnLst>
+                    </p:cTn>
+                  </p:par>
+                </p:childTnLst>
+              </p:cTn>
+              <p:prevCondLst>
+                <p:cond evt="onPrev" delay="0">
+                  <p:tgtEl>
+                    <p:sldTgt/>
+                  </p:tgtEl>
+                </p:cond>
+              </p:prevCondLst>
+              <p:nextCondLst>
+                <p:cond evt="onNext" delay="0">
+                  <p:tgtEl>
+                    <p:sldTgt/>
+                  </p:tgtEl>
+                </p:cond>
+              </p:nextCondLst>
+            </p:seq>
+          </p:childTnLst>
+        </p:cTn>
+      </p:par>
+    </p:tnLst>
+    <p:bldLst>
+      <p:bldP spid="27" grpId="0" animBg="1"/>
+      <p:bldP spid="28" grpId="0" animBg="1"/>
+      <p:bldP spid="29" grpId="0" animBg="1"/>
+      <p:bldP spid="30" grpId="0" animBg="1"/>
+      <p:bldP spid="32" grpId="0" animBg="1"/>
+      <p:bldP spid="33" grpId="0" animBg="1"/>
+      <p:bldP spid="34" grpId="0" animBg="1"/>
+      <p:bldP spid="35" grpId="0" animBg="1"/>
+      <p:bldP spid="36" grpId="0" animBg="1"/>
+      <p:bldP spid="37" grpId="0" animBg="1"/>
+      <p:bldP spid="38" grpId="0" animBg="1"/>
+      <p:bldP spid="39" grpId="0" animBg="1"/>
+    </p:bldLst>
+  </p:timing>
+</p:sld>
+</file>
+
+<file path=ppt/slides/slide5.xml><?xml version="1.0" encoding="utf-8"?>
+<p:sld xmlns:a="http://schemas.openxmlformats.org/drawingml/2006/main" xmlns:r="http://schemas.openxmlformats.org/officeDocument/2006/relationships" xmlns:p="http://schemas.openxmlformats.org/presentationml/2006/main">
+  <p:cSld>
+    <p:spTree>
+      <p:nvGrpSpPr>
+        <p:cNvPr id="1" name=""/>
+        <p:cNvGrpSpPr/>
+        <p:nvPr/>
+      </p:nvGrpSpPr>
+      <p:grpSpPr>
+        <a:xfrm>
+          <a:off x="0" y="0"/>
+          <a:ext cx="0" cy="0"/>
+          <a:chOff x="0" y="0"/>
+          <a:chExt cx="0" cy="0"/>
+        </a:xfrm>
+      </p:grpSpPr>
+      <p:sp>
+        <p:nvSpPr>
+          <p:cNvPr id="4" name="Title 3"/>
+          <p:cNvSpPr>
+            <a:spLocks noGrp="1"/>
+          </p:cNvSpPr>
+          <p:nvPr>
+            <p:ph type="title"/>
+          </p:nvPr>
+        </p:nvSpPr>
+        <p:spPr/>
         <p:txBody>
           <a:bodyPr>
             <a:normAutofit/>
@@ -4929,9 +9601,9 @@
           <a:lstStyle/>
           <a:p>
             <a:r>
-              <a:rPr lang="en-US" sz="2800" dirty="0">
+              <a:rPr lang="en-US" sz="2000" dirty="0">
                 <a:solidFill>
-                  <a:schemeClr val="accent2"/>
+                  <a:srgbClr val="0070C0"/>
                 </a:solidFill>
               </a:rPr>
               <a:t>TECHNOLOGIES USED</a:t>
@@ -6173,7 +10845,184 @@
 </p:sld>
 </file>
 
-<file path=ppt/slides/slide4.xml><?xml version="1.0" encoding="utf-8"?>
+<file path=ppt/slides/slide6.xml><?xml version="1.0" encoding="utf-8"?>
+<p:sld xmlns:a="http://schemas.openxmlformats.org/drawingml/2006/main" xmlns:r="http://schemas.openxmlformats.org/officeDocument/2006/relationships" xmlns:p="http://schemas.openxmlformats.org/presentationml/2006/main">
+  <p:cSld>
+    <p:spTree>
+      <p:nvGrpSpPr>
+        <p:cNvPr id="1" name=""/>
+        <p:cNvGrpSpPr/>
+        <p:nvPr/>
+      </p:nvGrpSpPr>
+      <p:grpSpPr>
+        <a:xfrm>
+          <a:off x="0" y="0"/>
+          <a:ext cx="0" cy="0"/>
+          <a:chOff x="0" y="0"/>
+          <a:chExt cx="0" cy="0"/>
+        </a:xfrm>
+      </p:grpSpPr>
+      <p:sp>
+        <p:nvSpPr>
+          <p:cNvPr id="2" name="Title 1"/>
+          <p:cNvSpPr>
+            <a:spLocks noGrp="1"/>
+          </p:cNvSpPr>
+          <p:nvPr>
+            <p:ph type="title"/>
+          </p:nvPr>
+        </p:nvSpPr>
+        <p:spPr/>
+        <p:txBody>
+          <a:bodyPr>
+            <a:normAutofit/>
+          </a:bodyPr>
+          <a:lstStyle/>
+          <a:p>
+            <a:r>
+              <a:rPr lang="en-US" sz="2000" dirty="0">
+                <a:solidFill>
+                  <a:srgbClr val="0070C0"/>
+                </a:solidFill>
+              </a:rPr>
+              <a:t>HOW WILL THIS REFERENCE ARCHITECTURE HELP YOUR ORGANIZATION?</a:t>
+            </a:r>
+          </a:p>
+        </p:txBody>
+      </p:sp>
+      <p:pic>
+        <p:nvPicPr>
+          <p:cNvPr id="3" name="Picture 2"/>
+          <p:cNvPicPr>
+            <a:picLocks noChangeAspect="1"/>
+          </p:cNvPicPr>
+          <p:nvPr/>
+        </p:nvPicPr>
+        <p:blipFill>
+          <a:blip r:embed="rId2">
+            <a:extLst>
+              <a:ext uri="{28A0092B-C50C-407E-A947-70E740481C1C}">
+                <a14:useLocalDpi xmlns:a14="http://schemas.microsoft.com/office/drawing/2010/main" val="0"/>
+              </a:ext>
+            </a:extLst>
+          </a:blip>
+          <a:stretch>
+            <a:fillRect/>
+          </a:stretch>
+        </p:blipFill>
+        <p:spPr>
+          <a:xfrm>
+            <a:off x="2234163" y="2198752"/>
+            <a:ext cx="4490091" cy="2047154"/>
+          </a:xfrm>
+          <a:prstGeom prst="rect">
+            <a:avLst/>
+          </a:prstGeom>
+          <a:noFill/>
+          <a:ln>
+            <a:noFill/>
+          </a:ln>
+        </p:spPr>
+      </p:pic>
+      <p:sp>
+        <p:nvSpPr>
+          <p:cNvPr id="4" name="TextBox 3"/>
+          <p:cNvSpPr txBox="1"/>
+          <p:nvPr/>
+        </p:nvSpPr>
+        <p:spPr>
+          <a:xfrm>
+            <a:off x="255451" y="1082350"/>
+            <a:ext cx="9252443" cy="1025858"/>
+          </a:xfrm>
+          <a:prstGeom prst="rect">
+            <a:avLst/>
+          </a:prstGeom>
+          <a:noFill/>
+        </p:spPr>
+        <p:txBody>
+          <a:bodyPr wrap="square" rtlCol="0">
+            <a:spAutoFit/>
+          </a:bodyPr>
+          <a:lstStyle/>
+          <a:p>
+            <a:pPr marL="342900" indent="-342900">
+              <a:buFont typeface="Arial" panose="020B0604020202020204" pitchFamily="34" charset="0"/>
+              <a:buChar char="•"/>
+            </a:pPr>
+            <a:r>
+              <a:rPr lang="en-US" dirty="0">
+                <a:latin typeface="Segoe UI" panose="020B0502040204020203" pitchFamily="34" charset="0"/>
+                <a:cs typeface="Segoe UI" panose="020B0502040204020203" pitchFamily="34" charset="0"/>
+              </a:rPr>
+              <a:t>Demonstrates secure and compliant standing up of Infrastructure and Application (&lt;3 </a:t>
+            </a:r>
+            <a:r>
+              <a:rPr lang="en-US" dirty="0" err="1">
+                <a:latin typeface="Segoe UI" panose="020B0502040204020203" pitchFamily="34" charset="0"/>
+                <a:cs typeface="Segoe UI" panose="020B0502040204020203" pitchFamily="34" charset="0"/>
+              </a:rPr>
+              <a:t>hrs</a:t>
+            </a:r>
+            <a:r>
+              <a:rPr lang="en-US" dirty="0">
+                <a:latin typeface="Segoe UI" panose="020B0502040204020203" pitchFamily="34" charset="0"/>
+                <a:cs typeface="Segoe UI" panose="020B0502040204020203" pitchFamily="34" charset="0"/>
+              </a:rPr>
+              <a:t>) using a layered approach in implementing industry best practices for cloud security</a:t>
+            </a:r>
+          </a:p>
+        </p:txBody>
+      </p:sp>
+      <p:sp>
+        <p:nvSpPr>
+          <p:cNvPr id="5" name="Rectangle 4"/>
+          <p:cNvSpPr/>
+          <p:nvPr/>
+        </p:nvSpPr>
+        <p:spPr>
+          <a:xfrm>
+            <a:off x="255451" y="4580191"/>
+            <a:ext cx="8188753" cy="403508"/>
+          </a:xfrm>
+          <a:prstGeom prst="rect">
+            <a:avLst/>
+          </a:prstGeom>
+        </p:spPr>
+        <p:txBody>
+          <a:bodyPr wrap="square">
+            <a:spAutoFit/>
+          </a:bodyPr>
+          <a:lstStyle/>
+          <a:p>
+            <a:pPr marL="342900" indent="-342900">
+              <a:buFont typeface="Arial" panose="020B0604020202020204" pitchFamily="34" charset="0"/>
+              <a:buChar char="•"/>
+            </a:pPr>
+            <a:r>
+              <a:rPr lang="en-US" dirty="0">
+                <a:latin typeface="Segoe UI" panose="020B0502040204020203" pitchFamily="34" charset="0"/>
+                <a:cs typeface="Segoe UI" panose="020B0502040204020203" pitchFamily="34" charset="0"/>
+              </a:rPr>
+              <a:t>Allows you to focus on your business application</a:t>
+            </a:r>
+          </a:p>
+        </p:txBody>
+      </p:sp>
+    </p:spTree>
+    <p:extLst>
+      <p:ext uri="{BB962C8B-B14F-4D97-AF65-F5344CB8AC3E}">
+        <p14:creationId xmlns:p14="http://schemas.microsoft.com/office/powerpoint/2010/main" val="3533446521"/>
+      </p:ext>
+    </p:extLst>
+  </p:cSld>
+  <p:clrMapOvr>
+    <a:masterClrMapping/>
+  </p:clrMapOvr>
+</p:sld>
+</file>
+
+<file path=ppt/slides/slide7.xml><?xml version="1.0" encoding="utf-8"?>
 <p:sld xmlns:a="http://schemas.openxmlformats.org/drawingml/2006/main" xmlns:r="http://schemas.openxmlformats.org/officeDocument/2006/relationships" xmlns:p="http://schemas.openxmlformats.org/presentationml/2006/main">
   <p:cSld>
     <p:spTree>
@@ -7853,7 +12702,7 @@
             <a:r>
               <a:rPr lang="en-US" sz="2000" dirty="0">
                 <a:solidFill>
-                  <a:schemeClr val="accent2"/>
+                  <a:srgbClr val="0070C0"/>
                 </a:solidFill>
               </a:rPr>
               <a:t>AZURE PAAS – PCI REFERENCE ARCHITECTURE FOR ENTERPRISE WEB APPLICATION</a:t>
@@ -9899,7 +14748,7 @@
 </p:sld>
 </file>
 
-<file path=ppt/slides/slide5.xml><?xml version="1.0" encoding="utf-8"?>
+<file path=ppt/slides/slide8.xml><?xml version="1.0" encoding="utf-8"?>
 <p:sld xmlns:a="http://schemas.openxmlformats.org/drawingml/2006/main" xmlns:r="http://schemas.openxmlformats.org/officeDocument/2006/relationships" xmlns:p="http://schemas.openxmlformats.org/presentationml/2006/main">
   <p:cSld>
     <p:spTree>
@@ -13020,7 +17869,7 @@
 </p:sld>
 </file>
 
-<file path=ppt/slides/slide6.xml><?xml version="1.0" encoding="utf-8"?>
+<file path=ppt/slides/slide9.xml><?xml version="1.0" encoding="utf-8"?>
 <p:sld xmlns:a="http://schemas.openxmlformats.org/drawingml/2006/main" xmlns:r="http://schemas.openxmlformats.org/officeDocument/2006/relationships" xmlns:p="http://schemas.openxmlformats.org/presentationml/2006/main">
   <p:cSld>
     <p:spTree>

--- a/documents/Azure_PCI_PaaS_Management_Reference_Architecture.pptx
+++ b/documents/Azure_PCI_PaaS_Management_Reference_Architecture.pptx
@@ -211,7 +211,7 @@
           <a:p>
             <a:fld id="{8BAD32BC-9A36-444A-AC36-0834185C81D6}" type="datetimeFigureOut">
               <a:rPr lang="en-US" smtClean="0"/>
-              <a:t>3/24/2017</a:t>
+              <a:t>3/29/2017</a:t>
             </a:fld>
             <a:endParaRPr lang="en-US"/>
           </a:p>
@@ -376,7 +376,7 @@
           <a:p>
             <a:fld id="{9513AB20-DDA0-498D-8E7E-1827A09E602C}" type="datetimeFigureOut">
               <a:rPr lang="en-US" smtClean="0"/>
-              <a:t>3/24/2017</a:t>
+              <a:t>3/29/2017</a:t>
             </a:fld>
             <a:endParaRPr lang="en-US"/>
           </a:p>
@@ -6544,14 +6544,16 @@
         </p:nvSpPr>
         <p:spPr>
           <a:xfrm>
-            <a:off x="5019254" y="3268403"/>
+            <a:off x="5009923" y="3259072"/>
             <a:ext cx="3873921" cy="992135"/>
           </a:xfrm>
           <a:prstGeom prst="rect">
             <a:avLst/>
           </a:prstGeom>
           <a:solidFill>
-            <a:srgbClr val="1D6E9B"/>
+            <a:srgbClr val="D2326B">
+              <a:lumMod val="75000"/>
+            </a:srgbClr>
           </a:solidFill>
           <a:ln w="9525" cap="flat" cmpd="sng" algn="ctr">
             <a:noFill/>
@@ -6560,42 +6562,20 @@
           <a:effectLst/>
         </p:spPr>
         <p:txBody>
-          <a:bodyPr lIns="274320" tIns="0" rtlCol="0" anchor="ctr"/>
+          <a:bodyPr wrap="square" rtlCol="0" anchor="ctr">
+            <a:noAutofit/>
+          </a:bodyPr>
           <a:lstStyle/>
           <a:p>
-            <a:pPr marL="0" marR="0" lvl="0" indent="0" defTabSz="1219170" eaLnBrk="1" fontAlgn="auto" latinLnBrk="0" hangingPunct="1">
-              <a:lnSpc>
-                <a:spcPct val="100000"/>
-              </a:lnSpc>
-              <a:spcBef>
-                <a:spcPts val="0"/>
-              </a:spcBef>
-              <a:spcAft>
-                <a:spcPts val="0"/>
-              </a:spcAft>
-              <a:buClrTx/>
-              <a:buSzTx/>
-              <a:buFontTx/>
-              <a:buNone/>
-              <a:tabLst/>
-              <a:defRPr/>
-            </a:pPr>
-            <a:r>
-              <a:rPr kumimoji="0" lang="en-US" sz="3200" b="0" i="0" u="none" strike="noStrike" kern="0" cap="none" spc="0" normalizeH="0" baseline="0" noProof="0" dirty="0">
-                <a:ln>
-                  <a:noFill/>
-                </a:ln>
+            <a:pPr defTabSz="1219170"/>
+            <a:r>
+              <a:rPr lang="en-US" sz="3200" kern="0" dirty="0">
                 <a:solidFill>
-                  <a:srgbClr val="FFFFFF"/>
+                  <a:prstClr val="white"/>
                 </a:solidFill>
-                <a:effectLst/>
-                <a:uLnTx/>
-                <a:uFillTx/>
                 <a:latin typeface="Open Sans Light"/>
-                <a:ea typeface="+mn-ea"/>
-                <a:cs typeface="+mn-cs"/>
               </a:rPr>
-              <a:t>03</a:t>
+              <a:t>  03</a:t>
             </a:r>
           </a:p>
         </p:txBody>
@@ -6615,7 +6595,9 @@
             <a:avLst/>
           </a:prstGeom>
           <a:solidFill>
-            <a:srgbClr val="CF423F"/>
+            <a:srgbClr val="21B169">
+              <a:lumMod val="75000"/>
+            </a:srgbClr>
           </a:solidFill>
           <a:ln w="9525" cap="flat" cmpd="sng" algn="ctr">
             <a:noFill/>
@@ -6624,42 +6606,20 @@
           <a:effectLst/>
         </p:spPr>
         <p:txBody>
-          <a:bodyPr lIns="274320" tIns="0" rtlCol="0" anchor="ctr"/>
+          <a:bodyPr wrap="square" rtlCol="0" anchor="ctr">
+            <a:noAutofit/>
+          </a:bodyPr>
           <a:lstStyle/>
           <a:p>
-            <a:pPr marL="0" marR="0" lvl="0" indent="0" defTabSz="1219170" eaLnBrk="1" fontAlgn="auto" latinLnBrk="0" hangingPunct="1">
-              <a:lnSpc>
-                <a:spcPct val="100000"/>
-              </a:lnSpc>
-              <a:spcBef>
-                <a:spcPts val="0"/>
-              </a:spcBef>
-              <a:spcAft>
-                <a:spcPts val="0"/>
-              </a:spcAft>
-              <a:buClrTx/>
-              <a:buSzTx/>
-              <a:buFontTx/>
-              <a:buNone/>
-              <a:tabLst/>
-              <a:defRPr/>
-            </a:pPr>
-            <a:r>
-              <a:rPr kumimoji="0" lang="en-US" sz="3200" b="0" i="0" u="none" strike="noStrike" kern="0" cap="none" spc="0" normalizeH="0" baseline="0" noProof="0" dirty="0">
-                <a:ln>
-                  <a:noFill/>
-                </a:ln>
+            <a:pPr defTabSz="1219170"/>
+            <a:r>
+              <a:rPr lang="en-US" sz="2800" kern="0" dirty="0">
                 <a:solidFill>
-                  <a:srgbClr val="FFFFFF"/>
+                  <a:prstClr val="white"/>
                 </a:solidFill>
-                <a:effectLst/>
-                <a:uLnTx/>
-                <a:uFillTx/>
                 <a:latin typeface="Open Sans Light"/>
-                <a:ea typeface="+mn-ea"/>
-                <a:cs typeface="+mn-cs"/>
               </a:rPr>
-              <a:t>04</a:t>
+              <a:t>  04</a:t>
             </a:r>
           </a:p>
         </p:txBody>
@@ -6730,7 +6690,7 @@
         </p:nvSpPr>
         <p:spPr>
           <a:xfrm>
-            <a:off x="5962650" y="2546351"/>
+            <a:off x="5962650" y="2471672"/>
             <a:ext cx="2590800" cy="667875"/>
           </a:xfrm>
           <a:prstGeom prst="rect">
@@ -6788,7 +6748,7 @@
         </p:nvSpPr>
         <p:spPr>
           <a:xfrm>
-            <a:off x="5962650" y="3529943"/>
+            <a:off x="5962650" y="4396615"/>
             <a:ext cx="2590800" cy="654795"/>
           </a:xfrm>
           <a:prstGeom prst="rect">
@@ -6844,8 +6804,8 @@
         </p:nvSpPr>
         <p:spPr>
           <a:xfrm>
-            <a:off x="5962650" y="4446065"/>
-            <a:ext cx="2590800" cy="798680"/>
+            <a:off x="5962650" y="3264097"/>
+            <a:ext cx="2590800" cy="1007968"/>
           </a:xfrm>
           <a:prstGeom prst="rect">
             <a:avLst/>
@@ -6869,7 +6829,7 @@
                 </a:solidFill>
                 <a:latin typeface="Open Sans Light"/>
               </a:rPr>
-              <a:t>Learn and Democratize Solution</a:t>
+              <a:t>Learn and Democratize a secure and compliant Azure PaaS deployment</a:t>
             </a:r>
           </a:p>
           <a:p>
@@ -6878,17 +6838,6 @@
                 <a:spcPct val="85000"/>
               </a:lnSpc>
             </a:pPr>
-            <a:r>
-              <a:rPr lang="en-US" sz="1100" dirty="0" err="1">
-                <a:solidFill>
-                  <a:schemeClr val="bg1">
-                    <a:lumMod val="95000"/>
-                  </a:schemeClr>
-                </a:solidFill>
-                <a:latin typeface="Open Sans Light"/>
-              </a:rPr>
-              <a:t>Opensourcing</a:t>
-            </a:r>
             <a:r>
               <a:rPr lang="en-US" sz="1100" dirty="0">
                 <a:solidFill>
@@ -6898,7 +6847,7 @@
                 </a:solidFill>
                 <a:latin typeface="Open Sans Light"/>
               </a:rPr>
-              <a:t> allows us to learn from the larger community</a:t>
+              <a:t>Open sourcing allows us to learn from the larger community</a:t>
             </a:r>
           </a:p>
         </p:txBody>
@@ -16140,14 +16089,14 @@
           <p:nvPr>
             <p:extLst>
               <p:ext uri="{D42A27DB-BD31-4B8C-83A1-F6EECF244321}">
-                <p14:modId xmlns:p14="http://schemas.microsoft.com/office/powerpoint/2010/main" val="2269411634"/>
+                <p14:modId xmlns:p14="http://schemas.microsoft.com/office/powerpoint/2010/main" val="1774845198"/>
               </p:ext>
             </p:extLst>
           </p:nvPr>
         </p:nvGraphicFramePr>
         <p:xfrm>
           <a:off x="442324" y="2335780"/>
-          <a:ext cx="1880870" cy="1074420"/>
+          <a:ext cx="1880870" cy="1144905"/>
         </p:xfrm>
         <a:graphic>
           <a:graphicData uri="http://schemas.openxmlformats.org/drawingml/2006/table">
@@ -16164,7 +16113,7 @@
                   </a:extLst>
                 </a:gridCol>
               </a:tblGrid>
-              <a:tr h="163058">
+              <a:tr h="207057">
                 <a:tc>
                   <a:txBody>
                     <a:bodyPr/>
@@ -16184,7 +16133,7 @@
                   </a:ext>
                 </a:extLst>
               </a:tr>
-              <a:tr h="879170">
+              <a:tr h="937848">
                 <a:tc>
                   <a:txBody>
                     <a:bodyPr/>
@@ -16313,17 +16262,14 @@
                         </a:rPr>
                         <a:t>Allow SQL DB traffic</a:t>
                       </a:r>
-                      <a:r>
-                        <a:rPr lang="en-US" sz="900" b="0" i="0" u="none" strike="noStrike" kern="1200" baseline="0" dirty="0">
-                          <a:solidFill>
-                            <a:schemeClr val="bg1"/>
-                          </a:solidFill>
-                          <a:latin typeface="+mn-lt"/>
-                          <a:ea typeface="+mn-ea"/>
-                          <a:cs typeface="+mn-cs"/>
-                        </a:rPr>
-                        <a:t>(not understanding)</a:t>
-                      </a:r>
+                      <a:endParaRPr lang="en-US" sz="900" b="0" i="0" u="none" strike="noStrike" kern="1200" baseline="0" dirty="0">
+                        <a:solidFill>
+                          <a:schemeClr val="bg1"/>
+                        </a:solidFill>
+                        <a:latin typeface="+mn-lt"/>
+                        <a:ea typeface="+mn-ea"/>
+                        <a:cs typeface="+mn-cs"/>
+                      </a:endParaRPr>
                     </a:p>
                   </a:txBody>
                   <a:tcPr marL="57150" marR="57150" marT="28575" marB="28575"/>
@@ -16461,7 +16407,7 @@
           <p:nvPr>
             <p:extLst>
               <p:ext uri="{D42A27DB-BD31-4B8C-83A1-F6EECF244321}">
-                <p14:modId xmlns:p14="http://schemas.microsoft.com/office/powerpoint/2010/main" val="3274176744"/>
+                <p14:modId xmlns:p14="http://schemas.microsoft.com/office/powerpoint/2010/main" val="2124490779"/>
               </p:ext>
             </p:extLst>
           </p:nvPr>

--- a/documents/Azure_PCI_PaaS_Management_Reference_Architecture.pptx
+++ b/documents/Azure_PCI_PaaS_Management_Reference_Architecture.pptx
@@ -5,10 +5,10 @@
     <p:sldMasterId id="2147483660" r:id="rId1"/>
   </p:sldMasterIdLst>
   <p:notesMasterIdLst>
-    <p:notesMasterId r:id="rId11"/>
+    <p:notesMasterId r:id="rId12"/>
   </p:notesMasterIdLst>
   <p:handoutMasterIdLst>
-    <p:handoutMasterId r:id="rId12"/>
+    <p:handoutMasterId r:id="rId13"/>
   </p:handoutMasterIdLst>
   <p:sldIdLst>
     <p:sldId id="256" r:id="rId2"/>
@@ -20,6 +20,7 @@
     <p:sldId id="257" r:id="rId8"/>
     <p:sldId id="259" r:id="rId9"/>
     <p:sldId id="262" r:id="rId10"/>
+    <p:sldId id="266" r:id="rId11"/>
   </p:sldIdLst>
   <p:sldSz cx="10160000" cy="5715000"/>
   <p:notesSz cx="6858000" cy="9144000"/>
@@ -211,7 +212,7 @@
           <a:p>
             <a:fld id="{8BAD32BC-9A36-444A-AC36-0834185C81D6}" type="datetimeFigureOut">
               <a:rPr lang="en-US" smtClean="0"/>
-              <a:t>3/29/2017</a:t>
+              <a:t>4/4/2017</a:t>
             </a:fld>
             <a:endParaRPr lang="en-US"/>
           </a:p>
@@ -376,7 +377,7 @@
           <a:p>
             <a:fld id="{9513AB20-DDA0-498D-8E7E-1827A09E602C}" type="datetimeFigureOut">
               <a:rPr lang="en-US" smtClean="0"/>
-              <a:t>3/29/2017</a:t>
+              <a:t>4/4/2017</a:t>
             </a:fld>
             <a:endParaRPr lang="en-US"/>
           </a:p>
@@ -2885,14 +2886,14 @@
           </a:ln>
           <a:extLst>
             <a:ext uri="{909E8E84-426E-40dd-AFC4-6F175D3DCCD1}">
-              <a14:hiddenFill xmlns:a14="http://schemas.microsoft.com/office/drawing/2010/main" xmlns="">
+              <a14:hiddenFill xmlns="" xmlns:a14="http://schemas.microsoft.com/office/drawing/2010/main">
                 <a:solidFill>
                   <a:srgbClr val="FFFFFF"/>
                 </a:solidFill>
               </a14:hiddenFill>
             </a:ext>
             <a:ext uri="{91240B29-F687-4f45-9708-019B960494DF}">
-              <a14:hiddenLine xmlns:a14="http://schemas.microsoft.com/office/drawing/2010/main" xmlns="" w="9525">
+              <a14:hiddenLine xmlns="" xmlns:a14="http://schemas.microsoft.com/office/drawing/2010/main" w="9525">
                 <a:solidFill>
                   <a:srgbClr val="000000"/>
                 </a:solidFill>
@@ -4831,6 +4832,3806 @@
     <p:extLst>
       <p:ext uri="{BB962C8B-B14F-4D97-AF65-F5344CB8AC3E}">
         <p14:creationId xmlns:p14="http://schemas.microsoft.com/office/powerpoint/2010/main" val="3444700808"/>
+      </p:ext>
+    </p:extLst>
+  </p:cSld>
+  <p:clrMapOvr>
+    <a:masterClrMapping/>
+  </p:clrMapOvr>
+</p:sld>
+</file>
+
+<file path=ppt/slides/slide10.xml><?xml version="1.0" encoding="utf-8"?>
+<p:sld xmlns:a="http://schemas.openxmlformats.org/drawingml/2006/main" xmlns:r="http://schemas.openxmlformats.org/officeDocument/2006/relationships" xmlns:p="http://schemas.openxmlformats.org/presentationml/2006/main">
+  <p:cSld>
+    <p:spTree>
+      <p:nvGrpSpPr>
+        <p:cNvPr id="1" name=""/>
+        <p:cNvGrpSpPr/>
+        <p:nvPr/>
+      </p:nvGrpSpPr>
+      <p:grpSpPr>
+        <a:xfrm>
+          <a:off x="0" y="0"/>
+          <a:ext cx="0" cy="0"/>
+          <a:chOff x="0" y="0"/>
+          <a:chExt cx="0" cy="0"/>
+        </a:xfrm>
+      </p:grpSpPr>
+      <p:sp>
+        <p:nvSpPr>
+          <p:cNvPr id="3" name="Rectangle: Rounded Corners 2"/>
+          <p:cNvSpPr/>
+          <p:nvPr/>
+        </p:nvSpPr>
+        <p:spPr>
+          <a:xfrm>
+            <a:off x="1833175" y="1008179"/>
+            <a:ext cx="6902564" cy="4185728"/>
+          </a:xfrm>
+          <a:prstGeom prst="roundRect">
+            <a:avLst>
+              <a:gd name="adj" fmla="val 4803"/>
+            </a:avLst>
+          </a:prstGeom>
+          <a:solidFill>
+            <a:schemeClr val="bg1">
+              <a:lumMod val="95000"/>
+              <a:alpha val="25000"/>
+            </a:schemeClr>
+          </a:solidFill>
+        </p:spPr>
+        <p:style>
+          <a:lnRef idx="2">
+            <a:schemeClr val="accent3"/>
+          </a:lnRef>
+          <a:fillRef idx="1">
+            <a:schemeClr val="lt1"/>
+          </a:fillRef>
+          <a:effectRef idx="0">
+            <a:schemeClr val="accent3"/>
+          </a:effectRef>
+          <a:fontRef idx="minor">
+            <a:schemeClr val="dk1"/>
+          </a:fontRef>
+        </p:style>
+        <p:txBody>
+          <a:bodyPr rtlCol="0" anchor="ctr"/>
+          <a:lstStyle/>
+          <a:p>
+            <a:pPr algn="ctr"/>
+            <a:endParaRPr lang="en-US" sz="2400" dirty="0"/>
+          </a:p>
+        </p:txBody>
+      </p:sp>
+      <p:sp>
+        <p:nvSpPr>
+          <p:cNvPr id="4" name="Rectangle: Rounded Corners 3"/>
+          <p:cNvSpPr/>
+          <p:nvPr/>
+        </p:nvSpPr>
+        <p:spPr>
+          <a:xfrm>
+            <a:off x="2025360" y="1391948"/>
+            <a:ext cx="6499364" cy="3192691"/>
+          </a:xfrm>
+          <a:prstGeom prst="roundRect">
+            <a:avLst>
+              <a:gd name="adj" fmla="val 4803"/>
+            </a:avLst>
+          </a:prstGeom>
+          <a:noFill/>
+          <a:ln>
+            <a:prstDash val="sysDash"/>
+          </a:ln>
+        </p:spPr>
+        <p:style>
+          <a:lnRef idx="2">
+            <a:schemeClr val="accent3"/>
+          </a:lnRef>
+          <a:fillRef idx="1002">
+            <a:schemeClr val="lt2"/>
+          </a:fillRef>
+          <a:effectRef idx="0">
+            <a:schemeClr val="accent3"/>
+          </a:effectRef>
+          <a:fontRef idx="minor">
+            <a:schemeClr val="dk1"/>
+          </a:fontRef>
+        </p:style>
+        <p:txBody>
+          <a:bodyPr rtlCol="0" anchor="ctr"/>
+          <a:lstStyle/>
+          <a:p>
+            <a:pPr algn="ctr"/>
+            <a:endParaRPr lang="en-US" sz="2400" dirty="0"/>
+          </a:p>
+        </p:txBody>
+      </p:sp>
+      <p:sp>
+        <p:nvSpPr>
+          <p:cNvPr id="5" name="Rectangle: Rounded Corners 4"/>
+          <p:cNvSpPr/>
+          <p:nvPr/>
+        </p:nvSpPr>
+        <p:spPr>
+          <a:xfrm>
+            <a:off x="2133441" y="1586295"/>
+            <a:ext cx="3932495" cy="2776522"/>
+          </a:xfrm>
+          <a:prstGeom prst="roundRect">
+            <a:avLst>
+              <a:gd name="adj" fmla="val 4803"/>
+            </a:avLst>
+          </a:prstGeom>
+          <a:ln w="12700">
+            <a:prstDash val="sysDash"/>
+          </a:ln>
+        </p:spPr>
+        <p:style>
+          <a:lnRef idx="2">
+            <a:schemeClr val="accent3"/>
+          </a:lnRef>
+          <a:fillRef idx="1">
+            <a:schemeClr val="lt1"/>
+          </a:fillRef>
+          <a:effectRef idx="0">
+            <a:schemeClr val="accent3"/>
+          </a:effectRef>
+          <a:fontRef idx="minor">
+            <a:schemeClr val="dk1"/>
+          </a:fontRef>
+        </p:style>
+        <p:txBody>
+          <a:bodyPr rtlCol="0" anchor="t"/>
+          <a:lstStyle/>
+          <a:p>
+            <a:endParaRPr lang="en-US" sz="2400" dirty="0"/>
+          </a:p>
+        </p:txBody>
+      </p:sp>
+      <p:pic>
+        <p:nvPicPr>
+          <p:cNvPr id="6" name="Picture 5"/>
+          <p:cNvPicPr>
+            <a:picLocks noChangeAspect="1"/>
+          </p:cNvPicPr>
+          <p:nvPr/>
+        </p:nvPicPr>
+        <p:blipFill>
+          <a:blip r:embed="rId2">
+            <a:extLst>
+              <a:ext uri="{28A0092B-C50C-407E-A947-70E740481C1C}">
+                <a14:useLocalDpi xmlns:a14="http://schemas.microsoft.com/office/drawing/2010/main" val="0"/>
+              </a:ext>
+            </a:extLst>
+          </a:blip>
+          <a:stretch>
+            <a:fillRect/>
+          </a:stretch>
+        </p:blipFill>
+        <p:spPr>
+          <a:xfrm>
+            <a:off x="2025361" y="1324423"/>
+            <a:ext cx="166608" cy="166608"/>
+          </a:xfrm>
+          <a:prstGeom prst="rect">
+            <a:avLst/>
+          </a:prstGeom>
+        </p:spPr>
+      </p:pic>
+      <p:pic>
+        <p:nvPicPr>
+          <p:cNvPr id="7" name="Picture 6"/>
+          <p:cNvPicPr>
+            <a:picLocks noChangeAspect="1"/>
+          </p:cNvPicPr>
+          <p:nvPr/>
+        </p:nvPicPr>
+        <p:blipFill>
+          <a:blip r:embed="rId3">
+            <a:extLst>
+              <a:ext uri="{28A0092B-C50C-407E-A947-70E740481C1C}">
+                <a14:useLocalDpi xmlns:a14="http://schemas.microsoft.com/office/drawing/2010/main" val="0"/>
+              </a:ext>
+            </a:extLst>
+          </a:blip>
+          <a:stretch>
+            <a:fillRect/>
+          </a:stretch>
+        </p:blipFill>
+        <p:spPr>
+          <a:xfrm>
+            <a:off x="6423430" y="4676465"/>
+            <a:ext cx="328960" cy="328960"/>
+          </a:xfrm>
+          <a:prstGeom prst="rect">
+            <a:avLst/>
+          </a:prstGeom>
+        </p:spPr>
+      </p:pic>
+      <p:pic>
+        <p:nvPicPr>
+          <p:cNvPr id="8" name="Picture 7"/>
+          <p:cNvPicPr>
+            <a:picLocks noChangeAspect="1"/>
+          </p:cNvPicPr>
+          <p:nvPr/>
+        </p:nvPicPr>
+        <p:blipFill>
+          <a:blip r:embed="rId4"/>
+          <a:stretch>
+            <a:fillRect/>
+          </a:stretch>
+        </p:blipFill>
+        <p:spPr>
+          <a:xfrm>
+            <a:off x="8208277" y="621600"/>
+            <a:ext cx="494905" cy="522204"/>
+          </a:xfrm>
+          <a:prstGeom prst="rect">
+            <a:avLst/>
+          </a:prstGeom>
+        </p:spPr>
+      </p:pic>
+      <p:grpSp>
+        <p:nvGrpSpPr>
+          <p:cNvPr id="9" name="Group 8"/>
+          <p:cNvGrpSpPr/>
+          <p:nvPr/>
+        </p:nvGrpSpPr>
+        <p:grpSpPr>
+          <a:xfrm>
+            <a:off x="2407687" y="1619249"/>
+            <a:ext cx="1777135" cy="887851"/>
+            <a:chOff x="3314119" y="599562"/>
+            <a:chExt cx="2001400" cy="1420560"/>
+          </a:xfrm>
+        </p:grpSpPr>
+        <p:sp>
+          <p:nvSpPr>
+            <p:cNvPr id="10" name="Rectangle: Rounded Corners 9"/>
+            <p:cNvSpPr/>
+            <p:nvPr/>
+          </p:nvSpPr>
+          <p:spPr>
+            <a:xfrm>
+              <a:off x="3314119" y="748723"/>
+              <a:ext cx="2001400" cy="1271399"/>
+            </a:xfrm>
+            <a:prstGeom prst="roundRect">
+              <a:avLst>
+                <a:gd name="adj" fmla="val 4803"/>
+              </a:avLst>
+            </a:prstGeom>
+            <a:solidFill>
+              <a:schemeClr val="accent2">
+                <a:lumMod val="20000"/>
+                <a:lumOff val="80000"/>
+              </a:schemeClr>
+            </a:solidFill>
+            <a:ln w="12700">
+              <a:prstDash val="sysDot"/>
+            </a:ln>
+          </p:spPr>
+          <p:style>
+            <a:lnRef idx="2">
+              <a:schemeClr val="accent3"/>
+            </a:lnRef>
+            <a:fillRef idx="1">
+              <a:schemeClr val="lt1"/>
+            </a:fillRef>
+            <a:effectRef idx="0">
+              <a:schemeClr val="accent3"/>
+            </a:effectRef>
+            <a:fontRef idx="minor">
+              <a:schemeClr val="dk1"/>
+            </a:fontRef>
+          </p:style>
+          <p:txBody>
+            <a:bodyPr rtlCol="0" anchor="ctr"/>
+            <a:lstStyle/>
+            <a:p>
+              <a:pPr algn="ctr"/>
+              <a:endParaRPr lang="en-US" sz="2400"/>
+            </a:p>
+          </p:txBody>
+        </p:sp>
+        <p:pic>
+          <p:nvPicPr>
+            <p:cNvPr id="11" name="Picture 10"/>
+            <p:cNvPicPr>
+              <a:picLocks noChangeAspect="1"/>
+            </p:cNvPicPr>
+            <p:nvPr/>
+          </p:nvPicPr>
+          <p:blipFill>
+            <a:blip r:embed="rId5"/>
+            <a:stretch>
+              <a:fillRect/>
+            </a:stretch>
+          </p:blipFill>
+          <p:spPr>
+            <a:xfrm>
+              <a:off x="4933382" y="599562"/>
+              <a:ext cx="325163" cy="380800"/>
+            </a:xfrm>
+            <a:prstGeom prst="rect">
+              <a:avLst/>
+            </a:prstGeom>
+          </p:spPr>
+        </p:pic>
+      </p:grpSp>
+      <p:sp>
+        <p:nvSpPr>
+          <p:cNvPr id="12" name="Rectangle: Rounded Corners 11"/>
+          <p:cNvSpPr/>
+          <p:nvPr/>
+        </p:nvSpPr>
+        <p:spPr>
+          <a:xfrm>
+            <a:off x="2387698" y="2712630"/>
+            <a:ext cx="1806270" cy="1552442"/>
+          </a:xfrm>
+          <a:prstGeom prst="roundRect">
+            <a:avLst>
+              <a:gd name="adj" fmla="val 4803"/>
+            </a:avLst>
+          </a:prstGeom>
+          <a:ln w="12700">
+            <a:prstDash val="sysDot"/>
+          </a:ln>
+        </p:spPr>
+        <p:style>
+          <a:lnRef idx="2">
+            <a:schemeClr val="accent3"/>
+          </a:lnRef>
+          <a:fillRef idx="1">
+            <a:schemeClr val="lt1"/>
+          </a:fillRef>
+          <a:effectRef idx="0">
+            <a:schemeClr val="accent3"/>
+          </a:effectRef>
+          <a:fontRef idx="minor">
+            <a:schemeClr val="dk1"/>
+          </a:fontRef>
+        </p:style>
+        <p:txBody>
+          <a:bodyPr rtlCol="0" anchor="ctr"/>
+          <a:lstStyle/>
+          <a:p>
+            <a:pPr algn="ctr"/>
+            <a:endParaRPr lang="en-US" sz="2400"/>
+          </a:p>
+        </p:txBody>
+      </p:sp>
+      <p:pic>
+        <p:nvPicPr>
+          <p:cNvPr id="13" name="Picture 12"/>
+          <p:cNvPicPr>
+            <a:picLocks noChangeAspect="1"/>
+          </p:cNvPicPr>
+          <p:nvPr/>
+        </p:nvPicPr>
+        <p:blipFill>
+          <a:blip r:embed="rId5"/>
+          <a:stretch>
+            <a:fillRect/>
+          </a:stretch>
+        </p:blipFill>
+        <p:spPr>
+          <a:xfrm>
+            <a:off x="3579153" y="2929703"/>
+            <a:ext cx="203227" cy="238000"/>
+          </a:xfrm>
+          <a:prstGeom prst="rect">
+            <a:avLst/>
+          </a:prstGeom>
+        </p:spPr>
+      </p:pic>
+      <p:pic>
+        <p:nvPicPr>
+          <p:cNvPr id="14" name="Picture 13"/>
+          <p:cNvPicPr>
+            <a:picLocks noChangeAspect="1"/>
+          </p:cNvPicPr>
+          <p:nvPr/>
+        </p:nvPicPr>
+        <p:blipFill>
+          <a:blip r:embed="rId6">
+            <a:extLst>
+              <a:ext uri="{28A0092B-C50C-407E-A947-70E740481C1C}">
+                <a14:useLocalDpi xmlns:a14="http://schemas.microsoft.com/office/drawing/2010/main" val="0"/>
+              </a:ext>
+            </a:extLst>
+          </a:blip>
+          <a:stretch>
+            <a:fillRect/>
+          </a:stretch>
+        </p:blipFill>
+        <p:spPr>
+          <a:xfrm>
+            <a:off x="2921447" y="2121669"/>
+            <a:ext cx="413601" cy="413601"/>
+          </a:xfrm>
+          <a:prstGeom prst="rect">
+            <a:avLst/>
+          </a:prstGeom>
+        </p:spPr>
+      </p:pic>
+      <p:pic>
+        <p:nvPicPr>
+          <p:cNvPr id="15" name="Picture 14"/>
+          <p:cNvPicPr>
+            <a:picLocks noChangeAspect="1"/>
+          </p:cNvPicPr>
+          <p:nvPr/>
+        </p:nvPicPr>
+        <p:blipFill>
+          <a:blip r:embed="rId7"/>
+          <a:stretch>
+            <a:fillRect/>
+          </a:stretch>
+        </p:blipFill>
+        <p:spPr>
+          <a:xfrm>
+            <a:off x="2760536" y="1901371"/>
+            <a:ext cx="704448" cy="260727"/>
+          </a:xfrm>
+          <a:prstGeom prst="rect">
+            <a:avLst/>
+          </a:prstGeom>
+        </p:spPr>
+      </p:pic>
+      <p:sp>
+        <p:nvSpPr>
+          <p:cNvPr id="16" name="Rectangle: Rounded Corners 15"/>
+          <p:cNvSpPr/>
+          <p:nvPr/>
+        </p:nvSpPr>
+        <p:spPr>
+          <a:xfrm>
+            <a:off x="2456441" y="2781386"/>
+            <a:ext cx="1381458" cy="1154950"/>
+          </a:xfrm>
+          <a:prstGeom prst="roundRect">
+            <a:avLst>
+              <a:gd name="adj" fmla="val 4803"/>
+            </a:avLst>
+          </a:prstGeom>
+          <a:solidFill>
+            <a:schemeClr val="bg1">
+              <a:lumMod val="95000"/>
+            </a:schemeClr>
+          </a:solidFill>
+          <a:ln w="12700">
+            <a:solidFill>
+              <a:srgbClr val="7030A0"/>
+            </a:solidFill>
+            <a:prstDash val="sysDot"/>
+          </a:ln>
+        </p:spPr>
+        <p:style>
+          <a:lnRef idx="2">
+            <a:schemeClr val="accent3"/>
+          </a:lnRef>
+          <a:fillRef idx="1">
+            <a:schemeClr val="lt1"/>
+          </a:fillRef>
+          <a:effectRef idx="0">
+            <a:schemeClr val="accent3"/>
+          </a:effectRef>
+          <a:fontRef idx="minor">
+            <a:schemeClr val="dk1"/>
+          </a:fontRef>
+        </p:style>
+        <p:txBody>
+          <a:bodyPr rtlCol="0" anchor="ctr"/>
+          <a:lstStyle/>
+          <a:p>
+            <a:pPr algn="ctr"/>
+            <a:endParaRPr lang="en-US" sz="2400"/>
+          </a:p>
+        </p:txBody>
+      </p:sp>
+      <p:pic>
+        <p:nvPicPr>
+          <p:cNvPr id="17" name="Picture 16"/>
+          <p:cNvPicPr>
+            <a:picLocks noChangeAspect="1"/>
+          </p:cNvPicPr>
+          <p:nvPr/>
+        </p:nvPicPr>
+        <p:blipFill>
+          <a:blip r:embed="rId8">
+            <a:extLst>
+              <a:ext uri="{28A0092B-C50C-407E-A947-70E740481C1C}">
+                <a14:useLocalDpi xmlns:a14="http://schemas.microsoft.com/office/drawing/2010/main" val="0"/>
+              </a:ext>
+            </a:extLst>
+          </a:blip>
+          <a:stretch>
+            <a:fillRect/>
+          </a:stretch>
+        </p:blipFill>
+        <p:spPr>
+          <a:xfrm>
+            <a:off x="2598981" y="3607188"/>
+            <a:ext cx="254785" cy="254785"/>
+          </a:xfrm>
+          <a:prstGeom prst="rect">
+            <a:avLst/>
+          </a:prstGeom>
+        </p:spPr>
+      </p:pic>
+      <p:pic>
+        <p:nvPicPr>
+          <p:cNvPr id="18" name="Picture 17"/>
+          <p:cNvPicPr>
+            <a:picLocks noChangeAspect="1"/>
+          </p:cNvPicPr>
+          <p:nvPr/>
+        </p:nvPicPr>
+        <p:blipFill>
+          <a:blip r:embed="rId9">
+            <a:extLst>
+              <a:ext uri="{28A0092B-C50C-407E-A947-70E740481C1C}">
+                <a14:useLocalDpi xmlns:a14="http://schemas.microsoft.com/office/drawing/2010/main" val="0"/>
+              </a:ext>
+            </a:extLst>
+          </a:blip>
+          <a:stretch>
+            <a:fillRect/>
+          </a:stretch>
+        </p:blipFill>
+        <p:spPr>
+          <a:xfrm>
+            <a:off x="3525070" y="2795245"/>
+            <a:ext cx="286895" cy="286895"/>
+          </a:xfrm>
+          <a:prstGeom prst="rect">
+            <a:avLst/>
+          </a:prstGeom>
+        </p:spPr>
+      </p:pic>
+      <p:sp>
+        <p:nvSpPr>
+          <p:cNvPr id="19" name="TextBox 18"/>
+          <p:cNvSpPr txBox="1"/>
+          <p:nvPr/>
+        </p:nvSpPr>
+        <p:spPr>
+          <a:xfrm>
+            <a:off x="2513212" y="2744963"/>
+            <a:ext cx="1021975" cy="307777"/>
+          </a:xfrm>
+          <a:prstGeom prst="rect">
+            <a:avLst/>
+          </a:prstGeom>
+          <a:noFill/>
+        </p:spPr>
+        <p:txBody>
+          <a:bodyPr wrap="square" rtlCol="0">
+            <a:spAutoFit/>
+          </a:bodyPr>
+          <a:lstStyle/>
+          <a:p>
+            <a:r>
+              <a:rPr lang="en-US" sz="700" dirty="0"/>
+              <a:t>App Service Environment</a:t>
+            </a:r>
+          </a:p>
+        </p:txBody>
+      </p:sp>
+      <p:sp>
+        <p:nvSpPr>
+          <p:cNvPr id="20" name="TextBox 19"/>
+          <p:cNvSpPr txBox="1"/>
+          <p:nvPr/>
+        </p:nvSpPr>
+        <p:spPr>
+          <a:xfrm>
+            <a:off x="2536757" y="3821209"/>
+            <a:ext cx="486940" cy="184666"/>
+          </a:xfrm>
+          <a:prstGeom prst="rect">
+            <a:avLst/>
+          </a:prstGeom>
+          <a:noFill/>
+        </p:spPr>
+        <p:txBody>
+          <a:bodyPr wrap="square" rtlCol="0">
+            <a:spAutoFit/>
+          </a:bodyPr>
+          <a:lstStyle/>
+          <a:p>
+            <a:r>
+              <a:rPr lang="en-US" sz="600" dirty="0"/>
+              <a:t>Web App</a:t>
+            </a:r>
+          </a:p>
+        </p:txBody>
+      </p:sp>
+      <p:pic>
+        <p:nvPicPr>
+          <p:cNvPr id="21" name="Picture 20"/>
+          <p:cNvPicPr>
+            <a:picLocks noChangeAspect="1"/>
+          </p:cNvPicPr>
+          <p:nvPr/>
+        </p:nvPicPr>
+        <p:blipFill>
+          <a:blip r:embed="rId10">
+            <a:extLst>
+              <a:ext uri="{28A0092B-C50C-407E-A947-70E740481C1C}">
+                <a14:useLocalDpi xmlns:a14="http://schemas.microsoft.com/office/drawing/2010/main" val="0"/>
+              </a:ext>
+            </a:extLst>
+          </a:blip>
+          <a:stretch>
+            <a:fillRect/>
+          </a:stretch>
+        </p:blipFill>
+        <p:spPr>
+          <a:xfrm>
+            <a:off x="5163236" y="3612030"/>
+            <a:ext cx="359907" cy="359907"/>
+          </a:xfrm>
+          <a:prstGeom prst="rect">
+            <a:avLst/>
+          </a:prstGeom>
+        </p:spPr>
+      </p:pic>
+      <p:pic>
+        <p:nvPicPr>
+          <p:cNvPr id="22" name="Picture 21"/>
+          <p:cNvPicPr>
+            <a:picLocks noChangeAspect="1"/>
+          </p:cNvPicPr>
+          <p:nvPr/>
+        </p:nvPicPr>
+        <p:blipFill>
+          <a:blip r:embed="rId11">
+            <a:extLst>
+              <a:ext uri="{28A0092B-C50C-407E-A947-70E740481C1C}">
+                <a14:useLocalDpi xmlns:a14="http://schemas.microsoft.com/office/drawing/2010/main" val="0"/>
+              </a:ext>
+            </a:extLst>
+          </a:blip>
+          <a:stretch>
+            <a:fillRect/>
+          </a:stretch>
+        </p:blipFill>
+        <p:spPr>
+          <a:xfrm>
+            <a:off x="4770957" y="3264286"/>
+            <a:ext cx="409210" cy="409210"/>
+          </a:xfrm>
+          <a:prstGeom prst="rect">
+            <a:avLst/>
+          </a:prstGeom>
+        </p:spPr>
+      </p:pic>
+      <p:sp>
+        <p:nvSpPr>
+          <p:cNvPr id="23" name="TextBox 22"/>
+          <p:cNvSpPr txBox="1"/>
+          <p:nvPr/>
+        </p:nvSpPr>
+        <p:spPr>
+          <a:xfrm>
+            <a:off x="5142273" y="3436161"/>
+            <a:ext cx="489966" cy="184666"/>
+          </a:xfrm>
+          <a:prstGeom prst="rect">
+            <a:avLst/>
+          </a:prstGeom>
+          <a:noFill/>
+        </p:spPr>
+        <p:txBody>
+          <a:bodyPr wrap="square" rtlCol="0">
+            <a:spAutoFit/>
+          </a:bodyPr>
+          <a:lstStyle/>
+          <a:p>
+            <a:r>
+              <a:rPr lang="en-US" sz="600" dirty="0"/>
+              <a:t>Runbooks</a:t>
+            </a:r>
+          </a:p>
+        </p:txBody>
+      </p:sp>
+      <p:sp>
+        <p:nvSpPr>
+          <p:cNvPr id="24" name="TextBox 23"/>
+          <p:cNvSpPr txBox="1"/>
+          <p:nvPr/>
+        </p:nvSpPr>
+        <p:spPr>
+          <a:xfrm>
+            <a:off x="5133140" y="3330253"/>
+            <a:ext cx="564442" cy="276999"/>
+          </a:xfrm>
+          <a:prstGeom prst="rect">
+            <a:avLst/>
+          </a:prstGeom>
+          <a:noFill/>
+        </p:spPr>
+        <p:txBody>
+          <a:bodyPr wrap="square" rtlCol="0">
+            <a:spAutoFit/>
+          </a:bodyPr>
+          <a:lstStyle/>
+          <a:p>
+            <a:r>
+              <a:rPr lang="en-US" sz="600" dirty="0"/>
+              <a:t>Automation +</a:t>
+            </a:r>
+          </a:p>
+        </p:txBody>
+      </p:sp>
+      <p:sp>
+        <p:nvSpPr>
+          <p:cNvPr id="25" name="TextBox 24"/>
+          <p:cNvSpPr txBox="1"/>
+          <p:nvPr/>
+        </p:nvSpPr>
+        <p:spPr>
+          <a:xfrm>
+            <a:off x="2313119" y="1611200"/>
+            <a:ext cx="892161" cy="276999"/>
+          </a:xfrm>
+          <a:prstGeom prst="rect">
+            <a:avLst/>
+          </a:prstGeom>
+          <a:noFill/>
+        </p:spPr>
+        <p:txBody>
+          <a:bodyPr wrap="square" rtlCol="0">
+            <a:spAutoFit/>
+          </a:bodyPr>
+          <a:lstStyle/>
+          <a:p>
+            <a:r>
+              <a:rPr lang="en-US" sz="600" dirty="0"/>
+              <a:t>subnet-WAF-</a:t>
+            </a:r>
+            <a:r>
+              <a:rPr lang="en-US" sz="600" dirty="0" err="1"/>
+              <a:t>appGateway</a:t>
+            </a:r>
+            <a:endParaRPr lang="en-US" sz="600" dirty="0"/>
+          </a:p>
+        </p:txBody>
+      </p:sp>
+      <p:sp>
+        <p:nvSpPr>
+          <p:cNvPr id="26" name="TextBox 25"/>
+          <p:cNvSpPr txBox="1"/>
+          <p:nvPr/>
+        </p:nvSpPr>
+        <p:spPr>
+          <a:xfrm>
+            <a:off x="3841012" y="2699130"/>
+            <a:ext cx="546279" cy="184666"/>
+          </a:xfrm>
+          <a:prstGeom prst="rect">
+            <a:avLst/>
+          </a:prstGeom>
+          <a:noFill/>
+        </p:spPr>
+        <p:txBody>
+          <a:bodyPr wrap="square" rtlCol="0">
+            <a:spAutoFit/>
+          </a:bodyPr>
+          <a:lstStyle/>
+          <a:p>
+            <a:r>
+              <a:rPr lang="en-US" sz="600" dirty="0" err="1"/>
+              <a:t>nsg</a:t>
+            </a:r>
+            <a:r>
+              <a:rPr lang="en-US" sz="600" dirty="0"/>
+              <a:t>-ASE</a:t>
+            </a:r>
+          </a:p>
+        </p:txBody>
+      </p:sp>
+      <p:sp>
+        <p:nvSpPr>
+          <p:cNvPr id="27" name="TextBox 26"/>
+          <p:cNvSpPr txBox="1"/>
+          <p:nvPr/>
+        </p:nvSpPr>
+        <p:spPr>
+          <a:xfrm>
+            <a:off x="3767464" y="1738249"/>
+            <a:ext cx="689051" cy="276999"/>
+          </a:xfrm>
+          <a:prstGeom prst="rect">
+            <a:avLst/>
+          </a:prstGeom>
+          <a:noFill/>
+        </p:spPr>
+        <p:txBody>
+          <a:bodyPr wrap="square" rtlCol="0">
+            <a:spAutoFit/>
+          </a:bodyPr>
+          <a:lstStyle/>
+          <a:p>
+            <a:r>
+              <a:rPr lang="en-US" sz="600" dirty="0" err="1"/>
+              <a:t>nsg-appGateway</a:t>
+            </a:r>
+            <a:endParaRPr lang="en-US" sz="600" dirty="0"/>
+          </a:p>
+        </p:txBody>
+      </p:sp>
+      <p:sp>
+        <p:nvSpPr>
+          <p:cNvPr id="28" name="TextBox 27"/>
+          <p:cNvSpPr txBox="1"/>
+          <p:nvPr/>
+        </p:nvSpPr>
+        <p:spPr>
+          <a:xfrm>
+            <a:off x="2145100" y="1245956"/>
+            <a:ext cx="720395" cy="184666"/>
+          </a:xfrm>
+          <a:prstGeom prst="rect">
+            <a:avLst/>
+          </a:prstGeom>
+          <a:noFill/>
+        </p:spPr>
+        <p:txBody>
+          <a:bodyPr wrap="square" rtlCol="0">
+            <a:spAutoFit/>
+          </a:bodyPr>
+          <a:lstStyle/>
+          <a:p>
+            <a:r>
+              <a:rPr lang="en-US" sz="600" b="1" dirty="0"/>
+              <a:t>Resource Group</a:t>
+            </a:r>
+          </a:p>
+        </p:txBody>
+      </p:sp>
+      <p:sp>
+        <p:nvSpPr>
+          <p:cNvPr id="29" name="TextBox 28"/>
+          <p:cNvSpPr txBox="1"/>
+          <p:nvPr/>
+        </p:nvSpPr>
+        <p:spPr>
+          <a:xfrm>
+            <a:off x="2189065" y="1464924"/>
+            <a:ext cx="605972" cy="276999"/>
+          </a:xfrm>
+          <a:prstGeom prst="rect">
+            <a:avLst/>
+          </a:prstGeom>
+          <a:noFill/>
+        </p:spPr>
+        <p:txBody>
+          <a:bodyPr wrap="square" rtlCol="0">
+            <a:spAutoFit/>
+          </a:bodyPr>
+          <a:lstStyle/>
+          <a:p>
+            <a:r>
+              <a:rPr lang="en-US" sz="600" b="1" dirty="0" err="1"/>
+              <a:t>vNet-pci-paas</a:t>
+            </a:r>
+            <a:endParaRPr lang="en-US" sz="600" b="1" dirty="0"/>
+          </a:p>
+        </p:txBody>
+      </p:sp>
+      <p:pic>
+        <p:nvPicPr>
+          <p:cNvPr id="30" name="Picture 29"/>
+          <p:cNvPicPr>
+            <a:picLocks noChangeAspect="1"/>
+          </p:cNvPicPr>
+          <p:nvPr/>
+        </p:nvPicPr>
+        <p:blipFill>
+          <a:blip r:embed="rId12">
+            <a:extLst>
+              <a:ext uri="{28A0092B-C50C-407E-A947-70E740481C1C}">
+                <a14:useLocalDpi xmlns:a14="http://schemas.microsoft.com/office/drawing/2010/main" val="0"/>
+              </a:ext>
+            </a:extLst>
+          </a:blip>
+          <a:stretch>
+            <a:fillRect/>
+          </a:stretch>
+        </p:blipFill>
+        <p:spPr>
+          <a:xfrm>
+            <a:off x="2106136" y="1468699"/>
+            <a:ext cx="161724" cy="161724"/>
+          </a:xfrm>
+          <a:prstGeom prst="rect">
+            <a:avLst/>
+          </a:prstGeom>
+        </p:spPr>
+      </p:pic>
+      <p:pic>
+        <p:nvPicPr>
+          <p:cNvPr id="31" name="Picture 30"/>
+          <p:cNvPicPr>
+            <a:picLocks noChangeAspect="1"/>
+          </p:cNvPicPr>
+          <p:nvPr/>
+        </p:nvPicPr>
+        <p:blipFill>
+          <a:blip r:embed="rId13">
+            <a:extLst>
+              <a:ext uri="{28A0092B-C50C-407E-A947-70E740481C1C}">
+                <a14:useLocalDpi xmlns:a14="http://schemas.microsoft.com/office/drawing/2010/main" val="0"/>
+              </a:ext>
+            </a:extLst>
+          </a:blip>
+          <a:stretch>
+            <a:fillRect/>
+          </a:stretch>
+        </p:blipFill>
+        <p:spPr>
+          <a:xfrm>
+            <a:off x="2992367" y="3711661"/>
+            <a:ext cx="161824" cy="161824"/>
+          </a:xfrm>
+          <a:prstGeom prst="rect">
+            <a:avLst/>
+          </a:prstGeom>
+        </p:spPr>
+      </p:pic>
+      <p:sp>
+        <p:nvSpPr>
+          <p:cNvPr id="32" name="TextBox 31"/>
+          <p:cNvSpPr txBox="1"/>
+          <p:nvPr/>
+        </p:nvSpPr>
+        <p:spPr>
+          <a:xfrm>
+            <a:off x="3039033" y="3757344"/>
+            <a:ext cx="708405" cy="184666"/>
+          </a:xfrm>
+          <a:prstGeom prst="rect">
+            <a:avLst/>
+          </a:prstGeom>
+          <a:noFill/>
+        </p:spPr>
+        <p:txBody>
+          <a:bodyPr wrap="square" rtlCol="0">
+            <a:spAutoFit/>
+          </a:bodyPr>
+          <a:lstStyle/>
+          <a:p>
+            <a:r>
+              <a:rPr lang="en-US" sz="600" dirty="0"/>
+              <a:t>App Insights</a:t>
+            </a:r>
+          </a:p>
+        </p:txBody>
+      </p:sp>
+      <p:pic>
+        <p:nvPicPr>
+          <p:cNvPr id="33" name="Picture 32"/>
+          <p:cNvPicPr>
+            <a:picLocks noChangeAspect="1"/>
+          </p:cNvPicPr>
+          <p:nvPr/>
+        </p:nvPicPr>
+        <p:blipFill>
+          <a:blip r:embed="rId14">
+            <a:extLst>
+              <a:ext uri="{28A0092B-C50C-407E-A947-70E740481C1C}">
+                <a14:useLocalDpi xmlns:a14="http://schemas.microsoft.com/office/drawing/2010/main" val="0"/>
+              </a:ext>
+            </a:extLst>
+          </a:blip>
+          <a:stretch>
+            <a:fillRect/>
+          </a:stretch>
+        </p:blipFill>
+        <p:spPr>
+          <a:xfrm>
+            <a:off x="4471063" y="4676464"/>
+            <a:ext cx="337054" cy="337054"/>
+          </a:xfrm>
+          <a:prstGeom prst="rect">
+            <a:avLst/>
+          </a:prstGeom>
+        </p:spPr>
+      </p:pic>
+      <p:cxnSp>
+        <p:nvCxnSpPr>
+          <p:cNvPr id="34" name="Straight Arrow Connector 33"/>
+          <p:cNvCxnSpPr>
+            <a:cxnSpLocks/>
+            <a:stCxn id="14" idx="2"/>
+            <a:endCxn id="90" idx="0"/>
+          </p:cNvCxnSpPr>
+          <p:nvPr/>
+        </p:nvCxnSpPr>
+        <p:spPr>
+          <a:xfrm flipH="1">
+            <a:off x="3108186" y="2535270"/>
+            <a:ext cx="20061" cy="409415"/>
+          </a:xfrm>
+          <a:prstGeom prst="straightConnector1">
+            <a:avLst/>
+          </a:prstGeom>
+          <a:ln w="19050">
+            <a:solidFill>
+              <a:schemeClr val="accent2"/>
+            </a:solidFill>
+            <a:tailEnd type="triangle"/>
+          </a:ln>
+        </p:spPr>
+        <p:style>
+          <a:lnRef idx="1">
+            <a:schemeClr val="accent1"/>
+          </a:lnRef>
+          <a:fillRef idx="0">
+            <a:schemeClr val="accent1"/>
+          </a:fillRef>
+          <a:effectRef idx="0">
+            <a:schemeClr val="accent1"/>
+          </a:effectRef>
+          <a:fontRef idx="minor">
+            <a:schemeClr val="tx1"/>
+          </a:fontRef>
+        </p:style>
+      </p:cxnSp>
+      <p:cxnSp>
+        <p:nvCxnSpPr>
+          <p:cNvPr id="35" name="Straight Arrow Connector 34"/>
+          <p:cNvCxnSpPr>
+            <a:cxnSpLocks/>
+            <a:stCxn id="31" idx="3"/>
+            <a:endCxn id="21" idx="1"/>
+          </p:cNvCxnSpPr>
+          <p:nvPr/>
+        </p:nvCxnSpPr>
+        <p:spPr>
+          <a:xfrm flipV="1">
+            <a:off x="3154191" y="3791984"/>
+            <a:ext cx="2009045" cy="589"/>
+          </a:xfrm>
+          <a:prstGeom prst="straightConnector1">
+            <a:avLst/>
+          </a:prstGeom>
+          <a:ln>
+            <a:prstDash val="dashDot"/>
+            <a:tailEnd type="triangle"/>
+          </a:ln>
+        </p:spPr>
+        <p:style>
+          <a:lnRef idx="1">
+            <a:schemeClr val="accent1"/>
+          </a:lnRef>
+          <a:fillRef idx="0">
+            <a:schemeClr val="accent1"/>
+          </a:fillRef>
+          <a:effectRef idx="0">
+            <a:schemeClr val="accent1"/>
+          </a:effectRef>
+          <a:fontRef idx="minor">
+            <a:schemeClr val="tx1"/>
+          </a:fontRef>
+        </p:style>
+      </p:cxnSp>
+      <p:sp>
+        <p:nvSpPr>
+          <p:cNvPr id="36" name="TextBox 35"/>
+          <p:cNvSpPr txBox="1"/>
+          <p:nvPr/>
+        </p:nvSpPr>
+        <p:spPr>
+          <a:xfrm rot="20201567">
+            <a:off x="3827335" y="3435487"/>
+            <a:ext cx="469092" cy="276999"/>
+          </a:xfrm>
+          <a:prstGeom prst="rect">
+            <a:avLst/>
+          </a:prstGeom>
+          <a:noFill/>
+        </p:spPr>
+        <p:txBody>
+          <a:bodyPr wrap="square" rtlCol="0">
+            <a:spAutoFit/>
+          </a:bodyPr>
+          <a:lstStyle/>
+          <a:p>
+            <a:r>
+              <a:rPr lang="en-US" sz="600" dirty="0"/>
+              <a:t>Pull metrics</a:t>
+            </a:r>
+          </a:p>
+        </p:txBody>
+      </p:sp>
+      <p:sp>
+        <p:nvSpPr>
+          <p:cNvPr id="37" name="TextBox 36"/>
+          <p:cNvSpPr txBox="1"/>
+          <p:nvPr/>
+        </p:nvSpPr>
+        <p:spPr>
+          <a:xfrm rot="19143378">
+            <a:off x="6111155" y="2906545"/>
+            <a:ext cx="852423" cy="200055"/>
+          </a:xfrm>
+          <a:prstGeom prst="rect">
+            <a:avLst/>
+          </a:prstGeom>
+          <a:noFill/>
+        </p:spPr>
+        <p:txBody>
+          <a:bodyPr wrap="square" rtlCol="0">
+            <a:spAutoFit/>
+          </a:bodyPr>
+          <a:lstStyle/>
+          <a:p>
+            <a:r>
+              <a:rPr lang="en-US" sz="700" dirty="0"/>
+              <a:t>Ingest metrics</a:t>
+            </a:r>
+          </a:p>
+        </p:txBody>
+      </p:sp>
+      <p:cxnSp>
+        <p:nvCxnSpPr>
+          <p:cNvPr id="38" name="Connector: Elbow 37"/>
+          <p:cNvCxnSpPr>
+            <a:cxnSpLocks/>
+            <a:stCxn id="17" idx="2"/>
+            <a:endCxn id="47" idx="2"/>
+          </p:cNvCxnSpPr>
+          <p:nvPr/>
+        </p:nvCxnSpPr>
+        <p:spPr>
+          <a:xfrm rot="16200000" flipH="1">
+            <a:off x="5103568" y="1484777"/>
+            <a:ext cx="86969" cy="4841358"/>
+          </a:xfrm>
+          <a:prstGeom prst="bentConnector3">
+            <a:avLst>
+              <a:gd name="adj1" fmla="val 678275"/>
+            </a:avLst>
+          </a:prstGeom>
+          <a:ln w="19050">
+            <a:solidFill>
+              <a:schemeClr val="accent2"/>
+            </a:solidFill>
+            <a:tailEnd type="triangle"/>
+          </a:ln>
+        </p:spPr>
+        <p:style>
+          <a:lnRef idx="1">
+            <a:schemeClr val="accent1"/>
+          </a:lnRef>
+          <a:fillRef idx="0">
+            <a:schemeClr val="accent1"/>
+          </a:fillRef>
+          <a:effectRef idx="0">
+            <a:schemeClr val="accent1"/>
+          </a:effectRef>
+          <a:fontRef idx="minor">
+            <a:schemeClr val="tx1"/>
+          </a:fontRef>
+        </p:style>
+      </p:cxnSp>
+      <p:pic>
+        <p:nvPicPr>
+          <p:cNvPr id="39" name="Picture 38"/>
+          <p:cNvPicPr>
+            <a:picLocks noChangeAspect="1"/>
+          </p:cNvPicPr>
+          <p:nvPr/>
+        </p:nvPicPr>
+        <p:blipFill>
+          <a:blip r:embed="rId15">
+            <a:extLst>
+              <a:ext uri="{28A0092B-C50C-407E-A947-70E740481C1C}">
+                <a14:useLocalDpi xmlns:a14="http://schemas.microsoft.com/office/drawing/2010/main" val="0"/>
+              </a:ext>
+            </a:extLst>
+          </a:blip>
+          <a:stretch>
+            <a:fillRect/>
+          </a:stretch>
+        </p:blipFill>
+        <p:spPr>
+          <a:xfrm>
+            <a:off x="2867404" y="4678223"/>
+            <a:ext cx="391406" cy="391406"/>
+          </a:xfrm>
+          <a:prstGeom prst="rect">
+            <a:avLst/>
+          </a:prstGeom>
+        </p:spPr>
+      </p:pic>
+      <p:pic>
+        <p:nvPicPr>
+          <p:cNvPr id="40" name="Picture 39" descr="Making Security Shiny - The Blog of Tom Webster"/>
+          <p:cNvPicPr>
+            <a:picLocks noChangeAspect="1"/>
+          </p:cNvPicPr>
+          <p:nvPr/>
+        </p:nvPicPr>
+        <p:blipFill>
+          <a:blip r:embed="rId16">
+            <a:extLst>
+              <a:ext uri="{28A0092B-C50C-407E-A947-70E740481C1C}">
+                <a14:useLocalDpi xmlns:a14="http://schemas.microsoft.com/office/drawing/2010/main" val="0"/>
+              </a:ext>
+            </a:extLst>
+          </a:blip>
+          <a:stretch>
+            <a:fillRect/>
+          </a:stretch>
+        </p:blipFill>
+        <p:spPr>
+          <a:xfrm>
+            <a:off x="3211049" y="4693079"/>
+            <a:ext cx="206343" cy="196893"/>
+          </a:xfrm>
+          <a:prstGeom prst="rect">
+            <a:avLst/>
+          </a:prstGeom>
+        </p:spPr>
+      </p:pic>
+      <p:sp>
+        <p:nvSpPr>
+          <p:cNvPr id="41" name="TextBox 40"/>
+          <p:cNvSpPr txBox="1"/>
+          <p:nvPr/>
+        </p:nvSpPr>
+        <p:spPr>
+          <a:xfrm>
+            <a:off x="3211046" y="4810869"/>
+            <a:ext cx="543398" cy="276999"/>
+          </a:xfrm>
+          <a:prstGeom prst="rect">
+            <a:avLst/>
+          </a:prstGeom>
+          <a:noFill/>
+        </p:spPr>
+        <p:txBody>
+          <a:bodyPr wrap="square" rtlCol="0">
+            <a:spAutoFit/>
+          </a:bodyPr>
+          <a:lstStyle/>
+          <a:p>
+            <a:r>
+              <a:rPr lang="en-US" sz="600" dirty="0"/>
+              <a:t>Keys and Secrets</a:t>
+            </a:r>
+          </a:p>
+        </p:txBody>
+      </p:sp>
+      <p:cxnSp>
+        <p:nvCxnSpPr>
+          <p:cNvPr id="42" name="Straight Arrow Connector 41"/>
+          <p:cNvCxnSpPr>
+            <a:cxnSpLocks/>
+            <a:endCxn id="63" idx="2"/>
+          </p:cNvCxnSpPr>
+          <p:nvPr/>
+        </p:nvCxnSpPr>
+        <p:spPr>
+          <a:xfrm flipH="1" flipV="1">
+            <a:off x="7564132" y="2645635"/>
+            <a:ext cx="12746" cy="610264"/>
+          </a:xfrm>
+          <a:prstGeom prst="straightConnector1">
+            <a:avLst/>
+          </a:prstGeom>
+          <a:ln>
+            <a:tailEnd type="triangle"/>
+          </a:ln>
+        </p:spPr>
+        <p:style>
+          <a:lnRef idx="1">
+            <a:schemeClr val="accent1"/>
+          </a:lnRef>
+          <a:fillRef idx="0">
+            <a:schemeClr val="accent1"/>
+          </a:fillRef>
+          <a:effectRef idx="0">
+            <a:schemeClr val="accent1"/>
+          </a:effectRef>
+          <a:fontRef idx="minor">
+            <a:schemeClr val="tx1"/>
+          </a:fontRef>
+        </p:style>
+      </p:cxnSp>
+      <p:grpSp>
+        <p:nvGrpSpPr>
+          <p:cNvPr id="43" name="Group 42"/>
+          <p:cNvGrpSpPr/>
+          <p:nvPr/>
+        </p:nvGrpSpPr>
+        <p:grpSpPr>
+          <a:xfrm>
+            <a:off x="7016772" y="2918296"/>
+            <a:ext cx="1104021" cy="1030647"/>
+            <a:chOff x="6916499" y="3022407"/>
+            <a:chExt cx="1104021" cy="1030647"/>
+          </a:xfrm>
+        </p:grpSpPr>
+        <p:sp>
+          <p:nvSpPr>
+            <p:cNvPr id="44" name="Rectangle: Rounded Corners 43"/>
+            <p:cNvSpPr/>
+            <p:nvPr/>
+          </p:nvSpPr>
+          <p:spPr>
+            <a:xfrm>
+              <a:off x="6916499" y="3381175"/>
+              <a:ext cx="1104021" cy="650715"/>
+            </a:xfrm>
+            <a:prstGeom prst="roundRect">
+              <a:avLst>
+                <a:gd name="adj" fmla="val 4803"/>
+              </a:avLst>
+            </a:prstGeom>
+            <a:solidFill>
+              <a:schemeClr val="bg1">
+                <a:lumMod val="95000"/>
+              </a:schemeClr>
+            </a:solidFill>
+            <a:ln w="12700">
+              <a:prstDash val="sysDot"/>
+            </a:ln>
+          </p:spPr>
+          <p:style>
+            <a:lnRef idx="2">
+              <a:schemeClr val="accent3"/>
+            </a:lnRef>
+            <a:fillRef idx="1">
+              <a:schemeClr val="lt1"/>
+            </a:fillRef>
+            <a:effectRef idx="0">
+              <a:schemeClr val="accent3"/>
+            </a:effectRef>
+            <a:fontRef idx="minor">
+              <a:schemeClr val="dk1"/>
+            </a:fontRef>
+          </p:style>
+          <p:txBody>
+            <a:bodyPr rtlCol="0" anchor="ctr"/>
+            <a:lstStyle/>
+            <a:p>
+              <a:pPr algn="ctr"/>
+              <a:endParaRPr lang="en-US" sz="2400"/>
+            </a:p>
+          </p:txBody>
+        </p:sp>
+        <p:pic>
+          <p:nvPicPr>
+            <p:cNvPr id="45" name="Picture 44"/>
+            <p:cNvPicPr>
+              <a:picLocks noChangeAspect="1"/>
+            </p:cNvPicPr>
+            <p:nvPr/>
+          </p:nvPicPr>
+          <p:blipFill>
+            <a:blip r:embed="rId17">
+              <a:extLst>
+                <a:ext uri="{28A0092B-C50C-407E-A947-70E740481C1C}">
+                  <a14:useLocalDpi xmlns:a14="http://schemas.microsoft.com/office/drawing/2010/main" val="0"/>
+                </a:ext>
+              </a:extLst>
+            </a:blip>
+            <a:stretch>
+              <a:fillRect/>
+            </a:stretch>
+          </p:blipFill>
+          <p:spPr>
+            <a:xfrm>
+              <a:off x="7303257" y="3460712"/>
+              <a:ext cx="328398" cy="328398"/>
+            </a:xfrm>
+            <a:prstGeom prst="rect">
+              <a:avLst/>
+            </a:prstGeom>
+          </p:spPr>
+        </p:pic>
+        <p:sp>
+          <p:nvSpPr>
+            <p:cNvPr id="46" name="TextBox 45"/>
+            <p:cNvSpPr txBox="1"/>
+            <p:nvPr/>
+          </p:nvSpPr>
+          <p:spPr>
+            <a:xfrm>
+              <a:off x="7434589" y="3649874"/>
+              <a:ext cx="421570" cy="184666"/>
+            </a:xfrm>
+            <a:prstGeom prst="rect">
+              <a:avLst/>
+            </a:prstGeom>
+            <a:noFill/>
+          </p:spPr>
+          <p:txBody>
+            <a:bodyPr wrap="square" rtlCol="0">
+              <a:spAutoFit/>
+            </a:bodyPr>
+            <a:lstStyle/>
+            <a:p>
+              <a:r>
+                <a:rPr lang="en-US" sz="600" dirty="0"/>
+                <a:t>SQL DB</a:t>
+              </a:r>
+            </a:p>
+          </p:txBody>
+        </p:sp>
+        <p:pic>
+          <p:nvPicPr>
+            <p:cNvPr id="47" name="Picture 46"/>
+            <p:cNvPicPr>
+              <a:picLocks noChangeAspect="1"/>
+            </p:cNvPicPr>
+            <p:nvPr/>
+          </p:nvPicPr>
+          <p:blipFill>
+            <a:blip r:embed="rId7"/>
+            <a:stretch>
+              <a:fillRect/>
+            </a:stretch>
+          </p:blipFill>
+          <p:spPr>
+            <a:xfrm>
+              <a:off x="7136012" y="3857326"/>
+              <a:ext cx="662892" cy="195728"/>
+            </a:xfrm>
+            <a:prstGeom prst="rect">
+              <a:avLst/>
+            </a:prstGeom>
+          </p:spPr>
+        </p:pic>
+        <p:sp>
+          <p:nvSpPr>
+            <p:cNvPr id="48" name="TextBox 47"/>
+            <p:cNvSpPr txBox="1"/>
+            <p:nvPr/>
+          </p:nvSpPr>
+          <p:spPr>
+            <a:xfrm>
+              <a:off x="7246330" y="3022407"/>
+              <a:ext cx="376517" cy="276999"/>
+            </a:xfrm>
+            <a:prstGeom prst="rect">
+              <a:avLst/>
+            </a:prstGeom>
+            <a:noFill/>
+          </p:spPr>
+          <p:txBody>
+            <a:bodyPr wrap="square" rtlCol="0">
+              <a:spAutoFit/>
+            </a:bodyPr>
+            <a:lstStyle/>
+            <a:p>
+              <a:r>
+                <a:rPr lang="en-US" sz="600" dirty="0"/>
+                <a:t>Ops Logs</a:t>
+              </a:r>
+            </a:p>
+          </p:txBody>
+        </p:sp>
+      </p:grpSp>
+      <p:pic>
+        <p:nvPicPr>
+          <p:cNvPr id="49" name="Picture 48" descr="multiple user icons different colors - vector Clip Art"/>
+          <p:cNvPicPr>
+            <a:picLocks noChangeAspect="1"/>
+          </p:cNvPicPr>
+          <p:nvPr/>
+        </p:nvPicPr>
+        <p:blipFill>
+          <a:blip r:embed="rId18">
+            <a:extLst>
+              <a:ext uri="{28A0092B-C50C-407E-A947-70E740481C1C}">
+                <a14:useLocalDpi xmlns:a14="http://schemas.microsoft.com/office/drawing/2010/main" val="0"/>
+              </a:ext>
+            </a:extLst>
+          </a:blip>
+          <a:stretch>
+            <a:fillRect/>
+          </a:stretch>
+        </p:blipFill>
+        <p:spPr>
+          <a:xfrm>
+            <a:off x="2980280" y="396341"/>
+            <a:ext cx="225000" cy="241875"/>
+          </a:xfrm>
+          <a:prstGeom prst="rect">
+            <a:avLst/>
+          </a:prstGeom>
+        </p:spPr>
+      </p:pic>
+      <p:sp>
+        <p:nvSpPr>
+          <p:cNvPr id="50" name="TextBox 49"/>
+          <p:cNvSpPr txBox="1"/>
+          <p:nvPr/>
+        </p:nvSpPr>
+        <p:spPr>
+          <a:xfrm>
+            <a:off x="2456441" y="607138"/>
+            <a:ext cx="695271" cy="276999"/>
+          </a:xfrm>
+          <a:prstGeom prst="rect">
+            <a:avLst/>
+          </a:prstGeom>
+          <a:noFill/>
+        </p:spPr>
+        <p:txBody>
+          <a:bodyPr wrap="square" rtlCol="0">
+            <a:spAutoFit/>
+          </a:bodyPr>
+          <a:lstStyle/>
+          <a:p>
+            <a:r>
+              <a:rPr lang="en-US" sz="600" dirty="0"/>
+              <a:t>Customer / Cardholder</a:t>
+            </a:r>
+          </a:p>
+        </p:txBody>
+      </p:sp>
+      <p:cxnSp>
+        <p:nvCxnSpPr>
+          <p:cNvPr id="51" name="Straight Arrow Connector 50"/>
+          <p:cNvCxnSpPr>
+            <a:cxnSpLocks/>
+            <a:endCxn id="15" idx="0"/>
+          </p:cNvCxnSpPr>
+          <p:nvPr/>
+        </p:nvCxnSpPr>
+        <p:spPr>
+          <a:xfrm>
+            <a:off x="3104932" y="870338"/>
+            <a:ext cx="7828" cy="1031033"/>
+          </a:xfrm>
+          <a:prstGeom prst="straightConnector1">
+            <a:avLst/>
+          </a:prstGeom>
+          <a:ln w="19050">
+            <a:solidFill>
+              <a:schemeClr val="accent2"/>
+            </a:solidFill>
+            <a:tailEnd type="triangle"/>
+          </a:ln>
+        </p:spPr>
+        <p:style>
+          <a:lnRef idx="1">
+            <a:schemeClr val="accent1"/>
+          </a:lnRef>
+          <a:fillRef idx="0">
+            <a:schemeClr val="accent1"/>
+          </a:fillRef>
+          <a:effectRef idx="0">
+            <a:schemeClr val="accent1"/>
+          </a:effectRef>
+          <a:fontRef idx="minor">
+            <a:schemeClr val="tx1"/>
+          </a:fontRef>
+        </p:style>
+      </p:cxnSp>
+      <p:pic>
+        <p:nvPicPr>
+          <p:cNvPr id="52" name="Picture 51"/>
+          <p:cNvPicPr>
+            <a:picLocks noChangeAspect="1"/>
+          </p:cNvPicPr>
+          <p:nvPr/>
+        </p:nvPicPr>
+        <p:blipFill>
+          <a:blip r:embed="rId19"/>
+          <a:stretch>
+            <a:fillRect/>
+          </a:stretch>
+        </p:blipFill>
+        <p:spPr>
+          <a:xfrm>
+            <a:off x="3215200" y="532215"/>
+            <a:ext cx="653883" cy="445610"/>
+          </a:xfrm>
+          <a:prstGeom prst="rect">
+            <a:avLst/>
+          </a:prstGeom>
+        </p:spPr>
+      </p:pic>
+      <p:pic>
+        <p:nvPicPr>
+          <p:cNvPr id="53" name="Picture 52" descr="透過 Certificate Revocation List + HAProxy 來管理 HTTPS 連線 ..."/>
+          <p:cNvPicPr>
+            <a:picLocks noChangeAspect="1"/>
+          </p:cNvPicPr>
+          <p:nvPr/>
+        </p:nvPicPr>
+        <p:blipFill>
+          <a:blip r:embed="rId20">
+            <a:extLst>
+              <a:ext uri="{28A0092B-C50C-407E-A947-70E740481C1C}">
+                <a14:useLocalDpi xmlns:a14="http://schemas.microsoft.com/office/drawing/2010/main" val="0"/>
+              </a:ext>
+            </a:extLst>
+          </a:blip>
+          <a:stretch>
+            <a:fillRect/>
+          </a:stretch>
+        </p:blipFill>
+        <p:spPr>
+          <a:xfrm>
+            <a:off x="3017293" y="2569443"/>
+            <a:ext cx="113109" cy="131311"/>
+          </a:xfrm>
+          <a:prstGeom prst="rect">
+            <a:avLst/>
+          </a:prstGeom>
+        </p:spPr>
+      </p:pic>
+      <p:pic>
+        <p:nvPicPr>
+          <p:cNvPr id="54" name="Picture 53" descr="透過 Certificate Revocation List + HAProxy 來管理 HTTPS 連線 ..."/>
+          <p:cNvPicPr>
+            <a:picLocks noChangeAspect="1"/>
+          </p:cNvPicPr>
+          <p:nvPr/>
+        </p:nvPicPr>
+        <p:blipFill>
+          <a:blip r:embed="rId20">
+            <a:extLst>
+              <a:ext uri="{28A0092B-C50C-407E-A947-70E740481C1C}">
+                <a14:useLocalDpi xmlns:a14="http://schemas.microsoft.com/office/drawing/2010/main" val="0"/>
+              </a:ext>
+            </a:extLst>
+          </a:blip>
+          <a:stretch>
+            <a:fillRect/>
+          </a:stretch>
+        </p:blipFill>
+        <p:spPr>
+          <a:xfrm>
+            <a:off x="2821153" y="842886"/>
+            <a:ext cx="267840" cy="310942"/>
+          </a:xfrm>
+          <a:prstGeom prst="rect">
+            <a:avLst/>
+          </a:prstGeom>
+        </p:spPr>
+      </p:pic>
+      <p:sp>
+        <p:nvSpPr>
+          <p:cNvPr id="55" name="Arrow: Curved Right 54"/>
+          <p:cNvSpPr/>
+          <p:nvPr/>
+        </p:nvSpPr>
+        <p:spPr>
+          <a:xfrm flipH="1">
+            <a:off x="3288414" y="2372225"/>
+            <a:ext cx="221239" cy="762212"/>
+          </a:xfrm>
+          <a:prstGeom prst="curvedRightArrow">
+            <a:avLst/>
+          </a:prstGeom>
+          <a:solidFill>
+            <a:srgbClr val="FFFF00"/>
+          </a:solidFill>
+          <a:ln w="6350">
+            <a:solidFill>
+              <a:schemeClr val="accent4"/>
+            </a:solidFill>
+          </a:ln>
+        </p:spPr>
+        <p:style>
+          <a:lnRef idx="2">
+            <a:schemeClr val="accent1">
+              <a:shade val="50000"/>
+            </a:schemeClr>
+          </a:lnRef>
+          <a:fillRef idx="1">
+            <a:schemeClr val="accent1"/>
+          </a:fillRef>
+          <a:effectRef idx="0">
+            <a:schemeClr val="accent1"/>
+          </a:effectRef>
+          <a:fontRef idx="minor">
+            <a:schemeClr val="lt1"/>
+          </a:fontRef>
+        </p:style>
+        <p:txBody>
+          <a:bodyPr vert="vert" rtlCol="0" anchor="t"/>
+          <a:lstStyle/>
+          <a:p>
+            <a:endParaRPr lang="en-US" sz="800" dirty="0">
+              <a:solidFill>
+                <a:schemeClr val="tx1"/>
+              </a:solidFill>
+            </a:endParaRPr>
+          </a:p>
+        </p:txBody>
+      </p:sp>
+      <p:pic>
+        <p:nvPicPr>
+          <p:cNvPr id="56" name="Picture 55"/>
+          <p:cNvPicPr>
+            <a:picLocks noChangeAspect="1"/>
+          </p:cNvPicPr>
+          <p:nvPr/>
+        </p:nvPicPr>
+        <p:blipFill>
+          <a:blip r:embed="rId5"/>
+          <a:stretch>
+            <a:fillRect/>
+          </a:stretch>
+        </p:blipFill>
+        <p:spPr>
+          <a:xfrm>
+            <a:off x="3881199" y="2569441"/>
+            <a:ext cx="288727" cy="238000"/>
+          </a:xfrm>
+          <a:prstGeom prst="rect">
+            <a:avLst/>
+          </a:prstGeom>
+        </p:spPr>
+      </p:pic>
+      <p:sp>
+        <p:nvSpPr>
+          <p:cNvPr id="57" name="Rectangle 56"/>
+          <p:cNvSpPr/>
+          <p:nvPr/>
+        </p:nvSpPr>
+        <p:spPr>
+          <a:xfrm>
+            <a:off x="3366713" y="2335706"/>
+            <a:ext cx="513490" cy="338554"/>
+          </a:xfrm>
+          <a:prstGeom prst="rect">
+            <a:avLst/>
+          </a:prstGeom>
+        </p:spPr>
+        <p:txBody>
+          <a:bodyPr wrap="square">
+            <a:spAutoFit/>
+          </a:bodyPr>
+          <a:lstStyle/>
+          <a:p>
+            <a:r>
+              <a:rPr lang="en-GB" sz="800" dirty="0"/>
+              <a:t>Custom probe</a:t>
+            </a:r>
+            <a:endParaRPr lang="en-US" sz="800" dirty="0"/>
+          </a:p>
+        </p:txBody>
+      </p:sp>
+      <p:pic>
+        <p:nvPicPr>
+          <p:cNvPr id="58" name="Picture 57"/>
+          <p:cNvPicPr>
+            <a:picLocks noChangeAspect="1"/>
+          </p:cNvPicPr>
+          <p:nvPr/>
+        </p:nvPicPr>
+        <p:blipFill>
+          <a:blip r:embed="rId21">
+            <a:extLst>
+              <a:ext uri="{28A0092B-C50C-407E-A947-70E740481C1C}">
+                <a14:useLocalDpi xmlns:a14="http://schemas.microsoft.com/office/drawing/2010/main" val="0"/>
+              </a:ext>
+            </a:extLst>
+          </a:blip>
+          <a:stretch>
+            <a:fillRect/>
+          </a:stretch>
+        </p:blipFill>
+        <p:spPr>
+          <a:xfrm>
+            <a:off x="212873" y="1842173"/>
+            <a:ext cx="390145" cy="390145"/>
+          </a:xfrm>
+          <a:prstGeom prst="rect">
+            <a:avLst/>
+          </a:prstGeom>
+        </p:spPr>
+      </p:pic>
+      <p:cxnSp>
+        <p:nvCxnSpPr>
+          <p:cNvPr id="59" name="Straight Connector 58"/>
+          <p:cNvCxnSpPr>
+            <a:stCxn id="58" idx="3"/>
+            <a:endCxn id="15" idx="1"/>
+          </p:cNvCxnSpPr>
+          <p:nvPr/>
+        </p:nvCxnSpPr>
+        <p:spPr>
+          <a:xfrm flipV="1">
+            <a:off x="603018" y="2031735"/>
+            <a:ext cx="2157518" cy="5511"/>
+          </a:xfrm>
+          <a:prstGeom prst="line">
+            <a:avLst/>
+          </a:prstGeom>
+          <a:ln>
+            <a:headEnd type="diamond" w="med" len="med"/>
+            <a:tailEnd type="triangle" w="med" len="med"/>
+          </a:ln>
+        </p:spPr>
+        <p:style>
+          <a:lnRef idx="1">
+            <a:schemeClr val="accent1"/>
+          </a:lnRef>
+          <a:fillRef idx="0">
+            <a:schemeClr val="accent1"/>
+          </a:fillRef>
+          <a:effectRef idx="0">
+            <a:schemeClr val="accent1"/>
+          </a:effectRef>
+          <a:fontRef idx="minor">
+            <a:schemeClr val="tx1"/>
+          </a:fontRef>
+        </p:style>
+      </p:cxnSp>
+      <p:cxnSp>
+        <p:nvCxnSpPr>
+          <p:cNvPr id="60" name="Straight Connector 59"/>
+          <p:cNvCxnSpPr>
+            <a:cxnSpLocks/>
+            <a:endCxn id="58" idx="0"/>
+          </p:cNvCxnSpPr>
+          <p:nvPr/>
+        </p:nvCxnSpPr>
+        <p:spPr>
+          <a:xfrm>
+            <a:off x="407945" y="1116990"/>
+            <a:ext cx="1" cy="725183"/>
+          </a:xfrm>
+          <a:prstGeom prst="line">
+            <a:avLst/>
+          </a:prstGeom>
+          <a:ln>
+            <a:headEnd type="diamond" w="med" len="med"/>
+            <a:tailEnd type="triangle" w="med" len="med"/>
+          </a:ln>
+        </p:spPr>
+        <p:style>
+          <a:lnRef idx="1">
+            <a:schemeClr val="accent1"/>
+          </a:lnRef>
+          <a:fillRef idx="0">
+            <a:schemeClr val="accent1"/>
+          </a:fillRef>
+          <a:effectRef idx="0">
+            <a:schemeClr val="accent1"/>
+          </a:effectRef>
+          <a:fontRef idx="minor">
+            <a:schemeClr val="tx1"/>
+          </a:fontRef>
+        </p:style>
+      </p:cxnSp>
+      <p:sp>
+        <p:nvSpPr>
+          <p:cNvPr id="61" name="TextBox 60"/>
+          <p:cNvSpPr txBox="1"/>
+          <p:nvPr/>
+        </p:nvSpPr>
+        <p:spPr>
+          <a:xfrm>
+            <a:off x="205517" y="532215"/>
+            <a:ext cx="1308371" cy="646331"/>
+          </a:xfrm>
+          <a:prstGeom prst="rect">
+            <a:avLst/>
+          </a:prstGeom>
+          <a:noFill/>
+        </p:spPr>
+        <p:txBody>
+          <a:bodyPr wrap="none" rtlCol="0">
+            <a:spAutoFit/>
+          </a:bodyPr>
+          <a:lstStyle/>
+          <a:p>
+            <a:r>
+              <a:rPr lang="en-GB" sz="900" b="1" dirty="0"/>
+              <a:t>A record</a:t>
+            </a:r>
+            <a:r>
+              <a:rPr lang="en-GB" sz="900" dirty="0"/>
+              <a:t>: </a:t>
+            </a:r>
+          </a:p>
+          <a:p>
+            <a:r>
+              <a:rPr lang="en-GB" sz="900" dirty="0"/>
+              <a:t>azurepcisamples.com</a:t>
+            </a:r>
+          </a:p>
+          <a:p>
+            <a:r>
+              <a:rPr lang="en-GB" sz="900" dirty="0"/>
+              <a:t>To</a:t>
+            </a:r>
+          </a:p>
+          <a:p>
+            <a:r>
+              <a:rPr lang="en-GB" sz="900" dirty="0"/>
+              <a:t>App Gateway hostname</a:t>
+            </a:r>
+            <a:endParaRPr lang="en-US" sz="900" dirty="0"/>
+          </a:p>
+        </p:txBody>
+      </p:sp>
+      <p:sp>
+        <p:nvSpPr>
+          <p:cNvPr id="62" name="TextBox 61"/>
+          <p:cNvSpPr txBox="1"/>
+          <p:nvPr/>
+        </p:nvSpPr>
+        <p:spPr>
+          <a:xfrm>
+            <a:off x="710473" y="1611340"/>
+            <a:ext cx="1186543" cy="461665"/>
+          </a:xfrm>
+          <a:prstGeom prst="rect">
+            <a:avLst/>
+          </a:prstGeom>
+          <a:noFill/>
+        </p:spPr>
+        <p:txBody>
+          <a:bodyPr wrap="none" rtlCol="0">
+            <a:spAutoFit/>
+          </a:bodyPr>
+          <a:lstStyle/>
+          <a:p>
+            <a:r>
+              <a:rPr lang="en-GB" sz="800" b="1" dirty="0"/>
+              <a:t>External Public IP</a:t>
+            </a:r>
+            <a:r>
+              <a:rPr lang="en-GB" sz="800" dirty="0"/>
+              <a:t>: </a:t>
+            </a:r>
+          </a:p>
+          <a:p>
+            <a:r>
+              <a:rPr lang="en-GB" sz="800" dirty="0"/>
+              <a:t>Mapped to </a:t>
+            </a:r>
+          </a:p>
+          <a:p>
+            <a:r>
+              <a:rPr lang="en-GB" sz="800" dirty="0"/>
+              <a:t>App Gateway hostname</a:t>
+            </a:r>
+            <a:endParaRPr lang="en-US" sz="800" dirty="0"/>
+          </a:p>
+        </p:txBody>
+      </p:sp>
+      <p:sp>
+        <p:nvSpPr>
+          <p:cNvPr id="63" name="Rectangle: Rounded Corners 62"/>
+          <p:cNvSpPr/>
+          <p:nvPr/>
+        </p:nvSpPr>
+        <p:spPr>
+          <a:xfrm>
+            <a:off x="7022979" y="1692689"/>
+            <a:ext cx="1082309" cy="952946"/>
+          </a:xfrm>
+          <a:prstGeom prst="roundRect">
+            <a:avLst>
+              <a:gd name="adj" fmla="val 4803"/>
+            </a:avLst>
+          </a:prstGeom>
+          <a:solidFill>
+            <a:schemeClr val="bg1">
+              <a:lumMod val="95000"/>
+            </a:schemeClr>
+          </a:solidFill>
+          <a:ln w="12700">
+            <a:prstDash val="sysDot"/>
+          </a:ln>
+        </p:spPr>
+        <p:style>
+          <a:lnRef idx="2">
+            <a:schemeClr val="accent3"/>
+          </a:lnRef>
+          <a:fillRef idx="1">
+            <a:schemeClr val="lt1"/>
+          </a:fillRef>
+          <a:effectRef idx="0">
+            <a:schemeClr val="accent3"/>
+          </a:effectRef>
+          <a:fontRef idx="minor">
+            <a:schemeClr val="dk1"/>
+          </a:fontRef>
+        </p:style>
+        <p:txBody>
+          <a:bodyPr rtlCol="0" anchor="ctr"/>
+          <a:lstStyle/>
+          <a:p>
+            <a:pPr algn="ctr"/>
+            <a:endParaRPr lang="en-US" sz="2400"/>
+          </a:p>
+        </p:txBody>
+      </p:sp>
+      <p:sp>
+        <p:nvSpPr>
+          <p:cNvPr id="64" name="TextBox 63"/>
+          <p:cNvSpPr txBox="1"/>
+          <p:nvPr/>
+        </p:nvSpPr>
+        <p:spPr>
+          <a:xfrm>
+            <a:off x="4525281" y="4332081"/>
+            <a:ext cx="660758" cy="230832"/>
+          </a:xfrm>
+          <a:prstGeom prst="rect">
+            <a:avLst/>
+          </a:prstGeom>
+          <a:noFill/>
+        </p:spPr>
+        <p:txBody>
+          <a:bodyPr wrap="none" rtlCol="0">
+            <a:spAutoFit/>
+          </a:bodyPr>
+          <a:lstStyle/>
+          <a:p>
+            <a:r>
+              <a:rPr lang="en-GB" sz="900" dirty="0"/>
+              <a:t>Encrypted</a:t>
+            </a:r>
+            <a:endParaRPr lang="en-US" sz="1000" dirty="0"/>
+          </a:p>
+        </p:txBody>
+      </p:sp>
+      <p:cxnSp>
+        <p:nvCxnSpPr>
+          <p:cNvPr id="65" name="Straight Arrow Connector 64"/>
+          <p:cNvCxnSpPr>
+            <a:stCxn id="68" idx="1"/>
+            <a:endCxn id="67" idx="3"/>
+          </p:cNvCxnSpPr>
+          <p:nvPr/>
+        </p:nvCxnSpPr>
+        <p:spPr>
+          <a:xfrm flipH="1" flipV="1">
+            <a:off x="7457820" y="2291790"/>
+            <a:ext cx="255922" cy="9551"/>
+          </a:xfrm>
+          <a:prstGeom prst="straightConnector1">
+            <a:avLst/>
+          </a:prstGeom>
+          <a:ln>
+            <a:tailEnd type="triangle"/>
+          </a:ln>
+        </p:spPr>
+        <p:style>
+          <a:lnRef idx="1">
+            <a:schemeClr val="accent1"/>
+          </a:lnRef>
+          <a:fillRef idx="0">
+            <a:schemeClr val="accent1"/>
+          </a:fillRef>
+          <a:effectRef idx="0">
+            <a:schemeClr val="accent1"/>
+          </a:effectRef>
+          <a:fontRef idx="minor">
+            <a:schemeClr val="tx1"/>
+          </a:fontRef>
+        </p:style>
+      </p:cxnSp>
+      <p:grpSp>
+        <p:nvGrpSpPr>
+          <p:cNvPr id="66" name="Group 65"/>
+          <p:cNvGrpSpPr/>
+          <p:nvPr/>
+        </p:nvGrpSpPr>
+        <p:grpSpPr>
+          <a:xfrm>
+            <a:off x="7068871" y="1518085"/>
+            <a:ext cx="1102527" cy="1213941"/>
+            <a:chOff x="5368718" y="3041299"/>
+            <a:chExt cx="1102527" cy="1213941"/>
+          </a:xfrm>
+        </p:grpSpPr>
+        <p:pic>
+          <p:nvPicPr>
+            <p:cNvPr id="67" name="Picture 66"/>
+            <p:cNvPicPr>
+              <a:picLocks noChangeAspect="1"/>
+            </p:cNvPicPr>
+            <p:nvPr/>
+          </p:nvPicPr>
+          <p:blipFill>
+            <a:blip r:embed="rId22">
+              <a:extLst>
+                <a:ext uri="{28A0092B-C50C-407E-A947-70E740481C1C}">
+                  <a14:useLocalDpi xmlns:a14="http://schemas.microsoft.com/office/drawing/2010/main" val="0"/>
+                </a:ext>
+              </a:extLst>
+            </a:blip>
+            <a:stretch>
+              <a:fillRect/>
+            </a:stretch>
+          </p:blipFill>
+          <p:spPr>
+            <a:xfrm>
+              <a:off x="5513828" y="3693083"/>
+              <a:ext cx="243840" cy="243840"/>
+            </a:xfrm>
+            <a:prstGeom prst="rect">
+              <a:avLst/>
+            </a:prstGeom>
+          </p:spPr>
+        </p:pic>
+        <p:pic>
+          <p:nvPicPr>
+            <p:cNvPr id="68" name="Picture 67" descr="When clicking on the Office 365 dashboard, you can see all activities ..."/>
+            <p:cNvPicPr>
+              <a:picLocks noChangeAspect="1"/>
+            </p:cNvPicPr>
+            <p:nvPr/>
+          </p:nvPicPr>
+          <p:blipFill>
+            <a:blip r:embed="rId23">
+              <a:extLst>
+                <a:ext uri="{28A0092B-C50C-407E-A947-70E740481C1C}">
+                  <a14:useLocalDpi xmlns:a14="http://schemas.microsoft.com/office/drawing/2010/main" val="0"/>
+                </a:ext>
+              </a:extLst>
+            </a:blip>
+            <a:stretch>
+              <a:fillRect/>
+            </a:stretch>
+          </p:blipFill>
+          <p:spPr>
+            <a:xfrm>
+              <a:off x="6013590" y="3735889"/>
+              <a:ext cx="318151" cy="177330"/>
+            </a:xfrm>
+            <a:prstGeom prst="rect">
+              <a:avLst/>
+            </a:prstGeom>
+          </p:spPr>
+        </p:pic>
+        <p:sp>
+          <p:nvSpPr>
+            <p:cNvPr id="69" name="TextBox 68"/>
+            <p:cNvSpPr txBox="1"/>
+            <p:nvPr/>
+          </p:nvSpPr>
+          <p:spPr>
+            <a:xfrm>
+              <a:off x="5959512" y="3978241"/>
+              <a:ext cx="511733" cy="276999"/>
+            </a:xfrm>
+            <a:prstGeom prst="rect">
+              <a:avLst/>
+            </a:prstGeom>
+            <a:noFill/>
+          </p:spPr>
+          <p:txBody>
+            <a:bodyPr wrap="square" rtlCol="0">
+              <a:spAutoFit/>
+            </a:bodyPr>
+            <a:lstStyle/>
+            <a:p>
+              <a:r>
+                <a:rPr lang="en-US" sz="600" dirty="0"/>
+                <a:t>Dashboards</a:t>
+              </a:r>
+            </a:p>
+          </p:txBody>
+        </p:sp>
+        <p:sp>
+          <p:nvSpPr>
+            <p:cNvPr id="70" name="TextBox 69"/>
+            <p:cNvSpPr txBox="1"/>
+            <p:nvPr/>
+          </p:nvSpPr>
+          <p:spPr>
+            <a:xfrm>
+              <a:off x="5594387" y="3041299"/>
+              <a:ext cx="815294" cy="338554"/>
+            </a:xfrm>
+            <a:prstGeom prst="rect">
+              <a:avLst/>
+            </a:prstGeom>
+            <a:noFill/>
+          </p:spPr>
+          <p:txBody>
+            <a:bodyPr wrap="square" rtlCol="0">
+              <a:spAutoFit/>
+            </a:bodyPr>
+            <a:lstStyle/>
+            <a:p>
+              <a:r>
+                <a:rPr lang="en-US" sz="800" dirty="0"/>
+                <a:t>OMS Workspace</a:t>
+              </a:r>
+            </a:p>
+          </p:txBody>
+        </p:sp>
+        <p:pic>
+          <p:nvPicPr>
+            <p:cNvPr id="71" name="Picture 70"/>
+            <p:cNvPicPr>
+              <a:picLocks noChangeAspect="1"/>
+            </p:cNvPicPr>
+            <p:nvPr/>
+          </p:nvPicPr>
+          <p:blipFill>
+            <a:blip r:embed="rId24">
+              <a:extLst>
+                <a:ext uri="{28A0092B-C50C-407E-A947-70E740481C1C}">
+                  <a14:useLocalDpi xmlns:a14="http://schemas.microsoft.com/office/drawing/2010/main" val="0"/>
+                </a:ext>
+              </a:extLst>
+            </a:blip>
+            <a:stretch>
+              <a:fillRect/>
+            </a:stretch>
+          </p:blipFill>
+          <p:spPr>
+            <a:xfrm>
+              <a:off x="5368718" y="3061655"/>
+              <a:ext cx="228800" cy="228800"/>
+            </a:xfrm>
+            <a:prstGeom prst="rect">
+              <a:avLst/>
+            </a:prstGeom>
+          </p:spPr>
+        </p:pic>
+        <p:sp>
+          <p:nvSpPr>
+            <p:cNvPr id="72" name="TextBox 71"/>
+            <p:cNvSpPr txBox="1"/>
+            <p:nvPr/>
+          </p:nvSpPr>
+          <p:spPr>
+            <a:xfrm>
+              <a:off x="5388937" y="3968146"/>
+              <a:ext cx="548042" cy="276999"/>
+            </a:xfrm>
+            <a:prstGeom prst="rect">
+              <a:avLst/>
+            </a:prstGeom>
+            <a:noFill/>
+          </p:spPr>
+          <p:txBody>
+            <a:bodyPr wrap="square" rtlCol="0">
+              <a:spAutoFit/>
+            </a:bodyPr>
+            <a:lstStyle/>
+            <a:p>
+              <a:r>
+                <a:rPr lang="en-US" sz="600" dirty="0"/>
+                <a:t>Log Analytics</a:t>
+              </a:r>
+            </a:p>
+          </p:txBody>
+        </p:sp>
+      </p:grpSp>
+      <p:sp>
+        <p:nvSpPr>
+          <p:cNvPr id="73" name="Rectangle: Rounded Corners 72"/>
+          <p:cNvSpPr/>
+          <p:nvPr/>
+        </p:nvSpPr>
+        <p:spPr>
+          <a:xfrm>
+            <a:off x="4722523" y="1884168"/>
+            <a:ext cx="1082309" cy="952946"/>
+          </a:xfrm>
+          <a:prstGeom prst="roundRect">
+            <a:avLst>
+              <a:gd name="adj" fmla="val 4803"/>
+            </a:avLst>
+          </a:prstGeom>
+          <a:solidFill>
+            <a:schemeClr val="bg1">
+              <a:lumMod val="95000"/>
+            </a:schemeClr>
+          </a:solidFill>
+          <a:ln w="12700">
+            <a:prstDash val="sysDot"/>
+          </a:ln>
+        </p:spPr>
+        <p:style>
+          <a:lnRef idx="2">
+            <a:schemeClr val="accent3"/>
+          </a:lnRef>
+          <a:fillRef idx="1">
+            <a:schemeClr val="lt1"/>
+          </a:fillRef>
+          <a:effectRef idx="0">
+            <a:schemeClr val="accent3"/>
+          </a:effectRef>
+          <a:fontRef idx="minor">
+            <a:schemeClr val="dk1"/>
+          </a:fontRef>
+        </p:style>
+        <p:txBody>
+          <a:bodyPr rtlCol="0" anchor="ctr"/>
+          <a:lstStyle/>
+          <a:p>
+            <a:pPr algn="ctr"/>
+            <a:endParaRPr lang="en-US" sz="2400"/>
+          </a:p>
+        </p:txBody>
+      </p:sp>
+      <p:sp>
+        <p:nvSpPr>
+          <p:cNvPr id="74" name="TextBox 73"/>
+          <p:cNvSpPr txBox="1"/>
+          <p:nvPr/>
+        </p:nvSpPr>
+        <p:spPr>
+          <a:xfrm>
+            <a:off x="5475811" y="1867969"/>
+            <a:ext cx="626052" cy="184666"/>
+          </a:xfrm>
+          <a:prstGeom prst="rect">
+            <a:avLst/>
+          </a:prstGeom>
+          <a:noFill/>
+        </p:spPr>
+        <p:txBody>
+          <a:bodyPr wrap="square" rtlCol="0">
+            <a:spAutoFit/>
+          </a:bodyPr>
+          <a:lstStyle/>
+          <a:p>
+            <a:r>
+              <a:rPr lang="en-US" sz="600" dirty="0" err="1"/>
+              <a:t>nsg</a:t>
+            </a:r>
+            <a:r>
+              <a:rPr lang="en-US" sz="600" dirty="0"/>
+              <a:t>-Bastion </a:t>
+            </a:r>
+          </a:p>
+        </p:txBody>
+      </p:sp>
+      <p:pic>
+        <p:nvPicPr>
+          <p:cNvPr id="75" name="Picture 74"/>
+          <p:cNvPicPr>
+            <a:picLocks noChangeAspect="1"/>
+          </p:cNvPicPr>
+          <p:nvPr/>
+        </p:nvPicPr>
+        <p:blipFill>
+          <a:blip r:embed="rId5"/>
+          <a:stretch>
+            <a:fillRect/>
+          </a:stretch>
+        </p:blipFill>
+        <p:spPr>
+          <a:xfrm>
+            <a:off x="5574685" y="1733451"/>
+            <a:ext cx="288727" cy="238000"/>
+          </a:xfrm>
+          <a:prstGeom prst="rect">
+            <a:avLst/>
+          </a:prstGeom>
+        </p:spPr>
+      </p:pic>
+      <p:pic>
+        <p:nvPicPr>
+          <p:cNvPr id="76" name="Picture 75"/>
+          <p:cNvPicPr>
+            <a:picLocks noChangeAspect="1"/>
+          </p:cNvPicPr>
+          <p:nvPr/>
+        </p:nvPicPr>
+        <p:blipFill>
+          <a:blip r:embed="rId25">
+            <a:extLst>
+              <a:ext uri="{28A0092B-C50C-407E-A947-70E740481C1C}">
+                <a14:useLocalDpi xmlns:a14="http://schemas.microsoft.com/office/drawing/2010/main" val="0"/>
+              </a:ext>
+            </a:extLst>
+          </a:blip>
+          <a:stretch>
+            <a:fillRect/>
+          </a:stretch>
+        </p:blipFill>
+        <p:spPr>
+          <a:xfrm>
+            <a:off x="5019555" y="2063573"/>
+            <a:ext cx="395807" cy="395807"/>
+          </a:xfrm>
+          <a:prstGeom prst="rect">
+            <a:avLst/>
+          </a:prstGeom>
+        </p:spPr>
+      </p:pic>
+      <p:sp>
+        <p:nvSpPr>
+          <p:cNvPr id="77" name="TextBox 76"/>
+          <p:cNvSpPr txBox="1"/>
+          <p:nvPr/>
+        </p:nvSpPr>
+        <p:spPr>
+          <a:xfrm>
+            <a:off x="2989801" y="3317463"/>
+            <a:ext cx="390455" cy="200055"/>
+          </a:xfrm>
+          <a:prstGeom prst="rect">
+            <a:avLst/>
+          </a:prstGeom>
+          <a:noFill/>
+        </p:spPr>
+        <p:txBody>
+          <a:bodyPr wrap="square" rtlCol="0">
+            <a:spAutoFit/>
+          </a:bodyPr>
+          <a:lstStyle/>
+          <a:p>
+            <a:r>
+              <a:rPr lang="en-US" sz="700" dirty="0"/>
+              <a:t>ILB</a:t>
+            </a:r>
+          </a:p>
+        </p:txBody>
+      </p:sp>
+      <p:sp>
+        <p:nvSpPr>
+          <p:cNvPr id="78" name="TextBox 77"/>
+          <p:cNvSpPr txBox="1"/>
+          <p:nvPr/>
+        </p:nvSpPr>
+        <p:spPr>
+          <a:xfrm>
+            <a:off x="4709716" y="1952544"/>
+            <a:ext cx="815294" cy="338554"/>
+          </a:xfrm>
+          <a:prstGeom prst="rect">
+            <a:avLst/>
+          </a:prstGeom>
+          <a:noFill/>
+        </p:spPr>
+        <p:txBody>
+          <a:bodyPr wrap="square" rtlCol="0">
+            <a:spAutoFit/>
+          </a:bodyPr>
+          <a:lstStyle/>
+          <a:p>
+            <a:r>
+              <a:rPr lang="en-US" sz="800" dirty="0"/>
+              <a:t>Bastion Host</a:t>
+            </a:r>
+          </a:p>
+          <a:p>
+            <a:r>
+              <a:rPr lang="en-US" sz="800" dirty="0"/>
+              <a:t>(RDP)</a:t>
+            </a:r>
+          </a:p>
+        </p:txBody>
+      </p:sp>
+      <p:cxnSp>
+        <p:nvCxnSpPr>
+          <p:cNvPr id="79" name="Straight Arrow Connector 78"/>
+          <p:cNvCxnSpPr>
+            <a:cxnSpLocks/>
+            <a:stCxn id="21" idx="3"/>
+            <a:endCxn id="67" idx="1"/>
+          </p:cNvCxnSpPr>
+          <p:nvPr/>
+        </p:nvCxnSpPr>
+        <p:spPr>
+          <a:xfrm flipV="1">
+            <a:off x="5523143" y="2291788"/>
+            <a:ext cx="1690839" cy="1500194"/>
+          </a:xfrm>
+          <a:prstGeom prst="straightConnector1">
+            <a:avLst/>
+          </a:prstGeom>
+          <a:ln>
+            <a:prstDash val="sysDash"/>
+            <a:tailEnd type="triangle"/>
+          </a:ln>
+        </p:spPr>
+        <p:style>
+          <a:lnRef idx="1">
+            <a:schemeClr val="accent1"/>
+          </a:lnRef>
+          <a:fillRef idx="0">
+            <a:schemeClr val="accent1"/>
+          </a:fillRef>
+          <a:effectRef idx="0">
+            <a:schemeClr val="accent1"/>
+          </a:effectRef>
+          <a:fontRef idx="minor">
+            <a:schemeClr val="tx1"/>
+          </a:fontRef>
+        </p:style>
+      </p:cxnSp>
+      <p:cxnSp>
+        <p:nvCxnSpPr>
+          <p:cNvPr id="80" name="Straight Arrow Connector 79"/>
+          <p:cNvCxnSpPr>
+            <a:cxnSpLocks/>
+            <a:stCxn id="73" idx="1"/>
+            <a:endCxn id="16" idx="3"/>
+          </p:cNvCxnSpPr>
+          <p:nvPr/>
+        </p:nvCxnSpPr>
+        <p:spPr>
+          <a:xfrm flipH="1">
+            <a:off x="3837900" y="2360642"/>
+            <a:ext cx="884623" cy="998220"/>
+          </a:xfrm>
+          <a:prstGeom prst="straightConnector1">
+            <a:avLst/>
+          </a:prstGeom>
+          <a:ln>
+            <a:tailEnd type="triangle"/>
+          </a:ln>
+        </p:spPr>
+        <p:style>
+          <a:lnRef idx="1">
+            <a:schemeClr val="accent1"/>
+          </a:lnRef>
+          <a:fillRef idx="0">
+            <a:schemeClr val="accent1"/>
+          </a:fillRef>
+          <a:effectRef idx="0">
+            <a:schemeClr val="accent1"/>
+          </a:effectRef>
+          <a:fontRef idx="minor">
+            <a:schemeClr val="tx1"/>
+          </a:fontRef>
+        </p:style>
+      </p:cxnSp>
+      <p:sp>
+        <p:nvSpPr>
+          <p:cNvPr id="81" name="TextBox 80"/>
+          <p:cNvSpPr txBox="1"/>
+          <p:nvPr/>
+        </p:nvSpPr>
+        <p:spPr>
+          <a:xfrm rot="18696737">
+            <a:off x="4068124" y="2405531"/>
+            <a:ext cx="852423" cy="276999"/>
+          </a:xfrm>
+          <a:prstGeom prst="rect">
+            <a:avLst/>
+          </a:prstGeom>
+          <a:noFill/>
+        </p:spPr>
+        <p:txBody>
+          <a:bodyPr wrap="square" rtlCol="0">
+            <a:spAutoFit/>
+          </a:bodyPr>
+          <a:lstStyle/>
+          <a:p>
+            <a:r>
+              <a:rPr lang="en-US" sz="600" dirty="0"/>
+              <a:t>Access for management</a:t>
+            </a:r>
+          </a:p>
+        </p:txBody>
+      </p:sp>
+      <p:pic>
+        <p:nvPicPr>
+          <p:cNvPr id="82" name="Picture 81"/>
+          <p:cNvPicPr>
+            <a:picLocks noChangeAspect="1"/>
+          </p:cNvPicPr>
+          <p:nvPr/>
+        </p:nvPicPr>
+        <p:blipFill>
+          <a:blip r:embed="rId26">
+            <a:duotone>
+              <a:prstClr val="black"/>
+              <a:schemeClr val="accent6">
+                <a:tint val="45000"/>
+                <a:satMod val="400000"/>
+              </a:schemeClr>
+            </a:duotone>
+            <a:extLst>
+              <a:ext uri="{28A0092B-C50C-407E-A947-70E740481C1C}">
+                <a14:useLocalDpi xmlns:a14="http://schemas.microsoft.com/office/drawing/2010/main" val="0"/>
+              </a:ext>
+            </a:extLst>
+          </a:blip>
+          <a:stretch>
+            <a:fillRect/>
+          </a:stretch>
+        </p:blipFill>
+        <p:spPr>
+          <a:xfrm>
+            <a:off x="2579582" y="3304855"/>
+            <a:ext cx="270270" cy="270270"/>
+          </a:xfrm>
+          <a:prstGeom prst="rect">
+            <a:avLst/>
+          </a:prstGeom>
+        </p:spPr>
+      </p:pic>
+      <p:pic>
+        <p:nvPicPr>
+          <p:cNvPr id="83" name="Picture 82"/>
+          <p:cNvPicPr>
+            <a:picLocks noChangeAspect="1"/>
+          </p:cNvPicPr>
+          <p:nvPr/>
+        </p:nvPicPr>
+        <p:blipFill>
+          <a:blip r:embed="rId26">
+            <a:duotone>
+              <a:prstClr val="black"/>
+              <a:schemeClr val="accent6">
+                <a:tint val="45000"/>
+                <a:satMod val="400000"/>
+              </a:schemeClr>
+            </a:duotone>
+            <a:extLst>
+              <a:ext uri="{28A0092B-C50C-407E-A947-70E740481C1C}">
+                <a14:useLocalDpi xmlns:a14="http://schemas.microsoft.com/office/drawing/2010/main" val="0"/>
+              </a:ext>
+            </a:extLst>
+          </a:blip>
+          <a:stretch>
+            <a:fillRect/>
+          </a:stretch>
+        </p:blipFill>
+        <p:spPr>
+          <a:xfrm>
+            <a:off x="3400970" y="3306116"/>
+            <a:ext cx="270270" cy="270270"/>
+          </a:xfrm>
+          <a:prstGeom prst="rect">
+            <a:avLst/>
+          </a:prstGeom>
+        </p:spPr>
+      </p:pic>
+      <p:sp>
+        <p:nvSpPr>
+          <p:cNvPr id="84" name="TextBox 83"/>
+          <p:cNvSpPr txBox="1"/>
+          <p:nvPr/>
+        </p:nvSpPr>
+        <p:spPr>
+          <a:xfrm>
+            <a:off x="2727059" y="3445346"/>
+            <a:ext cx="388134" cy="184666"/>
+          </a:xfrm>
+          <a:prstGeom prst="rect">
+            <a:avLst/>
+          </a:prstGeom>
+          <a:noFill/>
+        </p:spPr>
+        <p:txBody>
+          <a:bodyPr wrap="square" rtlCol="0">
+            <a:spAutoFit/>
+          </a:bodyPr>
+          <a:lstStyle/>
+          <a:p>
+            <a:r>
+              <a:rPr lang="en-US" sz="600" dirty="0"/>
+              <a:t>Pool 1</a:t>
+            </a:r>
+          </a:p>
+        </p:txBody>
+      </p:sp>
+      <p:sp>
+        <p:nvSpPr>
+          <p:cNvPr id="85" name="TextBox 84"/>
+          <p:cNvSpPr txBox="1"/>
+          <p:nvPr/>
+        </p:nvSpPr>
+        <p:spPr>
+          <a:xfrm>
+            <a:off x="3175158" y="3463667"/>
+            <a:ext cx="388134" cy="184666"/>
+          </a:xfrm>
+          <a:prstGeom prst="rect">
+            <a:avLst/>
+          </a:prstGeom>
+          <a:noFill/>
+        </p:spPr>
+        <p:txBody>
+          <a:bodyPr wrap="square" rtlCol="0">
+            <a:spAutoFit/>
+          </a:bodyPr>
+          <a:lstStyle/>
+          <a:p>
+            <a:r>
+              <a:rPr lang="en-US" sz="600" dirty="0"/>
+              <a:t>Pool 2</a:t>
+            </a:r>
+          </a:p>
+        </p:txBody>
+      </p:sp>
+      <p:cxnSp>
+        <p:nvCxnSpPr>
+          <p:cNvPr id="86" name="Connector: Elbow 85"/>
+          <p:cNvCxnSpPr>
+            <a:cxnSpLocks/>
+            <a:stCxn id="90" idx="1"/>
+            <a:endCxn id="82" idx="0"/>
+          </p:cNvCxnSpPr>
+          <p:nvPr/>
+        </p:nvCxnSpPr>
+        <p:spPr>
+          <a:xfrm rot="10800000" flipV="1">
+            <a:off x="2714720" y="3139757"/>
+            <a:ext cx="198395" cy="165099"/>
+          </a:xfrm>
+          <a:prstGeom prst="bentConnector2">
+            <a:avLst/>
+          </a:prstGeom>
+          <a:ln>
+            <a:solidFill>
+              <a:schemeClr val="accent2"/>
+            </a:solidFill>
+            <a:tailEnd type="triangle"/>
+          </a:ln>
+        </p:spPr>
+        <p:style>
+          <a:lnRef idx="1">
+            <a:schemeClr val="accent1"/>
+          </a:lnRef>
+          <a:fillRef idx="0">
+            <a:schemeClr val="accent1"/>
+          </a:fillRef>
+          <a:effectRef idx="0">
+            <a:schemeClr val="accent1"/>
+          </a:effectRef>
+          <a:fontRef idx="minor">
+            <a:schemeClr val="tx1"/>
+          </a:fontRef>
+        </p:style>
+      </p:cxnSp>
+      <p:cxnSp>
+        <p:nvCxnSpPr>
+          <p:cNvPr id="87" name="Connector: Elbow 86"/>
+          <p:cNvCxnSpPr>
+            <a:cxnSpLocks/>
+            <a:stCxn id="90" idx="3"/>
+            <a:endCxn id="83" idx="0"/>
+          </p:cNvCxnSpPr>
+          <p:nvPr/>
+        </p:nvCxnSpPr>
+        <p:spPr>
+          <a:xfrm>
+            <a:off x="3303257" y="3139756"/>
+            <a:ext cx="232848" cy="166360"/>
+          </a:xfrm>
+          <a:prstGeom prst="bentConnector2">
+            <a:avLst/>
+          </a:prstGeom>
+          <a:ln>
+            <a:tailEnd type="triangle"/>
+          </a:ln>
+        </p:spPr>
+        <p:style>
+          <a:lnRef idx="1">
+            <a:schemeClr val="accent1"/>
+          </a:lnRef>
+          <a:fillRef idx="0">
+            <a:schemeClr val="accent1"/>
+          </a:fillRef>
+          <a:effectRef idx="0">
+            <a:schemeClr val="accent1"/>
+          </a:effectRef>
+          <a:fontRef idx="minor">
+            <a:schemeClr val="tx1"/>
+          </a:fontRef>
+        </p:style>
+      </p:cxnSp>
+      <p:sp>
+        <p:nvSpPr>
+          <p:cNvPr id="88" name="TextBox 87"/>
+          <p:cNvSpPr txBox="1"/>
+          <p:nvPr/>
+        </p:nvSpPr>
+        <p:spPr>
+          <a:xfrm>
+            <a:off x="6240356" y="1990807"/>
+            <a:ext cx="633905" cy="646331"/>
+          </a:xfrm>
+          <a:prstGeom prst="rect">
+            <a:avLst/>
+          </a:prstGeom>
+          <a:noFill/>
+        </p:spPr>
+        <p:txBody>
+          <a:bodyPr wrap="square" rtlCol="0">
+            <a:spAutoFit/>
+          </a:bodyPr>
+          <a:lstStyle/>
+          <a:p>
+            <a:r>
+              <a:rPr lang="en-US" sz="600" b="1" dirty="0" err="1"/>
+              <a:t>Diag</a:t>
+            </a:r>
+            <a:r>
+              <a:rPr lang="en-US" sz="600" b="1" dirty="0"/>
+              <a:t> Logs:</a:t>
+            </a:r>
+          </a:p>
+          <a:p>
+            <a:endParaRPr lang="en-US" sz="600" b="1" dirty="0"/>
+          </a:p>
+          <a:p>
+            <a:r>
+              <a:rPr lang="en-US" sz="600" dirty="0"/>
+              <a:t>N/W,</a:t>
+            </a:r>
+          </a:p>
+          <a:p>
+            <a:r>
+              <a:rPr lang="en-US" sz="600" dirty="0" err="1"/>
+              <a:t>KeyVault</a:t>
+            </a:r>
+            <a:r>
+              <a:rPr lang="en-US" sz="600" dirty="0"/>
+              <a:t>,</a:t>
+            </a:r>
+          </a:p>
+          <a:p>
+            <a:r>
+              <a:rPr lang="en-US" sz="600" dirty="0"/>
+              <a:t>App Gateway,</a:t>
+            </a:r>
+          </a:p>
+          <a:p>
+            <a:r>
+              <a:rPr lang="en-US" sz="600" dirty="0"/>
+              <a:t>ASE, Subnets</a:t>
+            </a:r>
+          </a:p>
+        </p:txBody>
+      </p:sp>
+      <p:cxnSp>
+        <p:nvCxnSpPr>
+          <p:cNvPr id="89" name="Straight Arrow Connector 88"/>
+          <p:cNvCxnSpPr>
+            <a:cxnSpLocks/>
+            <a:endCxn id="63" idx="1"/>
+          </p:cNvCxnSpPr>
+          <p:nvPr/>
+        </p:nvCxnSpPr>
+        <p:spPr>
+          <a:xfrm>
+            <a:off x="6043399" y="2160696"/>
+            <a:ext cx="979578" cy="8467"/>
+          </a:xfrm>
+          <a:prstGeom prst="straightConnector1">
+            <a:avLst/>
+          </a:prstGeom>
+          <a:ln>
+            <a:tailEnd type="triangle"/>
+          </a:ln>
+        </p:spPr>
+        <p:style>
+          <a:lnRef idx="1">
+            <a:schemeClr val="accent1"/>
+          </a:lnRef>
+          <a:fillRef idx="0">
+            <a:schemeClr val="accent1"/>
+          </a:fillRef>
+          <a:effectRef idx="0">
+            <a:schemeClr val="accent1"/>
+          </a:effectRef>
+          <a:fontRef idx="minor">
+            <a:schemeClr val="tx1"/>
+          </a:fontRef>
+        </p:style>
+      </p:cxnSp>
+      <p:pic>
+        <p:nvPicPr>
+          <p:cNvPr id="90" name="Picture 89"/>
+          <p:cNvPicPr>
+            <a:picLocks noChangeAspect="1"/>
+          </p:cNvPicPr>
+          <p:nvPr/>
+        </p:nvPicPr>
+        <p:blipFill>
+          <a:blip r:embed="rId27">
+            <a:extLst>
+              <a:ext uri="{28A0092B-C50C-407E-A947-70E740481C1C}">
+                <a14:useLocalDpi xmlns:a14="http://schemas.microsoft.com/office/drawing/2010/main" val="0"/>
+              </a:ext>
+            </a:extLst>
+          </a:blip>
+          <a:stretch>
+            <a:fillRect/>
+          </a:stretch>
+        </p:blipFill>
+        <p:spPr>
+          <a:xfrm>
+            <a:off x="2913114" y="2944685"/>
+            <a:ext cx="390145" cy="390145"/>
+          </a:xfrm>
+          <a:prstGeom prst="rect">
+            <a:avLst/>
+          </a:prstGeom>
+        </p:spPr>
+      </p:pic>
+      <p:sp>
+        <p:nvSpPr>
+          <p:cNvPr id="91" name="TextBox 90"/>
+          <p:cNvSpPr txBox="1"/>
+          <p:nvPr/>
+        </p:nvSpPr>
+        <p:spPr>
+          <a:xfrm>
+            <a:off x="2318247" y="2601148"/>
+            <a:ext cx="892161" cy="184666"/>
+          </a:xfrm>
+          <a:prstGeom prst="rect">
+            <a:avLst/>
+          </a:prstGeom>
+          <a:noFill/>
+        </p:spPr>
+        <p:txBody>
+          <a:bodyPr wrap="square" rtlCol="0">
+            <a:spAutoFit/>
+          </a:bodyPr>
+          <a:lstStyle/>
+          <a:p>
+            <a:r>
+              <a:rPr lang="en-US" sz="600" dirty="0"/>
+              <a:t>subnet-ASE</a:t>
+            </a:r>
+          </a:p>
+        </p:txBody>
+      </p:sp>
+      <p:sp>
+        <p:nvSpPr>
+          <p:cNvPr id="92" name="TextBox 91"/>
+          <p:cNvSpPr txBox="1"/>
+          <p:nvPr/>
+        </p:nvSpPr>
+        <p:spPr>
+          <a:xfrm>
+            <a:off x="4636631" y="1767815"/>
+            <a:ext cx="892161" cy="184666"/>
+          </a:xfrm>
+          <a:prstGeom prst="rect">
+            <a:avLst/>
+          </a:prstGeom>
+          <a:noFill/>
+        </p:spPr>
+        <p:txBody>
+          <a:bodyPr wrap="square" rtlCol="0">
+            <a:spAutoFit/>
+          </a:bodyPr>
+          <a:lstStyle/>
+          <a:p>
+            <a:r>
+              <a:rPr lang="en-US" sz="600" dirty="0"/>
+              <a:t>subnet-</a:t>
+            </a:r>
+            <a:r>
+              <a:rPr lang="en-US" sz="600" dirty="0" err="1"/>
+              <a:t>bastionhost</a:t>
+            </a:r>
+            <a:endParaRPr lang="en-US" sz="600" dirty="0"/>
+          </a:p>
+        </p:txBody>
+      </p:sp>
+      <p:cxnSp>
+        <p:nvCxnSpPr>
+          <p:cNvPr id="93" name="Straight Connector 92"/>
+          <p:cNvCxnSpPr>
+            <a:cxnSpLocks/>
+            <a:endCxn id="17" idx="1"/>
+          </p:cNvCxnSpPr>
+          <p:nvPr/>
+        </p:nvCxnSpPr>
+        <p:spPr>
+          <a:xfrm flipV="1">
+            <a:off x="1231071" y="3734580"/>
+            <a:ext cx="1367908" cy="10800"/>
+          </a:xfrm>
+          <a:prstGeom prst="line">
+            <a:avLst/>
+          </a:prstGeom>
+          <a:ln>
+            <a:solidFill>
+              <a:srgbClr val="00B050"/>
+            </a:solidFill>
+          </a:ln>
+        </p:spPr>
+        <p:style>
+          <a:lnRef idx="1">
+            <a:schemeClr val="accent1"/>
+          </a:lnRef>
+          <a:fillRef idx="0">
+            <a:schemeClr val="accent1"/>
+          </a:fillRef>
+          <a:effectRef idx="0">
+            <a:schemeClr val="accent1"/>
+          </a:effectRef>
+          <a:fontRef idx="minor">
+            <a:schemeClr val="tx1"/>
+          </a:fontRef>
+        </p:style>
+      </p:cxnSp>
+      <p:pic>
+        <p:nvPicPr>
+          <p:cNvPr id="94" name="Picture 93"/>
+          <p:cNvPicPr>
+            <a:picLocks noChangeAspect="1"/>
+          </p:cNvPicPr>
+          <p:nvPr/>
+        </p:nvPicPr>
+        <p:blipFill>
+          <a:blip r:embed="rId28"/>
+          <a:stretch>
+            <a:fillRect/>
+          </a:stretch>
+        </p:blipFill>
+        <p:spPr>
+          <a:xfrm>
+            <a:off x="968762" y="3647630"/>
+            <a:ext cx="473950" cy="130041"/>
+          </a:xfrm>
+          <a:prstGeom prst="rect">
+            <a:avLst/>
+          </a:prstGeom>
+        </p:spPr>
+      </p:pic>
+      <p:sp>
+        <p:nvSpPr>
+          <p:cNvPr id="95" name="TextBox 94"/>
+          <p:cNvSpPr txBox="1"/>
+          <p:nvPr/>
+        </p:nvSpPr>
+        <p:spPr>
+          <a:xfrm>
+            <a:off x="1427574" y="3591929"/>
+            <a:ext cx="643125" cy="369332"/>
+          </a:xfrm>
+          <a:prstGeom prst="rect">
+            <a:avLst/>
+          </a:prstGeom>
+          <a:noFill/>
+        </p:spPr>
+        <p:txBody>
+          <a:bodyPr wrap="none" rtlCol="0">
+            <a:spAutoFit/>
+          </a:bodyPr>
+          <a:lstStyle/>
+          <a:p>
+            <a:r>
+              <a:rPr lang="en-US" sz="900" dirty="0" err="1"/>
+              <a:t>Webapp</a:t>
+            </a:r>
+            <a:r>
+              <a:rPr lang="en-US" sz="900" dirty="0"/>
+              <a:t> </a:t>
+            </a:r>
+          </a:p>
+          <a:p>
+            <a:r>
+              <a:rPr lang="en-US" sz="900" dirty="0"/>
+              <a:t>extension</a:t>
+            </a:r>
+          </a:p>
+        </p:txBody>
+      </p:sp>
+      <p:pic>
+        <p:nvPicPr>
+          <p:cNvPr id="96" name="Picture 2" descr="http://www.onesupport.com/wp-content/uploads/2015/08/Windows-Defender.jpeg"/>
+          <p:cNvPicPr>
+            <a:picLocks noChangeAspect="1" noChangeArrowheads="1"/>
+          </p:cNvPicPr>
+          <p:nvPr/>
+        </p:nvPicPr>
+        <p:blipFill>
+          <a:blip r:embed="rId29">
+            <a:extLst>
+              <a:ext uri="{BEBA8EAE-BF5A-486C-A8C5-ECC9F3942E4B}">
+                <a14:imgProps xmlns:a14="http://schemas.microsoft.com/office/drawing/2010/main">
+                  <a14:imgLayer r:embed="rId30">
+                    <a14:imgEffect>
+                      <a14:backgroundRemoval t="10000" b="90000" l="10000" r="90000"/>
+                    </a14:imgEffect>
+                  </a14:imgLayer>
+                </a14:imgProps>
+              </a:ext>
+              <a:ext uri="{28A0092B-C50C-407E-A947-70E740481C1C}">
+                <a14:useLocalDpi xmlns:a14="http://schemas.microsoft.com/office/drawing/2010/main" val="0"/>
+              </a:ext>
+            </a:extLst>
+          </a:blip>
+          <a:srcRect/>
+          <a:stretch>
+            <a:fillRect/>
+          </a:stretch>
+        </p:blipFill>
+        <p:spPr bwMode="auto">
+          <a:xfrm>
+            <a:off x="4738970" y="2414293"/>
+            <a:ext cx="237075" cy="220805"/>
+          </a:xfrm>
+          <a:prstGeom prst="rect">
+            <a:avLst/>
+          </a:prstGeom>
+          <a:noFill/>
+          <a:extLst>
+            <a:ext uri="{909E8E84-426E-40DD-AFC4-6F175D3DCCD1}">
+              <a14:hiddenFill xmlns:a14="http://schemas.microsoft.com/office/drawing/2010/main">
+                <a:solidFill>
+                  <a:srgbClr val="FFFFFF"/>
+                </a:solidFill>
+              </a14:hiddenFill>
+            </a:ext>
+          </a:extLst>
+        </p:spPr>
+      </p:pic>
+      <p:sp>
+        <p:nvSpPr>
+          <p:cNvPr id="97" name="TextBox 96"/>
+          <p:cNvSpPr txBox="1"/>
+          <p:nvPr/>
+        </p:nvSpPr>
+        <p:spPr>
+          <a:xfrm>
+            <a:off x="4878664" y="2453420"/>
+            <a:ext cx="815294" cy="276999"/>
+          </a:xfrm>
+          <a:prstGeom prst="rect">
+            <a:avLst/>
+          </a:prstGeom>
+          <a:noFill/>
+        </p:spPr>
+        <p:txBody>
+          <a:bodyPr wrap="square" rtlCol="0">
+            <a:spAutoFit/>
+          </a:bodyPr>
+          <a:lstStyle/>
+          <a:p>
+            <a:r>
+              <a:rPr lang="en-US" sz="600" dirty="0"/>
+              <a:t>Antimalware extension </a:t>
+            </a:r>
+          </a:p>
+        </p:txBody>
+      </p:sp>
+      <p:cxnSp>
+        <p:nvCxnSpPr>
+          <p:cNvPr id="98" name="Straight Connector 97"/>
+          <p:cNvCxnSpPr>
+            <a:cxnSpLocks/>
+            <a:endCxn id="73" idx="0"/>
+          </p:cNvCxnSpPr>
+          <p:nvPr/>
+        </p:nvCxnSpPr>
+        <p:spPr>
+          <a:xfrm flipH="1">
+            <a:off x="5263678" y="860116"/>
+            <a:ext cx="11145" cy="1024052"/>
+          </a:xfrm>
+          <a:prstGeom prst="line">
+            <a:avLst/>
+          </a:prstGeom>
+          <a:ln>
+            <a:headEnd type="diamond" w="med" len="med"/>
+            <a:tailEnd type="triangle" w="med" len="med"/>
+          </a:ln>
+        </p:spPr>
+        <p:style>
+          <a:lnRef idx="1">
+            <a:schemeClr val="accent1"/>
+          </a:lnRef>
+          <a:fillRef idx="0">
+            <a:schemeClr val="accent1"/>
+          </a:fillRef>
+          <a:effectRef idx="0">
+            <a:schemeClr val="accent1"/>
+          </a:effectRef>
+          <a:fontRef idx="minor">
+            <a:schemeClr val="tx1"/>
+          </a:fontRef>
+        </p:style>
+      </p:cxnSp>
+      <p:pic>
+        <p:nvPicPr>
+          <p:cNvPr id="99" name="Picture 98" descr="multiple user icons different colors - vector Clip Art"/>
+          <p:cNvPicPr>
+            <a:picLocks noChangeAspect="1"/>
+          </p:cNvPicPr>
+          <p:nvPr/>
+        </p:nvPicPr>
+        <p:blipFill>
+          <a:blip r:embed="rId18">
+            <a:extLst>
+              <a:ext uri="{28A0092B-C50C-407E-A947-70E740481C1C}">
+                <a14:useLocalDpi xmlns:a14="http://schemas.microsoft.com/office/drawing/2010/main" val="0"/>
+              </a:ext>
+            </a:extLst>
+          </a:blip>
+          <a:stretch>
+            <a:fillRect/>
+          </a:stretch>
+        </p:blipFill>
+        <p:spPr>
+          <a:xfrm>
+            <a:off x="5186770" y="412290"/>
+            <a:ext cx="225000" cy="241875"/>
+          </a:xfrm>
+          <a:prstGeom prst="rect">
+            <a:avLst/>
+          </a:prstGeom>
+        </p:spPr>
+      </p:pic>
+      <p:sp>
+        <p:nvSpPr>
+          <p:cNvPr id="100" name="TextBox 99"/>
+          <p:cNvSpPr txBox="1"/>
+          <p:nvPr/>
+        </p:nvSpPr>
+        <p:spPr>
+          <a:xfrm>
+            <a:off x="5361724" y="570138"/>
+            <a:ext cx="965533" cy="507831"/>
+          </a:xfrm>
+          <a:prstGeom prst="rect">
+            <a:avLst/>
+          </a:prstGeom>
+          <a:noFill/>
+        </p:spPr>
+        <p:txBody>
+          <a:bodyPr wrap="square" rtlCol="0">
+            <a:spAutoFit/>
+          </a:bodyPr>
+          <a:lstStyle/>
+          <a:p>
+            <a:r>
+              <a:rPr lang="en-US" sz="900" dirty="0"/>
+              <a:t>DevOps Releases/ Management</a:t>
+            </a:r>
+          </a:p>
+        </p:txBody>
+      </p:sp>
+      <p:sp>
+        <p:nvSpPr>
+          <p:cNvPr id="101" name="TextBox 100"/>
+          <p:cNvSpPr txBox="1"/>
+          <p:nvPr/>
+        </p:nvSpPr>
+        <p:spPr>
+          <a:xfrm>
+            <a:off x="3127074" y="1532676"/>
+            <a:ext cx="780983" cy="461665"/>
+          </a:xfrm>
+          <a:prstGeom prst="rect">
+            <a:avLst/>
+          </a:prstGeom>
+          <a:noFill/>
+        </p:spPr>
+        <p:txBody>
+          <a:bodyPr wrap="none" rtlCol="0">
+            <a:spAutoFit/>
+          </a:bodyPr>
+          <a:lstStyle/>
+          <a:p>
+            <a:r>
+              <a:rPr lang="en-US" sz="2400" dirty="0">
+                <a:solidFill>
+                  <a:schemeClr val="bg1">
+                    <a:lumMod val="65000"/>
+                  </a:schemeClr>
+                </a:solidFill>
+              </a:rPr>
+              <a:t>DMZ</a:t>
+            </a:r>
+          </a:p>
+        </p:txBody>
+      </p:sp>
+      <p:sp>
+        <p:nvSpPr>
+          <p:cNvPr id="102" name="Rectangle 101"/>
+          <p:cNvSpPr/>
+          <p:nvPr/>
+        </p:nvSpPr>
+        <p:spPr>
+          <a:xfrm>
+            <a:off x="7833489" y="1514836"/>
+            <a:ext cx="1127919" cy="738664"/>
+          </a:xfrm>
+          <a:prstGeom prst="rect">
+            <a:avLst/>
+          </a:prstGeom>
+        </p:spPr>
+        <p:txBody>
+          <a:bodyPr wrap="square">
+            <a:spAutoFit/>
+          </a:bodyPr>
+          <a:lstStyle/>
+          <a:p>
+            <a:r>
+              <a:rPr lang="en-US" sz="600" b="1" dirty="0"/>
+              <a:t>OMS Solutions</a:t>
+            </a:r>
+          </a:p>
+          <a:p>
+            <a:pPr>
+              <a:buFont typeface="+mj-lt"/>
+              <a:buAutoNum type="arabicPeriod"/>
+            </a:pPr>
+            <a:r>
+              <a:rPr lang="en-US" sz="600" dirty="0"/>
+              <a:t>Activity Log Analytics</a:t>
+            </a:r>
+          </a:p>
+          <a:p>
+            <a:pPr>
+              <a:buFont typeface="+mj-lt"/>
+              <a:buAutoNum type="arabicPeriod"/>
+            </a:pPr>
+            <a:r>
+              <a:rPr lang="en-US" sz="600" dirty="0"/>
+              <a:t>Azure Networking Analytics</a:t>
+            </a:r>
+          </a:p>
+          <a:p>
+            <a:pPr>
+              <a:buFont typeface="+mj-lt"/>
+              <a:buAutoNum type="arabicPeriod"/>
+            </a:pPr>
+            <a:r>
+              <a:rPr lang="en-US" sz="600" dirty="0"/>
+              <a:t>Azure SQL Analytics</a:t>
+            </a:r>
+          </a:p>
+          <a:p>
+            <a:pPr>
+              <a:buFont typeface="+mj-lt"/>
+              <a:buAutoNum type="arabicPeriod"/>
+            </a:pPr>
+            <a:r>
+              <a:rPr lang="en-US" sz="600" dirty="0"/>
+              <a:t>Change Tracking</a:t>
+            </a:r>
+          </a:p>
+          <a:p>
+            <a:pPr>
+              <a:buFont typeface="+mj-lt"/>
+              <a:buAutoNum type="arabicPeriod"/>
+            </a:pPr>
+            <a:r>
+              <a:rPr lang="en-US" sz="600" dirty="0"/>
+              <a:t>Key Vault Analytics</a:t>
+            </a:r>
+          </a:p>
+          <a:p>
+            <a:pPr>
+              <a:buFont typeface="+mj-lt"/>
+              <a:buAutoNum type="arabicPeriod"/>
+            </a:pPr>
+            <a:r>
+              <a:rPr lang="en-US" sz="600" dirty="0"/>
+              <a:t>Service Map</a:t>
+            </a:r>
+          </a:p>
+        </p:txBody>
+      </p:sp>
+      <p:pic>
+        <p:nvPicPr>
+          <p:cNvPr id="103" name="Picture 102"/>
+          <p:cNvPicPr>
+            <a:picLocks noChangeAspect="1"/>
+          </p:cNvPicPr>
+          <p:nvPr/>
+        </p:nvPicPr>
+        <p:blipFill>
+          <a:blip r:embed="rId14">
+            <a:extLst>
+              <a:ext uri="{28A0092B-C50C-407E-A947-70E740481C1C}">
+                <a14:useLocalDpi xmlns:a14="http://schemas.microsoft.com/office/drawing/2010/main" val="0"/>
+              </a:ext>
+            </a:extLst>
+          </a:blip>
+          <a:stretch>
+            <a:fillRect/>
+          </a:stretch>
+        </p:blipFill>
+        <p:spPr>
+          <a:xfrm>
+            <a:off x="7903590" y="3161240"/>
+            <a:ext cx="337054" cy="337054"/>
+          </a:xfrm>
+          <a:prstGeom prst="rect">
+            <a:avLst/>
+          </a:prstGeom>
+        </p:spPr>
+      </p:pic>
+      <p:sp>
+        <p:nvSpPr>
+          <p:cNvPr id="104" name="TextBox 103"/>
+          <p:cNvSpPr txBox="1"/>
+          <p:nvPr/>
+        </p:nvSpPr>
+        <p:spPr>
+          <a:xfrm>
+            <a:off x="7786909" y="3473484"/>
+            <a:ext cx="636756" cy="307777"/>
+          </a:xfrm>
+          <a:prstGeom prst="rect">
+            <a:avLst/>
+          </a:prstGeom>
+          <a:noFill/>
+        </p:spPr>
+        <p:txBody>
+          <a:bodyPr wrap="square" rtlCol="0">
+            <a:spAutoFit/>
+          </a:bodyPr>
+          <a:lstStyle/>
+          <a:p>
+            <a:r>
+              <a:rPr lang="en-US" sz="700" dirty="0"/>
+              <a:t>Secured by AD</a:t>
+            </a:r>
+          </a:p>
+        </p:txBody>
+      </p:sp>
+      <p:sp>
+        <p:nvSpPr>
+          <p:cNvPr id="105" name="TextBox 104"/>
+          <p:cNvSpPr txBox="1"/>
+          <p:nvPr/>
+        </p:nvSpPr>
+        <p:spPr>
+          <a:xfrm>
+            <a:off x="4808115" y="4789989"/>
+            <a:ext cx="636756" cy="200055"/>
+          </a:xfrm>
+          <a:prstGeom prst="rect">
+            <a:avLst/>
+          </a:prstGeom>
+          <a:noFill/>
+        </p:spPr>
+        <p:txBody>
+          <a:bodyPr wrap="square" rtlCol="0">
+            <a:spAutoFit/>
+          </a:bodyPr>
+          <a:lstStyle/>
+          <a:p>
+            <a:r>
+              <a:rPr lang="en-US" sz="700" dirty="0"/>
+              <a:t>RBAC</a:t>
+            </a:r>
+          </a:p>
+        </p:txBody>
+      </p:sp>
+      <p:sp>
+        <p:nvSpPr>
+          <p:cNvPr id="106" name="TextBox 105"/>
+          <p:cNvSpPr txBox="1"/>
+          <p:nvPr/>
+        </p:nvSpPr>
+        <p:spPr>
+          <a:xfrm>
+            <a:off x="4427740" y="4989463"/>
+            <a:ext cx="636756" cy="200055"/>
+          </a:xfrm>
+          <a:prstGeom prst="rect">
+            <a:avLst/>
+          </a:prstGeom>
+          <a:noFill/>
+        </p:spPr>
+        <p:txBody>
+          <a:bodyPr wrap="square" rtlCol="0">
+            <a:spAutoFit/>
+          </a:bodyPr>
+          <a:lstStyle/>
+          <a:p>
+            <a:r>
+              <a:rPr lang="en-US" sz="700" dirty="0"/>
+              <a:t>Staff AAD</a:t>
+            </a:r>
+          </a:p>
+        </p:txBody>
+      </p:sp>
+      <p:sp>
+        <p:nvSpPr>
+          <p:cNvPr id="107" name="TextBox 106"/>
+          <p:cNvSpPr txBox="1"/>
+          <p:nvPr/>
+        </p:nvSpPr>
+        <p:spPr>
+          <a:xfrm>
+            <a:off x="6204928" y="4989463"/>
+            <a:ext cx="1008039" cy="200055"/>
+          </a:xfrm>
+          <a:prstGeom prst="rect">
+            <a:avLst/>
+          </a:prstGeom>
+          <a:noFill/>
+        </p:spPr>
+        <p:txBody>
+          <a:bodyPr wrap="square" rtlCol="0">
+            <a:spAutoFit/>
+          </a:bodyPr>
+          <a:lstStyle/>
+          <a:p>
+            <a:r>
+              <a:rPr lang="en-US" sz="700" dirty="0"/>
+              <a:t>Azure Security Center</a:t>
+            </a:r>
+          </a:p>
+        </p:txBody>
+      </p:sp>
+      <p:sp>
+        <p:nvSpPr>
+          <p:cNvPr id="108" name="TextBox 107"/>
+          <p:cNvSpPr txBox="1"/>
+          <p:nvPr/>
+        </p:nvSpPr>
+        <p:spPr>
+          <a:xfrm>
+            <a:off x="4864043" y="2658467"/>
+            <a:ext cx="815294" cy="184666"/>
+          </a:xfrm>
+          <a:prstGeom prst="rect">
+            <a:avLst/>
+          </a:prstGeom>
+          <a:noFill/>
+        </p:spPr>
+        <p:txBody>
+          <a:bodyPr wrap="square" rtlCol="0">
+            <a:spAutoFit/>
+          </a:bodyPr>
+          <a:lstStyle/>
+          <a:p>
+            <a:r>
+              <a:rPr lang="en-US" sz="600" dirty="0"/>
+              <a:t>OMS extension </a:t>
+            </a:r>
+          </a:p>
+        </p:txBody>
+      </p:sp>
+      <p:pic>
+        <p:nvPicPr>
+          <p:cNvPr id="109" name="Picture 108"/>
+          <p:cNvPicPr>
+            <a:picLocks noChangeAspect="1"/>
+          </p:cNvPicPr>
+          <p:nvPr/>
+        </p:nvPicPr>
+        <p:blipFill>
+          <a:blip r:embed="rId22">
+            <a:extLst>
+              <a:ext uri="{28A0092B-C50C-407E-A947-70E740481C1C}">
+                <a14:useLocalDpi xmlns:a14="http://schemas.microsoft.com/office/drawing/2010/main" val="0"/>
+              </a:ext>
+            </a:extLst>
+          </a:blip>
+          <a:stretch>
+            <a:fillRect/>
+          </a:stretch>
+        </p:blipFill>
+        <p:spPr>
+          <a:xfrm>
+            <a:off x="4781175" y="2646524"/>
+            <a:ext cx="148721" cy="148721"/>
+          </a:xfrm>
+          <a:prstGeom prst="rect">
+            <a:avLst/>
+          </a:prstGeom>
+        </p:spPr>
+      </p:pic>
+      <p:sp>
+        <p:nvSpPr>
+          <p:cNvPr id="110" name="TextBox 109"/>
+          <p:cNvSpPr txBox="1"/>
+          <p:nvPr/>
+        </p:nvSpPr>
+        <p:spPr>
+          <a:xfrm>
+            <a:off x="3042133" y="1053651"/>
+            <a:ext cx="1324283" cy="276999"/>
+          </a:xfrm>
+          <a:prstGeom prst="rect">
+            <a:avLst/>
+          </a:prstGeom>
+          <a:noFill/>
+        </p:spPr>
+        <p:txBody>
+          <a:bodyPr wrap="square" rtlCol="0">
+            <a:spAutoFit/>
+          </a:bodyPr>
+          <a:lstStyle/>
+          <a:p>
+            <a:r>
+              <a:rPr lang="en-US" sz="600" b="1" dirty="0"/>
+              <a:t>Custom Domain:</a:t>
+            </a:r>
+          </a:p>
+          <a:p>
+            <a:r>
+              <a:rPr lang="en-US" sz="600" dirty="0">
+                <a:hlinkClick r:id="rId31"/>
+              </a:rPr>
+              <a:t>https://www.azurepcisamples.com</a:t>
+            </a:r>
+            <a:r>
+              <a:rPr lang="en-US" sz="600" dirty="0"/>
+              <a:t> </a:t>
+            </a:r>
+          </a:p>
+        </p:txBody>
+      </p:sp>
+      <p:cxnSp>
+        <p:nvCxnSpPr>
+          <p:cNvPr id="111" name="Straight Arrow Connector 110"/>
+          <p:cNvCxnSpPr>
+            <a:cxnSpLocks/>
+            <a:stCxn id="50" idx="0"/>
+          </p:cNvCxnSpPr>
+          <p:nvPr/>
+        </p:nvCxnSpPr>
+        <p:spPr>
+          <a:xfrm flipH="1">
+            <a:off x="699565" y="607138"/>
+            <a:ext cx="2104512" cy="3120"/>
+          </a:xfrm>
+          <a:prstGeom prst="straightConnector1">
+            <a:avLst/>
+          </a:prstGeom>
+          <a:ln w="19050">
+            <a:prstDash val="sysDash"/>
+            <a:tailEnd type="triangle"/>
+          </a:ln>
+        </p:spPr>
+        <p:style>
+          <a:lnRef idx="1">
+            <a:schemeClr val="accent1"/>
+          </a:lnRef>
+          <a:fillRef idx="0">
+            <a:schemeClr val="accent1"/>
+          </a:fillRef>
+          <a:effectRef idx="0">
+            <a:schemeClr val="accent1"/>
+          </a:effectRef>
+          <a:fontRef idx="minor">
+            <a:schemeClr val="tx1"/>
+          </a:fontRef>
+        </p:style>
+      </p:cxnSp>
+      <p:sp>
+        <p:nvSpPr>
+          <p:cNvPr id="112" name="TextBox 111"/>
+          <p:cNvSpPr txBox="1"/>
+          <p:nvPr/>
+        </p:nvSpPr>
+        <p:spPr>
+          <a:xfrm>
+            <a:off x="1630791" y="444277"/>
+            <a:ext cx="690260" cy="369332"/>
+          </a:xfrm>
+          <a:prstGeom prst="rect">
+            <a:avLst/>
+          </a:prstGeom>
+          <a:noFill/>
+        </p:spPr>
+        <p:txBody>
+          <a:bodyPr wrap="square" rtlCol="0">
+            <a:spAutoFit/>
+          </a:bodyPr>
+          <a:lstStyle/>
+          <a:p>
+            <a:r>
+              <a:rPr lang="en-US" sz="900" b="1" dirty="0"/>
+              <a:t>DNS lookup</a:t>
+            </a:r>
+            <a:endParaRPr lang="en-US" sz="900" dirty="0"/>
+          </a:p>
+        </p:txBody>
+      </p:sp>
+      <p:cxnSp>
+        <p:nvCxnSpPr>
+          <p:cNvPr id="115" name="Straight Arrow Connector 114"/>
+          <p:cNvCxnSpPr>
+            <a:cxnSpLocks/>
+          </p:cNvCxnSpPr>
+          <p:nvPr/>
+        </p:nvCxnSpPr>
+        <p:spPr>
+          <a:xfrm flipH="1">
+            <a:off x="5562244" y="3559422"/>
+            <a:ext cx="1784360" cy="311614"/>
+          </a:xfrm>
+          <a:prstGeom prst="straightConnector1">
+            <a:avLst/>
+          </a:prstGeom>
+          <a:ln>
+            <a:prstDash val="dashDot"/>
+            <a:tailEnd type="triangle"/>
+          </a:ln>
+        </p:spPr>
+        <p:style>
+          <a:lnRef idx="1">
+            <a:schemeClr val="accent1"/>
+          </a:lnRef>
+          <a:fillRef idx="0">
+            <a:schemeClr val="accent1"/>
+          </a:fillRef>
+          <a:effectRef idx="0">
+            <a:schemeClr val="accent1"/>
+          </a:effectRef>
+          <a:fontRef idx="minor">
+            <a:schemeClr val="tx1"/>
+          </a:fontRef>
+        </p:style>
+      </p:cxnSp>
+      <p:sp>
+        <p:nvSpPr>
+          <p:cNvPr id="118" name="TextBox 117"/>
+          <p:cNvSpPr txBox="1"/>
+          <p:nvPr/>
+        </p:nvSpPr>
+        <p:spPr>
+          <a:xfrm rot="20948144">
+            <a:off x="6052077" y="3523886"/>
+            <a:ext cx="852423" cy="200055"/>
+          </a:xfrm>
+          <a:prstGeom prst="rect">
+            <a:avLst/>
+          </a:prstGeom>
+          <a:noFill/>
+        </p:spPr>
+        <p:txBody>
+          <a:bodyPr wrap="square" rtlCol="0">
+            <a:spAutoFit/>
+          </a:bodyPr>
+          <a:lstStyle/>
+          <a:p>
+            <a:r>
+              <a:rPr lang="en-US" sz="700" dirty="0"/>
+              <a:t>Collect metrics</a:t>
+            </a:r>
+          </a:p>
+        </p:txBody>
+      </p:sp>
+      <p:sp>
+        <p:nvSpPr>
+          <p:cNvPr id="119" name="TextBox 118"/>
+          <p:cNvSpPr txBox="1"/>
+          <p:nvPr/>
+        </p:nvSpPr>
+        <p:spPr>
+          <a:xfrm>
+            <a:off x="4146095" y="3622397"/>
+            <a:ext cx="852423" cy="200055"/>
+          </a:xfrm>
+          <a:prstGeom prst="rect">
+            <a:avLst/>
+          </a:prstGeom>
+          <a:noFill/>
+        </p:spPr>
+        <p:txBody>
+          <a:bodyPr wrap="square" rtlCol="0">
+            <a:spAutoFit/>
+          </a:bodyPr>
+          <a:lstStyle/>
+          <a:p>
+            <a:r>
+              <a:rPr lang="en-US" sz="700" dirty="0"/>
+              <a:t>Collect metrics</a:t>
+            </a:r>
+          </a:p>
+        </p:txBody>
+      </p:sp>
+    </p:spTree>
+    <p:extLst>
+      <p:ext uri="{BB962C8B-B14F-4D97-AF65-F5344CB8AC3E}">
+        <p14:creationId xmlns:p14="http://schemas.microsoft.com/office/powerpoint/2010/main" val="3998706706"/>
       </p:ext>
     </p:extLst>
   </p:cSld>
@@ -8105,7 +11906,7 @@
           </a:ln>
           <a:extLst>
             <a:ext uri="{91240B29-F687-4f45-9708-019B960494DF}">
-              <a14:hiddenLine xmlns="" xmlns:a14="http://schemas.microsoft.com/office/drawing/2010/main" w="9525">
+              <a14:hiddenLine xmlns:a14="http://schemas.microsoft.com/office/drawing/2010/main" xmlns="" w="9525">
                 <a:solidFill>
                   <a:srgbClr val="000000"/>
                 </a:solidFill>

--- a/documents/Azure_PCI_PaaS_Management_Reference_Architecture.pptx
+++ b/documents/Azure_PCI_PaaS_Management_Reference_Architecture.pptx
@@ -5,22 +5,21 @@
     <p:sldMasterId id="2147483660" r:id="rId1"/>
   </p:sldMasterIdLst>
   <p:notesMasterIdLst>
-    <p:notesMasterId r:id="rId12"/>
+    <p:notesMasterId r:id="rId11"/>
   </p:notesMasterIdLst>
   <p:handoutMasterIdLst>
-    <p:handoutMasterId r:id="rId13"/>
+    <p:handoutMasterId r:id="rId12"/>
   </p:handoutMasterIdLst>
   <p:sldIdLst>
     <p:sldId id="256" r:id="rId2"/>
     <p:sldId id="258" r:id="rId3"/>
-    <p:sldId id="264" r:id="rId4"/>
-    <p:sldId id="265" r:id="rId5"/>
-    <p:sldId id="261" r:id="rId6"/>
-    <p:sldId id="263" r:id="rId7"/>
-    <p:sldId id="257" r:id="rId8"/>
-    <p:sldId id="259" r:id="rId9"/>
-    <p:sldId id="262" r:id="rId10"/>
-    <p:sldId id="266" r:id="rId11"/>
+    <p:sldId id="265" r:id="rId4"/>
+    <p:sldId id="261" r:id="rId5"/>
+    <p:sldId id="263" r:id="rId6"/>
+    <p:sldId id="257" r:id="rId7"/>
+    <p:sldId id="259" r:id="rId8"/>
+    <p:sldId id="262" r:id="rId9"/>
+    <p:sldId id="266" r:id="rId10"/>
   </p:sldIdLst>
   <p:sldSz cx="10160000" cy="5715000"/>
   <p:notesSz cx="6858000" cy="9144000"/>
@@ -130,6 +129,10 @@
 </p:presentation>
 </file>
 
+<file path=ppt/revisionInfo.xml><?xml version="1.0" encoding="utf-8"?>
+<p1510:revInfo xmlns:a="http://schemas.openxmlformats.org/drawingml/2006/main" xmlns:r="http://schemas.openxmlformats.org/officeDocument/2006/relationships" xmlns:p1510="http://schemas.microsoft.com/office/powerpoint/2015/10/main"/>
+</file>
+
 <file path=ppt/handoutMasters/handoutMaster1.xml><?xml version="1.0" encoding="utf-8"?>
 <p:handoutMaster xmlns:a="http://schemas.openxmlformats.org/drawingml/2006/main" xmlns:r="http://schemas.openxmlformats.org/officeDocument/2006/relationships" xmlns:p="http://schemas.openxmlformats.org/presentationml/2006/main">
   <p:cSld>
@@ -212,7 +215,7 @@
           <a:p>
             <a:fld id="{8BAD32BC-9A36-444A-AC36-0834185C81D6}" type="datetimeFigureOut">
               <a:rPr lang="en-US" smtClean="0"/>
-              <a:t>4/4/2017</a:t>
+              <a:t>4/17/2017</a:t>
             </a:fld>
             <a:endParaRPr lang="en-US"/>
           </a:p>
@@ -377,7 +380,7 @@
           <a:p>
             <a:fld id="{9513AB20-DDA0-498D-8E7E-1827A09E602C}" type="datetimeFigureOut">
               <a:rPr lang="en-US" smtClean="0"/>
-              <a:t>4/4/2017</a:t>
+              <a:t>4/17/2017</a:t>
             </a:fld>
             <a:endParaRPr lang="en-US"/>
           </a:p>
@@ -750,7 +753,7 @@
           <a:p>
             <a:fld id="{E2BF9D02-AA6A-480F-9596-6C8D89AF7DB4}" type="slidenum">
               <a:rPr lang="en-US" smtClean="0"/>
-              <a:t>9</a:t>
+              <a:t>8</a:t>
             </a:fld>
             <a:endParaRPr lang="en-US" dirty="0"/>
           </a:p>
@@ -2886,14 +2889,14 @@
           </a:ln>
           <a:extLst>
             <a:ext uri="{909E8E84-426E-40dd-AFC4-6F175D3DCCD1}">
-              <a14:hiddenFill xmlns="" xmlns:a14="http://schemas.microsoft.com/office/drawing/2010/main">
+              <a14:hiddenFill xmlns:a14="http://schemas.microsoft.com/office/drawing/2010/main" xmlns="">
                 <a:solidFill>
                   <a:srgbClr val="FFFFFF"/>
                 </a:solidFill>
               </a14:hiddenFill>
             </a:ext>
             <a:ext uri="{91240B29-F687-4f45-9708-019B960494DF}">
-              <a14:hiddenLine xmlns="" xmlns:a14="http://schemas.microsoft.com/office/drawing/2010/main" w="9525">
+              <a14:hiddenLine xmlns:a14="http://schemas.microsoft.com/office/drawing/2010/main" xmlns="" w="9525">
                 <a:solidFill>
                   <a:srgbClr val="000000"/>
                 </a:solidFill>
@@ -4841,3806 +4844,6 @@
 </p:sld>
 </file>
 
-<file path=ppt/slides/slide10.xml><?xml version="1.0" encoding="utf-8"?>
-<p:sld xmlns:a="http://schemas.openxmlformats.org/drawingml/2006/main" xmlns:r="http://schemas.openxmlformats.org/officeDocument/2006/relationships" xmlns:p="http://schemas.openxmlformats.org/presentationml/2006/main">
-  <p:cSld>
-    <p:spTree>
-      <p:nvGrpSpPr>
-        <p:cNvPr id="1" name=""/>
-        <p:cNvGrpSpPr/>
-        <p:nvPr/>
-      </p:nvGrpSpPr>
-      <p:grpSpPr>
-        <a:xfrm>
-          <a:off x="0" y="0"/>
-          <a:ext cx="0" cy="0"/>
-          <a:chOff x="0" y="0"/>
-          <a:chExt cx="0" cy="0"/>
-        </a:xfrm>
-      </p:grpSpPr>
-      <p:sp>
-        <p:nvSpPr>
-          <p:cNvPr id="3" name="Rectangle: Rounded Corners 2"/>
-          <p:cNvSpPr/>
-          <p:nvPr/>
-        </p:nvSpPr>
-        <p:spPr>
-          <a:xfrm>
-            <a:off x="1833175" y="1008179"/>
-            <a:ext cx="6902564" cy="4185728"/>
-          </a:xfrm>
-          <a:prstGeom prst="roundRect">
-            <a:avLst>
-              <a:gd name="adj" fmla="val 4803"/>
-            </a:avLst>
-          </a:prstGeom>
-          <a:solidFill>
-            <a:schemeClr val="bg1">
-              <a:lumMod val="95000"/>
-              <a:alpha val="25000"/>
-            </a:schemeClr>
-          </a:solidFill>
-        </p:spPr>
-        <p:style>
-          <a:lnRef idx="2">
-            <a:schemeClr val="accent3"/>
-          </a:lnRef>
-          <a:fillRef idx="1">
-            <a:schemeClr val="lt1"/>
-          </a:fillRef>
-          <a:effectRef idx="0">
-            <a:schemeClr val="accent3"/>
-          </a:effectRef>
-          <a:fontRef idx="minor">
-            <a:schemeClr val="dk1"/>
-          </a:fontRef>
-        </p:style>
-        <p:txBody>
-          <a:bodyPr rtlCol="0" anchor="ctr"/>
-          <a:lstStyle/>
-          <a:p>
-            <a:pPr algn="ctr"/>
-            <a:endParaRPr lang="en-US" sz="2400" dirty="0"/>
-          </a:p>
-        </p:txBody>
-      </p:sp>
-      <p:sp>
-        <p:nvSpPr>
-          <p:cNvPr id="4" name="Rectangle: Rounded Corners 3"/>
-          <p:cNvSpPr/>
-          <p:nvPr/>
-        </p:nvSpPr>
-        <p:spPr>
-          <a:xfrm>
-            <a:off x="2025360" y="1391948"/>
-            <a:ext cx="6499364" cy="3192691"/>
-          </a:xfrm>
-          <a:prstGeom prst="roundRect">
-            <a:avLst>
-              <a:gd name="adj" fmla="val 4803"/>
-            </a:avLst>
-          </a:prstGeom>
-          <a:noFill/>
-          <a:ln>
-            <a:prstDash val="sysDash"/>
-          </a:ln>
-        </p:spPr>
-        <p:style>
-          <a:lnRef idx="2">
-            <a:schemeClr val="accent3"/>
-          </a:lnRef>
-          <a:fillRef idx="1002">
-            <a:schemeClr val="lt2"/>
-          </a:fillRef>
-          <a:effectRef idx="0">
-            <a:schemeClr val="accent3"/>
-          </a:effectRef>
-          <a:fontRef idx="minor">
-            <a:schemeClr val="dk1"/>
-          </a:fontRef>
-        </p:style>
-        <p:txBody>
-          <a:bodyPr rtlCol="0" anchor="ctr"/>
-          <a:lstStyle/>
-          <a:p>
-            <a:pPr algn="ctr"/>
-            <a:endParaRPr lang="en-US" sz="2400" dirty="0"/>
-          </a:p>
-        </p:txBody>
-      </p:sp>
-      <p:sp>
-        <p:nvSpPr>
-          <p:cNvPr id="5" name="Rectangle: Rounded Corners 4"/>
-          <p:cNvSpPr/>
-          <p:nvPr/>
-        </p:nvSpPr>
-        <p:spPr>
-          <a:xfrm>
-            <a:off x="2133441" y="1586295"/>
-            <a:ext cx="3932495" cy="2776522"/>
-          </a:xfrm>
-          <a:prstGeom prst="roundRect">
-            <a:avLst>
-              <a:gd name="adj" fmla="val 4803"/>
-            </a:avLst>
-          </a:prstGeom>
-          <a:ln w="12700">
-            <a:prstDash val="sysDash"/>
-          </a:ln>
-        </p:spPr>
-        <p:style>
-          <a:lnRef idx="2">
-            <a:schemeClr val="accent3"/>
-          </a:lnRef>
-          <a:fillRef idx="1">
-            <a:schemeClr val="lt1"/>
-          </a:fillRef>
-          <a:effectRef idx="0">
-            <a:schemeClr val="accent3"/>
-          </a:effectRef>
-          <a:fontRef idx="minor">
-            <a:schemeClr val="dk1"/>
-          </a:fontRef>
-        </p:style>
-        <p:txBody>
-          <a:bodyPr rtlCol="0" anchor="t"/>
-          <a:lstStyle/>
-          <a:p>
-            <a:endParaRPr lang="en-US" sz="2400" dirty="0"/>
-          </a:p>
-        </p:txBody>
-      </p:sp>
-      <p:pic>
-        <p:nvPicPr>
-          <p:cNvPr id="6" name="Picture 5"/>
-          <p:cNvPicPr>
-            <a:picLocks noChangeAspect="1"/>
-          </p:cNvPicPr>
-          <p:nvPr/>
-        </p:nvPicPr>
-        <p:blipFill>
-          <a:blip r:embed="rId2">
-            <a:extLst>
-              <a:ext uri="{28A0092B-C50C-407E-A947-70E740481C1C}">
-                <a14:useLocalDpi xmlns:a14="http://schemas.microsoft.com/office/drawing/2010/main" val="0"/>
-              </a:ext>
-            </a:extLst>
-          </a:blip>
-          <a:stretch>
-            <a:fillRect/>
-          </a:stretch>
-        </p:blipFill>
-        <p:spPr>
-          <a:xfrm>
-            <a:off x="2025361" y="1324423"/>
-            <a:ext cx="166608" cy="166608"/>
-          </a:xfrm>
-          <a:prstGeom prst="rect">
-            <a:avLst/>
-          </a:prstGeom>
-        </p:spPr>
-      </p:pic>
-      <p:pic>
-        <p:nvPicPr>
-          <p:cNvPr id="7" name="Picture 6"/>
-          <p:cNvPicPr>
-            <a:picLocks noChangeAspect="1"/>
-          </p:cNvPicPr>
-          <p:nvPr/>
-        </p:nvPicPr>
-        <p:blipFill>
-          <a:blip r:embed="rId3">
-            <a:extLst>
-              <a:ext uri="{28A0092B-C50C-407E-A947-70E740481C1C}">
-                <a14:useLocalDpi xmlns:a14="http://schemas.microsoft.com/office/drawing/2010/main" val="0"/>
-              </a:ext>
-            </a:extLst>
-          </a:blip>
-          <a:stretch>
-            <a:fillRect/>
-          </a:stretch>
-        </p:blipFill>
-        <p:spPr>
-          <a:xfrm>
-            <a:off x="6423430" y="4676465"/>
-            <a:ext cx="328960" cy="328960"/>
-          </a:xfrm>
-          <a:prstGeom prst="rect">
-            <a:avLst/>
-          </a:prstGeom>
-        </p:spPr>
-      </p:pic>
-      <p:pic>
-        <p:nvPicPr>
-          <p:cNvPr id="8" name="Picture 7"/>
-          <p:cNvPicPr>
-            <a:picLocks noChangeAspect="1"/>
-          </p:cNvPicPr>
-          <p:nvPr/>
-        </p:nvPicPr>
-        <p:blipFill>
-          <a:blip r:embed="rId4"/>
-          <a:stretch>
-            <a:fillRect/>
-          </a:stretch>
-        </p:blipFill>
-        <p:spPr>
-          <a:xfrm>
-            <a:off x="8208277" y="621600"/>
-            <a:ext cx="494905" cy="522204"/>
-          </a:xfrm>
-          <a:prstGeom prst="rect">
-            <a:avLst/>
-          </a:prstGeom>
-        </p:spPr>
-      </p:pic>
-      <p:grpSp>
-        <p:nvGrpSpPr>
-          <p:cNvPr id="9" name="Group 8"/>
-          <p:cNvGrpSpPr/>
-          <p:nvPr/>
-        </p:nvGrpSpPr>
-        <p:grpSpPr>
-          <a:xfrm>
-            <a:off x="2407687" y="1619249"/>
-            <a:ext cx="1777135" cy="887851"/>
-            <a:chOff x="3314119" y="599562"/>
-            <a:chExt cx="2001400" cy="1420560"/>
-          </a:xfrm>
-        </p:grpSpPr>
-        <p:sp>
-          <p:nvSpPr>
-            <p:cNvPr id="10" name="Rectangle: Rounded Corners 9"/>
-            <p:cNvSpPr/>
-            <p:nvPr/>
-          </p:nvSpPr>
-          <p:spPr>
-            <a:xfrm>
-              <a:off x="3314119" y="748723"/>
-              <a:ext cx="2001400" cy="1271399"/>
-            </a:xfrm>
-            <a:prstGeom prst="roundRect">
-              <a:avLst>
-                <a:gd name="adj" fmla="val 4803"/>
-              </a:avLst>
-            </a:prstGeom>
-            <a:solidFill>
-              <a:schemeClr val="accent2">
-                <a:lumMod val="20000"/>
-                <a:lumOff val="80000"/>
-              </a:schemeClr>
-            </a:solidFill>
-            <a:ln w="12700">
-              <a:prstDash val="sysDot"/>
-            </a:ln>
-          </p:spPr>
-          <p:style>
-            <a:lnRef idx="2">
-              <a:schemeClr val="accent3"/>
-            </a:lnRef>
-            <a:fillRef idx="1">
-              <a:schemeClr val="lt1"/>
-            </a:fillRef>
-            <a:effectRef idx="0">
-              <a:schemeClr val="accent3"/>
-            </a:effectRef>
-            <a:fontRef idx="minor">
-              <a:schemeClr val="dk1"/>
-            </a:fontRef>
-          </p:style>
-          <p:txBody>
-            <a:bodyPr rtlCol="0" anchor="ctr"/>
-            <a:lstStyle/>
-            <a:p>
-              <a:pPr algn="ctr"/>
-              <a:endParaRPr lang="en-US" sz="2400"/>
-            </a:p>
-          </p:txBody>
-        </p:sp>
-        <p:pic>
-          <p:nvPicPr>
-            <p:cNvPr id="11" name="Picture 10"/>
-            <p:cNvPicPr>
-              <a:picLocks noChangeAspect="1"/>
-            </p:cNvPicPr>
-            <p:nvPr/>
-          </p:nvPicPr>
-          <p:blipFill>
-            <a:blip r:embed="rId5"/>
-            <a:stretch>
-              <a:fillRect/>
-            </a:stretch>
-          </p:blipFill>
-          <p:spPr>
-            <a:xfrm>
-              <a:off x="4933382" y="599562"/>
-              <a:ext cx="325163" cy="380800"/>
-            </a:xfrm>
-            <a:prstGeom prst="rect">
-              <a:avLst/>
-            </a:prstGeom>
-          </p:spPr>
-        </p:pic>
-      </p:grpSp>
-      <p:sp>
-        <p:nvSpPr>
-          <p:cNvPr id="12" name="Rectangle: Rounded Corners 11"/>
-          <p:cNvSpPr/>
-          <p:nvPr/>
-        </p:nvSpPr>
-        <p:spPr>
-          <a:xfrm>
-            <a:off x="2387698" y="2712630"/>
-            <a:ext cx="1806270" cy="1552442"/>
-          </a:xfrm>
-          <a:prstGeom prst="roundRect">
-            <a:avLst>
-              <a:gd name="adj" fmla="val 4803"/>
-            </a:avLst>
-          </a:prstGeom>
-          <a:ln w="12700">
-            <a:prstDash val="sysDot"/>
-          </a:ln>
-        </p:spPr>
-        <p:style>
-          <a:lnRef idx="2">
-            <a:schemeClr val="accent3"/>
-          </a:lnRef>
-          <a:fillRef idx="1">
-            <a:schemeClr val="lt1"/>
-          </a:fillRef>
-          <a:effectRef idx="0">
-            <a:schemeClr val="accent3"/>
-          </a:effectRef>
-          <a:fontRef idx="minor">
-            <a:schemeClr val="dk1"/>
-          </a:fontRef>
-        </p:style>
-        <p:txBody>
-          <a:bodyPr rtlCol="0" anchor="ctr"/>
-          <a:lstStyle/>
-          <a:p>
-            <a:pPr algn="ctr"/>
-            <a:endParaRPr lang="en-US" sz="2400"/>
-          </a:p>
-        </p:txBody>
-      </p:sp>
-      <p:pic>
-        <p:nvPicPr>
-          <p:cNvPr id="13" name="Picture 12"/>
-          <p:cNvPicPr>
-            <a:picLocks noChangeAspect="1"/>
-          </p:cNvPicPr>
-          <p:nvPr/>
-        </p:nvPicPr>
-        <p:blipFill>
-          <a:blip r:embed="rId5"/>
-          <a:stretch>
-            <a:fillRect/>
-          </a:stretch>
-        </p:blipFill>
-        <p:spPr>
-          <a:xfrm>
-            <a:off x="3579153" y="2929703"/>
-            <a:ext cx="203227" cy="238000"/>
-          </a:xfrm>
-          <a:prstGeom prst="rect">
-            <a:avLst/>
-          </a:prstGeom>
-        </p:spPr>
-      </p:pic>
-      <p:pic>
-        <p:nvPicPr>
-          <p:cNvPr id="14" name="Picture 13"/>
-          <p:cNvPicPr>
-            <a:picLocks noChangeAspect="1"/>
-          </p:cNvPicPr>
-          <p:nvPr/>
-        </p:nvPicPr>
-        <p:blipFill>
-          <a:blip r:embed="rId6">
-            <a:extLst>
-              <a:ext uri="{28A0092B-C50C-407E-A947-70E740481C1C}">
-                <a14:useLocalDpi xmlns:a14="http://schemas.microsoft.com/office/drawing/2010/main" val="0"/>
-              </a:ext>
-            </a:extLst>
-          </a:blip>
-          <a:stretch>
-            <a:fillRect/>
-          </a:stretch>
-        </p:blipFill>
-        <p:spPr>
-          <a:xfrm>
-            <a:off x="2921447" y="2121669"/>
-            <a:ext cx="413601" cy="413601"/>
-          </a:xfrm>
-          <a:prstGeom prst="rect">
-            <a:avLst/>
-          </a:prstGeom>
-        </p:spPr>
-      </p:pic>
-      <p:pic>
-        <p:nvPicPr>
-          <p:cNvPr id="15" name="Picture 14"/>
-          <p:cNvPicPr>
-            <a:picLocks noChangeAspect="1"/>
-          </p:cNvPicPr>
-          <p:nvPr/>
-        </p:nvPicPr>
-        <p:blipFill>
-          <a:blip r:embed="rId7"/>
-          <a:stretch>
-            <a:fillRect/>
-          </a:stretch>
-        </p:blipFill>
-        <p:spPr>
-          <a:xfrm>
-            <a:off x="2760536" y="1901371"/>
-            <a:ext cx="704448" cy="260727"/>
-          </a:xfrm>
-          <a:prstGeom prst="rect">
-            <a:avLst/>
-          </a:prstGeom>
-        </p:spPr>
-      </p:pic>
-      <p:sp>
-        <p:nvSpPr>
-          <p:cNvPr id="16" name="Rectangle: Rounded Corners 15"/>
-          <p:cNvSpPr/>
-          <p:nvPr/>
-        </p:nvSpPr>
-        <p:spPr>
-          <a:xfrm>
-            <a:off x="2456441" y="2781386"/>
-            <a:ext cx="1381458" cy="1154950"/>
-          </a:xfrm>
-          <a:prstGeom prst="roundRect">
-            <a:avLst>
-              <a:gd name="adj" fmla="val 4803"/>
-            </a:avLst>
-          </a:prstGeom>
-          <a:solidFill>
-            <a:schemeClr val="bg1">
-              <a:lumMod val="95000"/>
-            </a:schemeClr>
-          </a:solidFill>
-          <a:ln w="12700">
-            <a:solidFill>
-              <a:srgbClr val="7030A0"/>
-            </a:solidFill>
-            <a:prstDash val="sysDot"/>
-          </a:ln>
-        </p:spPr>
-        <p:style>
-          <a:lnRef idx="2">
-            <a:schemeClr val="accent3"/>
-          </a:lnRef>
-          <a:fillRef idx="1">
-            <a:schemeClr val="lt1"/>
-          </a:fillRef>
-          <a:effectRef idx="0">
-            <a:schemeClr val="accent3"/>
-          </a:effectRef>
-          <a:fontRef idx="minor">
-            <a:schemeClr val="dk1"/>
-          </a:fontRef>
-        </p:style>
-        <p:txBody>
-          <a:bodyPr rtlCol="0" anchor="ctr"/>
-          <a:lstStyle/>
-          <a:p>
-            <a:pPr algn="ctr"/>
-            <a:endParaRPr lang="en-US" sz="2400"/>
-          </a:p>
-        </p:txBody>
-      </p:sp>
-      <p:pic>
-        <p:nvPicPr>
-          <p:cNvPr id="17" name="Picture 16"/>
-          <p:cNvPicPr>
-            <a:picLocks noChangeAspect="1"/>
-          </p:cNvPicPr>
-          <p:nvPr/>
-        </p:nvPicPr>
-        <p:blipFill>
-          <a:blip r:embed="rId8">
-            <a:extLst>
-              <a:ext uri="{28A0092B-C50C-407E-A947-70E740481C1C}">
-                <a14:useLocalDpi xmlns:a14="http://schemas.microsoft.com/office/drawing/2010/main" val="0"/>
-              </a:ext>
-            </a:extLst>
-          </a:blip>
-          <a:stretch>
-            <a:fillRect/>
-          </a:stretch>
-        </p:blipFill>
-        <p:spPr>
-          <a:xfrm>
-            <a:off x="2598981" y="3607188"/>
-            <a:ext cx="254785" cy="254785"/>
-          </a:xfrm>
-          <a:prstGeom prst="rect">
-            <a:avLst/>
-          </a:prstGeom>
-        </p:spPr>
-      </p:pic>
-      <p:pic>
-        <p:nvPicPr>
-          <p:cNvPr id="18" name="Picture 17"/>
-          <p:cNvPicPr>
-            <a:picLocks noChangeAspect="1"/>
-          </p:cNvPicPr>
-          <p:nvPr/>
-        </p:nvPicPr>
-        <p:blipFill>
-          <a:blip r:embed="rId9">
-            <a:extLst>
-              <a:ext uri="{28A0092B-C50C-407E-A947-70E740481C1C}">
-                <a14:useLocalDpi xmlns:a14="http://schemas.microsoft.com/office/drawing/2010/main" val="0"/>
-              </a:ext>
-            </a:extLst>
-          </a:blip>
-          <a:stretch>
-            <a:fillRect/>
-          </a:stretch>
-        </p:blipFill>
-        <p:spPr>
-          <a:xfrm>
-            <a:off x="3525070" y="2795245"/>
-            <a:ext cx="286895" cy="286895"/>
-          </a:xfrm>
-          <a:prstGeom prst="rect">
-            <a:avLst/>
-          </a:prstGeom>
-        </p:spPr>
-      </p:pic>
-      <p:sp>
-        <p:nvSpPr>
-          <p:cNvPr id="19" name="TextBox 18"/>
-          <p:cNvSpPr txBox="1"/>
-          <p:nvPr/>
-        </p:nvSpPr>
-        <p:spPr>
-          <a:xfrm>
-            <a:off x="2513212" y="2744963"/>
-            <a:ext cx="1021975" cy="307777"/>
-          </a:xfrm>
-          <a:prstGeom prst="rect">
-            <a:avLst/>
-          </a:prstGeom>
-          <a:noFill/>
-        </p:spPr>
-        <p:txBody>
-          <a:bodyPr wrap="square" rtlCol="0">
-            <a:spAutoFit/>
-          </a:bodyPr>
-          <a:lstStyle/>
-          <a:p>
-            <a:r>
-              <a:rPr lang="en-US" sz="700" dirty="0"/>
-              <a:t>App Service Environment</a:t>
-            </a:r>
-          </a:p>
-        </p:txBody>
-      </p:sp>
-      <p:sp>
-        <p:nvSpPr>
-          <p:cNvPr id="20" name="TextBox 19"/>
-          <p:cNvSpPr txBox="1"/>
-          <p:nvPr/>
-        </p:nvSpPr>
-        <p:spPr>
-          <a:xfrm>
-            <a:off x="2536757" y="3821209"/>
-            <a:ext cx="486940" cy="184666"/>
-          </a:xfrm>
-          <a:prstGeom prst="rect">
-            <a:avLst/>
-          </a:prstGeom>
-          <a:noFill/>
-        </p:spPr>
-        <p:txBody>
-          <a:bodyPr wrap="square" rtlCol="0">
-            <a:spAutoFit/>
-          </a:bodyPr>
-          <a:lstStyle/>
-          <a:p>
-            <a:r>
-              <a:rPr lang="en-US" sz="600" dirty="0"/>
-              <a:t>Web App</a:t>
-            </a:r>
-          </a:p>
-        </p:txBody>
-      </p:sp>
-      <p:pic>
-        <p:nvPicPr>
-          <p:cNvPr id="21" name="Picture 20"/>
-          <p:cNvPicPr>
-            <a:picLocks noChangeAspect="1"/>
-          </p:cNvPicPr>
-          <p:nvPr/>
-        </p:nvPicPr>
-        <p:blipFill>
-          <a:blip r:embed="rId10">
-            <a:extLst>
-              <a:ext uri="{28A0092B-C50C-407E-A947-70E740481C1C}">
-                <a14:useLocalDpi xmlns:a14="http://schemas.microsoft.com/office/drawing/2010/main" val="0"/>
-              </a:ext>
-            </a:extLst>
-          </a:blip>
-          <a:stretch>
-            <a:fillRect/>
-          </a:stretch>
-        </p:blipFill>
-        <p:spPr>
-          <a:xfrm>
-            <a:off x="5163236" y="3612030"/>
-            <a:ext cx="359907" cy="359907"/>
-          </a:xfrm>
-          <a:prstGeom prst="rect">
-            <a:avLst/>
-          </a:prstGeom>
-        </p:spPr>
-      </p:pic>
-      <p:pic>
-        <p:nvPicPr>
-          <p:cNvPr id="22" name="Picture 21"/>
-          <p:cNvPicPr>
-            <a:picLocks noChangeAspect="1"/>
-          </p:cNvPicPr>
-          <p:nvPr/>
-        </p:nvPicPr>
-        <p:blipFill>
-          <a:blip r:embed="rId11">
-            <a:extLst>
-              <a:ext uri="{28A0092B-C50C-407E-A947-70E740481C1C}">
-                <a14:useLocalDpi xmlns:a14="http://schemas.microsoft.com/office/drawing/2010/main" val="0"/>
-              </a:ext>
-            </a:extLst>
-          </a:blip>
-          <a:stretch>
-            <a:fillRect/>
-          </a:stretch>
-        </p:blipFill>
-        <p:spPr>
-          <a:xfrm>
-            <a:off x="4770957" y="3264286"/>
-            <a:ext cx="409210" cy="409210"/>
-          </a:xfrm>
-          <a:prstGeom prst="rect">
-            <a:avLst/>
-          </a:prstGeom>
-        </p:spPr>
-      </p:pic>
-      <p:sp>
-        <p:nvSpPr>
-          <p:cNvPr id="23" name="TextBox 22"/>
-          <p:cNvSpPr txBox="1"/>
-          <p:nvPr/>
-        </p:nvSpPr>
-        <p:spPr>
-          <a:xfrm>
-            <a:off x="5142273" y="3436161"/>
-            <a:ext cx="489966" cy="184666"/>
-          </a:xfrm>
-          <a:prstGeom prst="rect">
-            <a:avLst/>
-          </a:prstGeom>
-          <a:noFill/>
-        </p:spPr>
-        <p:txBody>
-          <a:bodyPr wrap="square" rtlCol="0">
-            <a:spAutoFit/>
-          </a:bodyPr>
-          <a:lstStyle/>
-          <a:p>
-            <a:r>
-              <a:rPr lang="en-US" sz="600" dirty="0"/>
-              <a:t>Runbooks</a:t>
-            </a:r>
-          </a:p>
-        </p:txBody>
-      </p:sp>
-      <p:sp>
-        <p:nvSpPr>
-          <p:cNvPr id="24" name="TextBox 23"/>
-          <p:cNvSpPr txBox="1"/>
-          <p:nvPr/>
-        </p:nvSpPr>
-        <p:spPr>
-          <a:xfrm>
-            <a:off x="5133140" y="3330253"/>
-            <a:ext cx="564442" cy="276999"/>
-          </a:xfrm>
-          <a:prstGeom prst="rect">
-            <a:avLst/>
-          </a:prstGeom>
-          <a:noFill/>
-        </p:spPr>
-        <p:txBody>
-          <a:bodyPr wrap="square" rtlCol="0">
-            <a:spAutoFit/>
-          </a:bodyPr>
-          <a:lstStyle/>
-          <a:p>
-            <a:r>
-              <a:rPr lang="en-US" sz="600" dirty="0"/>
-              <a:t>Automation +</a:t>
-            </a:r>
-          </a:p>
-        </p:txBody>
-      </p:sp>
-      <p:sp>
-        <p:nvSpPr>
-          <p:cNvPr id="25" name="TextBox 24"/>
-          <p:cNvSpPr txBox="1"/>
-          <p:nvPr/>
-        </p:nvSpPr>
-        <p:spPr>
-          <a:xfrm>
-            <a:off x="2313119" y="1611200"/>
-            <a:ext cx="892161" cy="276999"/>
-          </a:xfrm>
-          <a:prstGeom prst="rect">
-            <a:avLst/>
-          </a:prstGeom>
-          <a:noFill/>
-        </p:spPr>
-        <p:txBody>
-          <a:bodyPr wrap="square" rtlCol="0">
-            <a:spAutoFit/>
-          </a:bodyPr>
-          <a:lstStyle/>
-          <a:p>
-            <a:r>
-              <a:rPr lang="en-US" sz="600" dirty="0"/>
-              <a:t>subnet-WAF-</a:t>
-            </a:r>
-            <a:r>
-              <a:rPr lang="en-US" sz="600" dirty="0" err="1"/>
-              <a:t>appGateway</a:t>
-            </a:r>
-            <a:endParaRPr lang="en-US" sz="600" dirty="0"/>
-          </a:p>
-        </p:txBody>
-      </p:sp>
-      <p:sp>
-        <p:nvSpPr>
-          <p:cNvPr id="26" name="TextBox 25"/>
-          <p:cNvSpPr txBox="1"/>
-          <p:nvPr/>
-        </p:nvSpPr>
-        <p:spPr>
-          <a:xfrm>
-            <a:off x="3841012" y="2699130"/>
-            <a:ext cx="546279" cy="184666"/>
-          </a:xfrm>
-          <a:prstGeom prst="rect">
-            <a:avLst/>
-          </a:prstGeom>
-          <a:noFill/>
-        </p:spPr>
-        <p:txBody>
-          <a:bodyPr wrap="square" rtlCol="0">
-            <a:spAutoFit/>
-          </a:bodyPr>
-          <a:lstStyle/>
-          <a:p>
-            <a:r>
-              <a:rPr lang="en-US" sz="600" dirty="0" err="1"/>
-              <a:t>nsg</a:t>
-            </a:r>
-            <a:r>
-              <a:rPr lang="en-US" sz="600" dirty="0"/>
-              <a:t>-ASE</a:t>
-            </a:r>
-          </a:p>
-        </p:txBody>
-      </p:sp>
-      <p:sp>
-        <p:nvSpPr>
-          <p:cNvPr id="27" name="TextBox 26"/>
-          <p:cNvSpPr txBox="1"/>
-          <p:nvPr/>
-        </p:nvSpPr>
-        <p:spPr>
-          <a:xfrm>
-            <a:off x="3767464" y="1738249"/>
-            <a:ext cx="689051" cy="276999"/>
-          </a:xfrm>
-          <a:prstGeom prst="rect">
-            <a:avLst/>
-          </a:prstGeom>
-          <a:noFill/>
-        </p:spPr>
-        <p:txBody>
-          <a:bodyPr wrap="square" rtlCol="0">
-            <a:spAutoFit/>
-          </a:bodyPr>
-          <a:lstStyle/>
-          <a:p>
-            <a:r>
-              <a:rPr lang="en-US" sz="600" dirty="0" err="1"/>
-              <a:t>nsg-appGateway</a:t>
-            </a:r>
-            <a:endParaRPr lang="en-US" sz="600" dirty="0"/>
-          </a:p>
-        </p:txBody>
-      </p:sp>
-      <p:sp>
-        <p:nvSpPr>
-          <p:cNvPr id="28" name="TextBox 27"/>
-          <p:cNvSpPr txBox="1"/>
-          <p:nvPr/>
-        </p:nvSpPr>
-        <p:spPr>
-          <a:xfrm>
-            <a:off x="2145100" y="1245956"/>
-            <a:ext cx="720395" cy="184666"/>
-          </a:xfrm>
-          <a:prstGeom prst="rect">
-            <a:avLst/>
-          </a:prstGeom>
-          <a:noFill/>
-        </p:spPr>
-        <p:txBody>
-          <a:bodyPr wrap="square" rtlCol="0">
-            <a:spAutoFit/>
-          </a:bodyPr>
-          <a:lstStyle/>
-          <a:p>
-            <a:r>
-              <a:rPr lang="en-US" sz="600" b="1" dirty="0"/>
-              <a:t>Resource Group</a:t>
-            </a:r>
-          </a:p>
-        </p:txBody>
-      </p:sp>
-      <p:sp>
-        <p:nvSpPr>
-          <p:cNvPr id="29" name="TextBox 28"/>
-          <p:cNvSpPr txBox="1"/>
-          <p:nvPr/>
-        </p:nvSpPr>
-        <p:spPr>
-          <a:xfrm>
-            <a:off x="2189065" y="1464924"/>
-            <a:ext cx="605972" cy="276999"/>
-          </a:xfrm>
-          <a:prstGeom prst="rect">
-            <a:avLst/>
-          </a:prstGeom>
-          <a:noFill/>
-        </p:spPr>
-        <p:txBody>
-          <a:bodyPr wrap="square" rtlCol="0">
-            <a:spAutoFit/>
-          </a:bodyPr>
-          <a:lstStyle/>
-          <a:p>
-            <a:r>
-              <a:rPr lang="en-US" sz="600" b="1" dirty="0" err="1"/>
-              <a:t>vNet-pci-paas</a:t>
-            </a:r>
-            <a:endParaRPr lang="en-US" sz="600" b="1" dirty="0"/>
-          </a:p>
-        </p:txBody>
-      </p:sp>
-      <p:pic>
-        <p:nvPicPr>
-          <p:cNvPr id="30" name="Picture 29"/>
-          <p:cNvPicPr>
-            <a:picLocks noChangeAspect="1"/>
-          </p:cNvPicPr>
-          <p:nvPr/>
-        </p:nvPicPr>
-        <p:blipFill>
-          <a:blip r:embed="rId12">
-            <a:extLst>
-              <a:ext uri="{28A0092B-C50C-407E-A947-70E740481C1C}">
-                <a14:useLocalDpi xmlns:a14="http://schemas.microsoft.com/office/drawing/2010/main" val="0"/>
-              </a:ext>
-            </a:extLst>
-          </a:blip>
-          <a:stretch>
-            <a:fillRect/>
-          </a:stretch>
-        </p:blipFill>
-        <p:spPr>
-          <a:xfrm>
-            <a:off x="2106136" y="1468699"/>
-            <a:ext cx="161724" cy="161724"/>
-          </a:xfrm>
-          <a:prstGeom prst="rect">
-            <a:avLst/>
-          </a:prstGeom>
-        </p:spPr>
-      </p:pic>
-      <p:pic>
-        <p:nvPicPr>
-          <p:cNvPr id="31" name="Picture 30"/>
-          <p:cNvPicPr>
-            <a:picLocks noChangeAspect="1"/>
-          </p:cNvPicPr>
-          <p:nvPr/>
-        </p:nvPicPr>
-        <p:blipFill>
-          <a:blip r:embed="rId13">
-            <a:extLst>
-              <a:ext uri="{28A0092B-C50C-407E-A947-70E740481C1C}">
-                <a14:useLocalDpi xmlns:a14="http://schemas.microsoft.com/office/drawing/2010/main" val="0"/>
-              </a:ext>
-            </a:extLst>
-          </a:blip>
-          <a:stretch>
-            <a:fillRect/>
-          </a:stretch>
-        </p:blipFill>
-        <p:spPr>
-          <a:xfrm>
-            <a:off x="2992367" y="3711661"/>
-            <a:ext cx="161824" cy="161824"/>
-          </a:xfrm>
-          <a:prstGeom prst="rect">
-            <a:avLst/>
-          </a:prstGeom>
-        </p:spPr>
-      </p:pic>
-      <p:sp>
-        <p:nvSpPr>
-          <p:cNvPr id="32" name="TextBox 31"/>
-          <p:cNvSpPr txBox="1"/>
-          <p:nvPr/>
-        </p:nvSpPr>
-        <p:spPr>
-          <a:xfrm>
-            <a:off x="3039033" y="3757344"/>
-            <a:ext cx="708405" cy="184666"/>
-          </a:xfrm>
-          <a:prstGeom prst="rect">
-            <a:avLst/>
-          </a:prstGeom>
-          <a:noFill/>
-        </p:spPr>
-        <p:txBody>
-          <a:bodyPr wrap="square" rtlCol="0">
-            <a:spAutoFit/>
-          </a:bodyPr>
-          <a:lstStyle/>
-          <a:p>
-            <a:r>
-              <a:rPr lang="en-US" sz="600" dirty="0"/>
-              <a:t>App Insights</a:t>
-            </a:r>
-          </a:p>
-        </p:txBody>
-      </p:sp>
-      <p:pic>
-        <p:nvPicPr>
-          <p:cNvPr id="33" name="Picture 32"/>
-          <p:cNvPicPr>
-            <a:picLocks noChangeAspect="1"/>
-          </p:cNvPicPr>
-          <p:nvPr/>
-        </p:nvPicPr>
-        <p:blipFill>
-          <a:blip r:embed="rId14">
-            <a:extLst>
-              <a:ext uri="{28A0092B-C50C-407E-A947-70E740481C1C}">
-                <a14:useLocalDpi xmlns:a14="http://schemas.microsoft.com/office/drawing/2010/main" val="0"/>
-              </a:ext>
-            </a:extLst>
-          </a:blip>
-          <a:stretch>
-            <a:fillRect/>
-          </a:stretch>
-        </p:blipFill>
-        <p:spPr>
-          <a:xfrm>
-            <a:off x="4471063" y="4676464"/>
-            <a:ext cx="337054" cy="337054"/>
-          </a:xfrm>
-          <a:prstGeom prst="rect">
-            <a:avLst/>
-          </a:prstGeom>
-        </p:spPr>
-      </p:pic>
-      <p:cxnSp>
-        <p:nvCxnSpPr>
-          <p:cNvPr id="34" name="Straight Arrow Connector 33"/>
-          <p:cNvCxnSpPr>
-            <a:cxnSpLocks/>
-            <a:stCxn id="14" idx="2"/>
-            <a:endCxn id="90" idx="0"/>
-          </p:cNvCxnSpPr>
-          <p:nvPr/>
-        </p:nvCxnSpPr>
-        <p:spPr>
-          <a:xfrm flipH="1">
-            <a:off x="3108186" y="2535270"/>
-            <a:ext cx="20061" cy="409415"/>
-          </a:xfrm>
-          <a:prstGeom prst="straightConnector1">
-            <a:avLst/>
-          </a:prstGeom>
-          <a:ln w="19050">
-            <a:solidFill>
-              <a:schemeClr val="accent2"/>
-            </a:solidFill>
-            <a:tailEnd type="triangle"/>
-          </a:ln>
-        </p:spPr>
-        <p:style>
-          <a:lnRef idx="1">
-            <a:schemeClr val="accent1"/>
-          </a:lnRef>
-          <a:fillRef idx="0">
-            <a:schemeClr val="accent1"/>
-          </a:fillRef>
-          <a:effectRef idx="0">
-            <a:schemeClr val="accent1"/>
-          </a:effectRef>
-          <a:fontRef idx="minor">
-            <a:schemeClr val="tx1"/>
-          </a:fontRef>
-        </p:style>
-      </p:cxnSp>
-      <p:cxnSp>
-        <p:nvCxnSpPr>
-          <p:cNvPr id="35" name="Straight Arrow Connector 34"/>
-          <p:cNvCxnSpPr>
-            <a:cxnSpLocks/>
-            <a:stCxn id="31" idx="3"/>
-            <a:endCxn id="21" idx="1"/>
-          </p:cNvCxnSpPr>
-          <p:nvPr/>
-        </p:nvCxnSpPr>
-        <p:spPr>
-          <a:xfrm flipV="1">
-            <a:off x="3154191" y="3791984"/>
-            <a:ext cx="2009045" cy="589"/>
-          </a:xfrm>
-          <a:prstGeom prst="straightConnector1">
-            <a:avLst/>
-          </a:prstGeom>
-          <a:ln>
-            <a:prstDash val="dashDot"/>
-            <a:tailEnd type="triangle"/>
-          </a:ln>
-        </p:spPr>
-        <p:style>
-          <a:lnRef idx="1">
-            <a:schemeClr val="accent1"/>
-          </a:lnRef>
-          <a:fillRef idx="0">
-            <a:schemeClr val="accent1"/>
-          </a:fillRef>
-          <a:effectRef idx="0">
-            <a:schemeClr val="accent1"/>
-          </a:effectRef>
-          <a:fontRef idx="minor">
-            <a:schemeClr val="tx1"/>
-          </a:fontRef>
-        </p:style>
-      </p:cxnSp>
-      <p:sp>
-        <p:nvSpPr>
-          <p:cNvPr id="36" name="TextBox 35"/>
-          <p:cNvSpPr txBox="1"/>
-          <p:nvPr/>
-        </p:nvSpPr>
-        <p:spPr>
-          <a:xfrm rot="20201567">
-            <a:off x="3827335" y="3435487"/>
-            <a:ext cx="469092" cy="276999"/>
-          </a:xfrm>
-          <a:prstGeom prst="rect">
-            <a:avLst/>
-          </a:prstGeom>
-          <a:noFill/>
-        </p:spPr>
-        <p:txBody>
-          <a:bodyPr wrap="square" rtlCol="0">
-            <a:spAutoFit/>
-          </a:bodyPr>
-          <a:lstStyle/>
-          <a:p>
-            <a:r>
-              <a:rPr lang="en-US" sz="600" dirty="0"/>
-              <a:t>Pull metrics</a:t>
-            </a:r>
-          </a:p>
-        </p:txBody>
-      </p:sp>
-      <p:sp>
-        <p:nvSpPr>
-          <p:cNvPr id="37" name="TextBox 36"/>
-          <p:cNvSpPr txBox="1"/>
-          <p:nvPr/>
-        </p:nvSpPr>
-        <p:spPr>
-          <a:xfrm rot="19143378">
-            <a:off x="6111155" y="2906545"/>
-            <a:ext cx="852423" cy="200055"/>
-          </a:xfrm>
-          <a:prstGeom prst="rect">
-            <a:avLst/>
-          </a:prstGeom>
-          <a:noFill/>
-        </p:spPr>
-        <p:txBody>
-          <a:bodyPr wrap="square" rtlCol="0">
-            <a:spAutoFit/>
-          </a:bodyPr>
-          <a:lstStyle/>
-          <a:p>
-            <a:r>
-              <a:rPr lang="en-US" sz="700" dirty="0"/>
-              <a:t>Ingest metrics</a:t>
-            </a:r>
-          </a:p>
-        </p:txBody>
-      </p:sp>
-      <p:cxnSp>
-        <p:nvCxnSpPr>
-          <p:cNvPr id="38" name="Connector: Elbow 37"/>
-          <p:cNvCxnSpPr>
-            <a:cxnSpLocks/>
-            <a:stCxn id="17" idx="2"/>
-            <a:endCxn id="47" idx="2"/>
-          </p:cNvCxnSpPr>
-          <p:nvPr/>
-        </p:nvCxnSpPr>
-        <p:spPr>
-          <a:xfrm rot="16200000" flipH="1">
-            <a:off x="5103568" y="1484777"/>
-            <a:ext cx="86969" cy="4841358"/>
-          </a:xfrm>
-          <a:prstGeom prst="bentConnector3">
-            <a:avLst>
-              <a:gd name="adj1" fmla="val 678275"/>
-            </a:avLst>
-          </a:prstGeom>
-          <a:ln w="19050">
-            <a:solidFill>
-              <a:schemeClr val="accent2"/>
-            </a:solidFill>
-            <a:tailEnd type="triangle"/>
-          </a:ln>
-        </p:spPr>
-        <p:style>
-          <a:lnRef idx="1">
-            <a:schemeClr val="accent1"/>
-          </a:lnRef>
-          <a:fillRef idx="0">
-            <a:schemeClr val="accent1"/>
-          </a:fillRef>
-          <a:effectRef idx="0">
-            <a:schemeClr val="accent1"/>
-          </a:effectRef>
-          <a:fontRef idx="minor">
-            <a:schemeClr val="tx1"/>
-          </a:fontRef>
-        </p:style>
-      </p:cxnSp>
-      <p:pic>
-        <p:nvPicPr>
-          <p:cNvPr id="39" name="Picture 38"/>
-          <p:cNvPicPr>
-            <a:picLocks noChangeAspect="1"/>
-          </p:cNvPicPr>
-          <p:nvPr/>
-        </p:nvPicPr>
-        <p:blipFill>
-          <a:blip r:embed="rId15">
-            <a:extLst>
-              <a:ext uri="{28A0092B-C50C-407E-A947-70E740481C1C}">
-                <a14:useLocalDpi xmlns:a14="http://schemas.microsoft.com/office/drawing/2010/main" val="0"/>
-              </a:ext>
-            </a:extLst>
-          </a:blip>
-          <a:stretch>
-            <a:fillRect/>
-          </a:stretch>
-        </p:blipFill>
-        <p:spPr>
-          <a:xfrm>
-            <a:off x="2867404" y="4678223"/>
-            <a:ext cx="391406" cy="391406"/>
-          </a:xfrm>
-          <a:prstGeom prst="rect">
-            <a:avLst/>
-          </a:prstGeom>
-        </p:spPr>
-      </p:pic>
-      <p:pic>
-        <p:nvPicPr>
-          <p:cNvPr id="40" name="Picture 39" descr="Making Security Shiny - The Blog of Tom Webster"/>
-          <p:cNvPicPr>
-            <a:picLocks noChangeAspect="1"/>
-          </p:cNvPicPr>
-          <p:nvPr/>
-        </p:nvPicPr>
-        <p:blipFill>
-          <a:blip r:embed="rId16">
-            <a:extLst>
-              <a:ext uri="{28A0092B-C50C-407E-A947-70E740481C1C}">
-                <a14:useLocalDpi xmlns:a14="http://schemas.microsoft.com/office/drawing/2010/main" val="0"/>
-              </a:ext>
-            </a:extLst>
-          </a:blip>
-          <a:stretch>
-            <a:fillRect/>
-          </a:stretch>
-        </p:blipFill>
-        <p:spPr>
-          <a:xfrm>
-            <a:off x="3211049" y="4693079"/>
-            <a:ext cx="206343" cy="196893"/>
-          </a:xfrm>
-          <a:prstGeom prst="rect">
-            <a:avLst/>
-          </a:prstGeom>
-        </p:spPr>
-      </p:pic>
-      <p:sp>
-        <p:nvSpPr>
-          <p:cNvPr id="41" name="TextBox 40"/>
-          <p:cNvSpPr txBox="1"/>
-          <p:nvPr/>
-        </p:nvSpPr>
-        <p:spPr>
-          <a:xfrm>
-            <a:off x="3211046" y="4810869"/>
-            <a:ext cx="543398" cy="276999"/>
-          </a:xfrm>
-          <a:prstGeom prst="rect">
-            <a:avLst/>
-          </a:prstGeom>
-          <a:noFill/>
-        </p:spPr>
-        <p:txBody>
-          <a:bodyPr wrap="square" rtlCol="0">
-            <a:spAutoFit/>
-          </a:bodyPr>
-          <a:lstStyle/>
-          <a:p>
-            <a:r>
-              <a:rPr lang="en-US" sz="600" dirty="0"/>
-              <a:t>Keys and Secrets</a:t>
-            </a:r>
-          </a:p>
-        </p:txBody>
-      </p:sp>
-      <p:cxnSp>
-        <p:nvCxnSpPr>
-          <p:cNvPr id="42" name="Straight Arrow Connector 41"/>
-          <p:cNvCxnSpPr>
-            <a:cxnSpLocks/>
-            <a:endCxn id="63" idx="2"/>
-          </p:cNvCxnSpPr>
-          <p:nvPr/>
-        </p:nvCxnSpPr>
-        <p:spPr>
-          <a:xfrm flipH="1" flipV="1">
-            <a:off x="7564132" y="2645635"/>
-            <a:ext cx="12746" cy="610264"/>
-          </a:xfrm>
-          <a:prstGeom prst="straightConnector1">
-            <a:avLst/>
-          </a:prstGeom>
-          <a:ln>
-            <a:tailEnd type="triangle"/>
-          </a:ln>
-        </p:spPr>
-        <p:style>
-          <a:lnRef idx="1">
-            <a:schemeClr val="accent1"/>
-          </a:lnRef>
-          <a:fillRef idx="0">
-            <a:schemeClr val="accent1"/>
-          </a:fillRef>
-          <a:effectRef idx="0">
-            <a:schemeClr val="accent1"/>
-          </a:effectRef>
-          <a:fontRef idx="minor">
-            <a:schemeClr val="tx1"/>
-          </a:fontRef>
-        </p:style>
-      </p:cxnSp>
-      <p:grpSp>
-        <p:nvGrpSpPr>
-          <p:cNvPr id="43" name="Group 42"/>
-          <p:cNvGrpSpPr/>
-          <p:nvPr/>
-        </p:nvGrpSpPr>
-        <p:grpSpPr>
-          <a:xfrm>
-            <a:off x="7016772" y="2918296"/>
-            <a:ext cx="1104021" cy="1030647"/>
-            <a:chOff x="6916499" y="3022407"/>
-            <a:chExt cx="1104021" cy="1030647"/>
-          </a:xfrm>
-        </p:grpSpPr>
-        <p:sp>
-          <p:nvSpPr>
-            <p:cNvPr id="44" name="Rectangle: Rounded Corners 43"/>
-            <p:cNvSpPr/>
-            <p:nvPr/>
-          </p:nvSpPr>
-          <p:spPr>
-            <a:xfrm>
-              <a:off x="6916499" y="3381175"/>
-              <a:ext cx="1104021" cy="650715"/>
-            </a:xfrm>
-            <a:prstGeom prst="roundRect">
-              <a:avLst>
-                <a:gd name="adj" fmla="val 4803"/>
-              </a:avLst>
-            </a:prstGeom>
-            <a:solidFill>
-              <a:schemeClr val="bg1">
-                <a:lumMod val="95000"/>
-              </a:schemeClr>
-            </a:solidFill>
-            <a:ln w="12700">
-              <a:prstDash val="sysDot"/>
-            </a:ln>
-          </p:spPr>
-          <p:style>
-            <a:lnRef idx="2">
-              <a:schemeClr val="accent3"/>
-            </a:lnRef>
-            <a:fillRef idx="1">
-              <a:schemeClr val="lt1"/>
-            </a:fillRef>
-            <a:effectRef idx="0">
-              <a:schemeClr val="accent3"/>
-            </a:effectRef>
-            <a:fontRef idx="minor">
-              <a:schemeClr val="dk1"/>
-            </a:fontRef>
-          </p:style>
-          <p:txBody>
-            <a:bodyPr rtlCol="0" anchor="ctr"/>
-            <a:lstStyle/>
-            <a:p>
-              <a:pPr algn="ctr"/>
-              <a:endParaRPr lang="en-US" sz="2400"/>
-            </a:p>
-          </p:txBody>
-        </p:sp>
-        <p:pic>
-          <p:nvPicPr>
-            <p:cNvPr id="45" name="Picture 44"/>
-            <p:cNvPicPr>
-              <a:picLocks noChangeAspect="1"/>
-            </p:cNvPicPr>
-            <p:nvPr/>
-          </p:nvPicPr>
-          <p:blipFill>
-            <a:blip r:embed="rId17">
-              <a:extLst>
-                <a:ext uri="{28A0092B-C50C-407E-A947-70E740481C1C}">
-                  <a14:useLocalDpi xmlns:a14="http://schemas.microsoft.com/office/drawing/2010/main" val="0"/>
-                </a:ext>
-              </a:extLst>
-            </a:blip>
-            <a:stretch>
-              <a:fillRect/>
-            </a:stretch>
-          </p:blipFill>
-          <p:spPr>
-            <a:xfrm>
-              <a:off x="7303257" y="3460712"/>
-              <a:ext cx="328398" cy="328398"/>
-            </a:xfrm>
-            <a:prstGeom prst="rect">
-              <a:avLst/>
-            </a:prstGeom>
-          </p:spPr>
-        </p:pic>
-        <p:sp>
-          <p:nvSpPr>
-            <p:cNvPr id="46" name="TextBox 45"/>
-            <p:cNvSpPr txBox="1"/>
-            <p:nvPr/>
-          </p:nvSpPr>
-          <p:spPr>
-            <a:xfrm>
-              <a:off x="7434589" y="3649874"/>
-              <a:ext cx="421570" cy="184666"/>
-            </a:xfrm>
-            <a:prstGeom prst="rect">
-              <a:avLst/>
-            </a:prstGeom>
-            <a:noFill/>
-          </p:spPr>
-          <p:txBody>
-            <a:bodyPr wrap="square" rtlCol="0">
-              <a:spAutoFit/>
-            </a:bodyPr>
-            <a:lstStyle/>
-            <a:p>
-              <a:r>
-                <a:rPr lang="en-US" sz="600" dirty="0"/>
-                <a:t>SQL DB</a:t>
-              </a:r>
-            </a:p>
-          </p:txBody>
-        </p:sp>
-        <p:pic>
-          <p:nvPicPr>
-            <p:cNvPr id="47" name="Picture 46"/>
-            <p:cNvPicPr>
-              <a:picLocks noChangeAspect="1"/>
-            </p:cNvPicPr>
-            <p:nvPr/>
-          </p:nvPicPr>
-          <p:blipFill>
-            <a:blip r:embed="rId7"/>
-            <a:stretch>
-              <a:fillRect/>
-            </a:stretch>
-          </p:blipFill>
-          <p:spPr>
-            <a:xfrm>
-              <a:off x="7136012" y="3857326"/>
-              <a:ext cx="662892" cy="195728"/>
-            </a:xfrm>
-            <a:prstGeom prst="rect">
-              <a:avLst/>
-            </a:prstGeom>
-          </p:spPr>
-        </p:pic>
-        <p:sp>
-          <p:nvSpPr>
-            <p:cNvPr id="48" name="TextBox 47"/>
-            <p:cNvSpPr txBox="1"/>
-            <p:nvPr/>
-          </p:nvSpPr>
-          <p:spPr>
-            <a:xfrm>
-              <a:off x="7246330" y="3022407"/>
-              <a:ext cx="376517" cy="276999"/>
-            </a:xfrm>
-            <a:prstGeom prst="rect">
-              <a:avLst/>
-            </a:prstGeom>
-            <a:noFill/>
-          </p:spPr>
-          <p:txBody>
-            <a:bodyPr wrap="square" rtlCol="0">
-              <a:spAutoFit/>
-            </a:bodyPr>
-            <a:lstStyle/>
-            <a:p>
-              <a:r>
-                <a:rPr lang="en-US" sz="600" dirty="0"/>
-                <a:t>Ops Logs</a:t>
-              </a:r>
-            </a:p>
-          </p:txBody>
-        </p:sp>
-      </p:grpSp>
-      <p:pic>
-        <p:nvPicPr>
-          <p:cNvPr id="49" name="Picture 48" descr="multiple user icons different colors - vector Clip Art"/>
-          <p:cNvPicPr>
-            <a:picLocks noChangeAspect="1"/>
-          </p:cNvPicPr>
-          <p:nvPr/>
-        </p:nvPicPr>
-        <p:blipFill>
-          <a:blip r:embed="rId18">
-            <a:extLst>
-              <a:ext uri="{28A0092B-C50C-407E-A947-70E740481C1C}">
-                <a14:useLocalDpi xmlns:a14="http://schemas.microsoft.com/office/drawing/2010/main" val="0"/>
-              </a:ext>
-            </a:extLst>
-          </a:blip>
-          <a:stretch>
-            <a:fillRect/>
-          </a:stretch>
-        </p:blipFill>
-        <p:spPr>
-          <a:xfrm>
-            <a:off x="2980280" y="396341"/>
-            <a:ext cx="225000" cy="241875"/>
-          </a:xfrm>
-          <a:prstGeom prst="rect">
-            <a:avLst/>
-          </a:prstGeom>
-        </p:spPr>
-      </p:pic>
-      <p:sp>
-        <p:nvSpPr>
-          <p:cNvPr id="50" name="TextBox 49"/>
-          <p:cNvSpPr txBox="1"/>
-          <p:nvPr/>
-        </p:nvSpPr>
-        <p:spPr>
-          <a:xfrm>
-            <a:off x="2456441" y="607138"/>
-            <a:ext cx="695271" cy="276999"/>
-          </a:xfrm>
-          <a:prstGeom prst="rect">
-            <a:avLst/>
-          </a:prstGeom>
-          <a:noFill/>
-        </p:spPr>
-        <p:txBody>
-          <a:bodyPr wrap="square" rtlCol="0">
-            <a:spAutoFit/>
-          </a:bodyPr>
-          <a:lstStyle/>
-          <a:p>
-            <a:r>
-              <a:rPr lang="en-US" sz="600" dirty="0"/>
-              <a:t>Customer / Cardholder</a:t>
-            </a:r>
-          </a:p>
-        </p:txBody>
-      </p:sp>
-      <p:cxnSp>
-        <p:nvCxnSpPr>
-          <p:cNvPr id="51" name="Straight Arrow Connector 50"/>
-          <p:cNvCxnSpPr>
-            <a:cxnSpLocks/>
-            <a:endCxn id="15" idx="0"/>
-          </p:cNvCxnSpPr>
-          <p:nvPr/>
-        </p:nvCxnSpPr>
-        <p:spPr>
-          <a:xfrm>
-            <a:off x="3104932" y="870338"/>
-            <a:ext cx="7828" cy="1031033"/>
-          </a:xfrm>
-          <a:prstGeom prst="straightConnector1">
-            <a:avLst/>
-          </a:prstGeom>
-          <a:ln w="19050">
-            <a:solidFill>
-              <a:schemeClr val="accent2"/>
-            </a:solidFill>
-            <a:tailEnd type="triangle"/>
-          </a:ln>
-        </p:spPr>
-        <p:style>
-          <a:lnRef idx="1">
-            <a:schemeClr val="accent1"/>
-          </a:lnRef>
-          <a:fillRef idx="0">
-            <a:schemeClr val="accent1"/>
-          </a:fillRef>
-          <a:effectRef idx="0">
-            <a:schemeClr val="accent1"/>
-          </a:effectRef>
-          <a:fontRef idx="minor">
-            <a:schemeClr val="tx1"/>
-          </a:fontRef>
-        </p:style>
-      </p:cxnSp>
-      <p:pic>
-        <p:nvPicPr>
-          <p:cNvPr id="52" name="Picture 51"/>
-          <p:cNvPicPr>
-            <a:picLocks noChangeAspect="1"/>
-          </p:cNvPicPr>
-          <p:nvPr/>
-        </p:nvPicPr>
-        <p:blipFill>
-          <a:blip r:embed="rId19"/>
-          <a:stretch>
-            <a:fillRect/>
-          </a:stretch>
-        </p:blipFill>
-        <p:spPr>
-          <a:xfrm>
-            <a:off x="3215200" y="532215"/>
-            <a:ext cx="653883" cy="445610"/>
-          </a:xfrm>
-          <a:prstGeom prst="rect">
-            <a:avLst/>
-          </a:prstGeom>
-        </p:spPr>
-      </p:pic>
-      <p:pic>
-        <p:nvPicPr>
-          <p:cNvPr id="53" name="Picture 52" descr="透過 Certificate Revocation List + HAProxy 來管理 HTTPS 連線 ..."/>
-          <p:cNvPicPr>
-            <a:picLocks noChangeAspect="1"/>
-          </p:cNvPicPr>
-          <p:nvPr/>
-        </p:nvPicPr>
-        <p:blipFill>
-          <a:blip r:embed="rId20">
-            <a:extLst>
-              <a:ext uri="{28A0092B-C50C-407E-A947-70E740481C1C}">
-                <a14:useLocalDpi xmlns:a14="http://schemas.microsoft.com/office/drawing/2010/main" val="0"/>
-              </a:ext>
-            </a:extLst>
-          </a:blip>
-          <a:stretch>
-            <a:fillRect/>
-          </a:stretch>
-        </p:blipFill>
-        <p:spPr>
-          <a:xfrm>
-            <a:off x="3017293" y="2569443"/>
-            <a:ext cx="113109" cy="131311"/>
-          </a:xfrm>
-          <a:prstGeom prst="rect">
-            <a:avLst/>
-          </a:prstGeom>
-        </p:spPr>
-      </p:pic>
-      <p:pic>
-        <p:nvPicPr>
-          <p:cNvPr id="54" name="Picture 53" descr="透過 Certificate Revocation List + HAProxy 來管理 HTTPS 連線 ..."/>
-          <p:cNvPicPr>
-            <a:picLocks noChangeAspect="1"/>
-          </p:cNvPicPr>
-          <p:nvPr/>
-        </p:nvPicPr>
-        <p:blipFill>
-          <a:blip r:embed="rId20">
-            <a:extLst>
-              <a:ext uri="{28A0092B-C50C-407E-A947-70E740481C1C}">
-                <a14:useLocalDpi xmlns:a14="http://schemas.microsoft.com/office/drawing/2010/main" val="0"/>
-              </a:ext>
-            </a:extLst>
-          </a:blip>
-          <a:stretch>
-            <a:fillRect/>
-          </a:stretch>
-        </p:blipFill>
-        <p:spPr>
-          <a:xfrm>
-            <a:off x="2821153" y="842886"/>
-            <a:ext cx="267840" cy="310942"/>
-          </a:xfrm>
-          <a:prstGeom prst="rect">
-            <a:avLst/>
-          </a:prstGeom>
-        </p:spPr>
-      </p:pic>
-      <p:sp>
-        <p:nvSpPr>
-          <p:cNvPr id="55" name="Arrow: Curved Right 54"/>
-          <p:cNvSpPr/>
-          <p:nvPr/>
-        </p:nvSpPr>
-        <p:spPr>
-          <a:xfrm flipH="1">
-            <a:off x="3288414" y="2372225"/>
-            <a:ext cx="221239" cy="762212"/>
-          </a:xfrm>
-          <a:prstGeom prst="curvedRightArrow">
-            <a:avLst/>
-          </a:prstGeom>
-          <a:solidFill>
-            <a:srgbClr val="FFFF00"/>
-          </a:solidFill>
-          <a:ln w="6350">
-            <a:solidFill>
-              <a:schemeClr val="accent4"/>
-            </a:solidFill>
-          </a:ln>
-        </p:spPr>
-        <p:style>
-          <a:lnRef idx="2">
-            <a:schemeClr val="accent1">
-              <a:shade val="50000"/>
-            </a:schemeClr>
-          </a:lnRef>
-          <a:fillRef idx="1">
-            <a:schemeClr val="accent1"/>
-          </a:fillRef>
-          <a:effectRef idx="0">
-            <a:schemeClr val="accent1"/>
-          </a:effectRef>
-          <a:fontRef idx="minor">
-            <a:schemeClr val="lt1"/>
-          </a:fontRef>
-        </p:style>
-        <p:txBody>
-          <a:bodyPr vert="vert" rtlCol="0" anchor="t"/>
-          <a:lstStyle/>
-          <a:p>
-            <a:endParaRPr lang="en-US" sz="800" dirty="0">
-              <a:solidFill>
-                <a:schemeClr val="tx1"/>
-              </a:solidFill>
-            </a:endParaRPr>
-          </a:p>
-        </p:txBody>
-      </p:sp>
-      <p:pic>
-        <p:nvPicPr>
-          <p:cNvPr id="56" name="Picture 55"/>
-          <p:cNvPicPr>
-            <a:picLocks noChangeAspect="1"/>
-          </p:cNvPicPr>
-          <p:nvPr/>
-        </p:nvPicPr>
-        <p:blipFill>
-          <a:blip r:embed="rId5"/>
-          <a:stretch>
-            <a:fillRect/>
-          </a:stretch>
-        </p:blipFill>
-        <p:spPr>
-          <a:xfrm>
-            <a:off x="3881199" y="2569441"/>
-            <a:ext cx="288727" cy="238000"/>
-          </a:xfrm>
-          <a:prstGeom prst="rect">
-            <a:avLst/>
-          </a:prstGeom>
-        </p:spPr>
-      </p:pic>
-      <p:sp>
-        <p:nvSpPr>
-          <p:cNvPr id="57" name="Rectangle 56"/>
-          <p:cNvSpPr/>
-          <p:nvPr/>
-        </p:nvSpPr>
-        <p:spPr>
-          <a:xfrm>
-            <a:off x="3366713" y="2335706"/>
-            <a:ext cx="513490" cy="338554"/>
-          </a:xfrm>
-          <a:prstGeom prst="rect">
-            <a:avLst/>
-          </a:prstGeom>
-        </p:spPr>
-        <p:txBody>
-          <a:bodyPr wrap="square">
-            <a:spAutoFit/>
-          </a:bodyPr>
-          <a:lstStyle/>
-          <a:p>
-            <a:r>
-              <a:rPr lang="en-GB" sz="800" dirty="0"/>
-              <a:t>Custom probe</a:t>
-            </a:r>
-            <a:endParaRPr lang="en-US" sz="800" dirty="0"/>
-          </a:p>
-        </p:txBody>
-      </p:sp>
-      <p:pic>
-        <p:nvPicPr>
-          <p:cNvPr id="58" name="Picture 57"/>
-          <p:cNvPicPr>
-            <a:picLocks noChangeAspect="1"/>
-          </p:cNvPicPr>
-          <p:nvPr/>
-        </p:nvPicPr>
-        <p:blipFill>
-          <a:blip r:embed="rId21">
-            <a:extLst>
-              <a:ext uri="{28A0092B-C50C-407E-A947-70E740481C1C}">
-                <a14:useLocalDpi xmlns:a14="http://schemas.microsoft.com/office/drawing/2010/main" val="0"/>
-              </a:ext>
-            </a:extLst>
-          </a:blip>
-          <a:stretch>
-            <a:fillRect/>
-          </a:stretch>
-        </p:blipFill>
-        <p:spPr>
-          <a:xfrm>
-            <a:off x="212873" y="1842173"/>
-            <a:ext cx="390145" cy="390145"/>
-          </a:xfrm>
-          <a:prstGeom prst="rect">
-            <a:avLst/>
-          </a:prstGeom>
-        </p:spPr>
-      </p:pic>
-      <p:cxnSp>
-        <p:nvCxnSpPr>
-          <p:cNvPr id="59" name="Straight Connector 58"/>
-          <p:cNvCxnSpPr>
-            <a:stCxn id="58" idx="3"/>
-            <a:endCxn id="15" idx="1"/>
-          </p:cNvCxnSpPr>
-          <p:nvPr/>
-        </p:nvCxnSpPr>
-        <p:spPr>
-          <a:xfrm flipV="1">
-            <a:off x="603018" y="2031735"/>
-            <a:ext cx="2157518" cy="5511"/>
-          </a:xfrm>
-          <a:prstGeom prst="line">
-            <a:avLst/>
-          </a:prstGeom>
-          <a:ln>
-            <a:headEnd type="diamond" w="med" len="med"/>
-            <a:tailEnd type="triangle" w="med" len="med"/>
-          </a:ln>
-        </p:spPr>
-        <p:style>
-          <a:lnRef idx="1">
-            <a:schemeClr val="accent1"/>
-          </a:lnRef>
-          <a:fillRef idx="0">
-            <a:schemeClr val="accent1"/>
-          </a:fillRef>
-          <a:effectRef idx="0">
-            <a:schemeClr val="accent1"/>
-          </a:effectRef>
-          <a:fontRef idx="minor">
-            <a:schemeClr val="tx1"/>
-          </a:fontRef>
-        </p:style>
-      </p:cxnSp>
-      <p:cxnSp>
-        <p:nvCxnSpPr>
-          <p:cNvPr id="60" name="Straight Connector 59"/>
-          <p:cNvCxnSpPr>
-            <a:cxnSpLocks/>
-            <a:endCxn id="58" idx="0"/>
-          </p:cNvCxnSpPr>
-          <p:nvPr/>
-        </p:nvCxnSpPr>
-        <p:spPr>
-          <a:xfrm>
-            <a:off x="407945" y="1116990"/>
-            <a:ext cx="1" cy="725183"/>
-          </a:xfrm>
-          <a:prstGeom prst="line">
-            <a:avLst/>
-          </a:prstGeom>
-          <a:ln>
-            <a:headEnd type="diamond" w="med" len="med"/>
-            <a:tailEnd type="triangle" w="med" len="med"/>
-          </a:ln>
-        </p:spPr>
-        <p:style>
-          <a:lnRef idx="1">
-            <a:schemeClr val="accent1"/>
-          </a:lnRef>
-          <a:fillRef idx="0">
-            <a:schemeClr val="accent1"/>
-          </a:fillRef>
-          <a:effectRef idx="0">
-            <a:schemeClr val="accent1"/>
-          </a:effectRef>
-          <a:fontRef idx="minor">
-            <a:schemeClr val="tx1"/>
-          </a:fontRef>
-        </p:style>
-      </p:cxnSp>
-      <p:sp>
-        <p:nvSpPr>
-          <p:cNvPr id="61" name="TextBox 60"/>
-          <p:cNvSpPr txBox="1"/>
-          <p:nvPr/>
-        </p:nvSpPr>
-        <p:spPr>
-          <a:xfrm>
-            <a:off x="205517" y="532215"/>
-            <a:ext cx="1308371" cy="646331"/>
-          </a:xfrm>
-          <a:prstGeom prst="rect">
-            <a:avLst/>
-          </a:prstGeom>
-          <a:noFill/>
-        </p:spPr>
-        <p:txBody>
-          <a:bodyPr wrap="none" rtlCol="0">
-            <a:spAutoFit/>
-          </a:bodyPr>
-          <a:lstStyle/>
-          <a:p>
-            <a:r>
-              <a:rPr lang="en-GB" sz="900" b="1" dirty="0"/>
-              <a:t>A record</a:t>
-            </a:r>
-            <a:r>
-              <a:rPr lang="en-GB" sz="900" dirty="0"/>
-              <a:t>: </a:t>
-            </a:r>
-          </a:p>
-          <a:p>
-            <a:r>
-              <a:rPr lang="en-GB" sz="900" dirty="0"/>
-              <a:t>azurepcisamples.com</a:t>
-            </a:r>
-          </a:p>
-          <a:p>
-            <a:r>
-              <a:rPr lang="en-GB" sz="900" dirty="0"/>
-              <a:t>To</a:t>
-            </a:r>
-          </a:p>
-          <a:p>
-            <a:r>
-              <a:rPr lang="en-GB" sz="900" dirty="0"/>
-              <a:t>App Gateway hostname</a:t>
-            </a:r>
-            <a:endParaRPr lang="en-US" sz="900" dirty="0"/>
-          </a:p>
-        </p:txBody>
-      </p:sp>
-      <p:sp>
-        <p:nvSpPr>
-          <p:cNvPr id="62" name="TextBox 61"/>
-          <p:cNvSpPr txBox="1"/>
-          <p:nvPr/>
-        </p:nvSpPr>
-        <p:spPr>
-          <a:xfrm>
-            <a:off x="710473" y="1611340"/>
-            <a:ext cx="1186543" cy="461665"/>
-          </a:xfrm>
-          <a:prstGeom prst="rect">
-            <a:avLst/>
-          </a:prstGeom>
-          <a:noFill/>
-        </p:spPr>
-        <p:txBody>
-          <a:bodyPr wrap="none" rtlCol="0">
-            <a:spAutoFit/>
-          </a:bodyPr>
-          <a:lstStyle/>
-          <a:p>
-            <a:r>
-              <a:rPr lang="en-GB" sz="800" b="1" dirty="0"/>
-              <a:t>External Public IP</a:t>
-            </a:r>
-            <a:r>
-              <a:rPr lang="en-GB" sz="800" dirty="0"/>
-              <a:t>: </a:t>
-            </a:r>
-          </a:p>
-          <a:p>
-            <a:r>
-              <a:rPr lang="en-GB" sz="800" dirty="0"/>
-              <a:t>Mapped to </a:t>
-            </a:r>
-          </a:p>
-          <a:p>
-            <a:r>
-              <a:rPr lang="en-GB" sz="800" dirty="0"/>
-              <a:t>App Gateway hostname</a:t>
-            </a:r>
-            <a:endParaRPr lang="en-US" sz="800" dirty="0"/>
-          </a:p>
-        </p:txBody>
-      </p:sp>
-      <p:sp>
-        <p:nvSpPr>
-          <p:cNvPr id="63" name="Rectangle: Rounded Corners 62"/>
-          <p:cNvSpPr/>
-          <p:nvPr/>
-        </p:nvSpPr>
-        <p:spPr>
-          <a:xfrm>
-            <a:off x="7022979" y="1692689"/>
-            <a:ext cx="1082309" cy="952946"/>
-          </a:xfrm>
-          <a:prstGeom prst="roundRect">
-            <a:avLst>
-              <a:gd name="adj" fmla="val 4803"/>
-            </a:avLst>
-          </a:prstGeom>
-          <a:solidFill>
-            <a:schemeClr val="bg1">
-              <a:lumMod val="95000"/>
-            </a:schemeClr>
-          </a:solidFill>
-          <a:ln w="12700">
-            <a:prstDash val="sysDot"/>
-          </a:ln>
-        </p:spPr>
-        <p:style>
-          <a:lnRef idx="2">
-            <a:schemeClr val="accent3"/>
-          </a:lnRef>
-          <a:fillRef idx="1">
-            <a:schemeClr val="lt1"/>
-          </a:fillRef>
-          <a:effectRef idx="0">
-            <a:schemeClr val="accent3"/>
-          </a:effectRef>
-          <a:fontRef idx="minor">
-            <a:schemeClr val="dk1"/>
-          </a:fontRef>
-        </p:style>
-        <p:txBody>
-          <a:bodyPr rtlCol="0" anchor="ctr"/>
-          <a:lstStyle/>
-          <a:p>
-            <a:pPr algn="ctr"/>
-            <a:endParaRPr lang="en-US" sz="2400"/>
-          </a:p>
-        </p:txBody>
-      </p:sp>
-      <p:sp>
-        <p:nvSpPr>
-          <p:cNvPr id="64" name="TextBox 63"/>
-          <p:cNvSpPr txBox="1"/>
-          <p:nvPr/>
-        </p:nvSpPr>
-        <p:spPr>
-          <a:xfrm>
-            <a:off x="4525281" y="4332081"/>
-            <a:ext cx="660758" cy="230832"/>
-          </a:xfrm>
-          <a:prstGeom prst="rect">
-            <a:avLst/>
-          </a:prstGeom>
-          <a:noFill/>
-        </p:spPr>
-        <p:txBody>
-          <a:bodyPr wrap="none" rtlCol="0">
-            <a:spAutoFit/>
-          </a:bodyPr>
-          <a:lstStyle/>
-          <a:p>
-            <a:r>
-              <a:rPr lang="en-GB" sz="900" dirty="0"/>
-              <a:t>Encrypted</a:t>
-            </a:r>
-            <a:endParaRPr lang="en-US" sz="1000" dirty="0"/>
-          </a:p>
-        </p:txBody>
-      </p:sp>
-      <p:cxnSp>
-        <p:nvCxnSpPr>
-          <p:cNvPr id="65" name="Straight Arrow Connector 64"/>
-          <p:cNvCxnSpPr>
-            <a:stCxn id="68" idx="1"/>
-            <a:endCxn id="67" idx="3"/>
-          </p:cNvCxnSpPr>
-          <p:nvPr/>
-        </p:nvCxnSpPr>
-        <p:spPr>
-          <a:xfrm flipH="1" flipV="1">
-            <a:off x="7457820" y="2291790"/>
-            <a:ext cx="255922" cy="9551"/>
-          </a:xfrm>
-          <a:prstGeom prst="straightConnector1">
-            <a:avLst/>
-          </a:prstGeom>
-          <a:ln>
-            <a:tailEnd type="triangle"/>
-          </a:ln>
-        </p:spPr>
-        <p:style>
-          <a:lnRef idx="1">
-            <a:schemeClr val="accent1"/>
-          </a:lnRef>
-          <a:fillRef idx="0">
-            <a:schemeClr val="accent1"/>
-          </a:fillRef>
-          <a:effectRef idx="0">
-            <a:schemeClr val="accent1"/>
-          </a:effectRef>
-          <a:fontRef idx="minor">
-            <a:schemeClr val="tx1"/>
-          </a:fontRef>
-        </p:style>
-      </p:cxnSp>
-      <p:grpSp>
-        <p:nvGrpSpPr>
-          <p:cNvPr id="66" name="Group 65"/>
-          <p:cNvGrpSpPr/>
-          <p:nvPr/>
-        </p:nvGrpSpPr>
-        <p:grpSpPr>
-          <a:xfrm>
-            <a:off x="7068871" y="1518085"/>
-            <a:ext cx="1102527" cy="1213941"/>
-            <a:chOff x="5368718" y="3041299"/>
-            <a:chExt cx="1102527" cy="1213941"/>
-          </a:xfrm>
-        </p:grpSpPr>
-        <p:pic>
-          <p:nvPicPr>
-            <p:cNvPr id="67" name="Picture 66"/>
-            <p:cNvPicPr>
-              <a:picLocks noChangeAspect="1"/>
-            </p:cNvPicPr>
-            <p:nvPr/>
-          </p:nvPicPr>
-          <p:blipFill>
-            <a:blip r:embed="rId22">
-              <a:extLst>
-                <a:ext uri="{28A0092B-C50C-407E-A947-70E740481C1C}">
-                  <a14:useLocalDpi xmlns:a14="http://schemas.microsoft.com/office/drawing/2010/main" val="0"/>
-                </a:ext>
-              </a:extLst>
-            </a:blip>
-            <a:stretch>
-              <a:fillRect/>
-            </a:stretch>
-          </p:blipFill>
-          <p:spPr>
-            <a:xfrm>
-              <a:off x="5513828" y="3693083"/>
-              <a:ext cx="243840" cy="243840"/>
-            </a:xfrm>
-            <a:prstGeom prst="rect">
-              <a:avLst/>
-            </a:prstGeom>
-          </p:spPr>
-        </p:pic>
-        <p:pic>
-          <p:nvPicPr>
-            <p:cNvPr id="68" name="Picture 67" descr="When clicking on the Office 365 dashboard, you can see all activities ..."/>
-            <p:cNvPicPr>
-              <a:picLocks noChangeAspect="1"/>
-            </p:cNvPicPr>
-            <p:nvPr/>
-          </p:nvPicPr>
-          <p:blipFill>
-            <a:blip r:embed="rId23">
-              <a:extLst>
-                <a:ext uri="{28A0092B-C50C-407E-A947-70E740481C1C}">
-                  <a14:useLocalDpi xmlns:a14="http://schemas.microsoft.com/office/drawing/2010/main" val="0"/>
-                </a:ext>
-              </a:extLst>
-            </a:blip>
-            <a:stretch>
-              <a:fillRect/>
-            </a:stretch>
-          </p:blipFill>
-          <p:spPr>
-            <a:xfrm>
-              <a:off x="6013590" y="3735889"/>
-              <a:ext cx="318151" cy="177330"/>
-            </a:xfrm>
-            <a:prstGeom prst="rect">
-              <a:avLst/>
-            </a:prstGeom>
-          </p:spPr>
-        </p:pic>
-        <p:sp>
-          <p:nvSpPr>
-            <p:cNvPr id="69" name="TextBox 68"/>
-            <p:cNvSpPr txBox="1"/>
-            <p:nvPr/>
-          </p:nvSpPr>
-          <p:spPr>
-            <a:xfrm>
-              <a:off x="5959512" y="3978241"/>
-              <a:ext cx="511733" cy="276999"/>
-            </a:xfrm>
-            <a:prstGeom prst="rect">
-              <a:avLst/>
-            </a:prstGeom>
-            <a:noFill/>
-          </p:spPr>
-          <p:txBody>
-            <a:bodyPr wrap="square" rtlCol="0">
-              <a:spAutoFit/>
-            </a:bodyPr>
-            <a:lstStyle/>
-            <a:p>
-              <a:r>
-                <a:rPr lang="en-US" sz="600" dirty="0"/>
-                <a:t>Dashboards</a:t>
-              </a:r>
-            </a:p>
-          </p:txBody>
-        </p:sp>
-        <p:sp>
-          <p:nvSpPr>
-            <p:cNvPr id="70" name="TextBox 69"/>
-            <p:cNvSpPr txBox="1"/>
-            <p:nvPr/>
-          </p:nvSpPr>
-          <p:spPr>
-            <a:xfrm>
-              <a:off x="5594387" y="3041299"/>
-              <a:ext cx="815294" cy="338554"/>
-            </a:xfrm>
-            <a:prstGeom prst="rect">
-              <a:avLst/>
-            </a:prstGeom>
-            <a:noFill/>
-          </p:spPr>
-          <p:txBody>
-            <a:bodyPr wrap="square" rtlCol="0">
-              <a:spAutoFit/>
-            </a:bodyPr>
-            <a:lstStyle/>
-            <a:p>
-              <a:r>
-                <a:rPr lang="en-US" sz="800" dirty="0"/>
-                <a:t>OMS Workspace</a:t>
-              </a:r>
-            </a:p>
-          </p:txBody>
-        </p:sp>
-        <p:pic>
-          <p:nvPicPr>
-            <p:cNvPr id="71" name="Picture 70"/>
-            <p:cNvPicPr>
-              <a:picLocks noChangeAspect="1"/>
-            </p:cNvPicPr>
-            <p:nvPr/>
-          </p:nvPicPr>
-          <p:blipFill>
-            <a:blip r:embed="rId24">
-              <a:extLst>
-                <a:ext uri="{28A0092B-C50C-407E-A947-70E740481C1C}">
-                  <a14:useLocalDpi xmlns:a14="http://schemas.microsoft.com/office/drawing/2010/main" val="0"/>
-                </a:ext>
-              </a:extLst>
-            </a:blip>
-            <a:stretch>
-              <a:fillRect/>
-            </a:stretch>
-          </p:blipFill>
-          <p:spPr>
-            <a:xfrm>
-              <a:off x="5368718" y="3061655"/>
-              <a:ext cx="228800" cy="228800"/>
-            </a:xfrm>
-            <a:prstGeom prst="rect">
-              <a:avLst/>
-            </a:prstGeom>
-          </p:spPr>
-        </p:pic>
-        <p:sp>
-          <p:nvSpPr>
-            <p:cNvPr id="72" name="TextBox 71"/>
-            <p:cNvSpPr txBox="1"/>
-            <p:nvPr/>
-          </p:nvSpPr>
-          <p:spPr>
-            <a:xfrm>
-              <a:off x="5388937" y="3968146"/>
-              <a:ext cx="548042" cy="276999"/>
-            </a:xfrm>
-            <a:prstGeom prst="rect">
-              <a:avLst/>
-            </a:prstGeom>
-            <a:noFill/>
-          </p:spPr>
-          <p:txBody>
-            <a:bodyPr wrap="square" rtlCol="0">
-              <a:spAutoFit/>
-            </a:bodyPr>
-            <a:lstStyle/>
-            <a:p>
-              <a:r>
-                <a:rPr lang="en-US" sz="600" dirty="0"/>
-                <a:t>Log Analytics</a:t>
-              </a:r>
-            </a:p>
-          </p:txBody>
-        </p:sp>
-      </p:grpSp>
-      <p:sp>
-        <p:nvSpPr>
-          <p:cNvPr id="73" name="Rectangle: Rounded Corners 72"/>
-          <p:cNvSpPr/>
-          <p:nvPr/>
-        </p:nvSpPr>
-        <p:spPr>
-          <a:xfrm>
-            <a:off x="4722523" y="1884168"/>
-            <a:ext cx="1082309" cy="952946"/>
-          </a:xfrm>
-          <a:prstGeom prst="roundRect">
-            <a:avLst>
-              <a:gd name="adj" fmla="val 4803"/>
-            </a:avLst>
-          </a:prstGeom>
-          <a:solidFill>
-            <a:schemeClr val="bg1">
-              <a:lumMod val="95000"/>
-            </a:schemeClr>
-          </a:solidFill>
-          <a:ln w="12700">
-            <a:prstDash val="sysDot"/>
-          </a:ln>
-        </p:spPr>
-        <p:style>
-          <a:lnRef idx="2">
-            <a:schemeClr val="accent3"/>
-          </a:lnRef>
-          <a:fillRef idx="1">
-            <a:schemeClr val="lt1"/>
-          </a:fillRef>
-          <a:effectRef idx="0">
-            <a:schemeClr val="accent3"/>
-          </a:effectRef>
-          <a:fontRef idx="minor">
-            <a:schemeClr val="dk1"/>
-          </a:fontRef>
-        </p:style>
-        <p:txBody>
-          <a:bodyPr rtlCol="0" anchor="ctr"/>
-          <a:lstStyle/>
-          <a:p>
-            <a:pPr algn="ctr"/>
-            <a:endParaRPr lang="en-US" sz="2400"/>
-          </a:p>
-        </p:txBody>
-      </p:sp>
-      <p:sp>
-        <p:nvSpPr>
-          <p:cNvPr id="74" name="TextBox 73"/>
-          <p:cNvSpPr txBox="1"/>
-          <p:nvPr/>
-        </p:nvSpPr>
-        <p:spPr>
-          <a:xfrm>
-            <a:off x="5475811" y="1867969"/>
-            <a:ext cx="626052" cy="184666"/>
-          </a:xfrm>
-          <a:prstGeom prst="rect">
-            <a:avLst/>
-          </a:prstGeom>
-          <a:noFill/>
-        </p:spPr>
-        <p:txBody>
-          <a:bodyPr wrap="square" rtlCol="0">
-            <a:spAutoFit/>
-          </a:bodyPr>
-          <a:lstStyle/>
-          <a:p>
-            <a:r>
-              <a:rPr lang="en-US" sz="600" dirty="0" err="1"/>
-              <a:t>nsg</a:t>
-            </a:r>
-            <a:r>
-              <a:rPr lang="en-US" sz="600" dirty="0"/>
-              <a:t>-Bastion </a:t>
-            </a:r>
-          </a:p>
-        </p:txBody>
-      </p:sp>
-      <p:pic>
-        <p:nvPicPr>
-          <p:cNvPr id="75" name="Picture 74"/>
-          <p:cNvPicPr>
-            <a:picLocks noChangeAspect="1"/>
-          </p:cNvPicPr>
-          <p:nvPr/>
-        </p:nvPicPr>
-        <p:blipFill>
-          <a:blip r:embed="rId5"/>
-          <a:stretch>
-            <a:fillRect/>
-          </a:stretch>
-        </p:blipFill>
-        <p:spPr>
-          <a:xfrm>
-            <a:off x="5574685" y="1733451"/>
-            <a:ext cx="288727" cy="238000"/>
-          </a:xfrm>
-          <a:prstGeom prst="rect">
-            <a:avLst/>
-          </a:prstGeom>
-        </p:spPr>
-      </p:pic>
-      <p:pic>
-        <p:nvPicPr>
-          <p:cNvPr id="76" name="Picture 75"/>
-          <p:cNvPicPr>
-            <a:picLocks noChangeAspect="1"/>
-          </p:cNvPicPr>
-          <p:nvPr/>
-        </p:nvPicPr>
-        <p:blipFill>
-          <a:blip r:embed="rId25">
-            <a:extLst>
-              <a:ext uri="{28A0092B-C50C-407E-A947-70E740481C1C}">
-                <a14:useLocalDpi xmlns:a14="http://schemas.microsoft.com/office/drawing/2010/main" val="0"/>
-              </a:ext>
-            </a:extLst>
-          </a:blip>
-          <a:stretch>
-            <a:fillRect/>
-          </a:stretch>
-        </p:blipFill>
-        <p:spPr>
-          <a:xfrm>
-            <a:off x="5019555" y="2063573"/>
-            <a:ext cx="395807" cy="395807"/>
-          </a:xfrm>
-          <a:prstGeom prst="rect">
-            <a:avLst/>
-          </a:prstGeom>
-        </p:spPr>
-      </p:pic>
-      <p:sp>
-        <p:nvSpPr>
-          <p:cNvPr id="77" name="TextBox 76"/>
-          <p:cNvSpPr txBox="1"/>
-          <p:nvPr/>
-        </p:nvSpPr>
-        <p:spPr>
-          <a:xfrm>
-            <a:off x="2989801" y="3317463"/>
-            <a:ext cx="390455" cy="200055"/>
-          </a:xfrm>
-          <a:prstGeom prst="rect">
-            <a:avLst/>
-          </a:prstGeom>
-          <a:noFill/>
-        </p:spPr>
-        <p:txBody>
-          <a:bodyPr wrap="square" rtlCol="0">
-            <a:spAutoFit/>
-          </a:bodyPr>
-          <a:lstStyle/>
-          <a:p>
-            <a:r>
-              <a:rPr lang="en-US" sz="700" dirty="0"/>
-              <a:t>ILB</a:t>
-            </a:r>
-          </a:p>
-        </p:txBody>
-      </p:sp>
-      <p:sp>
-        <p:nvSpPr>
-          <p:cNvPr id="78" name="TextBox 77"/>
-          <p:cNvSpPr txBox="1"/>
-          <p:nvPr/>
-        </p:nvSpPr>
-        <p:spPr>
-          <a:xfrm>
-            <a:off x="4709716" y="1952544"/>
-            <a:ext cx="815294" cy="338554"/>
-          </a:xfrm>
-          <a:prstGeom prst="rect">
-            <a:avLst/>
-          </a:prstGeom>
-          <a:noFill/>
-        </p:spPr>
-        <p:txBody>
-          <a:bodyPr wrap="square" rtlCol="0">
-            <a:spAutoFit/>
-          </a:bodyPr>
-          <a:lstStyle/>
-          <a:p>
-            <a:r>
-              <a:rPr lang="en-US" sz="800" dirty="0"/>
-              <a:t>Bastion Host</a:t>
-            </a:r>
-          </a:p>
-          <a:p>
-            <a:r>
-              <a:rPr lang="en-US" sz="800" dirty="0"/>
-              <a:t>(RDP)</a:t>
-            </a:r>
-          </a:p>
-        </p:txBody>
-      </p:sp>
-      <p:cxnSp>
-        <p:nvCxnSpPr>
-          <p:cNvPr id="79" name="Straight Arrow Connector 78"/>
-          <p:cNvCxnSpPr>
-            <a:cxnSpLocks/>
-            <a:stCxn id="21" idx="3"/>
-            <a:endCxn id="67" idx="1"/>
-          </p:cNvCxnSpPr>
-          <p:nvPr/>
-        </p:nvCxnSpPr>
-        <p:spPr>
-          <a:xfrm flipV="1">
-            <a:off x="5523143" y="2291788"/>
-            <a:ext cx="1690839" cy="1500194"/>
-          </a:xfrm>
-          <a:prstGeom prst="straightConnector1">
-            <a:avLst/>
-          </a:prstGeom>
-          <a:ln>
-            <a:prstDash val="sysDash"/>
-            <a:tailEnd type="triangle"/>
-          </a:ln>
-        </p:spPr>
-        <p:style>
-          <a:lnRef idx="1">
-            <a:schemeClr val="accent1"/>
-          </a:lnRef>
-          <a:fillRef idx="0">
-            <a:schemeClr val="accent1"/>
-          </a:fillRef>
-          <a:effectRef idx="0">
-            <a:schemeClr val="accent1"/>
-          </a:effectRef>
-          <a:fontRef idx="minor">
-            <a:schemeClr val="tx1"/>
-          </a:fontRef>
-        </p:style>
-      </p:cxnSp>
-      <p:cxnSp>
-        <p:nvCxnSpPr>
-          <p:cNvPr id="80" name="Straight Arrow Connector 79"/>
-          <p:cNvCxnSpPr>
-            <a:cxnSpLocks/>
-            <a:stCxn id="73" idx="1"/>
-            <a:endCxn id="16" idx="3"/>
-          </p:cNvCxnSpPr>
-          <p:nvPr/>
-        </p:nvCxnSpPr>
-        <p:spPr>
-          <a:xfrm flipH="1">
-            <a:off x="3837900" y="2360642"/>
-            <a:ext cx="884623" cy="998220"/>
-          </a:xfrm>
-          <a:prstGeom prst="straightConnector1">
-            <a:avLst/>
-          </a:prstGeom>
-          <a:ln>
-            <a:tailEnd type="triangle"/>
-          </a:ln>
-        </p:spPr>
-        <p:style>
-          <a:lnRef idx="1">
-            <a:schemeClr val="accent1"/>
-          </a:lnRef>
-          <a:fillRef idx="0">
-            <a:schemeClr val="accent1"/>
-          </a:fillRef>
-          <a:effectRef idx="0">
-            <a:schemeClr val="accent1"/>
-          </a:effectRef>
-          <a:fontRef idx="minor">
-            <a:schemeClr val="tx1"/>
-          </a:fontRef>
-        </p:style>
-      </p:cxnSp>
-      <p:sp>
-        <p:nvSpPr>
-          <p:cNvPr id="81" name="TextBox 80"/>
-          <p:cNvSpPr txBox="1"/>
-          <p:nvPr/>
-        </p:nvSpPr>
-        <p:spPr>
-          <a:xfrm rot="18696737">
-            <a:off x="4068124" y="2405531"/>
-            <a:ext cx="852423" cy="276999"/>
-          </a:xfrm>
-          <a:prstGeom prst="rect">
-            <a:avLst/>
-          </a:prstGeom>
-          <a:noFill/>
-        </p:spPr>
-        <p:txBody>
-          <a:bodyPr wrap="square" rtlCol="0">
-            <a:spAutoFit/>
-          </a:bodyPr>
-          <a:lstStyle/>
-          <a:p>
-            <a:r>
-              <a:rPr lang="en-US" sz="600" dirty="0"/>
-              <a:t>Access for management</a:t>
-            </a:r>
-          </a:p>
-        </p:txBody>
-      </p:sp>
-      <p:pic>
-        <p:nvPicPr>
-          <p:cNvPr id="82" name="Picture 81"/>
-          <p:cNvPicPr>
-            <a:picLocks noChangeAspect="1"/>
-          </p:cNvPicPr>
-          <p:nvPr/>
-        </p:nvPicPr>
-        <p:blipFill>
-          <a:blip r:embed="rId26">
-            <a:duotone>
-              <a:prstClr val="black"/>
-              <a:schemeClr val="accent6">
-                <a:tint val="45000"/>
-                <a:satMod val="400000"/>
-              </a:schemeClr>
-            </a:duotone>
-            <a:extLst>
-              <a:ext uri="{28A0092B-C50C-407E-A947-70E740481C1C}">
-                <a14:useLocalDpi xmlns:a14="http://schemas.microsoft.com/office/drawing/2010/main" val="0"/>
-              </a:ext>
-            </a:extLst>
-          </a:blip>
-          <a:stretch>
-            <a:fillRect/>
-          </a:stretch>
-        </p:blipFill>
-        <p:spPr>
-          <a:xfrm>
-            <a:off x="2579582" y="3304855"/>
-            <a:ext cx="270270" cy="270270"/>
-          </a:xfrm>
-          <a:prstGeom prst="rect">
-            <a:avLst/>
-          </a:prstGeom>
-        </p:spPr>
-      </p:pic>
-      <p:pic>
-        <p:nvPicPr>
-          <p:cNvPr id="83" name="Picture 82"/>
-          <p:cNvPicPr>
-            <a:picLocks noChangeAspect="1"/>
-          </p:cNvPicPr>
-          <p:nvPr/>
-        </p:nvPicPr>
-        <p:blipFill>
-          <a:blip r:embed="rId26">
-            <a:duotone>
-              <a:prstClr val="black"/>
-              <a:schemeClr val="accent6">
-                <a:tint val="45000"/>
-                <a:satMod val="400000"/>
-              </a:schemeClr>
-            </a:duotone>
-            <a:extLst>
-              <a:ext uri="{28A0092B-C50C-407E-A947-70E740481C1C}">
-                <a14:useLocalDpi xmlns:a14="http://schemas.microsoft.com/office/drawing/2010/main" val="0"/>
-              </a:ext>
-            </a:extLst>
-          </a:blip>
-          <a:stretch>
-            <a:fillRect/>
-          </a:stretch>
-        </p:blipFill>
-        <p:spPr>
-          <a:xfrm>
-            <a:off x="3400970" y="3306116"/>
-            <a:ext cx="270270" cy="270270"/>
-          </a:xfrm>
-          <a:prstGeom prst="rect">
-            <a:avLst/>
-          </a:prstGeom>
-        </p:spPr>
-      </p:pic>
-      <p:sp>
-        <p:nvSpPr>
-          <p:cNvPr id="84" name="TextBox 83"/>
-          <p:cNvSpPr txBox="1"/>
-          <p:nvPr/>
-        </p:nvSpPr>
-        <p:spPr>
-          <a:xfrm>
-            <a:off x="2727059" y="3445346"/>
-            <a:ext cx="388134" cy="184666"/>
-          </a:xfrm>
-          <a:prstGeom prst="rect">
-            <a:avLst/>
-          </a:prstGeom>
-          <a:noFill/>
-        </p:spPr>
-        <p:txBody>
-          <a:bodyPr wrap="square" rtlCol="0">
-            <a:spAutoFit/>
-          </a:bodyPr>
-          <a:lstStyle/>
-          <a:p>
-            <a:r>
-              <a:rPr lang="en-US" sz="600" dirty="0"/>
-              <a:t>Pool 1</a:t>
-            </a:r>
-          </a:p>
-        </p:txBody>
-      </p:sp>
-      <p:sp>
-        <p:nvSpPr>
-          <p:cNvPr id="85" name="TextBox 84"/>
-          <p:cNvSpPr txBox="1"/>
-          <p:nvPr/>
-        </p:nvSpPr>
-        <p:spPr>
-          <a:xfrm>
-            <a:off x="3175158" y="3463667"/>
-            <a:ext cx="388134" cy="184666"/>
-          </a:xfrm>
-          <a:prstGeom prst="rect">
-            <a:avLst/>
-          </a:prstGeom>
-          <a:noFill/>
-        </p:spPr>
-        <p:txBody>
-          <a:bodyPr wrap="square" rtlCol="0">
-            <a:spAutoFit/>
-          </a:bodyPr>
-          <a:lstStyle/>
-          <a:p>
-            <a:r>
-              <a:rPr lang="en-US" sz="600" dirty="0"/>
-              <a:t>Pool 2</a:t>
-            </a:r>
-          </a:p>
-        </p:txBody>
-      </p:sp>
-      <p:cxnSp>
-        <p:nvCxnSpPr>
-          <p:cNvPr id="86" name="Connector: Elbow 85"/>
-          <p:cNvCxnSpPr>
-            <a:cxnSpLocks/>
-            <a:stCxn id="90" idx="1"/>
-            <a:endCxn id="82" idx="0"/>
-          </p:cNvCxnSpPr>
-          <p:nvPr/>
-        </p:nvCxnSpPr>
-        <p:spPr>
-          <a:xfrm rot="10800000" flipV="1">
-            <a:off x="2714720" y="3139757"/>
-            <a:ext cx="198395" cy="165099"/>
-          </a:xfrm>
-          <a:prstGeom prst="bentConnector2">
-            <a:avLst/>
-          </a:prstGeom>
-          <a:ln>
-            <a:solidFill>
-              <a:schemeClr val="accent2"/>
-            </a:solidFill>
-            <a:tailEnd type="triangle"/>
-          </a:ln>
-        </p:spPr>
-        <p:style>
-          <a:lnRef idx="1">
-            <a:schemeClr val="accent1"/>
-          </a:lnRef>
-          <a:fillRef idx="0">
-            <a:schemeClr val="accent1"/>
-          </a:fillRef>
-          <a:effectRef idx="0">
-            <a:schemeClr val="accent1"/>
-          </a:effectRef>
-          <a:fontRef idx="minor">
-            <a:schemeClr val="tx1"/>
-          </a:fontRef>
-        </p:style>
-      </p:cxnSp>
-      <p:cxnSp>
-        <p:nvCxnSpPr>
-          <p:cNvPr id="87" name="Connector: Elbow 86"/>
-          <p:cNvCxnSpPr>
-            <a:cxnSpLocks/>
-            <a:stCxn id="90" idx="3"/>
-            <a:endCxn id="83" idx="0"/>
-          </p:cNvCxnSpPr>
-          <p:nvPr/>
-        </p:nvCxnSpPr>
-        <p:spPr>
-          <a:xfrm>
-            <a:off x="3303257" y="3139756"/>
-            <a:ext cx="232848" cy="166360"/>
-          </a:xfrm>
-          <a:prstGeom prst="bentConnector2">
-            <a:avLst/>
-          </a:prstGeom>
-          <a:ln>
-            <a:tailEnd type="triangle"/>
-          </a:ln>
-        </p:spPr>
-        <p:style>
-          <a:lnRef idx="1">
-            <a:schemeClr val="accent1"/>
-          </a:lnRef>
-          <a:fillRef idx="0">
-            <a:schemeClr val="accent1"/>
-          </a:fillRef>
-          <a:effectRef idx="0">
-            <a:schemeClr val="accent1"/>
-          </a:effectRef>
-          <a:fontRef idx="minor">
-            <a:schemeClr val="tx1"/>
-          </a:fontRef>
-        </p:style>
-      </p:cxnSp>
-      <p:sp>
-        <p:nvSpPr>
-          <p:cNvPr id="88" name="TextBox 87"/>
-          <p:cNvSpPr txBox="1"/>
-          <p:nvPr/>
-        </p:nvSpPr>
-        <p:spPr>
-          <a:xfrm>
-            <a:off x="6240356" y="1990807"/>
-            <a:ext cx="633905" cy="646331"/>
-          </a:xfrm>
-          <a:prstGeom prst="rect">
-            <a:avLst/>
-          </a:prstGeom>
-          <a:noFill/>
-        </p:spPr>
-        <p:txBody>
-          <a:bodyPr wrap="square" rtlCol="0">
-            <a:spAutoFit/>
-          </a:bodyPr>
-          <a:lstStyle/>
-          <a:p>
-            <a:r>
-              <a:rPr lang="en-US" sz="600" b="1" dirty="0" err="1"/>
-              <a:t>Diag</a:t>
-            </a:r>
-            <a:r>
-              <a:rPr lang="en-US" sz="600" b="1" dirty="0"/>
-              <a:t> Logs:</a:t>
-            </a:r>
-          </a:p>
-          <a:p>
-            <a:endParaRPr lang="en-US" sz="600" b="1" dirty="0"/>
-          </a:p>
-          <a:p>
-            <a:r>
-              <a:rPr lang="en-US" sz="600" dirty="0"/>
-              <a:t>N/W,</a:t>
-            </a:r>
-          </a:p>
-          <a:p>
-            <a:r>
-              <a:rPr lang="en-US" sz="600" dirty="0" err="1"/>
-              <a:t>KeyVault</a:t>
-            </a:r>
-            <a:r>
-              <a:rPr lang="en-US" sz="600" dirty="0"/>
-              <a:t>,</a:t>
-            </a:r>
-          </a:p>
-          <a:p>
-            <a:r>
-              <a:rPr lang="en-US" sz="600" dirty="0"/>
-              <a:t>App Gateway,</a:t>
-            </a:r>
-          </a:p>
-          <a:p>
-            <a:r>
-              <a:rPr lang="en-US" sz="600" dirty="0"/>
-              <a:t>ASE, Subnets</a:t>
-            </a:r>
-          </a:p>
-        </p:txBody>
-      </p:sp>
-      <p:cxnSp>
-        <p:nvCxnSpPr>
-          <p:cNvPr id="89" name="Straight Arrow Connector 88"/>
-          <p:cNvCxnSpPr>
-            <a:cxnSpLocks/>
-            <a:endCxn id="63" idx="1"/>
-          </p:cNvCxnSpPr>
-          <p:nvPr/>
-        </p:nvCxnSpPr>
-        <p:spPr>
-          <a:xfrm>
-            <a:off x="6043399" y="2160696"/>
-            <a:ext cx="979578" cy="8467"/>
-          </a:xfrm>
-          <a:prstGeom prst="straightConnector1">
-            <a:avLst/>
-          </a:prstGeom>
-          <a:ln>
-            <a:tailEnd type="triangle"/>
-          </a:ln>
-        </p:spPr>
-        <p:style>
-          <a:lnRef idx="1">
-            <a:schemeClr val="accent1"/>
-          </a:lnRef>
-          <a:fillRef idx="0">
-            <a:schemeClr val="accent1"/>
-          </a:fillRef>
-          <a:effectRef idx="0">
-            <a:schemeClr val="accent1"/>
-          </a:effectRef>
-          <a:fontRef idx="minor">
-            <a:schemeClr val="tx1"/>
-          </a:fontRef>
-        </p:style>
-      </p:cxnSp>
-      <p:pic>
-        <p:nvPicPr>
-          <p:cNvPr id="90" name="Picture 89"/>
-          <p:cNvPicPr>
-            <a:picLocks noChangeAspect="1"/>
-          </p:cNvPicPr>
-          <p:nvPr/>
-        </p:nvPicPr>
-        <p:blipFill>
-          <a:blip r:embed="rId27">
-            <a:extLst>
-              <a:ext uri="{28A0092B-C50C-407E-A947-70E740481C1C}">
-                <a14:useLocalDpi xmlns:a14="http://schemas.microsoft.com/office/drawing/2010/main" val="0"/>
-              </a:ext>
-            </a:extLst>
-          </a:blip>
-          <a:stretch>
-            <a:fillRect/>
-          </a:stretch>
-        </p:blipFill>
-        <p:spPr>
-          <a:xfrm>
-            <a:off x="2913114" y="2944685"/>
-            <a:ext cx="390145" cy="390145"/>
-          </a:xfrm>
-          <a:prstGeom prst="rect">
-            <a:avLst/>
-          </a:prstGeom>
-        </p:spPr>
-      </p:pic>
-      <p:sp>
-        <p:nvSpPr>
-          <p:cNvPr id="91" name="TextBox 90"/>
-          <p:cNvSpPr txBox="1"/>
-          <p:nvPr/>
-        </p:nvSpPr>
-        <p:spPr>
-          <a:xfrm>
-            <a:off x="2318247" y="2601148"/>
-            <a:ext cx="892161" cy="184666"/>
-          </a:xfrm>
-          <a:prstGeom prst="rect">
-            <a:avLst/>
-          </a:prstGeom>
-          <a:noFill/>
-        </p:spPr>
-        <p:txBody>
-          <a:bodyPr wrap="square" rtlCol="0">
-            <a:spAutoFit/>
-          </a:bodyPr>
-          <a:lstStyle/>
-          <a:p>
-            <a:r>
-              <a:rPr lang="en-US" sz="600" dirty="0"/>
-              <a:t>subnet-ASE</a:t>
-            </a:r>
-          </a:p>
-        </p:txBody>
-      </p:sp>
-      <p:sp>
-        <p:nvSpPr>
-          <p:cNvPr id="92" name="TextBox 91"/>
-          <p:cNvSpPr txBox="1"/>
-          <p:nvPr/>
-        </p:nvSpPr>
-        <p:spPr>
-          <a:xfrm>
-            <a:off x="4636631" y="1767815"/>
-            <a:ext cx="892161" cy="184666"/>
-          </a:xfrm>
-          <a:prstGeom prst="rect">
-            <a:avLst/>
-          </a:prstGeom>
-          <a:noFill/>
-        </p:spPr>
-        <p:txBody>
-          <a:bodyPr wrap="square" rtlCol="0">
-            <a:spAutoFit/>
-          </a:bodyPr>
-          <a:lstStyle/>
-          <a:p>
-            <a:r>
-              <a:rPr lang="en-US" sz="600" dirty="0"/>
-              <a:t>subnet-</a:t>
-            </a:r>
-            <a:r>
-              <a:rPr lang="en-US" sz="600" dirty="0" err="1"/>
-              <a:t>bastionhost</a:t>
-            </a:r>
-            <a:endParaRPr lang="en-US" sz="600" dirty="0"/>
-          </a:p>
-        </p:txBody>
-      </p:sp>
-      <p:cxnSp>
-        <p:nvCxnSpPr>
-          <p:cNvPr id="93" name="Straight Connector 92"/>
-          <p:cNvCxnSpPr>
-            <a:cxnSpLocks/>
-            <a:endCxn id="17" idx="1"/>
-          </p:cNvCxnSpPr>
-          <p:nvPr/>
-        </p:nvCxnSpPr>
-        <p:spPr>
-          <a:xfrm flipV="1">
-            <a:off x="1231071" y="3734580"/>
-            <a:ext cx="1367908" cy="10800"/>
-          </a:xfrm>
-          <a:prstGeom prst="line">
-            <a:avLst/>
-          </a:prstGeom>
-          <a:ln>
-            <a:solidFill>
-              <a:srgbClr val="00B050"/>
-            </a:solidFill>
-          </a:ln>
-        </p:spPr>
-        <p:style>
-          <a:lnRef idx="1">
-            <a:schemeClr val="accent1"/>
-          </a:lnRef>
-          <a:fillRef idx="0">
-            <a:schemeClr val="accent1"/>
-          </a:fillRef>
-          <a:effectRef idx="0">
-            <a:schemeClr val="accent1"/>
-          </a:effectRef>
-          <a:fontRef idx="minor">
-            <a:schemeClr val="tx1"/>
-          </a:fontRef>
-        </p:style>
-      </p:cxnSp>
-      <p:pic>
-        <p:nvPicPr>
-          <p:cNvPr id="94" name="Picture 93"/>
-          <p:cNvPicPr>
-            <a:picLocks noChangeAspect="1"/>
-          </p:cNvPicPr>
-          <p:nvPr/>
-        </p:nvPicPr>
-        <p:blipFill>
-          <a:blip r:embed="rId28"/>
-          <a:stretch>
-            <a:fillRect/>
-          </a:stretch>
-        </p:blipFill>
-        <p:spPr>
-          <a:xfrm>
-            <a:off x="968762" y="3647630"/>
-            <a:ext cx="473950" cy="130041"/>
-          </a:xfrm>
-          <a:prstGeom prst="rect">
-            <a:avLst/>
-          </a:prstGeom>
-        </p:spPr>
-      </p:pic>
-      <p:sp>
-        <p:nvSpPr>
-          <p:cNvPr id="95" name="TextBox 94"/>
-          <p:cNvSpPr txBox="1"/>
-          <p:nvPr/>
-        </p:nvSpPr>
-        <p:spPr>
-          <a:xfrm>
-            <a:off x="1427574" y="3591929"/>
-            <a:ext cx="643125" cy="369332"/>
-          </a:xfrm>
-          <a:prstGeom prst="rect">
-            <a:avLst/>
-          </a:prstGeom>
-          <a:noFill/>
-        </p:spPr>
-        <p:txBody>
-          <a:bodyPr wrap="none" rtlCol="0">
-            <a:spAutoFit/>
-          </a:bodyPr>
-          <a:lstStyle/>
-          <a:p>
-            <a:r>
-              <a:rPr lang="en-US" sz="900" dirty="0" err="1"/>
-              <a:t>Webapp</a:t>
-            </a:r>
-            <a:r>
-              <a:rPr lang="en-US" sz="900" dirty="0"/>
-              <a:t> </a:t>
-            </a:r>
-          </a:p>
-          <a:p>
-            <a:r>
-              <a:rPr lang="en-US" sz="900" dirty="0"/>
-              <a:t>extension</a:t>
-            </a:r>
-          </a:p>
-        </p:txBody>
-      </p:sp>
-      <p:pic>
-        <p:nvPicPr>
-          <p:cNvPr id="96" name="Picture 2" descr="http://www.onesupport.com/wp-content/uploads/2015/08/Windows-Defender.jpeg"/>
-          <p:cNvPicPr>
-            <a:picLocks noChangeAspect="1" noChangeArrowheads="1"/>
-          </p:cNvPicPr>
-          <p:nvPr/>
-        </p:nvPicPr>
-        <p:blipFill>
-          <a:blip r:embed="rId29">
-            <a:extLst>
-              <a:ext uri="{BEBA8EAE-BF5A-486C-A8C5-ECC9F3942E4B}">
-                <a14:imgProps xmlns:a14="http://schemas.microsoft.com/office/drawing/2010/main">
-                  <a14:imgLayer r:embed="rId30">
-                    <a14:imgEffect>
-                      <a14:backgroundRemoval t="10000" b="90000" l="10000" r="90000"/>
-                    </a14:imgEffect>
-                  </a14:imgLayer>
-                </a14:imgProps>
-              </a:ext>
-              <a:ext uri="{28A0092B-C50C-407E-A947-70E740481C1C}">
-                <a14:useLocalDpi xmlns:a14="http://schemas.microsoft.com/office/drawing/2010/main" val="0"/>
-              </a:ext>
-            </a:extLst>
-          </a:blip>
-          <a:srcRect/>
-          <a:stretch>
-            <a:fillRect/>
-          </a:stretch>
-        </p:blipFill>
-        <p:spPr bwMode="auto">
-          <a:xfrm>
-            <a:off x="4738970" y="2414293"/>
-            <a:ext cx="237075" cy="220805"/>
-          </a:xfrm>
-          <a:prstGeom prst="rect">
-            <a:avLst/>
-          </a:prstGeom>
-          <a:noFill/>
-          <a:extLst>
-            <a:ext uri="{909E8E84-426E-40DD-AFC4-6F175D3DCCD1}">
-              <a14:hiddenFill xmlns:a14="http://schemas.microsoft.com/office/drawing/2010/main">
-                <a:solidFill>
-                  <a:srgbClr val="FFFFFF"/>
-                </a:solidFill>
-              </a14:hiddenFill>
-            </a:ext>
-          </a:extLst>
-        </p:spPr>
-      </p:pic>
-      <p:sp>
-        <p:nvSpPr>
-          <p:cNvPr id="97" name="TextBox 96"/>
-          <p:cNvSpPr txBox="1"/>
-          <p:nvPr/>
-        </p:nvSpPr>
-        <p:spPr>
-          <a:xfrm>
-            <a:off x="4878664" y="2453420"/>
-            <a:ext cx="815294" cy="276999"/>
-          </a:xfrm>
-          <a:prstGeom prst="rect">
-            <a:avLst/>
-          </a:prstGeom>
-          <a:noFill/>
-        </p:spPr>
-        <p:txBody>
-          <a:bodyPr wrap="square" rtlCol="0">
-            <a:spAutoFit/>
-          </a:bodyPr>
-          <a:lstStyle/>
-          <a:p>
-            <a:r>
-              <a:rPr lang="en-US" sz="600" dirty="0"/>
-              <a:t>Antimalware extension </a:t>
-            </a:r>
-          </a:p>
-        </p:txBody>
-      </p:sp>
-      <p:cxnSp>
-        <p:nvCxnSpPr>
-          <p:cNvPr id="98" name="Straight Connector 97"/>
-          <p:cNvCxnSpPr>
-            <a:cxnSpLocks/>
-            <a:endCxn id="73" idx="0"/>
-          </p:cNvCxnSpPr>
-          <p:nvPr/>
-        </p:nvCxnSpPr>
-        <p:spPr>
-          <a:xfrm flipH="1">
-            <a:off x="5263678" y="860116"/>
-            <a:ext cx="11145" cy="1024052"/>
-          </a:xfrm>
-          <a:prstGeom prst="line">
-            <a:avLst/>
-          </a:prstGeom>
-          <a:ln>
-            <a:headEnd type="diamond" w="med" len="med"/>
-            <a:tailEnd type="triangle" w="med" len="med"/>
-          </a:ln>
-        </p:spPr>
-        <p:style>
-          <a:lnRef idx="1">
-            <a:schemeClr val="accent1"/>
-          </a:lnRef>
-          <a:fillRef idx="0">
-            <a:schemeClr val="accent1"/>
-          </a:fillRef>
-          <a:effectRef idx="0">
-            <a:schemeClr val="accent1"/>
-          </a:effectRef>
-          <a:fontRef idx="minor">
-            <a:schemeClr val="tx1"/>
-          </a:fontRef>
-        </p:style>
-      </p:cxnSp>
-      <p:pic>
-        <p:nvPicPr>
-          <p:cNvPr id="99" name="Picture 98" descr="multiple user icons different colors - vector Clip Art"/>
-          <p:cNvPicPr>
-            <a:picLocks noChangeAspect="1"/>
-          </p:cNvPicPr>
-          <p:nvPr/>
-        </p:nvPicPr>
-        <p:blipFill>
-          <a:blip r:embed="rId18">
-            <a:extLst>
-              <a:ext uri="{28A0092B-C50C-407E-A947-70E740481C1C}">
-                <a14:useLocalDpi xmlns:a14="http://schemas.microsoft.com/office/drawing/2010/main" val="0"/>
-              </a:ext>
-            </a:extLst>
-          </a:blip>
-          <a:stretch>
-            <a:fillRect/>
-          </a:stretch>
-        </p:blipFill>
-        <p:spPr>
-          <a:xfrm>
-            <a:off x="5186770" y="412290"/>
-            <a:ext cx="225000" cy="241875"/>
-          </a:xfrm>
-          <a:prstGeom prst="rect">
-            <a:avLst/>
-          </a:prstGeom>
-        </p:spPr>
-      </p:pic>
-      <p:sp>
-        <p:nvSpPr>
-          <p:cNvPr id="100" name="TextBox 99"/>
-          <p:cNvSpPr txBox="1"/>
-          <p:nvPr/>
-        </p:nvSpPr>
-        <p:spPr>
-          <a:xfrm>
-            <a:off x="5361724" y="570138"/>
-            <a:ext cx="965533" cy="507831"/>
-          </a:xfrm>
-          <a:prstGeom prst="rect">
-            <a:avLst/>
-          </a:prstGeom>
-          <a:noFill/>
-        </p:spPr>
-        <p:txBody>
-          <a:bodyPr wrap="square" rtlCol="0">
-            <a:spAutoFit/>
-          </a:bodyPr>
-          <a:lstStyle/>
-          <a:p>
-            <a:r>
-              <a:rPr lang="en-US" sz="900" dirty="0"/>
-              <a:t>DevOps Releases/ Management</a:t>
-            </a:r>
-          </a:p>
-        </p:txBody>
-      </p:sp>
-      <p:sp>
-        <p:nvSpPr>
-          <p:cNvPr id="101" name="TextBox 100"/>
-          <p:cNvSpPr txBox="1"/>
-          <p:nvPr/>
-        </p:nvSpPr>
-        <p:spPr>
-          <a:xfrm>
-            <a:off x="3127074" y="1532676"/>
-            <a:ext cx="780983" cy="461665"/>
-          </a:xfrm>
-          <a:prstGeom prst="rect">
-            <a:avLst/>
-          </a:prstGeom>
-          <a:noFill/>
-        </p:spPr>
-        <p:txBody>
-          <a:bodyPr wrap="none" rtlCol="0">
-            <a:spAutoFit/>
-          </a:bodyPr>
-          <a:lstStyle/>
-          <a:p>
-            <a:r>
-              <a:rPr lang="en-US" sz="2400" dirty="0">
-                <a:solidFill>
-                  <a:schemeClr val="bg1">
-                    <a:lumMod val="65000"/>
-                  </a:schemeClr>
-                </a:solidFill>
-              </a:rPr>
-              <a:t>DMZ</a:t>
-            </a:r>
-          </a:p>
-        </p:txBody>
-      </p:sp>
-      <p:sp>
-        <p:nvSpPr>
-          <p:cNvPr id="102" name="Rectangle 101"/>
-          <p:cNvSpPr/>
-          <p:nvPr/>
-        </p:nvSpPr>
-        <p:spPr>
-          <a:xfrm>
-            <a:off x="7833489" y="1514836"/>
-            <a:ext cx="1127919" cy="738664"/>
-          </a:xfrm>
-          <a:prstGeom prst="rect">
-            <a:avLst/>
-          </a:prstGeom>
-        </p:spPr>
-        <p:txBody>
-          <a:bodyPr wrap="square">
-            <a:spAutoFit/>
-          </a:bodyPr>
-          <a:lstStyle/>
-          <a:p>
-            <a:r>
-              <a:rPr lang="en-US" sz="600" b="1" dirty="0"/>
-              <a:t>OMS Solutions</a:t>
-            </a:r>
-          </a:p>
-          <a:p>
-            <a:pPr>
-              <a:buFont typeface="+mj-lt"/>
-              <a:buAutoNum type="arabicPeriod"/>
-            </a:pPr>
-            <a:r>
-              <a:rPr lang="en-US" sz="600" dirty="0"/>
-              <a:t>Activity Log Analytics</a:t>
-            </a:r>
-          </a:p>
-          <a:p>
-            <a:pPr>
-              <a:buFont typeface="+mj-lt"/>
-              <a:buAutoNum type="arabicPeriod"/>
-            </a:pPr>
-            <a:r>
-              <a:rPr lang="en-US" sz="600" dirty="0"/>
-              <a:t>Azure Networking Analytics</a:t>
-            </a:r>
-          </a:p>
-          <a:p>
-            <a:pPr>
-              <a:buFont typeface="+mj-lt"/>
-              <a:buAutoNum type="arabicPeriod"/>
-            </a:pPr>
-            <a:r>
-              <a:rPr lang="en-US" sz="600" dirty="0"/>
-              <a:t>Azure SQL Analytics</a:t>
-            </a:r>
-          </a:p>
-          <a:p>
-            <a:pPr>
-              <a:buFont typeface="+mj-lt"/>
-              <a:buAutoNum type="arabicPeriod"/>
-            </a:pPr>
-            <a:r>
-              <a:rPr lang="en-US" sz="600" dirty="0"/>
-              <a:t>Change Tracking</a:t>
-            </a:r>
-          </a:p>
-          <a:p>
-            <a:pPr>
-              <a:buFont typeface="+mj-lt"/>
-              <a:buAutoNum type="arabicPeriod"/>
-            </a:pPr>
-            <a:r>
-              <a:rPr lang="en-US" sz="600" dirty="0"/>
-              <a:t>Key Vault Analytics</a:t>
-            </a:r>
-          </a:p>
-          <a:p>
-            <a:pPr>
-              <a:buFont typeface="+mj-lt"/>
-              <a:buAutoNum type="arabicPeriod"/>
-            </a:pPr>
-            <a:r>
-              <a:rPr lang="en-US" sz="600" dirty="0"/>
-              <a:t>Service Map</a:t>
-            </a:r>
-          </a:p>
-        </p:txBody>
-      </p:sp>
-      <p:pic>
-        <p:nvPicPr>
-          <p:cNvPr id="103" name="Picture 102"/>
-          <p:cNvPicPr>
-            <a:picLocks noChangeAspect="1"/>
-          </p:cNvPicPr>
-          <p:nvPr/>
-        </p:nvPicPr>
-        <p:blipFill>
-          <a:blip r:embed="rId14">
-            <a:extLst>
-              <a:ext uri="{28A0092B-C50C-407E-A947-70E740481C1C}">
-                <a14:useLocalDpi xmlns:a14="http://schemas.microsoft.com/office/drawing/2010/main" val="0"/>
-              </a:ext>
-            </a:extLst>
-          </a:blip>
-          <a:stretch>
-            <a:fillRect/>
-          </a:stretch>
-        </p:blipFill>
-        <p:spPr>
-          <a:xfrm>
-            <a:off x="7903590" y="3161240"/>
-            <a:ext cx="337054" cy="337054"/>
-          </a:xfrm>
-          <a:prstGeom prst="rect">
-            <a:avLst/>
-          </a:prstGeom>
-        </p:spPr>
-      </p:pic>
-      <p:sp>
-        <p:nvSpPr>
-          <p:cNvPr id="104" name="TextBox 103"/>
-          <p:cNvSpPr txBox="1"/>
-          <p:nvPr/>
-        </p:nvSpPr>
-        <p:spPr>
-          <a:xfrm>
-            <a:off x="7786909" y="3473484"/>
-            <a:ext cx="636756" cy="307777"/>
-          </a:xfrm>
-          <a:prstGeom prst="rect">
-            <a:avLst/>
-          </a:prstGeom>
-          <a:noFill/>
-        </p:spPr>
-        <p:txBody>
-          <a:bodyPr wrap="square" rtlCol="0">
-            <a:spAutoFit/>
-          </a:bodyPr>
-          <a:lstStyle/>
-          <a:p>
-            <a:r>
-              <a:rPr lang="en-US" sz="700" dirty="0"/>
-              <a:t>Secured by AD</a:t>
-            </a:r>
-          </a:p>
-        </p:txBody>
-      </p:sp>
-      <p:sp>
-        <p:nvSpPr>
-          <p:cNvPr id="105" name="TextBox 104"/>
-          <p:cNvSpPr txBox="1"/>
-          <p:nvPr/>
-        </p:nvSpPr>
-        <p:spPr>
-          <a:xfrm>
-            <a:off x="4808115" y="4789989"/>
-            <a:ext cx="636756" cy="200055"/>
-          </a:xfrm>
-          <a:prstGeom prst="rect">
-            <a:avLst/>
-          </a:prstGeom>
-          <a:noFill/>
-        </p:spPr>
-        <p:txBody>
-          <a:bodyPr wrap="square" rtlCol="0">
-            <a:spAutoFit/>
-          </a:bodyPr>
-          <a:lstStyle/>
-          <a:p>
-            <a:r>
-              <a:rPr lang="en-US" sz="700" dirty="0"/>
-              <a:t>RBAC</a:t>
-            </a:r>
-          </a:p>
-        </p:txBody>
-      </p:sp>
-      <p:sp>
-        <p:nvSpPr>
-          <p:cNvPr id="106" name="TextBox 105"/>
-          <p:cNvSpPr txBox="1"/>
-          <p:nvPr/>
-        </p:nvSpPr>
-        <p:spPr>
-          <a:xfrm>
-            <a:off x="4427740" y="4989463"/>
-            <a:ext cx="636756" cy="200055"/>
-          </a:xfrm>
-          <a:prstGeom prst="rect">
-            <a:avLst/>
-          </a:prstGeom>
-          <a:noFill/>
-        </p:spPr>
-        <p:txBody>
-          <a:bodyPr wrap="square" rtlCol="0">
-            <a:spAutoFit/>
-          </a:bodyPr>
-          <a:lstStyle/>
-          <a:p>
-            <a:r>
-              <a:rPr lang="en-US" sz="700" dirty="0"/>
-              <a:t>Staff AAD</a:t>
-            </a:r>
-          </a:p>
-        </p:txBody>
-      </p:sp>
-      <p:sp>
-        <p:nvSpPr>
-          <p:cNvPr id="107" name="TextBox 106"/>
-          <p:cNvSpPr txBox="1"/>
-          <p:nvPr/>
-        </p:nvSpPr>
-        <p:spPr>
-          <a:xfrm>
-            <a:off x="6204928" y="4989463"/>
-            <a:ext cx="1008039" cy="200055"/>
-          </a:xfrm>
-          <a:prstGeom prst="rect">
-            <a:avLst/>
-          </a:prstGeom>
-          <a:noFill/>
-        </p:spPr>
-        <p:txBody>
-          <a:bodyPr wrap="square" rtlCol="0">
-            <a:spAutoFit/>
-          </a:bodyPr>
-          <a:lstStyle/>
-          <a:p>
-            <a:r>
-              <a:rPr lang="en-US" sz="700" dirty="0"/>
-              <a:t>Azure Security Center</a:t>
-            </a:r>
-          </a:p>
-        </p:txBody>
-      </p:sp>
-      <p:sp>
-        <p:nvSpPr>
-          <p:cNvPr id="108" name="TextBox 107"/>
-          <p:cNvSpPr txBox="1"/>
-          <p:nvPr/>
-        </p:nvSpPr>
-        <p:spPr>
-          <a:xfrm>
-            <a:off x="4864043" y="2658467"/>
-            <a:ext cx="815294" cy="184666"/>
-          </a:xfrm>
-          <a:prstGeom prst="rect">
-            <a:avLst/>
-          </a:prstGeom>
-          <a:noFill/>
-        </p:spPr>
-        <p:txBody>
-          <a:bodyPr wrap="square" rtlCol="0">
-            <a:spAutoFit/>
-          </a:bodyPr>
-          <a:lstStyle/>
-          <a:p>
-            <a:r>
-              <a:rPr lang="en-US" sz="600" dirty="0"/>
-              <a:t>OMS extension </a:t>
-            </a:r>
-          </a:p>
-        </p:txBody>
-      </p:sp>
-      <p:pic>
-        <p:nvPicPr>
-          <p:cNvPr id="109" name="Picture 108"/>
-          <p:cNvPicPr>
-            <a:picLocks noChangeAspect="1"/>
-          </p:cNvPicPr>
-          <p:nvPr/>
-        </p:nvPicPr>
-        <p:blipFill>
-          <a:blip r:embed="rId22">
-            <a:extLst>
-              <a:ext uri="{28A0092B-C50C-407E-A947-70E740481C1C}">
-                <a14:useLocalDpi xmlns:a14="http://schemas.microsoft.com/office/drawing/2010/main" val="0"/>
-              </a:ext>
-            </a:extLst>
-          </a:blip>
-          <a:stretch>
-            <a:fillRect/>
-          </a:stretch>
-        </p:blipFill>
-        <p:spPr>
-          <a:xfrm>
-            <a:off x="4781175" y="2646524"/>
-            <a:ext cx="148721" cy="148721"/>
-          </a:xfrm>
-          <a:prstGeom prst="rect">
-            <a:avLst/>
-          </a:prstGeom>
-        </p:spPr>
-      </p:pic>
-      <p:sp>
-        <p:nvSpPr>
-          <p:cNvPr id="110" name="TextBox 109"/>
-          <p:cNvSpPr txBox="1"/>
-          <p:nvPr/>
-        </p:nvSpPr>
-        <p:spPr>
-          <a:xfrm>
-            <a:off x="3042133" y="1053651"/>
-            <a:ext cx="1324283" cy="276999"/>
-          </a:xfrm>
-          <a:prstGeom prst="rect">
-            <a:avLst/>
-          </a:prstGeom>
-          <a:noFill/>
-        </p:spPr>
-        <p:txBody>
-          <a:bodyPr wrap="square" rtlCol="0">
-            <a:spAutoFit/>
-          </a:bodyPr>
-          <a:lstStyle/>
-          <a:p>
-            <a:r>
-              <a:rPr lang="en-US" sz="600" b="1" dirty="0"/>
-              <a:t>Custom Domain:</a:t>
-            </a:r>
-          </a:p>
-          <a:p>
-            <a:r>
-              <a:rPr lang="en-US" sz="600" dirty="0">
-                <a:hlinkClick r:id="rId31"/>
-              </a:rPr>
-              <a:t>https://www.azurepcisamples.com</a:t>
-            </a:r>
-            <a:r>
-              <a:rPr lang="en-US" sz="600" dirty="0"/>
-              <a:t> </a:t>
-            </a:r>
-          </a:p>
-        </p:txBody>
-      </p:sp>
-      <p:cxnSp>
-        <p:nvCxnSpPr>
-          <p:cNvPr id="111" name="Straight Arrow Connector 110"/>
-          <p:cNvCxnSpPr>
-            <a:cxnSpLocks/>
-            <a:stCxn id="50" idx="0"/>
-          </p:cNvCxnSpPr>
-          <p:nvPr/>
-        </p:nvCxnSpPr>
-        <p:spPr>
-          <a:xfrm flipH="1">
-            <a:off x="699565" y="607138"/>
-            <a:ext cx="2104512" cy="3120"/>
-          </a:xfrm>
-          <a:prstGeom prst="straightConnector1">
-            <a:avLst/>
-          </a:prstGeom>
-          <a:ln w="19050">
-            <a:prstDash val="sysDash"/>
-            <a:tailEnd type="triangle"/>
-          </a:ln>
-        </p:spPr>
-        <p:style>
-          <a:lnRef idx="1">
-            <a:schemeClr val="accent1"/>
-          </a:lnRef>
-          <a:fillRef idx="0">
-            <a:schemeClr val="accent1"/>
-          </a:fillRef>
-          <a:effectRef idx="0">
-            <a:schemeClr val="accent1"/>
-          </a:effectRef>
-          <a:fontRef idx="minor">
-            <a:schemeClr val="tx1"/>
-          </a:fontRef>
-        </p:style>
-      </p:cxnSp>
-      <p:sp>
-        <p:nvSpPr>
-          <p:cNvPr id="112" name="TextBox 111"/>
-          <p:cNvSpPr txBox="1"/>
-          <p:nvPr/>
-        </p:nvSpPr>
-        <p:spPr>
-          <a:xfrm>
-            <a:off x="1630791" y="444277"/>
-            <a:ext cx="690260" cy="369332"/>
-          </a:xfrm>
-          <a:prstGeom prst="rect">
-            <a:avLst/>
-          </a:prstGeom>
-          <a:noFill/>
-        </p:spPr>
-        <p:txBody>
-          <a:bodyPr wrap="square" rtlCol="0">
-            <a:spAutoFit/>
-          </a:bodyPr>
-          <a:lstStyle/>
-          <a:p>
-            <a:r>
-              <a:rPr lang="en-US" sz="900" b="1" dirty="0"/>
-              <a:t>DNS lookup</a:t>
-            </a:r>
-            <a:endParaRPr lang="en-US" sz="900" dirty="0"/>
-          </a:p>
-        </p:txBody>
-      </p:sp>
-      <p:cxnSp>
-        <p:nvCxnSpPr>
-          <p:cNvPr id="115" name="Straight Arrow Connector 114"/>
-          <p:cNvCxnSpPr>
-            <a:cxnSpLocks/>
-          </p:cNvCxnSpPr>
-          <p:nvPr/>
-        </p:nvCxnSpPr>
-        <p:spPr>
-          <a:xfrm flipH="1">
-            <a:off x="5562244" y="3559422"/>
-            <a:ext cx="1784360" cy="311614"/>
-          </a:xfrm>
-          <a:prstGeom prst="straightConnector1">
-            <a:avLst/>
-          </a:prstGeom>
-          <a:ln>
-            <a:prstDash val="dashDot"/>
-            <a:tailEnd type="triangle"/>
-          </a:ln>
-        </p:spPr>
-        <p:style>
-          <a:lnRef idx="1">
-            <a:schemeClr val="accent1"/>
-          </a:lnRef>
-          <a:fillRef idx="0">
-            <a:schemeClr val="accent1"/>
-          </a:fillRef>
-          <a:effectRef idx="0">
-            <a:schemeClr val="accent1"/>
-          </a:effectRef>
-          <a:fontRef idx="minor">
-            <a:schemeClr val="tx1"/>
-          </a:fontRef>
-        </p:style>
-      </p:cxnSp>
-      <p:sp>
-        <p:nvSpPr>
-          <p:cNvPr id="118" name="TextBox 117"/>
-          <p:cNvSpPr txBox="1"/>
-          <p:nvPr/>
-        </p:nvSpPr>
-        <p:spPr>
-          <a:xfrm rot="20948144">
-            <a:off x="6052077" y="3523886"/>
-            <a:ext cx="852423" cy="200055"/>
-          </a:xfrm>
-          <a:prstGeom prst="rect">
-            <a:avLst/>
-          </a:prstGeom>
-          <a:noFill/>
-        </p:spPr>
-        <p:txBody>
-          <a:bodyPr wrap="square" rtlCol="0">
-            <a:spAutoFit/>
-          </a:bodyPr>
-          <a:lstStyle/>
-          <a:p>
-            <a:r>
-              <a:rPr lang="en-US" sz="700" dirty="0"/>
-              <a:t>Collect metrics</a:t>
-            </a:r>
-          </a:p>
-        </p:txBody>
-      </p:sp>
-      <p:sp>
-        <p:nvSpPr>
-          <p:cNvPr id="119" name="TextBox 118"/>
-          <p:cNvSpPr txBox="1"/>
-          <p:nvPr/>
-        </p:nvSpPr>
-        <p:spPr>
-          <a:xfrm>
-            <a:off x="4146095" y="3622397"/>
-            <a:ext cx="852423" cy="200055"/>
-          </a:xfrm>
-          <a:prstGeom prst="rect">
-            <a:avLst/>
-          </a:prstGeom>
-          <a:noFill/>
-        </p:spPr>
-        <p:txBody>
-          <a:bodyPr wrap="square" rtlCol="0">
-            <a:spAutoFit/>
-          </a:bodyPr>
-          <a:lstStyle/>
-          <a:p>
-            <a:r>
-              <a:rPr lang="en-US" sz="700" dirty="0"/>
-              <a:t>Collect metrics</a:t>
-            </a:r>
-          </a:p>
-        </p:txBody>
-      </p:sp>
-    </p:spTree>
-    <p:extLst>
-      <p:ext uri="{BB962C8B-B14F-4D97-AF65-F5344CB8AC3E}">
-        <p14:creationId xmlns:p14="http://schemas.microsoft.com/office/powerpoint/2010/main" val="3998706706"/>
-      </p:ext>
-    </p:extLst>
-  </p:cSld>
-  <p:clrMapOvr>
-    <a:masterClrMapping/>
-  </p:clrMapOvr>
-</p:sld>
-</file>
-
 <file path=ppt/slides/slide2.xml><?xml version="1.0" encoding="utf-8"?>
 <p:sld xmlns:a="http://schemas.openxmlformats.org/drawingml/2006/main" xmlns:r="http://schemas.openxmlformats.org/officeDocument/2006/relationships" xmlns:p="http://schemas.openxmlformats.org/presentationml/2006/main">
   <p:cSld>
@@ -8694,164 +4897,6 @@
 </file>
 
 <file path=ppt/slides/slide3.xml><?xml version="1.0" encoding="utf-8"?>
-<p:sld xmlns:a="http://schemas.openxmlformats.org/drawingml/2006/main" xmlns:r="http://schemas.openxmlformats.org/officeDocument/2006/relationships" xmlns:p="http://schemas.openxmlformats.org/presentationml/2006/main">
-  <p:cSld>
-    <p:spTree>
-      <p:nvGrpSpPr>
-        <p:cNvPr id="1" name=""/>
-        <p:cNvGrpSpPr/>
-        <p:nvPr/>
-      </p:nvGrpSpPr>
-      <p:grpSpPr>
-        <a:xfrm>
-          <a:off x="0" y="0"/>
-          <a:ext cx="0" cy="0"/>
-          <a:chOff x="0" y="0"/>
-          <a:chExt cx="0" cy="0"/>
-        </a:xfrm>
-      </p:grpSpPr>
-      <p:sp>
-        <p:nvSpPr>
-          <p:cNvPr id="6" name="Text Placeholder 5"/>
-          <p:cNvSpPr>
-            <a:spLocks noGrp="1"/>
-          </p:cNvSpPr>
-          <p:nvPr>
-            <p:ph type="body" idx="1"/>
-          </p:nvPr>
-        </p:nvSpPr>
-        <p:spPr/>
-        <p:txBody>
-          <a:bodyPr/>
-          <a:lstStyle/>
-          <a:p>
-            <a:r>
-              <a:rPr lang="en-US" dirty="0"/>
-              <a:t>ADDRESSING FEW PAINS</a:t>
-            </a:r>
-          </a:p>
-        </p:txBody>
-      </p:sp>
-      <p:sp>
-        <p:nvSpPr>
-          <p:cNvPr id="7" name="Content Placeholder 6"/>
-          <p:cNvSpPr>
-            <a:spLocks noGrp="1"/>
-          </p:cNvSpPr>
-          <p:nvPr>
-            <p:ph sz="half" idx="2"/>
-          </p:nvPr>
-        </p:nvSpPr>
-        <p:spPr>
-          <a:solidFill>
-            <a:schemeClr val="bg1">
-              <a:lumMod val="95000"/>
-            </a:schemeClr>
-          </a:solidFill>
-        </p:spPr>
-        <p:txBody>
-          <a:bodyPr/>
-          <a:lstStyle/>
-          <a:p>
-            <a:r>
-              <a:rPr lang="en-US" dirty="0"/>
-              <a:t>Easing customer conversations, especially for standing up secure and compliant  in Azure adoption</a:t>
-            </a:r>
-          </a:p>
-        </p:txBody>
-      </p:sp>
-      <p:sp>
-        <p:nvSpPr>
-          <p:cNvPr id="8" name="Text Placeholder 7"/>
-          <p:cNvSpPr>
-            <a:spLocks noGrp="1"/>
-          </p:cNvSpPr>
-          <p:nvPr>
-            <p:ph type="body" sz="quarter" idx="3"/>
-          </p:nvPr>
-        </p:nvSpPr>
-        <p:spPr/>
-        <p:txBody>
-          <a:bodyPr/>
-          <a:lstStyle/>
-          <a:p>
-            <a:pPr marL="0" indent="0">
-              <a:buNone/>
-            </a:pPr>
-            <a:r>
-              <a:rPr lang="en-US" dirty="0"/>
-              <a:t>SHOWCASING VALUE</a:t>
-            </a:r>
-          </a:p>
-        </p:txBody>
-      </p:sp>
-      <p:sp>
-        <p:nvSpPr>
-          <p:cNvPr id="9" name="Content Placeholder 8"/>
-          <p:cNvSpPr>
-            <a:spLocks noGrp="1"/>
-          </p:cNvSpPr>
-          <p:nvPr>
-            <p:ph sz="quarter" idx="4"/>
-          </p:nvPr>
-        </p:nvSpPr>
-        <p:spPr>
-          <a:solidFill>
-            <a:schemeClr val="bg1">
-              <a:lumMod val="95000"/>
-            </a:schemeClr>
-          </a:solidFill>
-        </p:spPr>
-        <p:txBody>
-          <a:bodyPr/>
-          <a:lstStyle/>
-          <a:p>
-            <a:endParaRPr lang="en-US" dirty="0"/>
-          </a:p>
-        </p:txBody>
-      </p:sp>
-      <p:sp>
-        <p:nvSpPr>
-          <p:cNvPr id="4" name="Title 3"/>
-          <p:cNvSpPr>
-            <a:spLocks noGrp="1"/>
-          </p:cNvSpPr>
-          <p:nvPr>
-            <p:ph type="title"/>
-          </p:nvPr>
-        </p:nvSpPr>
-        <p:spPr>
-          <a:noFill/>
-        </p:spPr>
-        <p:txBody>
-          <a:bodyPr/>
-          <a:lstStyle/>
-          <a:p>
-            <a:r>
-              <a:rPr lang="en-US" sz="2000" dirty="0">
-                <a:solidFill>
-                  <a:srgbClr val="0070C0"/>
-                </a:solidFill>
-              </a:rPr>
-              <a:t>WHY WE BUILT THIS QUICKSTART?</a:t>
-            </a:r>
-          </a:p>
-        </p:txBody>
-      </p:sp>
-    </p:spTree>
-    <p:extLst>
-      <p:ext uri="{BB962C8B-B14F-4D97-AF65-F5344CB8AC3E}">
-        <p14:creationId xmlns:p14="http://schemas.microsoft.com/office/powerpoint/2010/main" val="982421116"/>
-      </p:ext>
-    </p:extLst>
-  </p:cSld>
-  <p:clrMapOvr>
-    <a:masterClrMapping/>
-  </p:clrMapOvr>
-</p:sld>
-</file>
-
-<file path=ppt/slides/slide4.xml><?xml version="1.0" encoding="utf-8"?>
 <p:sld xmlns:a="http://schemas.openxmlformats.org/drawingml/2006/main" xmlns:r="http://schemas.openxmlformats.org/officeDocument/2006/relationships" xmlns:p="http://schemas.openxmlformats.org/presentationml/2006/main">
   <p:cSld>
     <p:spTree>
@@ -11906,7 +7951,7 @@
           </a:ln>
           <a:extLst>
             <a:ext uri="{91240B29-F687-4f45-9708-019B960494DF}">
-              <a14:hiddenLine xmlns:a14="http://schemas.microsoft.com/office/drawing/2010/main" xmlns="" w="9525">
+              <a14:hiddenLine xmlns="" xmlns:a14="http://schemas.microsoft.com/office/drawing/2010/main" w="9525">
                 <a:solidFill>
                   <a:srgbClr val="000000"/>
                 </a:solidFill>
@@ -13316,7 +9361,7 @@
 </p:sld>
 </file>
 
-<file path=ppt/slides/slide5.xml><?xml version="1.0" encoding="utf-8"?>
+<file path=ppt/slides/slide4.xml><?xml version="1.0" encoding="utf-8"?>
 <p:sld xmlns:a="http://schemas.openxmlformats.org/drawingml/2006/main" xmlns:r="http://schemas.openxmlformats.org/officeDocument/2006/relationships" xmlns:p="http://schemas.openxmlformats.org/presentationml/2006/main">
   <p:cSld>
     <p:spTree>
@@ -14595,7 +10640,7 @@
 </p:sld>
 </file>
 
-<file path=ppt/slides/slide6.xml><?xml version="1.0" encoding="utf-8"?>
+<file path=ppt/slides/slide5.xml><?xml version="1.0" encoding="utf-8"?>
 <p:sld xmlns:a="http://schemas.openxmlformats.org/drawingml/2006/main" xmlns:r="http://schemas.openxmlformats.org/officeDocument/2006/relationships" xmlns:p="http://schemas.openxmlformats.org/presentationml/2006/main">
   <p:cSld>
     <p:spTree>
@@ -14772,7 +10817,7 @@
 </p:sld>
 </file>
 
-<file path=ppt/slides/slide7.xml><?xml version="1.0" encoding="utf-8"?>
+<file path=ppt/slides/slide6.xml><?xml version="1.0" encoding="utf-8"?>
 <p:sld xmlns:a="http://schemas.openxmlformats.org/drawingml/2006/main" xmlns:r="http://schemas.openxmlformats.org/officeDocument/2006/relationships" xmlns:p="http://schemas.openxmlformats.org/presentationml/2006/main">
   <p:cSld>
     <p:spTree>
@@ -18498,7 +14543,7 @@
 </p:sld>
 </file>
 
-<file path=ppt/slides/slide8.xml><?xml version="1.0" encoding="utf-8"?>
+<file path=ppt/slides/slide7.xml><?xml version="1.0" encoding="utf-8"?>
 <p:sld xmlns:a="http://schemas.openxmlformats.org/drawingml/2006/main" xmlns:r="http://schemas.openxmlformats.org/officeDocument/2006/relationships" xmlns:p="http://schemas.openxmlformats.org/presentationml/2006/main">
   <p:cSld>
     <p:spTree>
@@ -21616,7 +17661,7 @@
 </p:sld>
 </file>
 
-<file path=ppt/slides/slide9.xml><?xml version="1.0" encoding="utf-8"?>
+<file path=ppt/slides/slide8.xml><?xml version="1.0" encoding="utf-8"?>
 <p:sld xmlns:a="http://schemas.openxmlformats.org/drawingml/2006/main" xmlns:r="http://schemas.openxmlformats.org/officeDocument/2006/relationships" xmlns:p="http://schemas.openxmlformats.org/presentationml/2006/main">
   <p:cSld>
     <p:spTree>
@@ -22133,6 +18178,3806 @@
     <p:extLst>
       <p:ext uri="{BB962C8B-B14F-4D97-AF65-F5344CB8AC3E}">
         <p14:creationId xmlns:p14="http://schemas.microsoft.com/office/powerpoint/2010/main" val="1164319874"/>
+      </p:ext>
+    </p:extLst>
+  </p:cSld>
+  <p:clrMapOvr>
+    <a:masterClrMapping/>
+  </p:clrMapOvr>
+</p:sld>
+</file>
+
+<file path=ppt/slides/slide9.xml><?xml version="1.0" encoding="utf-8"?>
+<p:sld xmlns:a="http://schemas.openxmlformats.org/drawingml/2006/main" xmlns:r="http://schemas.openxmlformats.org/officeDocument/2006/relationships" xmlns:p="http://schemas.openxmlformats.org/presentationml/2006/main">
+  <p:cSld>
+    <p:spTree>
+      <p:nvGrpSpPr>
+        <p:cNvPr id="1" name=""/>
+        <p:cNvGrpSpPr/>
+        <p:nvPr/>
+      </p:nvGrpSpPr>
+      <p:grpSpPr>
+        <a:xfrm>
+          <a:off x="0" y="0"/>
+          <a:ext cx="0" cy="0"/>
+          <a:chOff x="0" y="0"/>
+          <a:chExt cx="0" cy="0"/>
+        </a:xfrm>
+      </p:grpSpPr>
+      <p:sp>
+        <p:nvSpPr>
+          <p:cNvPr id="3" name="Rectangle: Rounded Corners 2"/>
+          <p:cNvSpPr/>
+          <p:nvPr/>
+        </p:nvSpPr>
+        <p:spPr>
+          <a:xfrm>
+            <a:off x="1833175" y="1008179"/>
+            <a:ext cx="6902564" cy="4185728"/>
+          </a:xfrm>
+          <a:prstGeom prst="roundRect">
+            <a:avLst>
+              <a:gd name="adj" fmla="val 4803"/>
+            </a:avLst>
+          </a:prstGeom>
+          <a:solidFill>
+            <a:schemeClr val="bg1">
+              <a:lumMod val="95000"/>
+              <a:alpha val="25000"/>
+            </a:schemeClr>
+          </a:solidFill>
+        </p:spPr>
+        <p:style>
+          <a:lnRef idx="2">
+            <a:schemeClr val="accent3"/>
+          </a:lnRef>
+          <a:fillRef idx="1">
+            <a:schemeClr val="lt1"/>
+          </a:fillRef>
+          <a:effectRef idx="0">
+            <a:schemeClr val="accent3"/>
+          </a:effectRef>
+          <a:fontRef idx="minor">
+            <a:schemeClr val="dk1"/>
+          </a:fontRef>
+        </p:style>
+        <p:txBody>
+          <a:bodyPr rtlCol="0" anchor="ctr"/>
+          <a:lstStyle/>
+          <a:p>
+            <a:pPr algn="ctr"/>
+            <a:endParaRPr lang="en-US" sz="2400" dirty="0"/>
+          </a:p>
+        </p:txBody>
+      </p:sp>
+      <p:sp>
+        <p:nvSpPr>
+          <p:cNvPr id="4" name="Rectangle: Rounded Corners 3"/>
+          <p:cNvSpPr/>
+          <p:nvPr/>
+        </p:nvSpPr>
+        <p:spPr>
+          <a:xfrm>
+            <a:off x="2025360" y="1391948"/>
+            <a:ext cx="6499364" cy="3192691"/>
+          </a:xfrm>
+          <a:prstGeom prst="roundRect">
+            <a:avLst>
+              <a:gd name="adj" fmla="val 4803"/>
+            </a:avLst>
+          </a:prstGeom>
+          <a:noFill/>
+          <a:ln>
+            <a:prstDash val="sysDash"/>
+          </a:ln>
+        </p:spPr>
+        <p:style>
+          <a:lnRef idx="2">
+            <a:schemeClr val="accent3"/>
+          </a:lnRef>
+          <a:fillRef idx="1002">
+            <a:schemeClr val="lt2"/>
+          </a:fillRef>
+          <a:effectRef idx="0">
+            <a:schemeClr val="accent3"/>
+          </a:effectRef>
+          <a:fontRef idx="minor">
+            <a:schemeClr val="dk1"/>
+          </a:fontRef>
+        </p:style>
+        <p:txBody>
+          <a:bodyPr rtlCol="0" anchor="ctr"/>
+          <a:lstStyle/>
+          <a:p>
+            <a:pPr algn="ctr"/>
+            <a:endParaRPr lang="en-US" sz="2400" dirty="0"/>
+          </a:p>
+        </p:txBody>
+      </p:sp>
+      <p:sp>
+        <p:nvSpPr>
+          <p:cNvPr id="5" name="Rectangle: Rounded Corners 4"/>
+          <p:cNvSpPr/>
+          <p:nvPr/>
+        </p:nvSpPr>
+        <p:spPr>
+          <a:xfrm>
+            <a:off x="2133441" y="1586295"/>
+            <a:ext cx="3932495" cy="2776522"/>
+          </a:xfrm>
+          <a:prstGeom prst="roundRect">
+            <a:avLst>
+              <a:gd name="adj" fmla="val 4803"/>
+            </a:avLst>
+          </a:prstGeom>
+          <a:ln w="12700">
+            <a:prstDash val="sysDash"/>
+          </a:ln>
+        </p:spPr>
+        <p:style>
+          <a:lnRef idx="2">
+            <a:schemeClr val="accent3"/>
+          </a:lnRef>
+          <a:fillRef idx="1">
+            <a:schemeClr val="lt1"/>
+          </a:fillRef>
+          <a:effectRef idx="0">
+            <a:schemeClr val="accent3"/>
+          </a:effectRef>
+          <a:fontRef idx="minor">
+            <a:schemeClr val="dk1"/>
+          </a:fontRef>
+        </p:style>
+        <p:txBody>
+          <a:bodyPr rtlCol="0" anchor="t"/>
+          <a:lstStyle/>
+          <a:p>
+            <a:endParaRPr lang="en-US" sz="2400" dirty="0"/>
+          </a:p>
+        </p:txBody>
+      </p:sp>
+      <p:pic>
+        <p:nvPicPr>
+          <p:cNvPr id="6" name="Picture 5"/>
+          <p:cNvPicPr>
+            <a:picLocks noChangeAspect="1"/>
+          </p:cNvPicPr>
+          <p:nvPr/>
+        </p:nvPicPr>
+        <p:blipFill>
+          <a:blip r:embed="rId2">
+            <a:extLst>
+              <a:ext uri="{28A0092B-C50C-407E-A947-70E740481C1C}">
+                <a14:useLocalDpi xmlns:a14="http://schemas.microsoft.com/office/drawing/2010/main" val="0"/>
+              </a:ext>
+            </a:extLst>
+          </a:blip>
+          <a:stretch>
+            <a:fillRect/>
+          </a:stretch>
+        </p:blipFill>
+        <p:spPr>
+          <a:xfrm>
+            <a:off x="2025361" y="1324423"/>
+            <a:ext cx="166608" cy="166608"/>
+          </a:xfrm>
+          <a:prstGeom prst="rect">
+            <a:avLst/>
+          </a:prstGeom>
+        </p:spPr>
+      </p:pic>
+      <p:pic>
+        <p:nvPicPr>
+          <p:cNvPr id="7" name="Picture 6"/>
+          <p:cNvPicPr>
+            <a:picLocks noChangeAspect="1"/>
+          </p:cNvPicPr>
+          <p:nvPr/>
+        </p:nvPicPr>
+        <p:blipFill>
+          <a:blip r:embed="rId3">
+            <a:extLst>
+              <a:ext uri="{28A0092B-C50C-407E-A947-70E740481C1C}">
+                <a14:useLocalDpi xmlns:a14="http://schemas.microsoft.com/office/drawing/2010/main" val="0"/>
+              </a:ext>
+            </a:extLst>
+          </a:blip>
+          <a:stretch>
+            <a:fillRect/>
+          </a:stretch>
+        </p:blipFill>
+        <p:spPr>
+          <a:xfrm>
+            <a:off x="6423430" y="4676465"/>
+            <a:ext cx="328960" cy="328960"/>
+          </a:xfrm>
+          <a:prstGeom prst="rect">
+            <a:avLst/>
+          </a:prstGeom>
+        </p:spPr>
+      </p:pic>
+      <p:pic>
+        <p:nvPicPr>
+          <p:cNvPr id="8" name="Picture 7"/>
+          <p:cNvPicPr>
+            <a:picLocks noChangeAspect="1"/>
+          </p:cNvPicPr>
+          <p:nvPr/>
+        </p:nvPicPr>
+        <p:blipFill>
+          <a:blip r:embed="rId4"/>
+          <a:stretch>
+            <a:fillRect/>
+          </a:stretch>
+        </p:blipFill>
+        <p:spPr>
+          <a:xfrm>
+            <a:off x="8208277" y="621600"/>
+            <a:ext cx="494905" cy="522204"/>
+          </a:xfrm>
+          <a:prstGeom prst="rect">
+            <a:avLst/>
+          </a:prstGeom>
+        </p:spPr>
+      </p:pic>
+      <p:grpSp>
+        <p:nvGrpSpPr>
+          <p:cNvPr id="9" name="Group 8"/>
+          <p:cNvGrpSpPr/>
+          <p:nvPr/>
+        </p:nvGrpSpPr>
+        <p:grpSpPr>
+          <a:xfrm>
+            <a:off x="2407687" y="1619249"/>
+            <a:ext cx="1777135" cy="887851"/>
+            <a:chOff x="3314119" y="599562"/>
+            <a:chExt cx="2001400" cy="1420560"/>
+          </a:xfrm>
+        </p:grpSpPr>
+        <p:sp>
+          <p:nvSpPr>
+            <p:cNvPr id="10" name="Rectangle: Rounded Corners 9"/>
+            <p:cNvSpPr/>
+            <p:nvPr/>
+          </p:nvSpPr>
+          <p:spPr>
+            <a:xfrm>
+              <a:off x="3314119" y="748723"/>
+              <a:ext cx="2001400" cy="1271399"/>
+            </a:xfrm>
+            <a:prstGeom prst="roundRect">
+              <a:avLst>
+                <a:gd name="adj" fmla="val 4803"/>
+              </a:avLst>
+            </a:prstGeom>
+            <a:solidFill>
+              <a:schemeClr val="accent2">
+                <a:lumMod val="20000"/>
+                <a:lumOff val="80000"/>
+              </a:schemeClr>
+            </a:solidFill>
+            <a:ln w="12700">
+              <a:prstDash val="sysDot"/>
+            </a:ln>
+          </p:spPr>
+          <p:style>
+            <a:lnRef idx="2">
+              <a:schemeClr val="accent3"/>
+            </a:lnRef>
+            <a:fillRef idx="1">
+              <a:schemeClr val="lt1"/>
+            </a:fillRef>
+            <a:effectRef idx="0">
+              <a:schemeClr val="accent3"/>
+            </a:effectRef>
+            <a:fontRef idx="minor">
+              <a:schemeClr val="dk1"/>
+            </a:fontRef>
+          </p:style>
+          <p:txBody>
+            <a:bodyPr rtlCol="0" anchor="ctr"/>
+            <a:lstStyle/>
+            <a:p>
+              <a:pPr algn="ctr"/>
+              <a:endParaRPr lang="en-US" sz="2400"/>
+            </a:p>
+          </p:txBody>
+        </p:sp>
+        <p:pic>
+          <p:nvPicPr>
+            <p:cNvPr id="11" name="Picture 10"/>
+            <p:cNvPicPr>
+              <a:picLocks noChangeAspect="1"/>
+            </p:cNvPicPr>
+            <p:nvPr/>
+          </p:nvPicPr>
+          <p:blipFill>
+            <a:blip r:embed="rId5"/>
+            <a:stretch>
+              <a:fillRect/>
+            </a:stretch>
+          </p:blipFill>
+          <p:spPr>
+            <a:xfrm>
+              <a:off x="4933382" y="599562"/>
+              <a:ext cx="325163" cy="380800"/>
+            </a:xfrm>
+            <a:prstGeom prst="rect">
+              <a:avLst/>
+            </a:prstGeom>
+          </p:spPr>
+        </p:pic>
+      </p:grpSp>
+      <p:sp>
+        <p:nvSpPr>
+          <p:cNvPr id="12" name="Rectangle: Rounded Corners 11"/>
+          <p:cNvSpPr/>
+          <p:nvPr/>
+        </p:nvSpPr>
+        <p:spPr>
+          <a:xfrm>
+            <a:off x="2387698" y="2712630"/>
+            <a:ext cx="1806270" cy="1552442"/>
+          </a:xfrm>
+          <a:prstGeom prst="roundRect">
+            <a:avLst>
+              <a:gd name="adj" fmla="val 4803"/>
+            </a:avLst>
+          </a:prstGeom>
+          <a:ln w="12700">
+            <a:prstDash val="sysDot"/>
+          </a:ln>
+        </p:spPr>
+        <p:style>
+          <a:lnRef idx="2">
+            <a:schemeClr val="accent3"/>
+          </a:lnRef>
+          <a:fillRef idx="1">
+            <a:schemeClr val="lt1"/>
+          </a:fillRef>
+          <a:effectRef idx="0">
+            <a:schemeClr val="accent3"/>
+          </a:effectRef>
+          <a:fontRef idx="minor">
+            <a:schemeClr val="dk1"/>
+          </a:fontRef>
+        </p:style>
+        <p:txBody>
+          <a:bodyPr rtlCol="0" anchor="ctr"/>
+          <a:lstStyle/>
+          <a:p>
+            <a:pPr algn="ctr"/>
+            <a:endParaRPr lang="en-US" sz="2400"/>
+          </a:p>
+        </p:txBody>
+      </p:sp>
+      <p:pic>
+        <p:nvPicPr>
+          <p:cNvPr id="13" name="Picture 12"/>
+          <p:cNvPicPr>
+            <a:picLocks noChangeAspect="1"/>
+          </p:cNvPicPr>
+          <p:nvPr/>
+        </p:nvPicPr>
+        <p:blipFill>
+          <a:blip r:embed="rId5"/>
+          <a:stretch>
+            <a:fillRect/>
+          </a:stretch>
+        </p:blipFill>
+        <p:spPr>
+          <a:xfrm>
+            <a:off x="3579153" y="2929703"/>
+            <a:ext cx="203227" cy="238000"/>
+          </a:xfrm>
+          <a:prstGeom prst="rect">
+            <a:avLst/>
+          </a:prstGeom>
+        </p:spPr>
+      </p:pic>
+      <p:pic>
+        <p:nvPicPr>
+          <p:cNvPr id="14" name="Picture 13"/>
+          <p:cNvPicPr>
+            <a:picLocks noChangeAspect="1"/>
+          </p:cNvPicPr>
+          <p:nvPr/>
+        </p:nvPicPr>
+        <p:blipFill>
+          <a:blip r:embed="rId6">
+            <a:extLst>
+              <a:ext uri="{28A0092B-C50C-407E-A947-70E740481C1C}">
+                <a14:useLocalDpi xmlns:a14="http://schemas.microsoft.com/office/drawing/2010/main" val="0"/>
+              </a:ext>
+            </a:extLst>
+          </a:blip>
+          <a:stretch>
+            <a:fillRect/>
+          </a:stretch>
+        </p:blipFill>
+        <p:spPr>
+          <a:xfrm>
+            <a:off x="2921447" y="2121669"/>
+            <a:ext cx="413601" cy="413601"/>
+          </a:xfrm>
+          <a:prstGeom prst="rect">
+            <a:avLst/>
+          </a:prstGeom>
+        </p:spPr>
+      </p:pic>
+      <p:pic>
+        <p:nvPicPr>
+          <p:cNvPr id="15" name="Picture 14"/>
+          <p:cNvPicPr>
+            <a:picLocks noChangeAspect="1"/>
+          </p:cNvPicPr>
+          <p:nvPr/>
+        </p:nvPicPr>
+        <p:blipFill>
+          <a:blip r:embed="rId7"/>
+          <a:stretch>
+            <a:fillRect/>
+          </a:stretch>
+        </p:blipFill>
+        <p:spPr>
+          <a:xfrm>
+            <a:off x="2760536" y="1901371"/>
+            <a:ext cx="704448" cy="260727"/>
+          </a:xfrm>
+          <a:prstGeom prst="rect">
+            <a:avLst/>
+          </a:prstGeom>
+        </p:spPr>
+      </p:pic>
+      <p:sp>
+        <p:nvSpPr>
+          <p:cNvPr id="16" name="Rectangle: Rounded Corners 15"/>
+          <p:cNvSpPr/>
+          <p:nvPr/>
+        </p:nvSpPr>
+        <p:spPr>
+          <a:xfrm>
+            <a:off x="2456441" y="2781386"/>
+            <a:ext cx="1381458" cy="1154950"/>
+          </a:xfrm>
+          <a:prstGeom prst="roundRect">
+            <a:avLst>
+              <a:gd name="adj" fmla="val 4803"/>
+            </a:avLst>
+          </a:prstGeom>
+          <a:solidFill>
+            <a:schemeClr val="bg1">
+              <a:lumMod val="95000"/>
+            </a:schemeClr>
+          </a:solidFill>
+          <a:ln w="12700">
+            <a:solidFill>
+              <a:srgbClr val="7030A0"/>
+            </a:solidFill>
+            <a:prstDash val="sysDot"/>
+          </a:ln>
+        </p:spPr>
+        <p:style>
+          <a:lnRef idx="2">
+            <a:schemeClr val="accent3"/>
+          </a:lnRef>
+          <a:fillRef idx="1">
+            <a:schemeClr val="lt1"/>
+          </a:fillRef>
+          <a:effectRef idx="0">
+            <a:schemeClr val="accent3"/>
+          </a:effectRef>
+          <a:fontRef idx="minor">
+            <a:schemeClr val="dk1"/>
+          </a:fontRef>
+        </p:style>
+        <p:txBody>
+          <a:bodyPr rtlCol="0" anchor="ctr"/>
+          <a:lstStyle/>
+          <a:p>
+            <a:pPr algn="ctr"/>
+            <a:endParaRPr lang="en-US" sz="2400"/>
+          </a:p>
+        </p:txBody>
+      </p:sp>
+      <p:pic>
+        <p:nvPicPr>
+          <p:cNvPr id="17" name="Picture 16"/>
+          <p:cNvPicPr>
+            <a:picLocks noChangeAspect="1"/>
+          </p:cNvPicPr>
+          <p:nvPr/>
+        </p:nvPicPr>
+        <p:blipFill>
+          <a:blip r:embed="rId8">
+            <a:extLst>
+              <a:ext uri="{28A0092B-C50C-407E-A947-70E740481C1C}">
+                <a14:useLocalDpi xmlns:a14="http://schemas.microsoft.com/office/drawing/2010/main" val="0"/>
+              </a:ext>
+            </a:extLst>
+          </a:blip>
+          <a:stretch>
+            <a:fillRect/>
+          </a:stretch>
+        </p:blipFill>
+        <p:spPr>
+          <a:xfrm>
+            <a:off x="2598981" y="3607188"/>
+            <a:ext cx="254785" cy="254785"/>
+          </a:xfrm>
+          <a:prstGeom prst="rect">
+            <a:avLst/>
+          </a:prstGeom>
+        </p:spPr>
+      </p:pic>
+      <p:pic>
+        <p:nvPicPr>
+          <p:cNvPr id="18" name="Picture 17"/>
+          <p:cNvPicPr>
+            <a:picLocks noChangeAspect="1"/>
+          </p:cNvPicPr>
+          <p:nvPr/>
+        </p:nvPicPr>
+        <p:blipFill>
+          <a:blip r:embed="rId9">
+            <a:extLst>
+              <a:ext uri="{28A0092B-C50C-407E-A947-70E740481C1C}">
+                <a14:useLocalDpi xmlns:a14="http://schemas.microsoft.com/office/drawing/2010/main" val="0"/>
+              </a:ext>
+            </a:extLst>
+          </a:blip>
+          <a:stretch>
+            <a:fillRect/>
+          </a:stretch>
+        </p:blipFill>
+        <p:spPr>
+          <a:xfrm>
+            <a:off x="3525070" y="2795245"/>
+            <a:ext cx="286895" cy="286895"/>
+          </a:xfrm>
+          <a:prstGeom prst="rect">
+            <a:avLst/>
+          </a:prstGeom>
+        </p:spPr>
+      </p:pic>
+      <p:sp>
+        <p:nvSpPr>
+          <p:cNvPr id="19" name="TextBox 18"/>
+          <p:cNvSpPr txBox="1"/>
+          <p:nvPr/>
+        </p:nvSpPr>
+        <p:spPr>
+          <a:xfrm>
+            <a:off x="2513212" y="2744963"/>
+            <a:ext cx="1021975" cy="307777"/>
+          </a:xfrm>
+          <a:prstGeom prst="rect">
+            <a:avLst/>
+          </a:prstGeom>
+          <a:noFill/>
+        </p:spPr>
+        <p:txBody>
+          <a:bodyPr wrap="square" rtlCol="0">
+            <a:spAutoFit/>
+          </a:bodyPr>
+          <a:lstStyle/>
+          <a:p>
+            <a:r>
+              <a:rPr lang="en-US" sz="700" dirty="0"/>
+              <a:t>App Service Environment</a:t>
+            </a:r>
+          </a:p>
+        </p:txBody>
+      </p:sp>
+      <p:sp>
+        <p:nvSpPr>
+          <p:cNvPr id="20" name="TextBox 19"/>
+          <p:cNvSpPr txBox="1"/>
+          <p:nvPr/>
+        </p:nvSpPr>
+        <p:spPr>
+          <a:xfrm>
+            <a:off x="2536757" y="3821209"/>
+            <a:ext cx="486940" cy="184666"/>
+          </a:xfrm>
+          <a:prstGeom prst="rect">
+            <a:avLst/>
+          </a:prstGeom>
+          <a:noFill/>
+        </p:spPr>
+        <p:txBody>
+          <a:bodyPr wrap="square" rtlCol="0">
+            <a:spAutoFit/>
+          </a:bodyPr>
+          <a:lstStyle/>
+          <a:p>
+            <a:r>
+              <a:rPr lang="en-US" sz="600" dirty="0"/>
+              <a:t>Web App</a:t>
+            </a:r>
+          </a:p>
+        </p:txBody>
+      </p:sp>
+      <p:pic>
+        <p:nvPicPr>
+          <p:cNvPr id="21" name="Picture 20"/>
+          <p:cNvPicPr>
+            <a:picLocks noChangeAspect="1"/>
+          </p:cNvPicPr>
+          <p:nvPr/>
+        </p:nvPicPr>
+        <p:blipFill>
+          <a:blip r:embed="rId10">
+            <a:extLst>
+              <a:ext uri="{28A0092B-C50C-407E-A947-70E740481C1C}">
+                <a14:useLocalDpi xmlns:a14="http://schemas.microsoft.com/office/drawing/2010/main" val="0"/>
+              </a:ext>
+            </a:extLst>
+          </a:blip>
+          <a:stretch>
+            <a:fillRect/>
+          </a:stretch>
+        </p:blipFill>
+        <p:spPr>
+          <a:xfrm>
+            <a:off x="5163236" y="3612030"/>
+            <a:ext cx="359907" cy="359907"/>
+          </a:xfrm>
+          <a:prstGeom prst="rect">
+            <a:avLst/>
+          </a:prstGeom>
+        </p:spPr>
+      </p:pic>
+      <p:pic>
+        <p:nvPicPr>
+          <p:cNvPr id="22" name="Picture 21"/>
+          <p:cNvPicPr>
+            <a:picLocks noChangeAspect="1"/>
+          </p:cNvPicPr>
+          <p:nvPr/>
+        </p:nvPicPr>
+        <p:blipFill>
+          <a:blip r:embed="rId11">
+            <a:extLst>
+              <a:ext uri="{28A0092B-C50C-407E-A947-70E740481C1C}">
+                <a14:useLocalDpi xmlns:a14="http://schemas.microsoft.com/office/drawing/2010/main" val="0"/>
+              </a:ext>
+            </a:extLst>
+          </a:blip>
+          <a:stretch>
+            <a:fillRect/>
+          </a:stretch>
+        </p:blipFill>
+        <p:spPr>
+          <a:xfrm>
+            <a:off x="4770957" y="3264286"/>
+            <a:ext cx="409210" cy="409210"/>
+          </a:xfrm>
+          <a:prstGeom prst="rect">
+            <a:avLst/>
+          </a:prstGeom>
+        </p:spPr>
+      </p:pic>
+      <p:sp>
+        <p:nvSpPr>
+          <p:cNvPr id="23" name="TextBox 22"/>
+          <p:cNvSpPr txBox="1"/>
+          <p:nvPr/>
+        </p:nvSpPr>
+        <p:spPr>
+          <a:xfrm>
+            <a:off x="5142273" y="3436161"/>
+            <a:ext cx="489966" cy="184666"/>
+          </a:xfrm>
+          <a:prstGeom prst="rect">
+            <a:avLst/>
+          </a:prstGeom>
+          <a:noFill/>
+        </p:spPr>
+        <p:txBody>
+          <a:bodyPr wrap="square" rtlCol="0">
+            <a:spAutoFit/>
+          </a:bodyPr>
+          <a:lstStyle/>
+          <a:p>
+            <a:r>
+              <a:rPr lang="en-US" sz="600" dirty="0"/>
+              <a:t>Runbooks</a:t>
+            </a:r>
+          </a:p>
+        </p:txBody>
+      </p:sp>
+      <p:sp>
+        <p:nvSpPr>
+          <p:cNvPr id="24" name="TextBox 23"/>
+          <p:cNvSpPr txBox="1"/>
+          <p:nvPr/>
+        </p:nvSpPr>
+        <p:spPr>
+          <a:xfrm>
+            <a:off x="5133140" y="3330253"/>
+            <a:ext cx="564442" cy="276999"/>
+          </a:xfrm>
+          <a:prstGeom prst="rect">
+            <a:avLst/>
+          </a:prstGeom>
+          <a:noFill/>
+        </p:spPr>
+        <p:txBody>
+          <a:bodyPr wrap="square" rtlCol="0">
+            <a:spAutoFit/>
+          </a:bodyPr>
+          <a:lstStyle/>
+          <a:p>
+            <a:r>
+              <a:rPr lang="en-US" sz="600" dirty="0"/>
+              <a:t>Automation +</a:t>
+            </a:r>
+          </a:p>
+        </p:txBody>
+      </p:sp>
+      <p:sp>
+        <p:nvSpPr>
+          <p:cNvPr id="25" name="TextBox 24"/>
+          <p:cNvSpPr txBox="1"/>
+          <p:nvPr/>
+        </p:nvSpPr>
+        <p:spPr>
+          <a:xfrm>
+            <a:off x="2313119" y="1611200"/>
+            <a:ext cx="892161" cy="276999"/>
+          </a:xfrm>
+          <a:prstGeom prst="rect">
+            <a:avLst/>
+          </a:prstGeom>
+          <a:noFill/>
+        </p:spPr>
+        <p:txBody>
+          <a:bodyPr wrap="square" rtlCol="0">
+            <a:spAutoFit/>
+          </a:bodyPr>
+          <a:lstStyle/>
+          <a:p>
+            <a:r>
+              <a:rPr lang="en-US" sz="600" dirty="0"/>
+              <a:t>subnet-WAF-</a:t>
+            </a:r>
+            <a:r>
+              <a:rPr lang="en-US" sz="600" dirty="0" err="1"/>
+              <a:t>appGateway</a:t>
+            </a:r>
+            <a:endParaRPr lang="en-US" sz="600" dirty="0"/>
+          </a:p>
+        </p:txBody>
+      </p:sp>
+      <p:sp>
+        <p:nvSpPr>
+          <p:cNvPr id="26" name="TextBox 25"/>
+          <p:cNvSpPr txBox="1"/>
+          <p:nvPr/>
+        </p:nvSpPr>
+        <p:spPr>
+          <a:xfrm>
+            <a:off x="3841012" y="2699130"/>
+            <a:ext cx="546279" cy="184666"/>
+          </a:xfrm>
+          <a:prstGeom prst="rect">
+            <a:avLst/>
+          </a:prstGeom>
+          <a:noFill/>
+        </p:spPr>
+        <p:txBody>
+          <a:bodyPr wrap="square" rtlCol="0">
+            <a:spAutoFit/>
+          </a:bodyPr>
+          <a:lstStyle/>
+          <a:p>
+            <a:r>
+              <a:rPr lang="en-US" sz="600" dirty="0" err="1"/>
+              <a:t>nsg</a:t>
+            </a:r>
+            <a:r>
+              <a:rPr lang="en-US" sz="600" dirty="0"/>
+              <a:t>-ASE</a:t>
+            </a:r>
+          </a:p>
+        </p:txBody>
+      </p:sp>
+      <p:sp>
+        <p:nvSpPr>
+          <p:cNvPr id="27" name="TextBox 26"/>
+          <p:cNvSpPr txBox="1"/>
+          <p:nvPr/>
+        </p:nvSpPr>
+        <p:spPr>
+          <a:xfrm>
+            <a:off x="3767464" y="1738249"/>
+            <a:ext cx="689051" cy="276999"/>
+          </a:xfrm>
+          <a:prstGeom prst="rect">
+            <a:avLst/>
+          </a:prstGeom>
+          <a:noFill/>
+        </p:spPr>
+        <p:txBody>
+          <a:bodyPr wrap="square" rtlCol="0">
+            <a:spAutoFit/>
+          </a:bodyPr>
+          <a:lstStyle/>
+          <a:p>
+            <a:r>
+              <a:rPr lang="en-US" sz="600" dirty="0" err="1"/>
+              <a:t>nsg-appGateway</a:t>
+            </a:r>
+            <a:endParaRPr lang="en-US" sz="600" dirty="0"/>
+          </a:p>
+        </p:txBody>
+      </p:sp>
+      <p:sp>
+        <p:nvSpPr>
+          <p:cNvPr id="28" name="TextBox 27"/>
+          <p:cNvSpPr txBox="1"/>
+          <p:nvPr/>
+        </p:nvSpPr>
+        <p:spPr>
+          <a:xfrm>
+            <a:off x="2145100" y="1245956"/>
+            <a:ext cx="720395" cy="184666"/>
+          </a:xfrm>
+          <a:prstGeom prst="rect">
+            <a:avLst/>
+          </a:prstGeom>
+          <a:noFill/>
+        </p:spPr>
+        <p:txBody>
+          <a:bodyPr wrap="square" rtlCol="0">
+            <a:spAutoFit/>
+          </a:bodyPr>
+          <a:lstStyle/>
+          <a:p>
+            <a:r>
+              <a:rPr lang="en-US" sz="600" b="1" dirty="0"/>
+              <a:t>Resource Group</a:t>
+            </a:r>
+          </a:p>
+        </p:txBody>
+      </p:sp>
+      <p:sp>
+        <p:nvSpPr>
+          <p:cNvPr id="29" name="TextBox 28"/>
+          <p:cNvSpPr txBox="1"/>
+          <p:nvPr/>
+        </p:nvSpPr>
+        <p:spPr>
+          <a:xfrm>
+            <a:off x="2189065" y="1464924"/>
+            <a:ext cx="605972" cy="276999"/>
+          </a:xfrm>
+          <a:prstGeom prst="rect">
+            <a:avLst/>
+          </a:prstGeom>
+          <a:noFill/>
+        </p:spPr>
+        <p:txBody>
+          <a:bodyPr wrap="square" rtlCol="0">
+            <a:spAutoFit/>
+          </a:bodyPr>
+          <a:lstStyle/>
+          <a:p>
+            <a:r>
+              <a:rPr lang="en-US" sz="600" b="1" dirty="0" err="1"/>
+              <a:t>vNet-pci-paas</a:t>
+            </a:r>
+            <a:endParaRPr lang="en-US" sz="600" b="1" dirty="0"/>
+          </a:p>
+        </p:txBody>
+      </p:sp>
+      <p:pic>
+        <p:nvPicPr>
+          <p:cNvPr id="30" name="Picture 29"/>
+          <p:cNvPicPr>
+            <a:picLocks noChangeAspect="1"/>
+          </p:cNvPicPr>
+          <p:nvPr/>
+        </p:nvPicPr>
+        <p:blipFill>
+          <a:blip r:embed="rId12">
+            <a:extLst>
+              <a:ext uri="{28A0092B-C50C-407E-A947-70E740481C1C}">
+                <a14:useLocalDpi xmlns:a14="http://schemas.microsoft.com/office/drawing/2010/main" val="0"/>
+              </a:ext>
+            </a:extLst>
+          </a:blip>
+          <a:stretch>
+            <a:fillRect/>
+          </a:stretch>
+        </p:blipFill>
+        <p:spPr>
+          <a:xfrm>
+            <a:off x="2106136" y="1468699"/>
+            <a:ext cx="161724" cy="161724"/>
+          </a:xfrm>
+          <a:prstGeom prst="rect">
+            <a:avLst/>
+          </a:prstGeom>
+        </p:spPr>
+      </p:pic>
+      <p:pic>
+        <p:nvPicPr>
+          <p:cNvPr id="31" name="Picture 30"/>
+          <p:cNvPicPr>
+            <a:picLocks noChangeAspect="1"/>
+          </p:cNvPicPr>
+          <p:nvPr/>
+        </p:nvPicPr>
+        <p:blipFill>
+          <a:blip r:embed="rId13">
+            <a:extLst>
+              <a:ext uri="{28A0092B-C50C-407E-A947-70E740481C1C}">
+                <a14:useLocalDpi xmlns:a14="http://schemas.microsoft.com/office/drawing/2010/main" val="0"/>
+              </a:ext>
+            </a:extLst>
+          </a:blip>
+          <a:stretch>
+            <a:fillRect/>
+          </a:stretch>
+        </p:blipFill>
+        <p:spPr>
+          <a:xfrm>
+            <a:off x="2992367" y="3711661"/>
+            <a:ext cx="161824" cy="161824"/>
+          </a:xfrm>
+          <a:prstGeom prst="rect">
+            <a:avLst/>
+          </a:prstGeom>
+        </p:spPr>
+      </p:pic>
+      <p:sp>
+        <p:nvSpPr>
+          <p:cNvPr id="32" name="TextBox 31"/>
+          <p:cNvSpPr txBox="1"/>
+          <p:nvPr/>
+        </p:nvSpPr>
+        <p:spPr>
+          <a:xfrm>
+            <a:off x="3039033" y="3757344"/>
+            <a:ext cx="708405" cy="184666"/>
+          </a:xfrm>
+          <a:prstGeom prst="rect">
+            <a:avLst/>
+          </a:prstGeom>
+          <a:noFill/>
+        </p:spPr>
+        <p:txBody>
+          <a:bodyPr wrap="square" rtlCol="0">
+            <a:spAutoFit/>
+          </a:bodyPr>
+          <a:lstStyle/>
+          <a:p>
+            <a:r>
+              <a:rPr lang="en-US" sz="600" dirty="0"/>
+              <a:t>App Insights</a:t>
+            </a:r>
+          </a:p>
+        </p:txBody>
+      </p:sp>
+      <p:pic>
+        <p:nvPicPr>
+          <p:cNvPr id="33" name="Picture 32"/>
+          <p:cNvPicPr>
+            <a:picLocks noChangeAspect="1"/>
+          </p:cNvPicPr>
+          <p:nvPr/>
+        </p:nvPicPr>
+        <p:blipFill>
+          <a:blip r:embed="rId14">
+            <a:extLst>
+              <a:ext uri="{28A0092B-C50C-407E-A947-70E740481C1C}">
+                <a14:useLocalDpi xmlns:a14="http://schemas.microsoft.com/office/drawing/2010/main" val="0"/>
+              </a:ext>
+            </a:extLst>
+          </a:blip>
+          <a:stretch>
+            <a:fillRect/>
+          </a:stretch>
+        </p:blipFill>
+        <p:spPr>
+          <a:xfrm>
+            <a:off x="4471063" y="4676464"/>
+            <a:ext cx="337054" cy="337054"/>
+          </a:xfrm>
+          <a:prstGeom prst="rect">
+            <a:avLst/>
+          </a:prstGeom>
+        </p:spPr>
+      </p:pic>
+      <p:cxnSp>
+        <p:nvCxnSpPr>
+          <p:cNvPr id="34" name="Straight Arrow Connector 33"/>
+          <p:cNvCxnSpPr>
+            <a:cxnSpLocks/>
+            <a:stCxn id="14" idx="2"/>
+            <a:endCxn id="90" idx="0"/>
+          </p:cNvCxnSpPr>
+          <p:nvPr/>
+        </p:nvCxnSpPr>
+        <p:spPr>
+          <a:xfrm flipH="1">
+            <a:off x="3108186" y="2535270"/>
+            <a:ext cx="20061" cy="409415"/>
+          </a:xfrm>
+          <a:prstGeom prst="straightConnector1">
+            <a:avLst/>
+          </a:prstGeom>
+          <a:ln w="19050">
+            <a:solidFill>
+              <a:schemeClr val="accent2"/>
+            </a:solidFill>
+            <a:tailEnd type="triangle"/>
+          </a:ln>
+        </p:spPr>
+        <p:style>
+          <a:lnRef idx="1">
+            <a:schemeClr val="accent1"/>
+          </a:lnRef>
+          <a:fillRef idx="0">
+            <a:schemeClr val="accent1"/>
+          </a:fillRef>
+          <a:effectRef idx="0">
+            <a:schemeClr val="accent1"/>
+          </a:effectRef>
+          <a:fontRef idx="minor">
+            <a:schemeClr val="tx1"/>
+          </a:fontRef>
+        </p:style>
+      </p:cxnSp>
+      <p:cxnSp>
+        <p:nvCxnSpPr>
+          <p:cNvPr id="35" name="Straight Arrow Connector 34"/>
+          <p:cNvCxnSpPr>
+            <a:cxnSpLocks/>
+            <a:stCxn id="31" idx="3"/>
+            <a:endCxn id="21" idx="1"/>
+          </p:cNvCxnSpPr>
+          <p:nvPr/>
+        </p:nvCxnSpPr>
+        <p:spPr>
+          <a:xfrm flipV="1">
+            <a:off x="3154191" y="3791984"/>
+            <a:ext cx="2009045" cy="589"/>
+          </a:xfrm>
+          <a:prstGeom prst="straightConnector1">
+            <a:avLst/>
+          </a:prstGeom>
+          <a:ln>
+            <a:prstDash val="dashDot"/>
+            <a:tailEnd type="triangle"/>
+          </a:ln>
+        </p:spPr>
+        <p:style>
+          <a:lnRef idx="1">
+            <a:schemeClr val="accent1"/>
+          </a:lnRef>
+          <a:fillRef idx="0">
+            <a:schemeClr val="accent1"/>
+          </a:fillRef>
+          <a:effectRef idx="0">
+            <a:schemeClr val="accent1"/>
+          </a:effectRef>
+          <a:fontRef idx="minor">
+            <a:schemeClr val="tx1"/>
+          </a:fontRef>
+        </p:style>
+      </p:cxnSp>
+      <p:sp>
+        <p:nvSpPr>
+          <p:cNvPr id="36" name="TextBox 35"/>
+          <p:cNvSpPr txBox="1"/>
+          <p:nvPr/>
+        </p:nvSpPr>
+        <p:spPr>
+          <a:xfrm rot="20201567">
+            <a:off x="3827335" y="3435487"/>
+            <a:ext cx="469092" cy="276999"/>
+          </a:xfrm>
+          <a:prstGeom prst="rect">
+            <a:avLst/>
+          </a:prstGeom>
+          <a:noFill/>
+        </p:spPr>
+        <p:txBody>
+          <a:bodyPr wrap="square" rtlCol="0">
+            <a:spAutoFit/>
+          </a:bodyPr>
+          <a:lstStyle/>
+          <a:p>
+            <a:r>
+              <a:rPr lang="en-US" sz="600" dirty="0"/>
+              <a:t>Pull metrics</a:t>
+            </a:r>
+          </a:p>
+        </p:txBody>
+      </p:sp>
+      <p:sp>
+        <p:nvSpPr>
+          <p:cNvPr id="37" name="TextBox 36"/>
+          <p:cNvSpPr txBox="1"/>
+          <p:nvPr/>
+        </p:nvSpPr>
+        <p:spPr>
+          <a:xfrm rot="19143378">
+            <a:off x="6111155" y="2906545"/>
+            <a:ext cx="852423" cy="200055"/>
+          </a:xfrm>
+          <a:prstGeom prst="rect">
+            <a:avLst/>
+          </a:prstGeom>
+          <a:noFill/>
+        </p:spPr>
+        <p:txBody>
+          <a:bodyPr wrap="square" rtlCol="0">
+            <a:spAutoFit/>
+          </a:bodyPr>
+          <a:lstStyle/>
+          <a:p>
+            <a:r>
+              <a:rPr lang="en-US" sz="700" dirty="0"/>
+              <a:t>Ingest metrics</a:t>
+            </a:r>
+          </a:p>
+        </p:txBody>
+      </p:sp>
+      <p:cxnSp>
+        <p:nvCxnSpPr>
+          <p:cNvPr id="38" name="Connector: Elbow 37"/>
+          <p:cNvCxnSpPr>
+            <a:cxnSpLocks/>
+            <a:stCxn id="17" idx="2"/>
+            <a:endCxn id="47" idx="2"/>
+          </p:cNvCxnSpPr>
+          <p:nvPr/>
+        </p:nvCxnSpPr>
+        <p:spPr>
+          <a:xfrm rot="16200000" flipH="1">
+            <a:off x="5103568" y="1484777"/>
+            <a:ext cx="86969" cy="4841358"/>
+          </a:xfrm>
+          <a:prstGeom prst="bentConnector3">
+            <a:avLst>
+              <a:gd name="adj1" fmla="val 678275"/>
+            </a:avLst>
+          </a:prstGeom>
+          <a:ln w="19050">
+            <a:solidFill>
+              <a:schemeClr val="accent2"/>
+            </a:solidFill>
+            <a:tailEnd type="triangle"/>
+          </a:ln>
+        </p:spPr>
+        <p:style>
+          <a:lnRef idx="1">
+            <a:schemeClr val="accent1"/>
+          </a:lnRef>
+          <a:fillRef idx="0">
+            <a:schemeClr val="accent1"/>
+          </a:fillRef>
+          <a:effectRef idx="0">
+            <a:schemeClr val="accent1"/>
+          </a:effectRef>
+          <a:fontRef idx="minor">
+            <a:schemeClr val="tx1"/>
+          </a:fontRef>
+        </p:style>
+      </p:cxnSp>
+      <p:pic>
+        <p:nvPicPr>
+          <p:cNvPr id="39" name="Picture 38"/>
+          <p:cNvPicPr>
+            <a:picLocks noChangeAspect="1"/>
+          </p:cNvPicPr>
+          <p:nvPr/>
+        </p:nvPicPr>
+        <p:blipFill>
+          <a:blip r:embed="rId15">
+            <a:extLst>
+              <a:ext uri="{28A0092B-C50C-407E-A947-70E740481C1C}">
+                <a14:useLocalDpi xmlns:a14="http://schemas.microsoft.com/office/drawing/2010/main" val="0"/>
+              </a:ext>
+            </a:extLst>
+          </a:blip>
+          <a:stretch>
+            <a:fillRect/>
+          </a:stretch>
+        </p:blipFill>
+        <p:spPr>
+          <a:xfrm>
+            <a:off x="2867404" y="4678223"/>
+            <a:ext cx="391406" cy="391406"/>
+          </a:xfrm>
+          <a:prstGeom prst="rect">
+            <a:avLst/>
+          </a:prstGeom>
+        </p:spPr>
+      </p:pic>
+      <p:pic>
+        <p:nvPicPr>
+          <p:cNvPr id="40" name="Picture 39" descr="Making Security Shiny - The Blog of Tom Webster"/>
+          <p:cNvPicPr>
+            <a:picLocks noChangeAspect="1"/>
+          </p:cNvPicPr>
+          <p:nvPr/>
+        </p:nvPicPr>
+        <p:blipFill>
+          <a:blip r:embed="rId16">
+            <a:extLst>
+              <a:ext uri="{28A0092B-C50C-407E-A947-70E740481C1C}">
+                <a14:useLocalDpi xmlns:a14="http://schemas.microsoft.com/office/drawing/2010/main" val="0"/>
+              </a:ext>
+            </a:extLst>
+          </a:blip>
+          <a:stretch>
+            <a:fillRect/>
+          </a:stretch>
+        </p:blipFill>
+        <p:spPr>
+          <a:xfrm>
+            <a:off x="3211049" y="4693079"/>
+            <a:ext cx="206343" cy="196893"/>
+          </a:xfrm>
+          <a:prstGeom prst="rect">
+            <a:avLst/>
+          </a:prstGeom>
+        </p:spPr>
+      </p:pic>
+      <p:sp>
+        <p:nvSpPr>
+          <p:cNvPr id="41" name="TextBox 40"/>
+          <p:cNvSpPr txBox="1"/>
+          <p:nvPr/>
+        </p:nvSpPr>
+        <p:spPr>
+          <a:xfrm>
+            <a:off x="3211046" y="4810869"/>
+            <a:ext cx="543398" cy="276999"/>
+          </a:xfrm>
+          <a:prstGeom prst="rect">
+            <a:avLst/>
+          </a:prstGeom>
+          <a:noFill/>
+        </p:spPr>
+        <p:txBody>
+          <a:bodyPr wrap="square" rtlCol="0">
+            <a:spAutoFit/>
+          </a:bodyPr>
+          <a:lstStyle/>
+          <a:p>
+            <a:r>
+              <a:rPr lang="en-US" sz="600" dirty="0"/>
+              <a:t>Keys and Secrets</a:t>
+            </a:r>
+          </a:p>
+        </p:txBody>
+      </p:sp>
+      <p:cxnSp>
+        <p:nvCxnSpPr>
+          <p:cNvPr id="42" name="Straight Arrow Connector 41"/>
+          <p:cNvCxnSpPr>
+            <a:cxnSpLocks/>
+            <a:endCxn id="63" idx="2"/>
+          </p:cNvCxnSpPr>
+          <p:nvPr/>
+        </p:nvCxnSpPr>
+        <p:spPr>
+          <a:xfrm flipH="1" flipV="1">
+            <a:off x="7564132" y="2645635"/>
+            <a:ext cx="12746" cy="610264"/>
+          </a:xfrm>
+          <a:prstGeom prst="straightConnector1">
+            <a:avLst/>
+          </a:prstGeom>
+          <a:ln>
+            <a:tailEnd type="triangle"/>
+          </a:ln>
+        </p:spPr>
+        <p:style>
+          <a:lnRef idx="1">
+            <a:schemeClr val="accent1"/>
+          </a:lnRef>
+          <a:fillRef idx="0">
+            <a:schemeClr val="accent1"/>
+          </a:fillRef>
+          <a:effectRef idx="0">
+            <a:schemeClr val="accent1"/>
+          </a:effectRef>
+          <a:fontRef idx="minor">
+            <a:schemeClr val="tx1"/>
+          </a:fontRef>
+        </p:style>
+      </p:cxnSp>
+      <p:grpSp>
+        <p:nvGrpSpPr>
+          <p:cNvPr id="43" name="Group 42"/>
+          <p:cNvGrpSpPr/>
+          <p:nvPr/>
+        </p:nvGrpSpPr>
+        <p:grpSpPr>
+          <a:xfrm>
+            <a:off x="7016772" y="2918296"/>
+            <a:ext cx="1104021" cy="1030647"/>
+            <a:chOff x="6916499" y="3022407"/>
+            <a:chExt cx="1104021" cy="1030647"/>
+          </a:xfrm>
+        </p:grpSpPr>
+        <p:sp>
+          <p:nvSpPr>
+            <p:cNvPr id="44" name="Rectangle: Rounded Corners 43"/>
+            <p:cNvSpPr/>
+            <p:nvPr/>
+          </p:nvSpPr>
+          <p:spPr>
+            <a:xfrm>
+              <a:off x="6916499" y="3381175"/>
+              <a:ext cx="1104021" cy="650715"/>
+            </a:xfrm>
+            <a:prstGeom prst="roundRect">
+              <a:avLst>
+                <a:gd name="adj" fmla="val 4803"/>
+              </a:avLst>
+            </a:prstGeom>
+            <a:solidFill>
+              <a:schemeClr val="bg1">
+                <a:lumMod val="95000"/>
+              </a:schemeClr>
+            </a:solidFill>
+            <a:ln w="12700">
+              <a:prstDash val="sysDot"/>
+            </a:ln>
+          </p:spPr>
+          <p:style>
+            <a:lnRef idx="2">
+              <a:schemeClr val="accent3"/>
+            </a:lnRef>
+            <a:fillRef idx="1">
+              <a:schemeClr val="lt1"/>
+            </a:fillRef>
+            <a:effectRef idx="0">
+              <a:schemeClr val="accent3"/>
+            </a:effectRef>
+            <a:fontRef idx="minor">
+              <a:schemeClr val="dk1"/>
+            </a:fontRef>
+          </p:style>
+          <p:txBody>
+            <a:bodyPr rtlCol="0" anchor="ctr"/>
+            <a:lstStyle/>
+            <a:p>
+              <a:pPr algn="ctr"/>
+              <a:endParaRPr lang="en-US" sz="2400"/>
+            </a:p>
+          </p:txBody>
+        </p:sp>
+        <p:pic>
+          <p:nvPicPr>
+            <p:cNvPr id="45" name="Picture 44"/>
+            <p:cNvPicPr>
+              <a:picLocks noChangeAspect="1"/>
+            </p:cNvPicPr>
+            <p:nvPr/>
+          </p:nvPicPr>
+          <p:blipFill>
+            <a:blip r:embed="rId17">
+              <a:extLst>
+                <a:ext uri="{28A0092B-C50C-407E-A947-70E740481C1C}">
+                  <a14:useLocalDpi xmlns:a14="http://schemas.microsoft.com/office/drawing/2010/main" val="0"/>
+                </a:ext>
+              </a:extLst>
+            </a:blip>
+            <a:stretch>
+              <a:fillRect/>
+            </a:stretch>
+          </p:blipFill>
+          <p:spPr>
+            <a:xfrm>
+              <a:off x="7303257" y="3460712"/>
+              <a:ext cx="328398" cy="328398"/>
+            </a:xfrm>
+            <a:prstGeom prst="rect">
+              <a:avLst/>
+            </a:prstGeom>
+          </p:spPr>
+        </p:pic>
+        <p:sp>
+          <p:nvSpPr>
+            <p:cNvPr id="46" name="TextBox 45"/>
+            <p:cNvSpPr txBox="1"/>
+            <p:nvPr/>
+          </p:nvSpPr>
+          <p:spPr>
+            <a:xfrm>
+              <a:off x="7434589" y="3649874"/>
+              <a:ext cx="421570" cy="184666"/>
+            </a:xfrm>
+            <a:prstGeom prst="rect">
+              <a:avLst/>
+            </a:prstGeom>
+            <a:noFill/>
+          </p:spPr>
+          <p:txBody>
+            <a:bodyPr wrap="square" rtlCol="0">
+              <a:spAutoFit/>
+            </a:bodyPr>
+            <a:lstStyle/>
+            <a:p>
+              <a:r>
+                <a:rPr lang="en-US" sz="600" dirty="0"/>
+                <a:t>SQL DB</a:t>
+              </a:r>
+            </a:p>
+          </p:txBody>
+        </p:sp>
+        <p:pic>
+          <p:nvPicPr>
+            <p:cNvPr id="47" name="Picture 46"/>
+            <p:cNvPicPr>
+              <a:picLocks noChangeAspect="1"/>
+            </p:cNvPicPr>
+            <p:nvPr/>
+          </p:nvPicPr>
+          <p:blipFill>
+            <a:blip r:embed="rId7"/>
+            <a:stretch>
+              <a:fillRect/>
+            </a:stretch>
+          </p:blipFill>
+          <p:spPr>
+            <a:xfrm>
+              <a:off x="7136012" y="3857326"/>
+              <a:ext cx="662892" cy="195728"/>
+            </a:xfrm>
+            <a:prstGeom prst="rect">
+              <a:avLst/>
+            </a:prstGeom>
+          </p:spPr>
+        </p:pic>
+        <p:sp>
+          <p:nvSpPr>
+            <p:cNvPr id="48" name="TextBox 47"/>
+            <p:cNvSpPr txBox="1"/>
+            <p:nvPr/>
+          </p:nvSpPr>
+          <p:spPr>
+            <a:xfrm>
+              <a:off x="7246330" y="3022407"/>
+              <a:ext cx="376517" cy="276999"/>
+            </a:xfrm>
+            <a:prstGeom prst="rect">
+              <a:avLst/>
+            </a:prstGeom>
+            <a:noFill/>
+          </p:spPr>
+          <p:txBody>
+            <a:bodyPr wrap="square" rtlCol="0">
+              <a:spAutoFit/>
+            </a:bodyPr>
+            <a:lstStyle/>
+            <a:p>
+              <a:r>
+                <a:rPr lang="en-US" sz="600" dirty="0"/>
+                <a:t>Ops Logs</a:t>
+              </a:r>
+            </a:p>
+          </p:txBody>
+        </p:sp>
+      </p:grpSp>
+      <p:pic>
+        <p:nvPicPr>
+          <p:cNvPr id="49" name="Picture 48" descr="multiple user icons different colors - vector Clip Art"/>
+          <p:cNvPicPr>
+            <a:picLocks noChangeAspect="1"/>
+          </p:cNvPicPr>
+          <p:nvPr/>
+        </p:nvPicPr>
+        <p:blipFill>
+          <a:blip r:embed="rId18">
+            <a:extLst>
+              <a:ext uri="{28A0092B-C50C-407E-A947-70E740481C1C}">
+                <a14:useLocalDpi xmlns:a14="http://schemas.microsoft.com/office/drawing/2010/main" val="0"/>
+              </a:ext>
+            </a:extLst>
+          </a:blip>
+          <a:stretch>
+            <a:fillRect/>
+          </a:stretch>
+        </p:blipFill>
+        <p:spPr>
+          <a:xfrm>
+            <a:off x="2980280" y="396341"/>
+            <a:ext cx="225000" cy="241875"/>
+          </a:xfrm>
+          <a:prstGeom prst="rect">
+            <a:avLst/>
+          </a:prstGeom>
+        </p:spPr>
+      </p:pic>
+      <p:sp>
+        <p:nvSpPr>
+          <p:cNvPr id="50" name="TextBox 49"/>
+          <p:cNvSpPr txBox="1"/>
+          <p:nvPr/>
+        </p:nvSpPr>
+        <p:spPr>
+          <a:xfrm>
+            <a:off x="2456441" y="607138"/>
+            <a:ext cx="695271" cy="276999"/>
+          </a:xfrm>
+          <a:prstGeom prst="rect">
+            <a:avLst/>
+          </a:prstGeom>
+          <a:noFill/>
+        </p:spPr>
+        <p:txBody>
+          <a:bodyPr wrap="square" rtlCol="0">
+            <a:spAutoFit/>
+          </a:bodyPr>
+          <a:lstStyle/>
+          <a:p>
+            <a:r>
+              <a:rPr lang="en-US" sz="600" dirty="0"/>
+              <a:t>Customer / Cardholder</a:t>
+            </a:r>
+          </a:p>
+        </p:txBody>
+      </p:sp>
+      <p:cxnSp>
+        <p:nvCxnSpPr>
+          <p:cNvPr id="51" name="Straight Arrow Connector 50"/>
+          <p:cNvCxnSpPr>
+            <a:cxnSpLocks/>
+            <a:endCxn id="15" idx="0"/>
+          </p:cNvCxnSpPr>
+          <p:nvPr/>
+        </p:nvCxnSpPr>
+        <p:spPr>
+          <a:xfrm>
+            <a:off x="3104932" y="870338"/>
+            <a:ext cx="7828" cy="1031033"/>
+          </a:xfrm>
+          <a:prstGeom prst="straightConnector1">
+            <a:avLst/>
+          </a:prstGeom>
+          <a:ln w="19050">
+            <a:solidFill>
+              <a:schemeClr val="accent2"/>
+            </a:solidFill>
+            <a:tailEnd type="triangle"/>
+          </a:ln>
+        </p:spPr>
+        <p:style>
+          <a:lnRef idx="1">
+            <a:schemeClr val="accent1"/>
+          </a:lnRef>
+          <a:fillRef idx="0">
+            <a:schemeClr val="accent1"/>
+          </a:fillRef>
+          <a:effectRef idx="0">
+            <a:schemeClr val="accent1"/>
+          </a:effectRef>
+          <a:fontRef idx="minor">
+            <a:schemeClr val="tx1"/>
+          </a:fontRef>
+        </p:style>
+      </p:cxnSp>
+      <p:pic>
+        <p:nvPicPr>
+          <p:cNvPr id="52" name="Picture 51"/>
+          <p:cNvPicPr>
+            <a:picLocks noChangeAspect="1"/>
+          </p:cNvPicPr>
+          <p:nvPr/>
+        </p:nvPicPr>
+        <p:blipFill>
+          <a:blip r:embed="rId19"/>
+          <a:stretch>
+            <a:fillRect/>
+          </a:stretch>
+        </p:blipFill>
+        <p:spPr>
+          <a:xfrm>
+            <a:off x="3215200" y="532215"/>
+            <a:ext cx="653883" cy="445610"/>
+          </a:xfrm>
+          <a:prstGeom prst="rect">
+            <a:avLst/>
+          </a:prstGeom>
+        </p:spPr>
+      </p:pic>
+      <p:pic>
+        <p:nvPicPr>
+          <p:cNvPr id="53" name="Picture 52" descr="透過 Certificate Revocation List + HAProxy 來管理 HTTPS 連線 ..."/>
+          <p:cNvPicPr>
+            <a:picLocks noChangeAspect="1"/>
+          </p:cNvPicPr>
+          <p:nvPr/>
+        </p:nvPicPr>
+        <p:blipFill>
+          <a:blip r:embed="rId20">
+            <a:extLst>
+              <a:ext uri="{28A0092B-C50C-407E-A947-70E740481C1C}">
+                <a14:useLocalDpi xmlns:a14="http://schemas.microsoft.com/office/drawing/2010/main" val="0"/>
+              </a:ext>
+            </a:extLst>
+          </a:blip>
+          <a:stretch>
+            <a:fillRect/>
+          </a:stretch>
+        </p:blipFill>
+        <p:spPr>
+          <a:xfrm>
+            <a:off x="3017293" y="2569443"/>
+            <a:ext cx="113109" cy="131311"/>
+          </a:xfrm>
+          <a:prstGeom prst="rect">
+            <a:avLst/>
+          </a:prstGeom>
+        </p:spPr>
+      </p:pic>
+      <p:pic>
+        <p:nvPicPr>
+          <p:cNvPr id="54" name="Picture 53" descr="透過 Certificate Revocation List + HAProxy 來管理 HTTPS 連線 ..."/>
+          <p:cNvPicPr>
+            <a:picLocks noChangeAspect="1"/>
+          </p:cNvPicPr>
+          <p:nvPr/>
+        </p:nvPicPr>
+        <p:blipFill>
+          <a:blip r:embed="rId20">
+            <a:extLst>
+              <a:ext uri="{28A0092B-C50C-407E-A947-70E740481C1C}">
+                <a14:useLocalDpi xmlns:a14="http://schemas.microsoft.com/office/drawing/2010/main" val="0"/>
+              </a:ext>
+            </a:extLst>
+          </a:blip>
+          <a:stretch>
+            <a:fillRect/>
+          </a:stretch>
+        </p:blipFill>
+        <p:spPr>
+          <a:xfrm>
+            <a:off x="2821153" y="842886"/>
+            <a:ext cx="267840" cy="310942"/>
+          </a:xfrm>
+          <a:prstGeom prst="rect">
+            <a:avLst/>
+          </a:prstGeom>
+        </p:spPr>
+      </p:pic>
+      <p:sp>
+        <p:nvSpPr>
+          <p:cNvPr id="55" name="Arrow: Curved Right 54"/>
+          <p:cNvSpPr/>
+          <p:nvPr/>
+        </p:nvSpPr>
+        <p:spPr>
+          <a:xfrm flipH="1">
+            <a:off x="3288414" y="2372225"/>
+            <a:ext cx="221239" cy="762212"/>
+          </a:xfrm>
+          <a:prstGeom prst="curvedRightArrow">
+            <a:avLst/>
+          </a:prstGeom>
+          <a:solidFill>
+            <a:srgbClr val="FFFF00"/>
+          </a:solidFill>
+          <a:ln w="6350">
+            <a:solidFill>
+              <a:schemeClr val="accent4"/>
+            </a:solidFill>
+          </a:ln>
+        </p:spPr>
+        <p:style>
+          <a:lnRef idx="2">
+            <a:schemeClr val="accent1">
+              <a:shade val="50000"/>
+            </a:schemeClr>
+          </a:lnRef>
+          <a:fillRef idx="1">
+            <a:schemeClr val="accent1"/>
+          </a:fillRef>
+          <a:effectRef idx="0">
+            <a:schemeClr val="accent1"/>
+          </a:effectRef>
+          <a:fontRef idx="minor">
+            <a:schemeClr val="lt1"/>
+          </a:fontRef>
+        </p:style>
+        <p:txBody>
+          <a:bodyPr vert="vert" rtlCol="0" anchor="t"/>
+          <a:lstStyle/>
+          <a:p>
+            <a:endParaRPr lang="en-US" sz="800" dirty="0">
+              <a:solidFill>
+                <a:schemeClr val="tx1"/>
+              </a:solidFill>
+            </a:endParaRPr>
+          </a:p>
+        </p:txBody>
+      </p:sp>
+      <p:pic>
+        <p:nvPicPr>
+          <p:cNvPr id="56" name="Picture 55"/>
+          <p:cNvPicPr>
+            <a:picLocks noChangeAspect="1"/>
+          </p:cNvPicPr>
+          <p:nvPr/>
+        </p:nvPicPr>
+        <p:blipFill>
+          <a:blip r:embed="rId5"/>
+          <a:stretch>
+            <a:fillRect/>
+          </a:stretch>
+        </p:blipFill>
+        <p:spPr>
+          <a:xfrm>
+            <a:off x="3881199" y="2569441"/>
+            <a:ext cx="288727" cy="238000"/>
+          </a:xfrm>
+          <a:prstGeom prst="rect">
+            <a:avLst/>
+          </a:prstGeom>
+        </p:spPr>
+      </p:pic>
+      <p:sp>
+        <p:nvSpPr>
+          <p:cNvPr id="57" name="Rectangle 56"/>
+          <p:cNvSpPr/>
+          <p:nvPr/>
+        </p:nvSpPr>
+        <p:spPr>
+          <a:xfrm>
+            <a:off x="3366713" y="2335706"/>
+            <a:ext cx="513490" cy="338554"/>
+          </a:xfrm>
+          <a:prstGeom prst="rect">
+            <a:avLst/>
+          </a:prstGeom>
+        </p:spPr>
+        <p:txBody>
+          <a:bodyPr wrap="square">
+            <a:spAutoFit/>
+          </a:bodyPr>
+          <a:lstStyle/>
+          <a:p>
+            <a:r>
+              <a:rPr lang="en-GB" sz="800" dirty="0"/>
+              <a:t>Custom probe</a:t>
+            </a:r>
+            <a:endParaRPr lang="en-US" sz="800" dirty="0"/>
+          </a:p>
+        </p:txBody>
+      </p:sp>
+      <p:pic>
+        <p:nvPicPr>
+          <p:cNvPr id="58" name="Picture 57"/>
+          <p:cNvPicPr>
+            <a:picLocks noChangeAspect="1"/>
+          </p:cNvPicPr>
+          <p:nvPr/>
+        </p:nvPicPr>
+        <p:blipFill>
+          <a:blip r:embed="rId21">
+            <a:extLst>
+              <a:ext uri="{28A0092B-C50C-407E-A947-70E740481C1C}">
+                <a14:useLocalDpi xmlns:a14="http://schemas.microsoft.com/office/drawing/2010/main" val="0"/>
+              </a:ext>
+            </a:extLst>
+          </a:blip>
+          <a:stretch>
+            <a:fillRect/>
+          </a:stretch>
+        </p:blipFill>
+        <p:spPr>
+          <a:xfrm>
+            <a:off x="212873" y="1842173"/>
+            <a:ext cx="390145" cy="390145"/>
+          </a:xfrm>
+          <a:prstGeom prst="rect">
+            <a:avLst/>
+          </a:prstGeom>
+        </p:spPr>
+      </p:pic>
+      <p:cxnSp>
+        <p:nvCxnSpPr>
+          <p:cNvPr id="59" name="Straight Connector 58"/>
+          <p:cNvCxnSpPr>
+            <a:stCxn id="58" idx="3"/>
+            <a:endCxn id="15" idx="1"/>
+          </p:cNvCxnSpPr>
+          <p:nvPr/>
+        </p:nvCxnSpPr>
+        <p:spPr>
+          <a:xfrm flipV="1">
+            <a:off x="603018" y="2031735"/>
+            <a:ext cx="2157518" cy="5511"/>
+          </a:xfrm>
+          <a:prstGeom prst="line">
+            <a:avLst/>
+          </a:prstGeom>
+          <a:ln>
+            <a:headEnd type="diamond" w="med" len="med"/>
+            <a:tailEnd type="triangle" w="med" len="med"/>
+          </a:ln>
+        </p:spPr>
+        <p:style>
+          <a:lnRef idx="1">
+            <a:schemeClr val="accent1"/>
+          </a:lnRef>
+          <a:fillRef idx="0">
+            <a:schemeClr val="accent1"/>
+          </a:fillRef>
+          <a:effectRef idx="0">
+            <a:schemeClr val="accent1"/>
+          </a:effectRef>
+          <a:fontRef idx="minor">
+            <a:schemeClr val="tx1"/>
+          </a:fontRef>
+        </p:style>
+      </p:cxnSp>
+      <p:cxnSp>
+        <p:nvCxnSpPr>
+          <p:cNvPr id="60" name="Straight Connector 59"/>
+          <p:cNvCxnSpPr>
+            <a:cxnSpLocks/>
+            <a:endCxn id="58" idx="0"/>
+          </p:cNvCxnSpPr>
+          <p:nvPr/>
+        </p:nvCxnSpPr>
+        <p:spPr>
+          <a:xfrm>
+            <a:off x="407945" y="1116990"/>
+            <a:ext cx="1" cy="725183"/>
+          </a:xfrm>
+          <a:prstGeom prst="line">
+            <a:avLst/>
+          </a:prstGeom>
+          <a:ln>
+            <a:headEnd type="diamond" w="med" len="med"/>
+            <a:tailEnd type="triangle" w="med" len="med"/>
+          </a:ln>
+        </p:spPr>
+        <p:style>
+          <a:lnRef idx="1">
+            <a:schemeClr val="accent1"/>
+          </a:lnRef>
+          <a:fillRef idx="0">
+            <a:schemeClr val="accent1"/>
+          </a:fillRef>
+          <a:effectRef idx="0">
+            <a:schemeClr val="accent1"/>
+          </a:effectRef>
+          <a:fontRef idx="minor">
+            <a:schemeClr val="tx1"/>
+          </a:fontRef>
+        </p:style>
+      </p:cxnSp>
+      <p:sp>
+        <p:nvSpPr>
+          <p:cNvPr id="61" name="TextBox 60"/>
+          <p:cNvSpPr txBox="1"/>
+          <p:nvPr/>
+        </p:nvSpPr>
+        <p:spPr>
+          <a:xfrm>
+            <a:off x="205517" y="532215"/>
+            <a:ext cx="1308371" cy="646331"/>
+          </a:xfrm>
+          <a:prstGeom prst="rect">
+            <a:avLst/>
+          </a:prstGeom>
+          <a:noFill/>
+        </p:spPr>
+        <p:txBody>
+          <a:bodyPr wrap="none" rtlCol="0">
+            <a:spAutoFit/>
+          </a:bodyPr>
+          <a:lstStyle/>
+          <a:p>
+            <a:r>
+              <a:rPr lang="en-GB" sz="900" b="1" dirty="0"/>
+              <a:t>A record</a:t>
+            </a:r>
+            <a:r>
+              <a:rPr lang="en-GB" sz="900" dirty="0"/>
+              <a:t>: </a:t>
+            </a:r>
+          </a:p>
+          <a:p>
+            <a:r>
+              <a:rPr lang="en-GB" sz="900" dirty="0"/>
+              <a:t>azurepcisamples.com</a:t>
+            </a:r>
+          </a:p>
+          <a:p>
+            <a:r>
+              <a:rPr lang="en-GB" sz="900" dirty="0"/>
+              <a:t>To</a:t>
+            </a:r>
+          </a:p>
+          <a:p>
+            <a:r>
+              <a:rPr lang="en-GB" sz="900" dirty="0"/>
+              <a:t>App Gateway hostname</a:t>
+            </a:r>
+            <a:endParaRPr lang="en-US" sz="900" dirty="0"/>
+          </a:p>
+        </p:txBody>
+      </p:sp>
+      <p:sp>
+        <p:nvSpPr>
+          <p:cNvPr id="62" name="TextBox 61"/>
+          <p:cNvSpPr txBox="1"/>
+          <p:nvPr/>
+        </p:nvSpPr>
+        <p:spPr>
+          <a:xfrm>
+            <a:off x="710473" y="1611340"/>
+            <a:ext cx="1186543" cy="461665"/>
+          </a:xfrm>
+          <a:prstGeom prst="rect">
+            <a:avLst/>
+          </a:prstGeom>
+          <a:noFill/>
+        </p:spPr>
+        <p:txBody>
+          <a:bodyPr wrap="none" rtlCol="0">
+            <a:spAutoFit/>
+          </a:bodyPr>
+          <a:lstStyle/>
+          <a:p>
+            <a:r>
+              <a:rPr lang="en-GB" sz="800" b="1" dirty="0"/>
+              <a:t>External Public IP</a:t>
+            </a:r>
+            <a:r>
+              <a:rPr lang="en-GB" sz="800" dirty="0"/>
+              <a:t>: </a:t>
+            </a:r>
+          </a:p>
+          <a:p>
+            <a:r>
+              <a:rPr lang="en-GB" sz="800" dirty="0"/>
+              <a:t>Mapped to </a:t>
+            </a:r>
+          </a:p>
+          <a:p>
+            <a:r>
+              <a:rPr lang="en-GB" sz="800" dirty="0"/>
+              <a:t>App Gateway hostname</a:t>
+            </a:r>
+            <a:endParaRPr lang="en-US" sz="800" dirty="0"/>
+          </a:p>
+        </p:txBody>
+      </p:sp>
+      <p:sp>
+        <p:nvSpPr>
+          <p:cNvPr id="63" name="Rectangle: Rounded Corners 62"/>
+          <p:cNvSpPr/>
+          <p:nvPr/>
+        </p:nvSpPr>
+        <p:spPr>
+          <a:xfrm>
+            <a:off x="7022979" y="1692689"/>
+            <a:ext cx="1082309" cy="952946"/>
+          </a:xfrm>
+          <a:prstGeom prst="roundRect">
+            <a:avLst>
+              <a:gd name="adj" fmla="val 4803"/>
+            </a:avLst>
+          </a:prstGeom>
+          <a:solidFill>
+            <a:schemeClr val="bg1">
+              <a:lumMod val="95000"/>
+            </a:schemeClr>
+          </a:solidFill>
+          <a:ln w="12700">
+            <a:prstDash val="sysDot"/>
+          </a:ln>
+        </p:spPr>
+        <p:style>
+          <a:lnRef idx="2">
+            <a:schemeClr val="accent3"/>
+          </a:lnRef>
+          <a:fillRef idx="1">
+            <a:schemeClr val="lt1"/>
+          </a:fillRef>
+          <a:effectRef idx="0">
+            <a:schemeClr val="accent3"/>
+          </a:effectRef>
+          <a:fontRef idx="minor">
+            <a:schemeClr val="dk1"/>
+          </a:fontRef>
+        </p:style>
+        <p:txBody>
+          <a:bodyPr rtlCol="0" anchor="ctr"/>
+          <a:lstStyle/>
+          <a:p>
+            <a:pPr algn="ctr"/>
+            <a:endParaRPr lang="en-US" sz="2400"/>
+          </a:p>
+        </p:txBody>
+      </p:sp>
+      <p:sp>
+        <p:nvSpPr>
+          <p:cNvPr id="64" name="TextBox 63"/>
+          <p:cNvSpPr txBox="1"/>
+          <p:nvPr/>
+        </p:nvSpPr>
+        <p:spPr>
+          <a:xfrm>
+            <a:off x="4525281" y="4332081"/>
+            <a:ext cx="660758" cy="230832"/>
+          </a:xfrm>
+          <a:prstGeom prst="rect">
+            <a:avLst/>
+          </a:prstGeom>
+          <a:noFill/>
+        </p:spPr>
+        <p:txBody>
+          <a:bodyPr wrap="none" rtlCol="0">
+            <a:spAutoFit/>
+          </a:bodyPr>
+          <a:lstStyle/>
+          <a:p>
+            <a:r>
+              <a:rPr lang="en-GB" sz="900" dirty="0"/>
+              <a:t>Encrypted</a:t>
+            </a:r>
+            <a:endParaRPr lang="en-US" sz="1000" dirty="0"/>
+          </a:p>
+        </p:txBody>
+      </p:sp>
+      <p:cxnSp>
+        <p:nvCxnSpPr>
+          <p:cNvPr id="65" name="Straight Arrow Connector 64"/>
+          <p:cNvCxnSpPr>
+            <a:stCxn id="68" idx="1"/>
+            <a:endCxn id="67" idx="3"/>
+          </p:cNvCxnSpPr>
+          <p:nvPr/>
+        </p:nvCxnSpPr>
+        <p:spPr>
+          <a:xfrm flipH="1" flipV="1">
+            <a:off x="7457820" y="2291790"/>
+            <a:ext cx="255922" cy="9551"/>
+          </a:xfrm>
+          <a:prstGeom prst="straightConnector1">
+            <a:avLst/>
+          </a:prstGeom>
+          <a:ln>
+            <a:tailEnd type="triangle"/>
+          </a:ln>
+        </p:spPr>
+        <p:style>
+          <a:lnRef idx="1">
+            <a:schemeClr val="accent1"/>
+          </a:lnRef>
+          <a:fillRef idx="0">
+            <a:schemeClr val="accent1"/>
+          </a:fillRef>
+          <a:effectRef idx="0">
+            <a:schemeClr val="accent1"/>
+          </a:effectRef>
+          <a:fontRef idx="minor">
+            <a:schemeClr val="tx1"/>
+          </a:fontRef>
+        </p:style>
+      </p:cxnSp>
+      <p:grpSp>
+        <p:nvGrpSpPr>
+          <p:cNvPr id="66" name="Group 65"/>
+          <p:cNvGrpSpPr/>
+          <p:nvPr/>
+        </p:nvGrpSpPr>
+        <p:grpSpPr>
+          <a:xfrm>
+            <a:off x="7068871" y="1518085"/>
+            <a:ext cx="1102527" cy="1213941"/>
+            <a:chOff x="5368718" y="3041299"/>
+            <a:chExt cx="1102527" cy="1213941"/>
+          </a:xfrm>
+        </p:grpSpPr>
+        <p:pic>
+          <p:nvPicPr>
+            <p:cNvPr id="67" name="Picture 66"/>
+            <p:cNvPicPr>
+              <a:picLocks noChangeAspect="1"/>
+            </p:cNvPicPr>
+            <p:nvPr/>
+          </p:nvPicPr>
+          <p:blipFill>
+            <a:blip r:embed="rId22">
+              <a:extLst>
+                <a:ext uri="{28A0092B-C50C-407E-A947-70E740481C1C}">
+                  <a14:useLocalDpi xmlns:a14="http://schemas.microsoft.com/office/drawing/2010/main" val="0"/>
+                </a:ext>
+              </a:extLst>
+            </a:blip>
+            <a:stretch>
+              <a:fillRect/>
+            </a:stretch>
+          </p:blipFill>
+          <p:spPr>
+            <a:xfrm>
+              <a:off x="5513828" y="3693083"/>
+              <a:ext cx="243840" cy="243840"/>
+            </a:xfrm>
+            <a:prstGeom prst="rect">
+              <a:avLst/>
+            </a:prstGeom>
+          </p:spPr>
+        </p:pic>
+        <p:pic>
+          <p:nvPicPr>
+            <p:cNvPr id="68" name="Picture 67" descr="When clicking on the Office 365 dashboard, you can see all activities ..."/>
+            <p:cNvPicPr>
+              <a:picLocks noChangeAspect="1"/>
+            </p:cNvPicPr>
+            <p:nvPr/>
+          </p:nvPicPr>
+          <p:blipFill>
+            <a:blip r:embed="rId23">
+              <a:extLst>
+                <a:ext uri="{28A0092B-C50C-407E-A947-70E740481C1C}">
+                  <a14:useLocalDpi xmlns:a14="http://schemas.microsoft.com/office/drawing/2010/main" val="0"/>
+                </a:ext>
+              </a:extLst>
+            </a:blip>
+            <a:stretch>
+              <a:fillRect/>
+            </a:stretch>
+          </p:blipFill>
+          <p:spPr>
+            <a:xfrm>
+              <a:off x="6013590" y="3735889"/>
+              <a:ext cx="318151" cy="177330"/>
+            </a:xfrm>
+            <a:prstGeom prst="rect">
+              <a:avLst/>
+            </a:prstGeom>
+          </p:spPr>
+        </p:pic>
+        <p:sp>
+          <p:nvSpPr>
+            <p:cNvPr id="69" name="TextBox 68"/>
+            <p:cNvSpPr txBox="1"/>
+            <p:nvPr/>
+          </p:nvSpPr>
+          <p:spPr>
+            <a:xfrm>
+              <a:off x="5959512" y="3978241"/>
+              <a:ext cx="511733" cy="276999"/>
+            </a:xfrm>
+            <a:prstGeom prst="rect">
+              <a:avLst/>
+            </a:prstGeom>
+            <a:noFill/>
+          </p:spPr>
+          <p:txBody>
+            <a:bodyPr wrap="square" rtlCol="0">
+              <a:spAutoFit/>
+            </a:bodyPr>
+            <a:lstStyle/>
+            <a:p>
+              <a:r>
+                <a:rPr lang="en-US" sz="600" dirty="0"/>
+                <a:t>Dashboards</a:t>
+              </a:r>
+            </a:p>
+          </p:txBody>
+        </p:sp>
+        <p:sp>
+          <p:nvSpPr>
+            <p:cNvPr id="70" name="TextBox 69"/>
+            <p:cNvSpPr txBox="1"/>
+            <p:nvPr/>
+          </p:nvSpPr>
+          <p:spPr>
+            <a:xfrm>
+              <a:off x="5594387" y="3041299"/>
+              <a:ext cx="815294" cy="338554"/>
+            </a:xfrm>
+            <a:prstGeom prst="rect">
+              <a:avLst/>
+            </a:prstGeom>
+            <a:noFill/>
+          </p:spPr>
+          <p:txBody>
+            <a:bodyPr wrap="square" rtlCol="0">
+              <a:spAutoFit/>
+            </a:bodyPr>
+            <a:lstStyle/>
+            <a:p>
+              <a:r>
+                <a:rPr lang="en-US" sz="800" dirty="0"/>
+                <a:t>OMS Workspace</a:t>
+              </a:r>
+            </a:p>
+          </p:txBody>
+        </p:sp>
+        <p:pic>
+          <p:nvPicPr>
+            <p:cNvPr id="71" name="Picture 70"/>
+            <p:cNvPicPr>
+              <a:picLocks noChangeAspect="1"/>
+            </p:cNvPicPr>
+            <p:nvPr/>
+          </p:nvPicPr>
+          <p:blipFill>
+            <a:blip r:embed="rId24">
+              <a:extLst>
+                <a:ext uri="{28A0092B-C50C-407E-A947-70E740481C1C}">
+                  <a14:useLocalDpi xmlns:a14="http://schemas.microsoft.com/office/drawing/2010/main" val="0"/>
+                </a:ext>
+              </a:extLst>
+            </a:blip>
+            <a:stretch>
+              <a:fillRect/>
+            </a:stretch>
+          </p:blipFill>
+          <p:spPr>
+            <a:xfrm>
+              <a:off x="5368718" y="3061655"/>
+              <a:ext cx="228800" cy="228800"/>
+            </a:xfrm>
+            <a:prstGeom prst="rect">
+              <a:avLst/>
+            </a:prstGeom>
+          </p:spPr>
+        </p:pic>
+        <p:sp>
+          <p:nvSpPr>
+            <p:cNvPr id="72" name="TextBox 71"/>
+            <p:cNvSpPr txBox="1"/>
+            <p:nvPr/>
+          </p:nvSpPr>
+          <p:spPr>
+            <a:xfrm>
+              <a:off x="5388937" y="3968146"/>
+              <a:ext cx="548042" cy="276999"/>
+            </a:xfrm>
+            <a:prstGeom prst="rect">
+              <a:avLst/>
+            </a:prstGeom>
+            <a:noFill/>
+          </p:spPr>
+          <p:txBody>
+            <a:bodyPr wrap="square" rtlCol="0">
+              <a:spAutoFit/>
+            </a:bodyPr>
+            <a:lstStyle/>
+            <a:p>
+              <a:r>
+                <a:rPr lang="en-US" sz="600" dirty="0"/>
+                <a:t>Log Analytics</a:t>
+              </a:r>
+            </a:p>
+          </p:txBody>
+        </p:sp>
+      </p:grpSp>
+      <p:sp>
+        <p:nvSpPr>
+          <p:cNvPr id="73" name="Rectangle: Rounded Corners 72"/>
+          <p:cNvSpPr/>
+          <p:nvPr/>
+        </p:nvSpPr>
+        <p:spPr>
+          <a:xfrm>
+            <a:off x="4722523" y="1884168"/>
+            <a:ext cx="1082309" cy="952946"/>
+          </a:xfrm>
+          <a:prstGeom prst="roundRect">
+            <a:avLst>
+              <a:gd name="adj" fmla="val 4803"/>
+            </a:avLst>
+          </a:prstGeom>
+          <a:solidFill>
+            <a:schemeClr val="bg1">
+              <a:lumMod val="95000"/>
+            </a:schemeClr>
+          </a:solidFill>
+          <a:ln w="12700">
+            <a:prstDash val="sysDot"/>
+          </a:ln>
+        </p:spPr>
+        <p:style>
+          <a:lnRef idx="2">
+            <a:schemeClr val="accent3"/>
+          </a:lnRef>
+          <a:fillRef idx="1">
+            <a:schemeClr val="lt1"/>
+          </a:fillRef>
+          <a:effectRef idx="0">
+            <a:schemeClr val="accent3"/>
+          </a:effectRef>
+          <a:fontRef idx="minor">
+            <a:schemeClr val="dk1"/>
+          </a:fontRef>
+        </p:style>
+        <p:txBody>
+          <a:bodyPr rtlCol="0" anchor="ctr"/>
+          <a:lstStyle/>
+          <a:p>
+            <a:pPr algn="ctr"/>
+            <a:endParaRPr lang="en-US" sz="2400"/>
+          </a:p>
+        </p:txBody>
+      </p:sp>
+      <p:sp>
+        <p:nvSpPr>
+          <p:cNvPr id="74" name="TextBox 73"/>
+          <p:cNvSpPr txBox="1"/>
+          <p:nvPr/>
+        </p:nvSpPr>
+        <p:spPr>
+          <a:xfrm>
+            <a:off x="5475811" y="1867969"/>
+            <a:ext cx="626052" cy="184666"/>
+          </a:xfrm>
+          <a:prstGeom prst="rect">
+            <a:avLst/>
+          </a:prstGeom>
+          <a:noFill/>
+        </p:spPr>
+        <p:txBody>
+          <a:bodyPr wrap="square" rtlCol="0">
+            <a:spAutoFit/>
+          </a:bodyPr>
+          <a:lstStyle/>
+          <a:p>
+            <a:r>
+              <a:rPr lang="en-US" sz="600" dirty="0" err="1"/>
+              <a:t>nsg</a:t>
+            </a:r>
+            <a:r>
+              <a:rPr lang="en-US" sz="600" dirty="0"/>
+              <a:t>-Bastion </a:t>
+            </a:r>
+          </a:p>
+        </p:txBody>
+      </p:sp>
+      <p:pic>
+        <p:nvPicPr>
+          <p:cNvPr id="75" name="Picture 74"/>
+          <p:cNvPicPr>
+            <a:picLocks noChangeAspect="1"/>
+          </p:cNvPicPr>
+          <p:nvPr/>
+        </p:nvPicPr>
+        <p:blipFill>
+          <a:blip r:embed="rId5"/>
+          <a:stretch>
+            <a:fillRect/>
+          </a:stretch>
+        </p:blipFill>
+        <p:spPr>
+          <a:xfrm>
+            <a:off x="5574685" y="1733451"/>
+            <a:ext cx="288727" cy="238000"/>
+          </a:xfrm>
+          <a:prstGeom prst="rect">
+            <a:avLst/>
+          </a:prstGeom>
+        </p:spPr>
+      </p:pic>
+      <p:pic>
+        <p:nvPicPr>
+          <p:cNvPr id="76" name="Picture 75"/>
+          <p:cNvPicPr>
+            <a:picLocks noChangeAspect="1"/>
+          </p:cNvPicPr>
+          <p:nvPr/>
+        </p:nvPicPr>
+        <p:blipFill>
+          <a:blip r:embed="rId25">
+            <a:extLst>
+              <a:ext uri="{28A0092B-C50C-407E-A947-70E740481C1C}">
+                <a14:useLocalDpi xmlns:a14="http://schemas.microsoft.com/office/drawing/2010/main" val="0"/>
+              </a:ext>
+            </a:extLst>
+          </a:blip>
+          <a:stretch>
+            <a:fillRect/>
+          </a:stretch>
+        </p:blipFill>
+        <p:spPr>
+          <a:xfrm>
+            <a:off x="5019555" y="2063573"/>
+            <a:ext cx="395807" cy="395807"/>
+          </a:xfrm>
+          <a:prstGeom prst="rect">
+            <a:avLst/>
+          </a:prstGeom>
+        </p:spPr>
+      </p:pic>
+      <p:sp>
+        <p:nvSpPr>
+          <p:cNvPr id="77" name="TextBox 76"/>
+          <p:cNvSpPr txBox="1"/>
+          <p:nvPr/>
+        </p:nvSpPr>
+        <p:spPr>
+          <a:xfrm>
+            <a:off x="2989801" y="3317463"/>
+            <a:ext cx="390455" cy="200055"/>
+          </a:xfrm>
+          <a:prstGeom prst="rect">
+            <a:avLst/>
+          </a:prstGeom>
+          <a:noFill/>
+        </p:spPr>
+        <p:txBody>
+          <a:bodyPr wrap="square" rtlCol="0">
+            <a:spAutoFit/>
+          </a:bodyPr>
+          <a:lstStyle/>
+          <a:p>
+            <a:r>
+              <a:rPr lang="en-US" sz="700" dirty="0"/>
+              <a:t>ILB</a:t>
+            </a:r>
+          </a:p>
+        </p:txBody>
+      </p:sp>
+      <p:sp>
+        <p:nvSpPr>
+          <p:cNvPr id="78" name="TextBox 77"/>
+          <p:cNvSpPr txBox="1"/>
+          <p:nvPr/>
+        </p:nvSpPr>
+        <p:spPr>
+          <a:xfrm>
+            <a:off x="4709716" y="1952544"/>
+            <a:ext cx="815294" cy="338554"/>
+          </a:xfrm>
+          <a:prstGeom prst="rect">
+            <a:avLst/>
+          </a:prstGeom>
+          <a:noFill/>
+        </p:spPr>
+        <p:txBody>
+          <a:bodyPr wrap="square" rtlCol="0">
+            <a:spAutoFit/>
+          </a:bodyPr>
+          <a:lstStyle/>
+          <a:p>
+            <a:r>
+              <a:rPr lang="en-US" sz="800" dirty="0"/>
+              <a:t>Bastion Host</a:t>
+            </a:r>
+          </a:p>
+          <a:p>
+            <a:r>
+              <a:rPr lang="en-US" sz="800" dirty="0"/>
+              <a:t>(RDP)</a:t>
+            </a:r>
+          </a:p>
+        </p:txBody>
+      </p:sp>
+      <p:cxnSp>
+        <p:nvCxnSpPr>
+          <p:cNvPr id="79" name="Straight Arrow Connector 78"/>
+          <p:cNvCxnSpPr>
+            <a:cxnSpLocks/>
+            <a:stCxn id="21" idx="3"/>
+            <a:endCxn id="67" idx="1"/>
+          </p:cNvCxnSpPr>
+          <p:nvPr/>
+        </p:nvCxnSpPr>
+        <p:spPr>
+          <a:xfrm flipV="1">
+            <a:off x="5523143" y="2291788"/>
+            <a:ext cx="1690839" cy="1500194"/>
+          </a:xfrm>
+          <a:prstGeom prst="straightConnector1">
+            <a:avLst/>
+          </a:prstGeom>
+          <a:ln>
+            <a:prstDash val="sysDash"/>
+            <a:tailEnd type="triangle"/>
+          </a:ln>
+        </p:spPr>
+        <p:style>
+          <a:lnRef idx="1">
+            <a:schemeClr val="accent1"/>
+          </a:lnRef>
+          <a:fillRef idx="0">
+            <a:schemeClr val="accent1"/>
+          </a:fillRef>
+          <a:effectRef idx="0">
+            <a:schemeClr val="accent1"/>
+          </a:effectRef>
+          <a:fontRef idx="minor">
+            <a:schemeClr val="tx1"/>
+          </a:fontRef>
+        </p:style>
+      </p:cxnSp>
+      <p:cxnSp>
+        <p:nvCxnSpPr>
+          <p:cNvPr id="80" name="Straight Arrow Connector 79"/>
+          <p:cNvCxnSpPr>
+            <a:cxnSpLocks/>
+            <a:stCxn id="73" idx="1"/>
+            <a:endCxn id="16" idx="3"/>
+          </p:cNvCxnSpPr>
+          <p:nvPr/>
+        </p:nvCxnSpPr>
+        <p:spPr>
+          <a:xfrm flipH="1">
+            <a:off x="3837900" y="2360642"/>
+            <a:ext cx="884623" cy="998220"/>
+          </a:xfrm>
+          <a:prstGeom prst="straightConnector1">
+            <a:avLst/>
+          </a:prstGeom>
+          <a:ln>
+            <a:tailEnd type="triangle"/>
+          </a:ln>
+        </p:spPr>
+        <p:style>
+          <a:lnRef idx="1">
+            <a:schemeClr val="accent1"/>
+          </a:lnRef>
+          <a:fillRef idx="0">
+            <a:schemeClr val="accent1"/>
+          </a:fillRef>
+          <a:effectRef idx="0">
+            <a:schemeClr val="accent1"/>
+          </a:effectRef>
+          <a:fontRef idx="minor">
+            <a:schemeClr val="tx1"/>
+          </a:fontRef>
+        </p:style>
+      </p:cxnSp>
+      <p:sp>
+        <p:nvSpPr>
+          <p:cNvPr id="81" name="TextBox 80"/>
+          <p:cNvSpPr txBox="1"/>
+          <p:nvPr/>
+        </p:nvSpPr>
+        <p:spPr>
+          <a:xfrm rot="18696737">
+            <a:off x="4068124" y="2405531"/>
+            <a:ext cx="852423" cy="276999"/>
+          </a:xfrm>
+          <a:prstGeom prst="rect">
+            <a:avLst/>
+          </a:prstGeom>
+          <a:noFill/>
+        </p:spPr>
+        <p:txBody>
+          <a:bodyPr wrap="square" rtlCol="0">
+            <a:spAutoFit/>
+          </a:bodyPr>
+          <a:lstStyle/>
+          <a:p>
+            <a:r>
+              <a:rPr lang="en-US" sz="600" dirty="0"/>
+              <a:t>Access for management</a:t>
+            </a:r>
+          </a:p>
+        </p:txBody>
+      </p:sp>
+      <p:pic>
+        <p:nvPicPr>
+          <p:cNvPr id="82" name="Picture 81"/>
+          <p:cNvPicPr>
+            <a:picLocks noChangeAspect="1"/>
+          </p:cNvPicPr>
+          <p:nvPr/>
+        </p:nvPicPr>
+        <p:blipFill>
+          <a:blip r:embed="rId26">
+            <a:duotone>
+              <a:prstClr val="black"/>
+              <a:schemeClr val="accent6">
+                <a:tint val="45000"/>
+                <a:satMod val="400000"/>
+              </a:schemeClr>
+            </a:duotone>
+            <a:extLst>
+              <a:ext uri="{28A0092B-C50C-407E-A947-70E740481C1C}">
+                <a14:useLocalDpi xmlns:a14="http://schemas.microsoft.com/office/drawing/2010/main" val="0"/>
+              </a:ext>
+            </a:extLst>
+          </a:blip>
+          <a:stretch>
+            <a:fillRect/>
+          </a:stretch>
+        </p:blipFill>
+        <p:spPr>
+          <a:xfrm>
+            <a:off x="2579582" y="3304855"/>
+            <a:ext cx="270270" cy="270270"/>
+          </a:xfrm>
+          <a:prstGeom prst="rect">
+            <a:avLst/>
+          </a:prstGeom>
+        </p:spPr>
+      </p:pic>
+      <p:pic>
+        <p:nvPicPr>
+          <p:cNvPr id="83" name="Picture 82"/>
+          <p:cNvPicPr>
+            <a:picLocks noChangeAspect="1"/>
+          </p:cNvPicPr>
+          <p:nvPr/>
+        </p:nvPicPr>
+        <p:blipFill>
+          <a:blip r:embed="rId26">
+            <a:duotone>
+              <a:prstClr val="black"/>
+              <a:schemeClr val="accent6">
+                <a:tint val="45000"/>
+                <a:satMod val="400000"/>
+              </a:schemeClr>
+            </a:duotone>
+            <a:extLst>
+              <a:ext uri="{28A0092B-C50C-407E-A947-70E740481C1C}">
+                <a14:useLocalDpi xmlns:a14="http://schemas.microsoft.com/office/drawing/2010/main" val="0"/>
+              </a:ext>
+            </a:extLst>
+          </a:blip>
+          <a:stretch>
+            <a:fillRect/>
+          </a:stretch>
+        </p:blipFill>
+        <p:spPr>
+          <a:xfrm>
+            <a:off x="3400970" y="3306116"/>
+            <a:ext cx="270270" cy="270270"/>
+          </a:xfrm>
+          <a:prstGeom prst="rect">
+            <a:avLst/>
+          </a:prstGeom>
+        </p:spPr>
+      </p:pic>
+      <p:sp>
+        <p:nvSpPr>
+          <p:cNvPr id="84" name="TextBox 83"/>
+          <p:cNvSpPr txBox="1"/>
+          <p:nvPr/>
+        </p:nvSpPr>
+        <p:spPr>
+          <a:xfrm>
+            <a:off x="2727059" y="3445346"/>
+            <a:ext cx="388134" cy="184666"/>
+          </a:xfrm>
+          <a:prstGeom prst="rect">
+            <a:avLst/>
+          </a:prstGeom>
+          <a:noFill/>
+        </p:spPr>
+        <p:txBody>
+          <a:bodyPr wrap="square" rtlCol="0">
+            <a:spAutoFit/>
+          </a:bodyPr>
+          <a:lstStyle/>
+          <a:p>
+            <a:r>
+              <a:rPr lang="en-US" sz="600" dirty="0"/>
+              <a:t>Pool 1</a:t>
+            </a:r>
+          </a:p>
+        </p:txBody>
+      </p:sp>
+      <p:sp>
+        <p:nvSpPr>
+          <p:cNvPr id="85" name="TextBox 84"/>
+          <p:cNvSpPr txBox="1"/>
+          <p:nvPr/>
+        </p:nvSpPr>
+        <p:spPr>
+          <a:xfrm>
+            <a:off x="3175158" y="3463667"/>
+            <a:ext cx="388134" cy="184666"/>
+          </a:xfrm>
+          <a:prstGeom prst="rect">
+            <a:avLst/>
+          </a:prstGeom>
+          <a:noFill/>
+        </p:spPr>
+        <p:txBody>
+          <a:bodyPr wrap="square" rtlCol="0">
+            <a:spAutoFit/>
+          </a:bodyPr>
+          <a:lstStyle/>
+          <a:p>
+            <a:r>
+              <a:rPr lang="en-US" sz="600" dirty="0"/>
+              <a:t>Pool 2</a:t>
+            </a:r>
+          </a:p>
+        </p:txBody>
+      </p:sp>
+      <p:cxnSp>
+        <p:nvCxnSpPr>
+          <p:cNvPr id="86" name="Connector: Elbow 85"/>
+          <p:cNvCxnSpPr>
+            <a:cxnSpLocks/>
+            <a:stCxn id="90" idx="1"/>
+            <a:endCxn id="82" idx="0"/>
+          </p:cNvCxnSpPr>
+          <p:nvPr/>
+        </p:nvCxnSpPr>
+        <p:spPr>
+          <a:xfrm rot="10800000" flipV="1">
+            <a:off x="2714720" y="3139757"/>
+            <a:ext cx="198395" cy="165099"/>
+          </a:xfrm>
+          <a:prstGeom prst="bentConnector2">
+            <a:avLst/>
+          </a:prstGeom>
+          <a:ln>
+            <a:solidFill>
+              <a:schemeClr val="accent2"/>
+            </a:solidFill>
+            <a:tailEnd type="triangle"/>
+          </a:ln>
+        </p:spPr>
+        <p:style>
+          <a:lnRef idx="1">
+            <a:schemeClr val="accent1"/>
+          </a:lnRef>
+          <a:fillRef idx="0">
+            <a:schemeClr val="accent1"/>
+          </a:fillRef>
+          <a:effectRef idx="0">
+            <a:schemeClr val="accent1"/>
+          </a:effectRef>
+          <a:fontRef idx="minor">
+            <a:schemeClr val="tx1"/>
+          </a:fontRef>
+        </p:style>
+      </p:cxnSp>
+      <p:cxnSp>
+        <p:nvCxnSpPr>
+          <p:cNvPr id="87" name="Connector: Elbow 86"/>
+          <p:cNvCxnSpPr>
+            <a:cxnSpLocks/>
+            <a:stCxn id="90" idx="3"/>
+            <a:endCxn id="83" idx="0"/>
+          </p:cNvCxnSpPr>
+          <p:nvPr/>
+        </p:nvCxnSpPr>
+        <p:spPr>
+          <a:xfrm>
+            <a:off x="3303257" y="3139756"/>
+            <a:ext cx="232848" cy="166360"/>
+          </a:xfrm>
+          <a:prstGeom prst="bentConnector2">
+            <a:avLst/>
+          </a:prstGeom>
+          <a:ln>
+            <a:tailEnd type="triangle"/>
+          </a:ln>
+        </p:spPr>
+        <p:style>
+          <a:lnRef idx="1">
+            <a:schemeClr val="accent1"/>
+          </a:lnRef>
+          <a:fillRef idx="0">
+            <a:schemeClr val="accent1"/>
+          </a:fillRef>
+          <a:effectRef idx="0">
+            <a:schemeClr val="accent1"/>
+          </a:effectRef>
+          <a:fontRef idx="minor">
+            <a:schemeClr val="tx1"/>
+          </a:fontRef>
+        </p:style>
+      </p:cxnSp>
+      <p:sp>
+        <p:nvSpPr>
+          <p:cNvPr id="88" name="TextBox 87"/>
+          <p:cNvSpPr txBox="1"/>
+          <p:nvPr/>
+        </p:nvSpPr>
+        <p:spPr>
+          <a:xfrm>
+            <a:off x="6240356" y="1990807"/>
+            <a:ext cx="633905" cy="646331"/>
+          </a:xfrm>
+          <a:prstGeom prst="rect">
+            <a:avLst/>
+          </a:prstGeom>
+          <a:noFill/>
+        </p:spPr>
+        <p:txBody>
+          <a:bodyPr wrap="square" rtlCol="0">
+            <a:spAutoFit/>
+          </a:bodyPr>
+          <a:lstStyle/>
+          <a:p>
+            <a:r>
+              <a:rPr lang="en-US" sz="600" b="1" dirty="0" err="1"/>
+              <a:t>Diag</a:t>
+            </a:r>
+            <a:r>
+              <a:rPr lang="en-US" sz="600" b="1" dirty="0"/>
+              <a:t> Logs:</a:t>
+            </a:r>
+          </a:p>
+          <a:p>
+            <a:endParaRPr lang="en-US" sz="600" b="1" dirty="0"/>
+          </a:p>
+          <a:p>
+            <a:r>
+              <a:rPr lang="en-US" sz="600" dirty="0"/>
+              <a:t>N/W,</a:t>
+            </a:r>
+          </a:p>
+          <a:p>
+            <a:r>
+              <a:rPr lang="en-US" sz="600" dirty="0" err="1"/>
+              <a:t>KeyVault</a:t>
+            </a:r>
+            <a:r>
+              <a:rPr lang="en-US" sz="600" dirty="0"/>
+              <a:t>,</a:t>
+            </a:r>
+          </a:p>
+          <a:p>
+            <a:r>
+              <a:rPr lang="en-US" sz="600" dirty="0"/>
+              <a:t>App Gateway,</a:t>
+            </a:r>
+          </a:p>
+          <a:p>
+            <a:r>
+              <a:rPr lang="en-US" sz="600" dirty="0"/>
+              <a:t>ASE, Subnets</a:t>
+            </a:r>
+          </a:p>
+        </p:txBody>
+      </p:sp>
+      <p:cxnSp>
+        <p:nvCxnSpPr>
+          <p:cNvPr id="89" name="Straight Arrow Connector 88"/>
+          <p:cNvCxnSpPr>
+            <a:cxnSpLocks/>
+            <a:endCxn id="63" idx="1"/>
+          </p:cNvCxnSpPr>
+          <p:nvPr/>
+        </p:nvCxnSpPr>
+        <p:spPr>
+          <a:xfrm>
+            <a:off x="6043399" y="2160696"/>
+            <a:ext cx="979578" cy="8467"/>
+          </a:xfrm>
+          <a:prstGeom prst="straightConnector1">
+            <a:avLst/>
+          </a:prstGeom>
+          <a:ln>
+            <a:tailEnd type="triangle"/>
+          </a:ln>
+        </p:spPr>
+        <p:style>
+          <a:lnRef idx="1">
+            <a:schemeClr val="accent1"/>
+          </a:lnRef>
+          <a:fillRef idx="0">
+            <a:schemeClr val="accent1"/>
+          </a:fillRef>
+          <a:effectRef idx="0">
+            <a:schemeClr val="accent1"/>
+          </a:effectRef>
+          <a:fontRef idx="minor">
+            <a:schemeClr val="tx1"/>
+          </a:fontRef>
+        </p:style>
+      </p:cxnSp>
+      <p:pic>
+        <p:nvPicPr>
+          <p:cNvPr id="90" name="Picture 89"/>
+          <p:cNvPicPr>
+            <a:picLocks noChangeAspect="1"/>
+          </p:cNvPicPr>
+          <p:nvPr/>
+        </p:nvPicPr>
+        <p:blipFill>
+          <a:blip r:embed="rId27">
+            <a:extLst>
+              <a:ext uri="{28A0092B-C50C-407E-A947-70E740481C1C}">
+                <a14:useLocalDpi xmlns:a14="http://schemas.microsoft.com/office/drawing/2010/main" val="0"/>
+              </a:ext>
+            </a:extLst>
+          </a:blip>
+          <a:stretch>
+            <a:fillRect/>
+          </a:stretch>
+        </p:blipFill>
+        <p:spPr>
+          <a:xfrm>
+            <a:off x="2913114" y="2944685"/>
+            <a:ext cx="390145" cy="390145"/>
+          </a:xfrm>
+          <a:prstGeom prst="rect">
+            <a:avLst/>
+          </a:prstGeom>
+        </p:spPr>
+      </p:pic>
+      <p:sp>
+        <p:nvSpPr>
+          <p:cNvPr id="91" name="TextBox 90"/>
+          <p:cNvSpPr txBox="1"/>
+          <p:nvPr/>
+        </p:nvSpPr>
+        <p:spPr>
+          <a:xfrm>
+            <a:off x="2318247" y="2601148"/>
+            <a:ext cx="892161" cy="184666"/>
+          </a:xfrm>
+          <a:prstGeom prst="rect">
+            <a:avLst/>
+          </a:prstGeom>
+          <a:noFill/>
+        </p:spPr>
+        <p:txBody>
+          <a:bodyPr wrap="square" rtlCol="0">
+            <a:spAutoFit/>
+          </a:bodyPr>
+          <a:lstStyle/>
+          <a:p>
+            <a:r>
+              <a:rPr lang="en-US" sz="600" dirty="0"/>
+              <a:t>subnet-ASE</a:t>
+            </a:r>
+          </a:p>
+        </p:txBody>
+      </p:sp>
+      <p:sp>
+        <p:nvSpPr>
+          <p:cNvPr id="92" name="TextBox 91"/>
+          <p:cNvSpPr txBox="1"/>
+          <p:nvPr/>
+        </p:nvSpPr>
+        <p:spPr>
+          <a:xfrm>
+            <a:off x="4636631" y="1767815"/>
+            <a:ext cx="892161" cy="184666"/>
+          </a:xfrm>
+          <a:prstGeom prst="rect">
+            <a:avLst/>
+          </a:prstGeom>
+          <a:noFill/>
+        </p:spPr>
+        <p:txBody>
+          <a:bodyPr wrap="square" rtlCol="0">
+            <a:spAutoFit/>
+          </a:bodyPr>
+          <a:lstStyle/>
+          <a:p>
+            <a:r>
+              <a:rPr lang="en-US" sz="600" dirty="0"/>
+              <a:t>subnet-</a:t>
+            </a:r>
+            <a:r>
+              <a:rPr lang="en-US" sz="600" dirty="0" err="1"/>
+              <a:t>bastionhost</a:t>
+            </a:r>
+            <a:endParaRPr lang="en-US" sz="600" dirty="0"/>
+          </a:p>
+        </p:txBody>
+      </p:sp>
+      <p:cxnSp>
+        <p:nvCxnSpPr>
+          <p:cNvPr id="93" name="Straight Connector 92"/>
+          <p:cNvCxnSpPr>
+            <a:cxnSpLocks/>
+            <a:endCxn id="17" idx="1"/>
+          </p:cNvCxnSpPr>
+          <p:nvPr/>
+        </p:nvCxnSpPr>
+        <p:spPr>
+          <a:xfrm flipV="1">
+            <a:off x="1231071" y="3734580"/>
+            <a:ext cx="1367908" cy="10800"/>
+          </a:xfrm>
+          <a:prstGeom prst="line">
+            <a:avLst/>
+          </a:prstGeom>
+          <a:ln>
+            <a:solidFill>
+              <a:srgbClr val="00B050"/>
+            </a:solidFill>
+          </a:ln>
+        </p:spPr>
+        <p:style>
+          <a:lnRef idx="1">
+            <a:schemeClr val="accent1"/>
+          </a:lnRef>
+          <a:fillRef idx="0">
+            <a:schemeClr val="accent1"/>
+          </a:fillRef>
+          <a:effectRef idx="0">
+            <a:schemeClr val="accent1"/>
+          </a:effectRef>
+          <a:fontRef idx="minor">
+            <a:schemeClr val="tx1"/>
+          </a:fontRef>
+        </p:style>
+      </p:cxnSp>
+      <p:pic>
+        <p:nvPicPr>
+          <p:cNvPr id="94" name="Picture 93"/>
+          <p:cNvPicPr>
+            <a:picLocks noChangeAspect="1"/>
+          </p:cNvPicPr>
+          <p:nvPr/>
+        </p:nvPicPr>
+        <p:blipFill>
+          <a:blip r:embed="rId28"/>
+          <a:stretch>
+            <a:fillRect/>
+          </a:stretch>
+        </p:blipFill>
+        <p:spPr>
+          <a:xfrm>
+            <a:off x="968762" y="3647630"/>
+            <a:ext cx="473950" cy="130041"/>
+          </a:xfrm>
+          <a:prstGeom prst="rect">
+            <a:avLst/>
+          </a:prstGeom>
+        </p:spPr>
+      </p:pic>
+      <p:sp>
+        <p:nvSpPr>
+          <p:cNvPr id="95" name="TextBox 94"/>
+          <p:cNvSpPr txBox="1"/>
+          <p:nvPr/>
+        </p:nvSpPr>
+        <p:spPr>
+          <a:xfrm>
+            <a:off x="1427574" y="3591929"/>
+            <a:ext cx="643125" cy="369332"/>
+          </a:xfrm>
+          <a:prstGeom prst="rect">
+            <a:avLst/>
+          </a:prstGeom>
+          <a:noFill/>
+        </p:spPr>
+        <p:txBody>
+          <a:bodyPr wrap="none" rtlCol="0">
+            <a:spAutoFit/>
+          </a:bodyPr>
+          <a:lstStyle/>
+          <a:p>
+            <a:r>
+              <a:rPr lang="en-US" sz="900" dirty="0" err="1"/>
+              <a:t>Webapp</a:t>
+            </a:r>
+            <a:r>
+              <a:rPr lang="en-US" sz="900" dirty="0"/>
+              <a:t> </a:t>
+            </a:r>
+          </a:p>
+          <a:p>
+            <a:r>
+              <a:rPr lang="en-US" sz="900" dirty="0"/>
+              <a:t>extension</a:t>
+            </a:r>
+          </a:p>
+        </p:txBody>
+      </p:sp>
+      <p:pic>
+        <p:nvPicPr>
+          <p:cNvPr id="96" name="Picture 2" descr="http://www.onesupport.com/wp-content/uploads/2015/08/Windows-Defender.jpeg"/>
+          <p:cNvPicPr>
+            <a:picLocks noChangeAspect="1" noChangeArrowheads="1"/>
+          </p:cNvPicPr>
+          <p:nvPr/>
+        </p:nvPicPr>
+        <p:blipFill>
+          <a:blip r:embed="rId29">
+            <a:extLst>
+              <a:ext uri="{BEBA8EAE-BF5A-486C-A8C5-ECC9F3942E4B}">
+                <a14:imgProps xmlns:a14="http://schemas.microsoft.com/office/drawing/2010/main">
+                  <a14:imgLayer r:embed="rId30">
+                    <a14:imgEffect>
+                      <a14:backgroundRemoval t="10000" b="90000" l="10000" r="90000"/>
+                    </a14:imgEffect>
+                  </a14:imgLayer>
+                </a14:imgProps>
+              </a:ext>
+              <a:ext uri="{28A0092B-C50C-407E-A947-70E740481C1C}">
+                <a14:useLocalDpi xmlns:a14="http://schemas.microsoft.com/office/drawing/2010/main" val="0"/>
+              </a:ext>
+            </a:extLst>
+          </a:blip>
+          <a:srcRect/>
+          <a:stretch>
+            <a:fillRect/>
+          </a:stretch>
+        </p:blipFill>
+        <p:spPr bwMode="auto">
+          <a:xfrm>
+            <a:off x="4738970" y="2414293"/>
+            <a:ext cx="237075" cy="220805"/>
+          </a:xfrm>
+          <a:prstGeom prst="rect">
+            <a:avLst/>
+          </a:prstGeom>
+          <a:noFill/>
+          <a:extLst>
+            <a:ext uri="{909E8E84-426E-40DD-AFC4-6F175D3DCCD1}">
+              <a14:hiddenFill xmlns:a14="http://schemas.microsoft.com/office/drawing/2010/main">
+                <a:solidFill>
+                  <a:srgbClr val="FFFFFF"/>
+                </a:solidFill>
+              </a14:hiddenFill>
+            </a:ext>
+          </a:extLst>
+        </p:spPr>
+      </p:pic>
+      <p:sp>
+        <p:nvSpPr>
+          <p:cNvPr id="97" name="TextBox 96"/>
+          <p:cNvSpPr txBox="1"/>
+          <p:nvPr/>
+        </p:nvSpPr>
+        <p:spPr>
+          <a:xfrm>
+            <a:off x="4878664" y="2453420"/>
+            <a:ext cx="815294" cy="276999"/>
+          </a:xfrm>
+          <a:prstGeom prst="rect">
+            <a:avLst/>
+          </a:prstGeom>
+          <a:noFill/>
+        </p:spPr>
+        <p:txBody>
+          <a:bodyPr wrap="square" rtlCol="0">
+            <a:spAutoFit/>
+          </a:bodyPr>
+          <a:lstStyle/>
+          <a:p>
+            <a:r>
+              <a:rPr lang="en-US" sz="600" dirty="0"/>
+              <a:t>Antimalware extension </a:t>
+            </a:r>
+          </a:p>
+        </p:txBody>
+      </p:sp>
+      <p:cxnSp>
+        <p:nvCxnSpPr>
+          <p:cNvPr id="98" name="Straight Connector 97"/>
+          <p:cNvCxnSpPr>
+            <a:cxnSpLocks/>
+            <a:endCxn id="73" idx="0"/>
+          </p:cNvCxnSpPr>
+          <p:nvPr/>
+        </p:nvCxnSpPr>
+        <p:spPr>
+          <a:xfrm flipH="1">
+            <a:off x="5263678" y="860116"/>
+            <a:ext cx="11145" cy="1024052"/>
+          </a:xfrm>
+          <a:prstGeom prst="line">
+            <a:avLst/>
+          </a:prstGeom>
+          <a:ln>
+            <a:headEnd type="diamond" w="med" len="med"/>
+            <a:tailEnd type="triangle" w="med" len="med"/>
+          </a:ln>
+        </p:spPr>
+        <p:style>
+          <a:lnRef idx="1">
+            <a:schemeClr val="accent1"/>
+          </a:lnRef>
+          <a:fillRef idx="0">
+            <a:schemeClr val="accent1"/>
+          </a:fillRef>
+          <a:effectRef idx="0">
+            <a:schemeClr val="accent1"/>
+          </a:effectRef>
+          <a:fontRef idx="minor">
+            <a:schemeClr val="tx1"/>
+          </a:fontRef>
+        </p:style>
+      </p:cxnSp>
+      <p:pic>
+        <p:nvPicPr>
+          <p:cNvPr id="99" name="Picture 98" descr="multiple user icons different colors - vector Clip Art"/>
+          <p:cNvPicPr>
+            <a:picLocks noChangeAspect="1"/>
+          </p:cNvPicPr>
+          <p:nvPr/>
+        </p:nvPicPr>
+        <p:blipFill>
+          <a:blip r:embed="rId18">
+            <a:extLst>
+              <a:ext uri="{28A0092B-C50C-407E-A947-70E740481C1C}">
+                <a14:useLocalDpi xmlns:a14="http://schemas.microsoft.com/office/drawing/2010/main" val="0"/>
+              </a:ext>
+            </a:extLst>
+          </a:blip>
+          <a:stretch>
+            <a:fillRect/>
+          </a:stretch>
+        </p:blipFill>
+        <p:spPr>
+          <a:xfrm>
+            <a:off x="5186770" y="412290"/>
+            <a:ext cx="225000" cy="241875"/>
+          </a:xfrm>
+          <a:prstGeom prst="rect">
+            <a:avLst/>
+          </a:prstGeom>
+        </p:spPr>
+      </p:pic>
+      <p:sp>
+        <p:nvSpPr>
+          <p:cNvPr id="100" name="TextBox 99"/>
+          <p:cNvSpPr txBox="1"/>
+          <p:nvPr/>
+        </p:nvSpPr>
+        <p:spPr>
+          <a:xfrm>
+            <a:off x="5361724" y="570138"/>
+            <a:ext cx="965533" cy="507831"/>
+          </a:xfrm>
+          <a:prstGeom prst="rect">
+            <a:avLst/>
+          </a:prstGeom>
+          <a:noFill/>
+        </p:spPr>
+        <p:txBody>
+          <a:bodyPr wrap="square" rtlCol="0">
+            <a:spAutoFit/>
+          </a:bodyPr>
+          <a:lstStyle/>
+          <a:p>
+            <a:r>
+              <a:rPr lang="en-US" sz="900" dirty="0"/>
+              <a:t>DevOps Releases/ Management</a:t>
+            </a:r>
+          </a:p>
+        </p:txBody>
+      </p:sp>
+      <p:sp>
+        <p:nvSpPr>
+          <p:cNvPr id="101" name="TextBox 100"/>
+          <p:cNvSpPr txBox="1"/>
+          <p:nvPr/>
+        </p:nvSpPr>
+        <p:spPr>
+          <a:xfrm>
+            <a:off x="3127074" y="1532676"/>
+            <a:ext cx="780983" cy="461665"/>
+          </a:xfrm>
+          <a:prstGeom prst="rect">
+            <a:avLst/>
+          </a:prstGeom>
+          <a:noFill/>
+        </p:spPr>
+        <p:txBody>
+          <a:bodyPr wrap="none" rtlCol="0">
+            <a:spAutoFit/>
+          </a:bodyPr>
+          <a:lstStyle/>
+          <a:p>
+            <a:r>
+              <a:rPr lang="en-US" sz="2400" dirty="0">
+                <a:solidFill>
+                  <a:schemeClr val="bg1">
+                    <a:lumMod val="65000"/>
+                  </a:schemeClr>
+                </a:solidFill>
+              </a:rPr>
+              <a:t>DMZ</a:t>
+            </a:r>
+          </a:p>
+        </p:txBody>
+      </p:sp>
+      <p:sp>
+        <p:nvSpPr>
+          <p:cNvPr id="102" name="Rectangle 101"/>
+          <p:cNvSpPr/>
+          <p:nvPr/>
+        </p:nvSpPr>
+        <p:spPr>
+          <a:xfrm>
+            <a:off x="7833489" y="1514836"/>
+            <a:ext cx="1127919" cy="738664"/>
+          </a:xfrm>
+          <a:prstGeom prst="rect">
+            <a:avLst/>
+          </a:prstGeom>
+        </p:spPr>
+        <p:txBody>
+          <a:bodyPr wrap="square">
+            <a:spAutoFit/>
+          </a:bodyPr>
+          <a:lstStyle/>
+          <a:p>
+            <a:r>
+              <a:rPr lang="en-US" sz="600" b="1" dirty="0"/>
+              <a:t>OMS Solutions</a:t>
+            </a:r>
+          </a:p>
+          <a:p>
+            <a:pPr>
+              <a:buFont typeface="+mj-lt"/>
+              <a:buAutoNum type="arabicPeriod"/>
+            </a:pPr>
+            <a:r>
+              <a:rPr lang="en-US" sz="600" dirty="0"/>
+              <a:t>Activity Log Analytics</a:t>
+            </a:r>
+          </a:p>
+          <a:p>
+            <a:pPr>
+              <a:buFont typeface="+mj-lt"/>
+              <a:buAutoNum type="arabicPeriod"/>
+            </a:pPr>
+            <a:r>
+              <a:rPr lang="en-US" sz="600" dirty="0"/>
+              <a:t>Azure Networking Analytics</a:t>
+            </a:r>
+          </a:p>
+          <a:p>
+            <a:pPr>
+              <a:buFont typeface="+mj-lt"/>
+              <a:buAutoNum type="arabicPeriod"/>
+            </a:pPr>
+            <a:r>
+              <a:rPr lang="en-US" sz="600" dirty="0"/>
+              <a:t>Azure SQL Analytics</a:t>
+            </a:r>
+          </a:p>
+          <a:p>
+            <a:pPr>
+              <a:buFont typeface="+mj-lt"/>
+              <a:buAutoNum type="arabicPeriod"/>
+            </a:pPr>
+            <a:r>
+              <a:rPr lang="en-US" sz="600" dirty="0"/>
+              <a:t>Change Tracking</a:t>
+            </a:r>
+          </a:p>
+          <a:p>
+            <a:pPr>
+              <a:buFont typeface="+mj-lt"/>
+              <a:buAutoNum type="arabicPeriod"/>
+            </a:pPr>
+            <a:r>
+              <a:rPr lang="en-US" sz="600" dirty="0"/>
+              <a:t>Key Vault Analytics</a:t>
+            </a:r>
+          </a:p>
+          <a:p>
+            <a:pPr>
+              <a:buFont typeface="+mj-lt"/>
+              <a:buAutoNum type="arabicPeriod"/>
+            </a:pPr>
+            <a:r>
+              <a:rPr lang="en-US" sz="600" dirty="0"/>
+              <a:t>Service Map</a:t>
+            </a:r>
+          </a:p>
+        </p:txBody>
+      </p:sp>
+      <p:pic>
+        <p:nvPicPr>
+          <p:cNvPr id="103" name="Picture 102"/>
+          <p:cNvPicPr>
+            <a:picLocks noChangeAspect="1"/>
+          </p:cNvPicPr>
+          <p:nvPr/>
+        </p:nvPicPr>
+        <p:blipFill>
+          <a:blip r:embed="rId14">
+            <a:extLst>
+              <a:ext uri="{28A0092B-C50C-407E-A947-70E740481C1C}">
+                <a14:useLocalDpi xmlns:a14="http://schemas.microsoft.com/office/drawing/2010/main" val="0"/>
+              </a:ext>
+            </a:extLst>
+          </a:blip>
+          <a:stretch>
+            <a:fillRect/>
+          </a:stretch>
+        </p:blipFill>
+        <p:spPr>
+          <a:xfrm>
+            <a:off x="7903590" y="3161240"/>
+            <a:ext cx="337054" cy="337054"/>
+          </a:xfrm>
+          <a:prstGeom prst="rect">
+            <a:avLst/>
+          </a:prstGeom>
+        </p:spPr>
+      </p:pic>
+      <p:sp>
+        <p:nvSpPr>
+          <p:cNvPr id="104" name="TextBox 103"/>
+          <p:cNvSpPr txBox="1"/>
+          <p:nvPr/>
+        </p:nvSpPr>
+        <p:spPr>
+          <a:xfrm>
+            <a:off x="7786909" y="3473484"/>
+            <a:ext cx="636756" cy="307777"/>
+          </a:xfrm>
+          <a:prstGeom prst="rect">
+            <a:avLst/>
+          </a:prstGeom>
+          <a:noFill/>
+        </p:spPr>
+        <p:txBody>
+          <a:bodyPr wrap="square" rtlCol="0">
+            <a:spAutoFit/>
+          </a:bodyPr>
+          <a:lstStyle/>
+          <a:p>
+            <a:r>
+              <a:rPr lang="en-US" sz="700" dirty="0"/>
+              <a:t>Secured by AD</a:t>
+            </a:r>
+          </a:p>
+        </p:txBody>
+      </p:sp>
+      <p:sp>
+        <p:nvSpPr>
+          <p:cNvPr id="105" name="TextBox 104"/>
+          <p:cNvSpPr txBox="1"/>
+          <p:nvPr/>
+        </p:nvSpPr>
+        <p:spPr>
+          <a:xfrm>
+            <a:off x="4808115" y="4789989"/>
+            <a:ext cx="636756" cy="200055"/>
+          </a:xfrm>
+          <a:prstGeom prst="rect">
+            <a:avLst/>
+          </a:prstGeom>
+          <a:noFill/>
+        </p:spPr>
+        <p:txBody>
+          <a:bodyPr wrap="square" rtlCol="0">
+            <a:spAutoFit/>
+          </a:bodyPr>
+          <a:lstStyle/>
+          <a:p>
+            <a:r>
+              <a:rPr lang="en-US" sz="700" dirty="0"/>
+              <a:t>RBAC</a:t>
+            </a:r>
+          </a:p>
+        </p:txBody>
+      </p:sp>
+      <p:sp>
+        <p:nvSpPr>
+          <p:cNvPr id="106" name="TextBox 105"/>
+          <p:cNvSpPr txBox="1"/>
+          <p:nvPr/>
+        </p:nvSpPr>
+        <p:spPr>
+          <a:xfrm>
+            <a:off x="4427740" y="4989463"/>
+            <a:ext cx="636756" cy="200055"/>
+          </a:xfrm>
+          <a:prstGeom prst="rect">
+            <a:avLst/>
+          </a:prstGeom>
+          <a:noFill/>
+        </p:spPr>
+        <p:txBody>
+          <a:bodyPr wrap="square" rtlCol="0">
+            <a:spAutoFit/>
+          </a:bodyPr>
+          <a:lstStyle/>
+          <a:p>
+            <a:r>
+              <a:rPr lang="en-US" sz="700" dirty="0"/>
+              <a:t>Staff AAD</a:t>
+            </a:r>
+          </a:p>
+        </p:txBody>
+      </p:sp>
+      <p:sp>
+        <p:nvSpPr>
+          <p:cNvPr id="107" name="TextBox 106"/>
+          <p:cNvSpPr txBox="1"/>
+          <p:nvPr/>
+        </p:nvSpPr>
+        <p:spPr>
+          <a:xfrm>
+            <a:off x="6204928" y="4989463"/>
+            <a:ext cx="1008039" cy="200055"/>
+          </a:xfrm>
+          <a:prstGeom prst="rect">
+            <a:avLst/>
+          </a:prstGeom>
+          <a:noFill/>
+        </p:spPr>
+        <p:txBody>
+          <a:bodyPr wrap="square" rtlCol="0">
+            <a:spAutoFit/>
+          </a:bodyPr>
+          <a:lstStyle/>
+          <a:p>
+            <a:r>
+              <a:rPr lang="en-US" sz="700" dirty="0"/>
+              <a:t>Azure Security Center</a:t>
+            </a:r>
+          </a:p>
+        </p:txBody>
+      </p:sp>
+      <p:sp>
+        <p:nvSpPr>
+          <p:cNvPr id="108" name="TextBox 107"/>
+          <p:cNvSpPr txBox="1"/>
+          <p:nvPr/>
+        </p:nvSpPr>
+        <p:spPr>
+          <a:xfrm>
+            <a:off x="4864043" y="2658467"/>
+            <a:ext cx="815294" cy="184666"/>
+          </a:xfrm>
+          <a:prstGeom prst="rect">
+            <a:avLst/>
+          </a:prstGeom>
+          <a:noFill/>
+        </p:spPr>
+        <p:txBody>
+          <a:bodyPr wrap="square" rtlCol="0">
+            <a:spAutoFit/>
+          </a:bodyPr>
+          <a:lstStyle/>
+          <a:p>
+            <a:r>
+              <a:rPr lang="en-US" sz="600" dirty="0"/>
+              <a:t>OMS extension </a:t>
+            </a:r>
+          </a:p>
+        </p:txBody>
+      </p:sp>
+      <p:pic>
+        <p:nvPicPr>
+          <p:cNvPr id="109" name="Picture 108"/>
+          <p:cNvPicPr>
+            <a:picLocks noChangeAspect="1"/>
+          </p:cNvPicPr>
+          <p:nvPr/>
+        </p:nvPicPr>
+        <p:blipFill>
+          <a:blip r:embed="rId22">
+            <a:extLst>
+              <a:ext uri="{28A0092B-C50C-407E-A947-70E740481C1C}">
+                <a14:useLocalDpi xmlns:a14="http://schemas.microsoft.com/office/drawing/2010/main" val="0"/>
+              </a:ext>
+            </a:extLst>
+          </a:blip>
+          <a:stretch>
+            <a:fillRect/>
+          </a:stretch>
+        </p:blipFill>
+        <p:spPr>
+          <a:xfrm>
+            <a:off x="4781175" y="2646524"/>
+            <a:ext cx="148721" cy="148721"/>
+          </a:xfrm>
+          <a:prstGeom prst="rect">
+            <a:avLst/>
+          </a:prstGeom>
+        </p:spPr>
+      </p:pic>
+      <p:sp>
+        <p:nvSpPr>
+          <p:cNvPr id="110" name="TextBox 109"/>
+          <p:cNvSpPr txBox="1"/>
+          <p:nvPr/>
+        </p:nvSpPr>
+        <p:spPr>
+          <a:xfrm>
+            <a:off x="3042133" y="1053651"/>
+            <a:ext cx="1324283" cy="276999"/>
+          </a:xfrm>
+          <a:prstGeom prst="rect">
+            <a:avLst/>
+          </a:prstGeom>
+          <a:noFill/>
+        </p:spPr>
+        <p:txBody>
+          <a:bodyPr wrap="square" rtlCol="0">
+            <a:spAutoFit/>
+          </a:bodyPr>
+          <a:lstStyle/>
+          <a:p>
+            <a:r>
+              <a:rPr lang="en-US" sz="600" b="1" dirty="0"/>
+              <a:t>Custom Domain:</a:t>
+            </a:r>
+          </a:p>
+          <a:p>
+            <a:r>
+              <a:rPr lang="en-US" sz="600" dirty="0">
+                <a:hlinkClick r:id="rId31"/>
+              </a:rPr>
+              <a:t>https://www.azurepcisamples.com</a:t>
+            </a:r>
+            <a:r>
+              <a:rPr lang="en-US" sz="600" dirty="0"/>
+              <a:t> </a:t>
+            </a:r>
+          </a:p>
+        </p:txBody>
+      </p:sp>
+      <p:cxnSp>
+        <p:nvCxnSpPr>
+          <p:cNvPr id="111" name="Straight Arrow Connector 110"/>
+          <p:cNvCxnSpPr>
+            <a:cxnSpLocks/>
+            <a:stCxn id="50" idx="0"/>
+          </p:cNvCxnSpPr>
+          <p:nvPr/>
+        </p:nvCxnSpPr>
+        <p:spPr>
+          <a:xfrm flipH="1">
+            <a:off x="699565" y="607138"/>
+            <a:ext cx="2104512" cy="3120"/>
+          </a:xfrm>
+          <a:prstGeom prst="straightConnector1">
+            <a:avLst/>
+          </a:prstGeom>
+          <a:ln w="19050">
+            <a:prstDash val="sysDash"/>
+            <a:tailEnd type="triangle"/>
+          </a:ln>
+        </p:spPr>
+        <p:style>
+          <a:lnRef idx="1">
+            <a:schemeClr val="accent1"/>
+          </a:lnRef>
+          <a:fillRef idx="0">
+            <a:schemeClr val="accent1"/>
+          </a:fillRef>
+          <a:effectRef idx="0">
+            <a:schemeClr val="accent1"/>
+          </a:effectRef>
+          <a:fontRef idx="minor">
+            <a:schemeClr val="tx1"/>
+          </a:fontRef>
+        </p:style>
+      </p:cxnSp>
+      <p:sp>
+        <p:nvSpPr>
+          <p:cNvPr id="112" name="TextBox 111"/>
+          <p:cNvSpPr txBox="1"/>
+          <p:nvPr/>
+        </p:nvSpPr>
+        <p:spPr>
+          <a:xfrm>
+            <a:off x="1630791" y="444277"/>
+            <a:ext cx="690260" cy="369332"/>
+          </a:xfrm>
+          <a:prstGeom prst="rect">
+            <a:avLst/>
+          </a:prstGeom>
+          <a:noFill/>
+        </p:spPr>
+        <p:txBody>
+          <a:bodyPr wrap="square" rtlCol="0">
+            <a:spAutoFit/>
+          </a:bodyPr>
+          <a:lstStyle/>
+          <a:p>
+            <a:r>
+              <a:rPr lang="en-US" sz="900" b="1" dirty="0"/>
+              <a:t>DNS lookup</a:t>
+            </a:r>
+            <a:endParaRPr lang="en-US" sz="900" dirty="0"/>
+          </a:p>
+        </p:txBody>
+      </p:sp>
+      <p:cxnSp>
+        <p:nvCxnSpPr>
+          <p:cNvPr id="115" name="Straight Arrow Connector 114"/>
+          <p:cNvCxnSpPr>
+            <a:cxnSpLocks/>
+          </p:cNvCxnSpPr>
+          <p:nvPr/>
+        </p:nvCxnSpPr>
+        <p:spPr>
+          <a:xfrm flipH="1">
+            <a:off x="5562244" y="3559422"/>
+            <a:ext cx="1784360" cy="311614"/>
+          </a:xfrm>
+          <a:prstGeom prst="straightConnector1">
+            <a:avLst/>
+          </a:prstGeom>
+          <a:ln>
+            <a:prstDash val="dashDot"/>
+            <a:tailEnd type="triangle"/>
+          </a:ln>
+        </p:spPr>
+        <p:style>
+          <a:lnRef idx="1">
+            <a:schemeClr val="accent1"/>
+          </a:lnRef>
+          <a:fillRef idx="0">
+            <a:schemeClr val="accent1"/>
+          </a:fillRef>
+          <a:effectRef idx="0">
+            <a:schemeClr val="accent1"/>
+          </a:effectRef>
+          <a:fontRef idx="minor">
+            <a:schemeClr val="tx1"/>
+          </a:fontRef>
+        </p:style>
+      </p:cxnSp>
+      <p:sp>
+        <p:nvSpPr>
+          <p:cNvPr id="118" name="TextBox 117"/>
+          <p:cNvSpPr txBox="1"/>
+          <p:nvPr/>
+        </p:nvSpPr>
+        <p:spPr>
+          <a:xfrm rot="20948144">
+            <a:off x="6052077" y="3523886"/>
+            <a:ext cx="852423" cy="200055"/>
+          </a:xfrm>
+          <a:prstGeom prst="rect">
+            <a:avLst/>
+          </a:prstGeom>
+          <a:noFill/>
+        </p:spPr>
+        <p:txBody>
+          <a:bodyPr wrap="square" rtlCol="0">
+            <a:spAutoFit/>
+          </a:bodyPr>
+          <a:lstStyle/>
+          <a:p>
+            <a:r>
+              <a:rPr lang="en-US" sz="700" dirty="0"/>
+              <a:t>Collect metrics</a:t>
+            </a:r>
+          </a:p>
+        </p:txBody>
+      </p:sp>
+      <p:sp>
+        <p:nvSpPr>
+          <p:cNvPr id="119" name="TextBox 118"/>
+          <p:cNvSpPr txBox="1"/>
+          <p:nvPr/>
+        </p:nvSpPr>
+        <p:spPr>
+          <a:xfrm>
+            <a:off x="4146095" y="3622397"/>
+            <a:ext cx="852423" cy="200055"/>
+          </a:xfrm>
+          <a:prstGeom prst="rect">
+            <a:avLst/>
+          </a:prstGeom>
+          <a:noFill/>
+        </p:spPr>
+        <p:txBody>
+          <a:bodyPr wrap="square" rtlCol="0">
+            <a:spAutoFit/>
+          </a:bodyPr>
+          <a:lstStyle/>
+          <a:p>
+            <a:r>
+              <a:rPr lang="en-US" sz="700" dirty="0"/>
+              <a:t>Collect metrics</a:t>
+            </a:r>
+          </a:p>
+        </p:txBody>
+      </p:sp>
+    </p:spTree>
+    <p:extLst>
+      <p:ext uri="{BB962C8B-B14F-4D97-AF65-F5344CB8AC3E}">
+        <p14:creationId xmlns:p14="http://schemas.microsoft.com/office/powerpoint/2010/main" val="3998706706"/>
       </p:ext>
     </p:extLst>
   </p:cSld>

--- a/documents/Azure_PCI_PaaS_Management_Reference_Architecture.pptx
+++ b/documents/Azure_PCI_PaaS_Management_Reference_Architecture.pptx
@@ -215,7 +215,7 @@
           <a:p>
             <a:fld id="{8BAD32BC-9A36-444A-AC36-0834185C81D6}" type="datetimeFigureOut">
               <a:rPr lang="en-US" smtClean="0"/>
-              <a:t>4/17/2017</a:t>
+              <a:t>4/20/2017</a:t>
             </a:fld>
             <a:endParaRPr lang="en-US"/>
           </a:p>
@@ -380,7 +380,7 @@
           <a:p>
             <a:fld id="{9513AB20-DDA0-498D-8E7E-1827A09E602C}" type="datetimeFigureOut">
               <a:rPr lang="en-US" smtClean="0"/>
-              <a:t>4/17/2017</a:t>
+              <a:t>4/20/2017</a:t>
             </a:fld>
             <a:endParaRPr lang="en-US"/>
           </a:p>
@@ -2889,14 +2889,14 @@
           </a:ln>
           <a:extLst>
             <a:ext uri="{909E8E84-426E-40dd-AFC4-6F175D3DCCD1}">
-              <a14:hiddenFill xmlns:a14="http://schemas.microsoft.com/office/drawing/2010/main" xmlns="">
+              <a14:hiddenFill xmlns="" xmlns:a14="http://schemas.microsoft.com/office/drawing/2010/main">
                 <a:solidFill>
                   <a:srgbClr val="FFFFFF"/>
                 </a:solidFill>
               </a14:hiddenFill>
             </a:ext>
             <a:ext uri="{91240B29-F687-4f45-9708-019B960494DF}">
-              <a14:hiddenLine xmlns:a14="http://schemas.microsoft.com/office/drawing/2010/main" xmlns="" w="9525">
+              <a14:hiddenLine xmlns="" xmlns:a14="http://schemas.microsoft.com/office/drawing/2010/main" w="9525">
                 <a:solidFill>
                   <a:srgbClr val="000000"/>
                 </a:solidFill>
@@ -6505,7 +6505,7 @@
                 </a:solidFill>
                 <a:latin typeface="Open Sans Light"/>
               </a:rPr>
-              <a:t>Drive Azure Adoption</a:t>
+              <a:t>Simplify Azure Adoption</a:t>
             </a:r>
           </a:p>
           <a:p>
@@ -6675,7 +6675,7 @@
                 </a:solidFill>
                 <a:latin typeface="Open Sans Light"/>
               </a:rPr>
-              <a:t>Learn and Democratize a secure and compliant Azure PaaS deployment</a:t>
+              <a:t>Teach how to deploy a secure and compliant Azure PaaS solution</a:t>
             </a:r>
           </a:p>
           <a:p>
@@ -7951,7 +7951,7 @@
           </a:ln>
           <a:extLst>
             <a:ext uri="{91240B29-F687-4f45-9708-019B960494DF}">
-              <a14:hiddenLine xmlns="" xmlns:a14="http://schemas.microsoft.com/office/drawing/2010/main" w="9525">
+              <a14:hiddenLine xmlns:a14="http://schemas.microsoft.com/office/drawing/2010/main" xmlns="" w="9525">
                 <a:solidFill>
                   <a:srgbClr val="000000"/>
                 </a:solidFill>

--- a/documents/Azure_PCI_PaaS_Management_Reference_Architecture.pptx
+++ b/documents/Azure_PCI_PaaS_Management_Reference_Architecture.pptx
@@ -15,7 +15,7 @@
     <p:sldId id="258" r:id="rId3"/>
     <p:sldId id="265" r:id="rId4"/>
     <p:sldId id="261" r:id="rId5"/>
-    <p:sldId id="263" r:id="rId6"/>
+    <p:sldId id="267" r:id="rId6"/>
     <p:sldId id="257" r:id="rId7"/>
     <p:sldId id="259" r:id="rId8"/>
     <p:sldId id="262" r:id="rId9"/>
@@ -2889,14 +2889,14 @@
           </a:ln>
           <a:extLst>
             <a:ext uri="{909E8E84-426E-40dd-AFC4-6F175D3DCCD1}">
-              <a14:hiddenFill xmlns="" xmlns:a14="http://schemas.microsoft.com/office/drawing/2010/main">
+              <a14:hiddenFill xmlns:a14="http://schemas.microsoft.com/office/drawing/2010/main" xmlns="">
                 <a:solidFill>
                   <a:srgbClr val="FFFFFF"/>
                 </a:solidFill>
               </a14:hiddenFill>
             </a:ext>
             <a:ext uri="{91240B29-F687-4f45-9708-019B960494DF}">
-              <a14:hiddenLine xmlns="" xmlns:a14="http://schemas.microsoft.com/office/drawing/2010/main" w="9525">
+              <a14:hiddenLine xmlns:a14="http://schemas.microsoft.com/office/drawing/2010/main" xmlns="" w="9525">
                 <a:solidFill>
                   <a:srgbClr val="000000"/>
                 </a:solidFill>
@@ -7951,7 +7951,7 @@
           </a:ln>
           <a:extLst>
             <a:ext uri="{91240B29-F687-4f45-9708-019B960494DF}">
-              <a14:hiddenLine xmlns:a14="http://schemas.microsoft.com/office/drawing/2010/main" xmlns="" w="9525">
+              <a14:hiddenLine xmlns="" xmlns:a14="http://schemas.microsoft.com/office/drawing/2010/main" w="9525">
                 <a:solidFill>
                   <a:srgbClr val="000000"/>
                 </a:solidFill>
@@ -10669,145 +10669,2166 @@
         </p:nvSpPr>
         <p:spPr/>
         <p:txBody>
-          <a:bodyPr>
-            <a:normAutofit/>
-          </a:bodyPr>
+          <a:bodyPr/>
           <a:lstStyle/>
           <a:p>
-            <a:r>
-              <a:rPr lang="en-US" sz="2000" dirty="0">
-                <a:solidFill>
-                  <a:srgbClr val="0070C0"/>
-                </a:solidFill>
-              </a:rPr>
-              <a:t>HOW WILL THIS REFERENCE ARCHITECTURE HELP YOUR ORGANIZATION?</a:t>
+            <a:pPr algn="ctr"/>
+            <a:r>
+              <a:rPr lang="en-US" dirty="0"/>
+              <a:t>High Level PCI and HIPAA Blueprint design</a:t>
             </a:r>
           </a:p>
         </p:txBody>
       </p:sp>
-      <p:pic>
-        <p:nvPicPr>
-          <p:cNvPr id="3" name="Picture 2"/>
-          <p:cNvPicPr>
-            <a:picLocks noChangeAspect="1"/>
-          </p:cNvPicPr>
-          <p:nvPr/>
-        </p:nvPicPr>
-        <p:blipFill>
-          <a:blip r:embed="rId2">
+      <p:grpSp>
+        <p:nvGrpSpPr>
+          <p:cNvPr id="67" name="Group 66"/>
+          <p:cNvGrpSpPr/>
+          <p:nvPr/>
+        </p:nvGrpSpPr>
+        <p:grpSpPr>
+          <a:xfrm>
+            <a:off x="390468" y="1452829"/>
+            <a:ext cx="9522420" cy="3835512"/>
+            <a:chOff x="5216397" y="4237384"/>
+            <a:chExt cx="6679430" cy="2584799"/>
+          </a:xfrm>
+        </p:grpSpPr>
+        <p:grpSp>
+          <p:nvGrpSpPr>
+            <p:cNvPr id="68" name="Group 67"/>
+            <p:cNvGrpSpPr/>
+            <p:nvPr/>
+          </p:nvGrpSpPr>
+          <p:grpSpPr>
+            <a:xfrm>
+              <a:off x="5216397" y="4237384"/>
+              <a:ext cx="6679430" cy="2584799"/>
+              <a:chOff x="0" y="950493"/>
+              <a:chExt cx="6679430" cy="2584799"/>
+            </a:xfrm>
+          </p:grpSpPr>
+          <p:grpSp>
+            <p:nvGrpSpPr>
+              <p:cNvPr id="73" name="Group 72"/>
+              <p:cNvGrpSpPr/>
+              <p:nvPr/>
+            </p:nvGrpSpPr>
+            <p:grpSpPr>
+              <a:xfrm>
+                <a:off x="0" y="950493"/>
+                <a:ext cx="6109590" cy="2584799"/>
+                <a:chOff x="-2293349" y="397820"/>
+                <a:chExt cx="13139276" cy="6115406"/>
+              </a:xfrm>
+            </p:grpSpPr>
+            <p:sp>
+              <p:nvSpPr>
+                <p:cNvPr id="75" name="Oval 74"/>
+                <p:cNvSpPr/>
+                <p:nvPr/>
+              </p:nvSpPr>
+              <p:spPr>
+                <a:xfrm>
+                  <a:off x="-2140949" y="397820"/>
+                  <a:ext cx="12645984" cy="6115406"/>
+                </a:xfrm>
+                <a:prstGeom prst="ellipse">
+                  <a:avLst/>
+                </a:prstGeom>
+                <a:solidFill>
+                  <a:sysClr val="window" lastClr="FFFFFF"/>
+                </a:solidFill>
+                <a:ln w="12700" cap="flat" cmpd="sng" algn="ctr">
+                  <a:solidFill>
+                    <a:srgbClr val="5B9BD5">
+                      <a:shade val="50000"/>
+                    </a:srgbClr>
+                  </a:solidFill>
+                  <a:prstDash val="lgDash"/>
+                  <a:miter lim="800000"/>
+                </a:ln>
+                <a:effectLst/>
+              </p:spPr>
+              <p:txBody>
+                <a:bodyPr rtlCol="0" anchor="ctr"/>
+                <a:lstStyle/>
+                <a:p>
+                  <a:pPr algn="ctr" defTabSz="1019796">
+                    <a:defRPr/>
+                  </a:pPr>
+                  <a:endParaRPr lang="en-US" sz="1685" kern="0" dirty="0">
+                    <a:solidFill>
+                      <a:prstClr val="white"/>
+                    </a:solidFill>
+                    <a:latin typeface="Calibri" panose="020F0502020204030204"/>
+                  </a:endParaRPr>
+                </a:p>
+              </p:txBody>
+            </p:sp>
+            <p:sp>
+              <p:nvSpPr>
+                <p:cNvPr id="76" name="Oval 75"/>
+                <p:cNvSpPr/>
+                <p:nvPr/>
+              </p:nvSpPr>
+              <p:spPr>
+                <a:xfrm>
+                  <a:off x="-2293349" y="613611"/>
+                  <a:ext cx="10270286" cy="5660857"/>
+                </a:xfrm>
+                <a:prstGeom prst="ellipse">
+                  <a:avLst/>
+                </a:prstGeom>
+                <a:solidFill>
+                  <a:sysClr val="window" lastClr="FFFFFF"/>
+                </a:solidFill>
+                <a:ln w="12700" cap="flat" cmpd="sng" algn="ctr">
+                  <a:solidFill>
+                    <a:srgbClr val="5B9BD5">
+                      <a:shade val="50000"/>
+                    </a:srgbClr>
+                  </a:solidFill>
+                  <a:prstDash val="lgDash"/>
+                  <a:miter lim="800000"/>
+                </a:ln>
+                <a:effectLst/>
+              </p:spPr>
+              <p:txBody>
+                <a:bodyPr rtlCol="0" anchor="ctr"/>
+                <a:lstStyle/>
+                <a:p>
+                  <a:pPr algn="ctr" defTabSz="1019796">
+                    <a:defRPr/>
+                  </a:pPr>
+                  <a:endParaRPr lang="en-US" sz="1685" kern="0" dirty="0">
+                    <a:solidFill>
+                      <a:prstClr val="white"/>
+                    </a:solidFill>
+                    <a:latin typeface="Calibri" panose="020F0502020204030204"/>
+                  </a:endParaRPr>
+                </a:p>
+              </p:txBody>
+            </p:sp>
+            <p:sp>
+              <p:nvSpPr>
+                <p:cNvPr id="77" name="Oval 76"/>
+                <p:cNvSpPr/>
+                <p:nvPr/>
+              </p:nvSpPr>
+              <p:spPr>
+                <a:xfrm>
+                  <a:off x="-2266443" y="966137"/>
+                  <a:ext cx="7235072" cy="5013558"/>
+                </a:xfrm>
+                <a:prstGeom prst="ellipse">
+                  <a:avLst/>
+                </a:prstGeom>
+                <a:solidFill>
+                  <a:sysClr val="window" lastClr="FFFFFF"/>
+                </a:solidFill>
+                <a:ln w="12700" cap="flat" cmpd="sng" algn="ctr">
+                  <a:solidFill>
+                    <a:srgbClr val="5B9BD5">
+                      <a:shade val="50000"/>
+                    </a:srgbClr>
+                  </a:solidFill>
+                  <a:prstDash val="lgDash"/>
+                  <a:miter lim="800000"/>
+                </a:ln>
+                <a:effectLst/>
+              </p:spPr>
+              <p:txBody>
+                <a:bodyPr rtlCol="0" anchor="ctr"/>
+                <a:lstStyle/>
+                <a:p>
+                  <a:pPr algn="ctr" defTabSz="1019796">
+                    <a:defRPr/>
+                  </a:pPr>
+                  <a:endParaRPr lang="en-US" sz="1685" kern="0" dirty="0">
+                    <a:solidFill>
+                      <a:prstClr val="white"/>
+                    </a:solidFill>
+                    <a:latin typeface="Calibri" panose="020F0502020204030204"/>
+                  </a:endParaRPr>
+                </a:p>
+              </p:txBody>
+            </p:sp>
+            <p:sp>
+              <p:nvSpPr>
+                <p:cNvPr id="78" name="Oval 77"/>
+                <p:cNvSpPr/>
+                <p:nvPr/>
+              </p:nvSpPr>
+              <p:spPr>
+                <a:xfrm>
+                  <a:off x="-2167566" y="2039057"/>
+                  <a:ext cx="5161935" cy="2266466"/>
+                </a:xfrm>
+                <a:prstGeom prst="ellipse">
+                  <a:avLst/>
+                </a:prstGeom>
+                <a:solidFill>
+                  <a:sysClr val="window" lastClr="FFFFFF"/>
+                </a:solidFill>
+                <a:ln w="12700" cap="flat" cmpd="sng" algn="ctr">
+                  <a:solidFill>
+                    <a:srgbClr val="5B9BD5">
+                      <a:shade val="50000"/>
+                    </a:srgbClr>
+                  </a:solidFill>
+                  <a:prstDash val="lgDash"/>
+                  <a:miter lim="800000"/>
+                </a:ln>
+                <a:effectLst/>
+              </p:spPr>
+              <p:txBody>
+                <a:bodyPr rtlCol="0" anchor="ctr"/>
+                <a:lstStyle/>
+                <a:p>
+                  <a:pPr algn="ctr" defTabSz="1019796">
+                    <a:defRPr/>
+                  </a:pPr>
+                  <a:endParaRPr lang="en-US" sz="1685" kern="0" dirty="0">
+                    <a:solidFill>
+                      <a:prstClr val="white"/>
+                    </a:solidFill>
+                    <a:latin typeface="Calibri" panose="020F0502020204030204"/>
+                  </a:endParaRPr>
+                </a:p>
+              </p:txBody>
+            </p:sp>
+            <p:grpSp>
+              <p:nvGrpSpPr>
+                <p:cNvPr id="79" name="Group 78"/>
+                <p:cNvGrpSpPr/>
+                <p:nvPr/>
+              </p:nvGrpSpPr>
+              <p:grpSpPr>
+                <a:xfrm>
+                  <a:off x="6555528" y="2262473"/>
+                  <a:ext cx="886121" cy="1130356"/>
+                  <a:chOff x="101224" y="1145589"/>
+                  <a:chExt cx="886121" cy="1130356"/>
+                </a:xfrm>
+              </p:grpSpPr>
+              <p:pic>
+                <p:nvPicPr>
+                  <p:cNvPr id="134" name="Picture 133"/>
+                  <p:cNvPicPr>
+                    <a:picLocks noChangeAspect="1"/>
+                  </p:cNvPicPr>
+                  <p:nvPr/>
+                </p:nvPicPr>
+                <p:blipFill>
+                  <a:blip r:embed="rId2">
+                    <a:extLst>
+                      <a:ext uri="{28A0092B-C50C-407E-A947-70E740481C1C}">
+                        <a14:useLocalDpi xmlns:a14="http://schemas.microsoft.com/office/drawing/2010/main" val="0"/>
+                      </a:ext>
+                    </a:extLst>
+                  </a:blip>
+                  <a:stretch>
+                    <a:fillRect/>
+                  </a:stretch>
+                </p:blipFill>
+                <p:spPr>
+                  <a:xfrm>
+                    <a:off x="183496" y="1145589"/>
+                    <a:ext cx="619823" cy="619823"/>
+                  </a:xfrm>
+                  <a:prstGeom prst="rect">
+                    <a:avLst/>
+                  </a:prstGeom>
+                </p:spPr>
+              </p:pic>
+              <p:sp>
+                <p:nvSpPr>
+                  <p:cNvPr id="135" name="TextBox 134"/>
+                  <p:cNvSpPr txBox="1"/>
+                  <p:nvPr/>
+                </p:nvSpPr>
+                <p:spPr>
+                  <a:xfrm>
+                    <a:off x="101224" y="1801373"/>
+                    <a:ext cx="886121" cy="474572"/>
+                  </a:xfrm>
+                  <a:prstGeom prst="rect">
+                    <a:avLst/>
+                  </a:prstGeom>
+                  <a:noFill/>
+                </p:spPr>
+                <p:txBody>
+                  <a:bodyPr wrap="square" rtlCol="0">
+                    <a:spAutoFit/>
+                  </a:bodyPr>
+                  <a:lstStyle>
+                    <a:defPPr>
+                      <a:defRPr lang="en-US"/>
+                    </a:defPPr>
+                    <a:lvl1pPr>
+                      <a:defRPr sz="1400"/>
+                    </a:lvl1pPr>
+                  </a:lstStyle>
+                  <a:p>
+                    <a:pPr defTabSz="1019796">
+                      <a:defRPr/>
+                    </a:pPr>
+                    <a:r>
+                      <a:rPr lang="en-US" sz="667" kern="0" dirty="0">
+                        <a:solidFill>
+                          <a:prstClr val="black"/>
+                        </a:solidFill>
+                      </a:rPr>
+                      <a:t>Application Gateway</a:t>
+                    </a:r>
+                  </a:p>
+                </p:txBody>
+              </p:sp>
+            </p:grpSp>
+            <p:grpSp>
+              <p:nvGrpSpPr>
+                <p:cNvPr id="80" name="Group 79"/>
+                <p:cNvGrpSpPr/>
+                <p:nvPr/>
+              </p:nvGrpSpPr>
+              <p:grpSpPr>
+                <a:xfrm>
+                  <a:off x="3464054" y="3656076"/>
+                  <a:ext cx="913752" cy="1321699"/>
+                  <a:chOff x="1108177" y="1114290"/>
+                  <a:chExt cx="913752" cy="1321699"/>
+                </a:xfrm>
+              </p:grpSpPr>
+              <p:pic>
+                <p:nvPicPr>
+                  <p:cNvPr id="132" name="Picture 131"/>
+                  <p:cNvPicPr>
+                    <a:picLocks noChangeAspect="1"/>
+                  </p:cNvPicPr>
+                  <p:nvPr/>
+                </p:nvPicPr>
+                <p:blipFill>
+                  <a:blip r:embed="rId3">
+                    <a:extLst>
+                      <a:ext uri="{28A0092B-C50C-407E-A947-70E740481C1C}">
+                        <a14:useLocalDpi xmlns:a14="http://schemas.microsoft.com/office/drawing/2010/main" val="0"/>
+                      </a:ext>
+                    </a:extLst>
+                  </a:blip>
+                  <a:stretch>
+                    <a:fillRect/>
+                  </a:stretch>
+                </p:blipFill>
+                <p:spPr>
+                  <a:xfrm>
+                    <a:off x="1157268" y="1114290"/>
+                    <a:ext cx="683161" cy="683160"/>
+                  </a:xfrm>
+                  <a:prstGeom prst="rect">
+                    <a:avLst/>
+                  </a:prstGeom>
+                </p:spPr>
+              </p:pic>
+              <p:sp>
+                <p:nvSpPr>
+                  <p:cNvPr id="133" name="TextBox 132"/>
+                  <p:cNvSpPr txBox="1"/>
+                  <p:nvPr/>
+                </p:nvSpPr>
+                <p:spPr>
+                  <a:xfrm>
+                    <a:off x="1108177" y="1797740"/>
+                    <a:ext cx="913752" cy="638249"/>
+                  </a:xfrm>
+                  <a:prstGeom prst="rect">
+                    <a:avLst/>
+                  </a:prstGeom>
+                  <a:noFill/>
+                </p:spPr>
+                <p:txBody>
+                  <a:bodyPr wrap="square" rtlCol="0">
+                    <a:spAutoFit/>
+                  </a:bodyPr>
+                  <a:lstStyle/>
+                  <a:p>
+                    <a:pPr defTabSz="1019796">
+                      <a:defRPr/>
+                    </a:pPr>
+                    <a:r>
+                      <a:rPr lang="en-US" sz="667" kern="0" dirty="0">
+                        <a:solidFill>
+                          <a:prstClr val="black"/>
+                        </a:solidFill>
+                      </a:rPr>
+                      <a:t>Azure Active Directory</a:t>
+                    </a:r>
+                  </a:p>
+                </p:txBody>
+              </p:sp>
+            </p:grpSp>
+            <p:grpSp>
+              <p:nvGrpSpPr>
+                <p:cNvPr id="81" name="Group 80"/>
+                <p:cNvGrpSpPr/>
+                <p:nvPr/>
+              </p:nvGrpSpPr>
+              <p:grpSpPr>
+                <a:xfrm>
+                  <a:off x="-66381" y="3182265"/>
+                  <a:ext cx="1239519" cy="850892"/>
+                  <a:chOff x="3479931" y="1289035"/>
+                  <a:chExt cx="1239519" cy="850892"/>
+                </a:xfrm>
+              </p:grpSpPr>
+              <p:pic>
+                <p:nvPicPr>
+                  <p:cNvPr id="130" name="Picture 129"/>
+                  <p:cNvPicPr>
+                    <a:picLocks noChangeAspect="1"/>
+                  </p:cNvPicPr>
+                  <p:nvPr/>
+                </p:nvPicPr>
+                <p:blipFill>
+                  <a:blip r:embed="rId4">
+                    <a:extLst>
+                      <a:ext uri="{28A0092B-C50C-407E-A947-70E740481C1C}">
+                        <a14:useLocalDpi xmlns:a14="http://schemas.microsoft.com/office/drawing/2010/main" val="0"/>
+                      </a:ext>
+                    </a:extLst>
+                  </a:blip>
+                  <a:stretch>
+                    <a:fillRect/>
+                  </a:stretch>
+                </p:blipFill>
+                <p:spPr>
+                  <a:xfrm>
+                    <a:off x="3868648" y="1289035"/>
+                    <a:ext cx="517145" cy="517145"/>
+                  </a:xfrm>
+                  <a:prstGeom prst="rect">
+                    <a:avLst/>
+                  </a:prstGeom>
+                </p:spPr>
+              </p:pic>
+              <p:sp>
+                <p:nvSpPr>
+                  <p:cNvPr id="131" name="TextBox 130"/>
+                  <p:cNvSpPr txBox="1"/>
+                  <p:nvPr/>
+                </p:nvSpPr>
+                <p:spPr>
+                  <a:xfrm>
+                    <a:off x="3479931" y="1829032"/>
+                    <a:ext cx="1239519" cy="310895"/>
+                  </a:xfrm>
+                  <a:prstGeom prst="rect">
+                    <a:avLst/>
+                  </a:prstGeom>
+                  <a:noFill/>
+                </p:spPr>
+                <p:txBody>
+                  <a:bodyPr wrap="square" rtlCol="0">
+                    <a:spAutoFit/>
+                  </a:bodyPr>
+                  <a:lstStyle/>
+                  <a:p>
+                    <a:pPr defTabSz="1019796">
+                      <a:defRPr/>
+                    </a:pPr>
+                    <a:r>
+                      <a:rPr lang="en-US" sz="667" kern="0" dirty="0">
+                        <a:solidFill>
+                          <a:prstClr val="black"/>
+                        </a:solidFill>
+                      </a:rPr>
+                      <a:t>OMS Log Analytics</a:t>
+                    </a:r>
+                  </a:p>
+                </p:txBody>
+              </p:sp>
+            </p:grpSp>
+            <p:grpSp>
+              <p:nvGrpSpPr>
+                <p:cNvPr id="82" name="Group 81"/>
+                <p:cNvGrpSpPr/>
+                <p:nvPr/>
+              </p:nvGrpSpPr>
+              <p:grpSpPr>
+                <a:xfrm>
+                  <a:off x="206804" y="4095898"/>
+                  <a:ext cx="1081428" cy="1032763"/>
+                  <a:chOff x="4856614" y="866037"/>
+                  <a:chExt cx="1081428" cy="1032763"/>
+                </a:xfrm>
+              </p:grpSpPr>
+              <p:pic>
+                <p:nvPicPr>
+                  <p:cNvPr id="128" name="Picture 127"/>
+                  <p:cNvPicPr>
+                    <a:picLocks noChangeAspect="1"/>
+                  </p:cNvPicPr>
+                  <p:nvPr/>
+                </p:nvPicPr>
+                <p:blipFill>
+                  <a:blip r:embed="rId5">
+                    <a:extLst>
+                      <a:ext uri="{28A0092B-C50C-407E-A947-70E740481C1C}">
+                        <a14:useLocalDpi xmlns:a14="http://schemas.microsoft.com/office/drawing/2010/main" val="0"/>
+                      </a:ext>
+                    </a:extLst>
+                  </a:blip>
+                  <a:stretch>
+                    <a:fillRect/>
+                  </a:stretch>
+                </p:blipFill>
+                <p:spPr>
+                  <a:xfrm>
+                    <a:off x="5158244" y="866037"/>
+                    <a:ext cx="517145" cy="517145"/>
+                  </a:xfrm>
+                  <a:prstGeom prst="rect">
+                    <a:avLst/>
+                  </a:prstGeom>
+                </p:spPr>
+              </p:pic>
+              <p:sp>
+                <p:nvSpPr>
+                  <p:cNvPr id="129" name="TextBox 128"/>
+                  <p:cNvSpPr txBox="1"/>
+                  <p:nvPr/>
+                </p:nvSpPr>
+                <p:spPr>
+                  <a:xfrm>
+                    <a:off x="4856614" y="1424229"/>
+                    <a:ext cx="1081428" cy="474571"/>
+                  </a:xfrm>
+                  <a:prstGeom prst="rect">
+                    <a:avLst/>
+                  </a:prstGeom>
+                  <a:noFill/>
+                </p:spPr>
+                <p:txBody>
+                  <a:bodyPr wrap="square" rtlCol="0">
+                    <a:spAutoFit/>
+                  </a:bodyPr>
+                  <a:lstStyle/>
+                  <a:p>
+                    <a:pPr defTabSz="1019796">
+                      <a:defRPr/>
+                    </a:pPr>
+                    <a:r>
+                      <a:rPr lang="en-US" sz="667" kern="0" dirty="0">
+                        <a:solidFill>
+                          <a:prstClr val="black"/>
+                        </a:solidFill>
+                      </a:rPr>
+                      <a:t>Azure Key Vault</a:t>
+                    </a:r>
+                  </a:p>
+                </p:txBody>
+              </p:sp>
+            </p:grpSp>
+            <p:grpSp>
+              <p:nvGrpSpPr>
+                <p:cNvPr id="83" name="Group 82"/>
+                <p:cNvGrpSpPr/>
+                <p:nvPr/>
+              </p:nvGrpSpPr>
+              <p:grpSpPr>
+                <a:xfrm>
+                  <a:off x="-1196148" y="3266461"/>
+                  <a:ext cx="967245" cy="1031338"/>
+                  <a:chOff x="7666736" y="1255439"/>
+                  <a:chExt cx="967245" cy="1031338"/>
+                </a:xfrm>
+              </p:grpSpPr>
+              <p:pic>
+                <p:nvPicPr>
+                  <p:cNvPr id="126" name="Picture 125"/>
+                  <p:cNvPicPr>
+                    <a:picLocks noChangeAspect="1"/>
+                  </p:cNvPicPr>
+                  <p:nvPr/>
+                </p:nvPicPr>
+                <p:blipFill>
+                  <a:blip r:embed="rId6">
+                    <a:extLst>
+                      <a:ext uri="{28A0092B-C50C-407E-A947-70E740481C1C}">
+                        <a14:useLocalDpi xmlns:a14="http://schemas.microsoft.com/office/drawing/2010/main" val="0"/>
+                      </a:ext>
+                    </a:extLst>
+                  </a:blip>
+                  <a:stretch>
+                    <a:fillRect/>
+                  </a:stretch>
+                </p:blipFill>
+                <p:spPr>
+                  <a:xfrm>
+                    <a:off x="7895564" y="1255439"/>
+                    <a:ext cx="560047" cy="560047"/>
+                  </a:xfrm>
+                  <a:prstGeom prst="rect">
+                    <a:avLst/>
+                  </a:prstGeom>
+                </p:spPr>
+              </p:pic>
+              <p:sp>
+                <p:nvSpPr>
+                  <p:cNvPr id="127" name="TextBox 126"/>
+                  <p:cNvSpPr txBox="1"/>
+                  <p:nvPr/>
+                </p:nvSpPr>
+                <p:spPr>
+                  <a:xfrm>
+                    <a:off x="7666736" y="1812205"/>
+                    <a:ext cx="967245" cy="474572"/>
+                  </a:xfrm>
+                  <a:prstGeom prst="rect">
+                    <a:avLst/>
+                  </a:prstGeom>
+                  <a:noFill/>
+                </p:spPr>
+                <p:txBody>
+                  <a:bodyPr wrap="square" rtlCol="0">
+                    <a:spAutoFit/>
+                  </a:bodyPr>
+                  <a:lstStyle>
+                    <a:defPPr>
+                      <a:defRPr lang="en-US"/>
+                    </a:defPPr>
+                    <a:lvl1pPr>
+                      <a:defRPr sz="1400"/>
+                    </a:lvl1pPr>
+                  </a:lstStyle>
+                  <a:p>
+                    <a:pPr defTabSz="1019796">
+                      <a:defRPr/>
+                    </a:pPr>
+                    <a:r>
+                      <a:rPr lang="en-US" sz="667" kern="0" dirty="0">
+                        <a:solidFill>
+                          <a:prstClr val="black"/>
+                        </a:solidFill>
+                      </a:rPr>
+                      <a:t>Azure SQL DB</a:t>
+                    </a:r>
+                  </a:p>
+                </p:txBody>
+              </p:sp>
+            </p:grpSp>
+            <p:grpSp>
+              <p:nvGrpSpPr>
+                <p:cNvPr id="84" name="Group 83"/>
+                <p:cNvGrpSpPr/>
+                <p:nvPr/>
+              </p:nvGrpSpPr>
+              <p:grpSpPr>
+                <a:xfrm>
+                  <a:off x="-6994" y="2341003"/>
+                  <a:ext cx="1239519" cy="1028320"/>
+                  <a:chOff x="-16255" y="2647672"/>
+                  <a:chExt cx="1239519" cy="1028320"/>
+                </a:xfrm>
+              </p:grpSpPr>
+              <p:pic>
+                <p:nvPicPr>
+                  <p:cNvPr id="124" name="Picture 123"/>
+                  <p:cNvPicPr>
+                    <a:picLocks noChangeAspect="1"/>
+                  </p:cNvPicPr>
+                  <p:nvPr/>
+                </p:nvPicPr>
+                <p:blipFill>
+                  <a:blip r:embed="rId7">
+                    <a:extLst>
+                      <a:ext uri="{28A0092B-C50C-407E-A947-70E740481C1C}">
+                        <a14:useLocalDpi xmlns:a14="http://schemas.microsoft.com/office/drawing/2010/main" val="0"/>
+                      </a:ext>
+                    </a:extLst>
+                  </a:blip>
+                  <a:stretch>
+                    <a:fillRect/>
+                  </a:stretch>
+                </p:blipFill>
+                <p:spPr>
+                  <a:xfrm>
+                    <a:off x="170941" y="2647672"/>
+                    <a:ext cx="548895" cy="548895"/>
+                  </a:xfrm>
+                  <a:prstGeom prst="rect">
+                    <a:avLst/>
+                  </a:prstGeom>
+                </p:spPr>
+              </p:pic>
+              <p:sp>
+                <p:nvSpPr>
+                  <p:cNvPr id="125" name="TextBox 124"/>
+                  <p:cNvSpPr txBox="1"/>
+                  <p:nvPr/>
+                </p:nvSpPr>
+                <p:spPr>
+                  <a:xfrm>
+                    <a:off x="-16255" y="3201420"/>
+                    <a:ext cx="1239519" cy="474572"/>
+                  </a:xfrm>
+                  <a:prstGeom prst="rect">
+                    <a:avLst/>
+                  </a:prstGeom>
+                  <a:noFill/>
+                </p:spPr>
+                <p:txBody>
+                  <a:bodyPr wrap="square" rtlCol="0">
+                    <a:spAutoFit/>
+                  </a:bodyPr>
+                  <a:lstStyle>
+                    <a:defPPr>
+                      <a:defRPr lang="en-US"/>
+                    </a:defPPr>
+                    <a:lvl1pPr>
+                      <a:defRPr sz="1400"/>
+                    </a:lvl1pPr>
+                  </a:lstStyle>
+                  <a:p>
+                    <a:pPr defTabSz="1019796">
+                      <a:defRPr/>
+                    </a:pPr>
+                    <a:r>
+                      <a:rPr lang="en-US" sz="667" kern="0" dirty="0">
+                        <a:solidFill>
+                          <a:prstClr val="black"/>
+                        </a:solidFill>
+                      </a:rPr>
+                      <a:t>Application Insights</a:t>
+                    </a:r>
+                  </a:p>
+                </p:txBody>
+              </p:sp>
+            </p:grpSp>
+            <p:grpSp>
+              <p:nvGrpSpPr>
+                <p:cNvPr id="85" name="Group 84"/>
+                <p:cNvGrpSpPr/>
+                <p:nvPr/>
+              </p:nvGrpSpPr>
+              <p:grpSpPr>
+                <a:xfrm>
+                  <a:off x="-687297" y="4062150"/>
+                  <a:ext cx="1104396" cy="1109420"/>
+                  <a:chOff x="-1927062" y="3797564"/>
+                  <a:chExt cx="1104396" cy="1109420"/>
+                </a:xfrm>
+              </p:grpSpPr>
+              <p:pic>
+                <p:nvPicPr>
+                  <p:cNvPr id="122" name="Picture 121"/>
+                  <p:cNvPicPr>
+                    <a:picLocks noChangeAspect="1"/>
+                  </p:cNvPicPr>
+                  <p:nvPr/>
+                </p:nvPicPr>
+                <p:blipFill>
+                  <a:blip r:embed="rId8">
+                    <a:extLst>
+                      <a:ext uri="{28A0092B-C50C-407E-A947-70E740481C1C}">
+                        <a14:useLocalDpi xmlns:a14="http://schemas.microsoft.com/office/drawing/2010/main" val="0"/>
+                      </a:ext>
+                    </a:extLst>
+                  </a:blip>
+                  <a:stretch>
+                    <a:fillRect/>
+                  </a:stretch>
+                </p:blipFill>
+                <p:spPr>
+                  <a:xfrm>
+                    <a:off x="-1736455" y="3797564"/>
+                    <a:ext cx="548896" cy="548894"/>
+                  </a:xfrm>
+                  <a:prstGeom prst="rect">
+                    <a:avLst/>
+                  </a:prstGeom>
+                </p:spPr>
+              </p:pic>
+              <p:sp>
+                <p:nvSpPr>
+                  <p:cNvPr id="123" name="TextBox 122"/>
+                  <p:cNvSpPr txBox="1"/>
+                  <p:nvPr/>
+                </p:nvSpPr>
+                <p:spPr>
+                  <a:xfrm>
+                    <a:off x="-1927062" y="4432412"/>
+                    <a:ext cx="1104396" cy="474572"/>
+                  </a:xfrm>
+                  <a:prstGeom prst="rect">
+                    <a:avLst/>
+                  </a:prstGeom>
+                  <a:noFill/>
+                </p:spPr>
+                <p:txBody>
+                  <a:bodyPr wrap="square" rtlCol="0">
+                    <a:spAutoFit/>
+                  </a:bodyPr>
+                  <a:lstStyle>
+                    <a:defPPr>
+                      <a:defRPr lang="en-US"/>
+                    </a:defPPr>
+                    <a:lvl1pPr>
+                      <a:defRPr sz="1400"/>
+                    </a:lvl1pPr>
+                  </a:lstStyle>
+                  <a:p>
+                    <a:pPr defTabSz="1019796">
+                      <a:defRPr/>
+                    </a:pPr>
+                    <a:r>
+                      <a:rPr lang="en-US" sz="667" kern="0" dirty="0">
+                        <a:solidFill>
+                          <a:prstClr val="black"/>
+                        </a:solidFill>
+                      </a:rPr>
+                      <a:t>Azure Security Center</a:t>
+                    </a:r>
+                  </a:p>
+                </p:txBody>
+              </p:sp>
+            </p:grpSp>
+            <p:grpSp>
+              <p:nvGrpSpPr>
+                <p:cNvPr id="86" name="Group 85"/>
+                <p:cNvGrpSpPr/>
+                <p:nvPr/>
+              </p:nvGrpSpPr>
+              <p:grpSpPr>
+                <a:xfrm>
+                  <a:off x="5515762" y="2969815"/>
+                  <a:ext cx="1044097" cy="1003048"/>
+                  <a:chOff x="2432050" y="2672945"/>
+                  <a:chExt cx="1044097" cy="1003048"/>
+                </a:xfrm>
+              </p:grpSpPr>
+              <p:pic>
+                <p:nvPicPr>
+                  <p:cNvPr id="120" name="Picture 119"/>
+                  <p:cNvPicPr>
+                    <a:picLocks noChangeAspect="1"/>
+                  </p:cNvPicPr>
+                  <p:nvPr/>
+                </p:nvPicPr>
+                <p:blipFill>
+                  <a:blip r:embed="rId9">
+                    <a:extLst>
+                      <a:ext uri="{28A0092B-C50C-407E-A947-70E740481C1C}">
+                        <a14:useLocalDpi xmlns:a14="http://schemas.microsoft.com/office/drawing/2010/main" val="0"/>
+                      </a:ext>
+                    </a:extLst>
+                  </a:blip>
+                  <a:stretch>
+                    <a:fillRect/>
+                  </a:stretch>
+                </p:blipFill>
+                <p:spPr>
+                  <a:xfrm>
+                    <a:off x="2662500" y="2672945"/>
+                    <a:ext cx="548895" cy="548895"/>
+                  </a:xfrm>
+                  <a:prstGeom prst="rect">
+                    <a:avLst/>
+                  </a:prstGeom>
+                </p:spPr>
+              </p:pic>
+              <p:sp>
+                <p:nvSpPr>
+                  <p:cNvPr id="121" name="TextBox 120"/>
+                  <p:cNvSpPr txBox="1"/>
+                  <p:nvPr/>
+                </p:nvSpPr>
+                <p:spPr>
+                  <a:xfrm>
+                    <a:off x="2432050" y="3201421"/>
+                    <a:ext cx="1044097" cy="474572"/>
+                  </a:xfrm>
+                  <a:prstGeom prst="rect">
+                    <a:avLst/>
+                  </a:prstGeom>
+                  <a:noFill/>
+                </p:spPr>
+                <p:txBody>
+                  <a:bodyPr wrap="square" rtlCol="0">
+                    <a:spAutoFit/>
+                  </a:bodyPr>
+                  <a:lstStyle>
+                    <a:defPPr>
+                      <a:defRPr lang="en-US"/>
+                    </a:defPPr>
+                    <a:lvl1pPr>
+                      <a:defRPr sz="1400"/>
+                    </a:lvl1pPr>
+                  </a:lstStyle>
+                  <a:p>
+                    <a:pPr defTabSz="1019796">
+                      <a:defRPr/>
+                    </a:pPr>
+                    <a:r>
+                      <a:rPr lang="en-US" sz="667" kern="0" dirty="0">
+                        <a:solidFill>
+                          <a:prstClr val="black"/>
+                        </a:solidFill>
+                      </a:rPr>
+                      <a:t>Azure Web App</a:t>
+                    </a:r>
+                  </a:p>
+                </p:txBody>
+              </p:sp>
+            </p:grpSp>
+            <p:grpSp>
+              <p:nvGrpSpPr>
+                <p:cNvPr id="87" name="Group 86"/>
+                <p:cNvGrpSpPr/>
+                <p:nvPr/>
+              </p:nvGrpSpPr>
+              <p:grpSpPr>
+                <a:xfrm>
+                  <a:off x="1222239" y="2342732"/>
+                  <a:ext cx="1239519" cy="838178"/>
+                  <a:chOff x="3476147" y="2674137"/>
+                  <a:chExt cx="1239519" cy="838178"/>
+                </a:xfrm>
+              </p:grpSpPr>
+              <p:pic>
+                <p:nvPicPr>
+                  <p:cNvPr id="118" name="Picture 117"/>
+                  <p:cNvPicPr>
+                    <a:picLocks noChangeAspect="1"/>
+                  </p:cNvPicPr>
+                  <p:nvPr/>
+                </p:nvPicPr>
+                <p:blipFill>
+                  <a:blip r:embed="rId10">
+                    <a:extLst>
+                      <a:ext uri="{28A0092B-C50C-407E-A947-70E740481C1C}">
+                        <a14:useLocalDpi xmlns:a14="http://schemas.microsoft.com/office/drawing/2010/main" val="0"/>
+                      </a:ext>
+                    </a:extLst>
+                  </a:blip>
+                  <a:stretch>
+                    <a:fillRect/>
+                  </a:stretch>
+                </p:blipFill>
+                <p:spPr>
+                  <a:xfrm>
+                    <a:off x="3772806" y="2674137"/>
+                    <a:ext cx="548895" cy="548895"/>
+                  </a:xfrm>
+                  <a:prstGeom prst="rect">
+                    <a:avLst/>
+                  </a:prstGeom>
+                </p:spPr>
+              </p:pic>
+              <p:sp>
+                <p:nvSpPr>
+                  <p:cNvPr id="119" name="TextBox 118"/>
+                  <p:cNvSpPr txBox="1"/>
+                  <p:nvPr/>
+                </p:nvSpPr>
+                <p:spPr>
+                  <a:xfrm>
+                    <a:off x="3476147" y="3201420"/>
+                    <a:ext cx="1239519" cy="310895"/>
+                  </a:xfrm>
+                  <a:prstGeom prst="rect">
+                    <a:avLst/>
+                  </a:prstGeom>
+                  <a:noFill/>
+                </p:spPr>
+                <p:txBody>
+                  <a:bodyPr wrap="square" rtlCol="0">
+                    <a:spAutoFit/>
+                  </a:bodyPr>
+                  <a:lstStyle>
+                    <a:defPPr>
+                      <a:defRPr lang="en-US"/>
+                    </a:defPPr>
+                    <a:lvl1pPr>
+                      <a:defRPr sz="1400"/>
+                    </a:lvl1pPr>
+                  </a:lstStyle>
+                  <a:p>
+                    <a:pPr defTabSz="1019796">
+                      <a:defRPr/>
+                    </a:pPr>
+                    <a:r>
+                      <a:rPr lang="en-US" sz="667" kern="0" dirty="0">
+                        <a:solidFill>
+                          <a:prstClr val="black"/>
+                        </a:solidFill>
+                      </a:rPr>
+                      <a:t>Azure Automation</a:t>
+                    </a:r>
+                  </a:p>
+                </p:txBody>
+              </p:sp>
+            </p:grpSp>
+            <p:grpSp>
+              <p:nvGrpSpPr>
+                <p:cNvPr id="88" name="Group 87"/>
+                <p:cNvGrpSpPr/>
+                <p:nvPr/>
+              </p:nvGrpSpPr>
+              <p:grpSpPr>
+                <a:xfrm>
+                  <a:off x="1245178" y="3140972"/>
+                  <a:ext cx="1239519" cy="1063863"/>
+                  <a:chOff x="4824668" y="2612129"/>
+                  <a:chExt cx="1239519" cy="1063863"/>
+                </a:xfrm>
+              </p:grpSpPr>
+              <p:pic>
+                <p:nvPicPr>
+                  <p:cNvPr id="116" name="Picture 115"/>
+                  <p:cNvPicPr>
+                    <a:picLocks noChangeAspect="1"/>
+                  </p:cNvPicPr>
+                  <p:nvPr/>
+                </p:nvPicPr>
+                <p:blipFill>
+                  <a:blip r:embed="rId11">
+                    <a:extLst>
+                      <a:ext uri="{28A0092B-C50C-407E-A947-70E740481C1C}">
+                        <a14:useLocalDpi xmlns:a14="http://schemas.microsoft.com/office/drawing/2010/main" val="0"/>
+                      </a:ext>
+                    </a:extLst>
+                  </a:blip>
+                  <a:stretch>
+                    <a:fillRect/>
+                  </a:stretch>
+                </p:blipFill>
+                <p:spPr>
+                  <a:xfrm>
+                    <a:off x="5105188" y="2612129"/>
+                    <a:ext cx="548895" cy="548895"/>
+                  </a:xfrm>
+                  <a:prstGeom prst="rect">
+                    <a:avLst/>
+                  </a:prstGeom>
+                </p:spPr>
+              </p:pic>
+              <p:sp>
+                <p:nvSpPr>
+                  <p:cNvPr id="117" name="TextBox 116"/>
+                  <p:cNvSpPr txBox="1"/>
+                  <p:nvPr/>
+                </p:nvSpPr>
+                <p:spPr>
+                  <a:xfrm>
+                    <a:off x="4824668" y="3201420"/>
+                    <a:ext cx="1239519" cy="474572"/>
+                  </a:xfrm>
+                  <a:prstGeom prst="rect">
+                    <a:avLst/>
+                  </a:prstGeom>
+                  <a:noFill/>
+                </p:spPr>
+                <p:txBody>
+                  <a:bodyPr wrap="square" rtlCol="0">
+                    <a:spAutoFit/>
+                  </a:bodyPr>
+                  <a:lstStyle>
+                    <a:defPPr>
+                      <a:defRPr lang="en-US"/>
+                    </a:defPPr>
+                    <a:lvl1pPr>
+                      <a:defRPr sz="1400"/>
+                    </a:lvl1pPr>
+                  </a:lstStyle>
+                  <a:p>
+                    <a:pPr defTabSz="1019796">
+                      <a:defRPr/>
+                    </a:pPr>
+                    <a:r>
+                      <a:rPr lang="en-US" sz="667" kern="0" dirty="0">
+                        <a:solidFill>
+                          <a:prstClr val="black"/>
+                        </a:solidFill>
+                      </a:rPr>
+                      <a:t>Azure Automation Runbooks</a:t>
+                    </a:r>
+                  </a:p>
+                </p:txBody>
+              </p:sp>
+            </p:grpSp>
+            <p:grpSp>
+              <p:nvGrpSpPr>
+                <p:cNvPr id="89" name="Group 88"/>
+                <p:cNvGrpSpPr/>
+                <p:nvPr/>
+              </p:nvGrpSpPr>
+              <p:grpSpPr>
+                <a:xfrm>
+                  <a:off x="2707887" y="4865108"/>
+                  <a:ext cx="1223377" cy="829426"/>
+                  <a:chOff x="3825592" y="2344384"/>
+                  <a:chExt cx="1223377" cy="829426"/>
+                </a:xfrm>
+              </p:grpSpPr>
+              <p:pic>
+                <p:nvPicPr>
+                  <p:cNvPr id="114" name="Picture 113"/>
+                  <p:cNvPicPr>
+                    <a:picLocks noChangeAspect="1"/>
+                  </p:cNvPicPr>
+                  <p:nvPr/>
+                </p:nvPicPr>
+                <p:blipFill>
+                  <a:blip r:embed="rId12">
+                    <a:duotone>
+                      <a:prstClr val="black"/>
+                      <a:srgbClr val="ED7D31">
+                        <a:tint val="45000"/>
+                        <a:satMod val="400000"/>
+                      </a:srgbClr>
+                    </a:duotone>
+                  </a:blip>
+                  <a:stretch>
+                    <a:fillRect/>
+                  </a:stretch>
+                </p:blipFill>
+                <p:spPr>
+                  <a:xfrm>
+                    <a:off x="3959497" y="2344384"/>
+                    <a:ext cx="709057" cy="584481"/>
+                  </a:xfrm>
+                  <a:prstGeom prst="rect">
+                    <a:avLst/>
+                  </a:prstGeom>
+                </p:spPr>
+              </p:pic>
+              <p:sp>
+                <p:nvSpPr>
+                  <p:cNvPr id="115" name="TextBox 114"/>
+                  <p:cNvSpPr txBox="1"/>
+                  <p:nvPr/>
+                </p:nvSpPr>
+                <p:spPr>
+                  <a:xfrm>
+                    <a:off x="3825592" y="2699239"/>
+                    <a:ext cx="1223377" cy="474571"/>
+                  </a:xfrm>
+                  <a:prstGeom prst="rect">
+                    <a:avLst/>
+                  </a:prstGeom>
+                  <a:noFill/>
+                </p:spPr>
+                <p:txBody>
+                  <a:bodyPr wrap="square" rtlCol="0">
+                    <a:spAutoFit/>
+                  </a:bodyPr>
+                  <a:lstStyle/>
+                  <a:p>
+                    <a:pPr defTabSz="1019796">
+                      <a:defRPr/>
+                    </a:pPr>
+                    <a:r>
+                      <a:rPr lang="en-US" sz="667" kern="0" dirty="0">
+                        <a:solidFill>
+                          <a:prstClr val="black"/>
+                        </a:solidFill>
+                      </a:rPr>
+                      <a:t>Network Security</a:t>
+                    </a:r>
+                    <a:br>
+                      <a:rPr lang="en-US" sz="667" kern="0" dirty="0">
+                        <a:solidFill>
+                          <a:prstClr val="black"/>
+                        </a:solidFill>
+                      </a:rPr>
+                    </a:br>
+                    <a:r>
+                      <a:rPr lang="en-US" sz="667" kern="0" dirty="0">
+                        <a:solidFill>
+                          <a:prstClr val="black"/>
+                        </a:solidFill>
+                      </a:rPr>
+                      <a:t> Groups</a:t>
+                    </a:r>
+                  </a:p>
+                </p:txBody>
+              </p:sp>
+            </p:grpSp>
+            <p:grpSp>
+              <p:nvGrpSpPr>
+                <p:cNvPr id="90" name="Group 89"/>
+                <p:cNvGrpSpPr/>
+                <p:nvPr/>
+              </p:nvGrpSpPr>
+              <p:grpSpPr>
+                <a:xfrm>
+                  <a:off x="4569344" y="2959286"/>
+                  <a:ext cx="1025876" cy="910653"/>
+                  <a:chOff x="7676686" y="2765340"/>
+                  <a:chExt cx="1025876" cy="910653"/>
+                </a:xfrm>
+              </p:grpSpPr>
+              <p:pic>
+                <p:nvPicPr>
+                  <p:cNvPr id="112" name="Picture 111"/>
+                  <p:cNvPicPr>
+                    <a:picLocks noChangeAspect="1"/>
+                  </p:cNvPicPr>
+                  <p:nvPr/>
+                </p:nvPicPr>
+                <p:blipFill>
+                  <a:blip r:embed="rId13">
+                    <a:extLst>
+                      <a:ext uri="{28A0092B-C50C-407E-A947-70E740481C1C}">
+                        <a14:useLocalDpi xmlns:a14="http://schemas.microsoft.com/office/drawing/2010/main" val="0"/>
+                      </a:ext>
+                    </a:extLst>
+                  </a:blip>
+                  <a:stretch>
+                    <a:fillRect/>
+                  </a:stretch>
+                </p:blipFill>
+                <p:spPr>
+                  <a:xfrm>
+                    <a:off x="7826315" y="2765340"/>
+                    <a:ext cx="470130" cy="470130"/>
+                  </a:xfrm>
+                  <a:prstGeom prst="rect">
+                    <a:avLst/>
+                  </a:prstGeom>
+                </p:spPr>
+              </p:pic>
+              <p:sp>
+                <p:nvSpPr>
+                  <p:cNvPr id="113" name="TextBox 112"/>
+                  <p:cNvSpPr txBox="1"/>
+                  <p:nvPr/>
+                </p:nvSpPr>
+                <p:spPr>
+                  <a:xfrm>
+                    <a:off x="7676686" y="3201421"/>
+                    <a:ext cx="1025876" cy="474572"/>
+                  </a:xfrm>
+                  <a:prstGeom prst="rect">
+                    <a:avLst/>
+                  </a:prstGeom>
+                  <a:noFill/>
+                </p:spPr>
+                <p:txBody>
+                  <a:bodyPr wrap="square" rtlCol="0">
+                    <a:spAutoFit/>
+                  </a:bodyPr>
+                  <a:lstStyle>
+                    <a:defPPr>
+                      <a:defRPr lang="en-US"/>
+                    </a:defPPr>
+                    <a:lvl1pPr>
+                      <a:defRPr sz="1400"/>
+                    </a:lvl1pPr>
+                  </a:lstStyle>
+                  <a:p>
+                    <a:pPr defTabSz="1019796">
+                      <a:defRPr/>
+                    </a:pPr>
+                    <a:r>
+                      <a:rPr lang="en-US" sz="667" kern="0" dirty="0">
+                        <a:solidFill>
+                          <a:prstClr val="black"/>
+                        </a:solidFill>
+                      </a:rPr>
+                      <a:t>Azure Virtual Network</a:t>
+                    </a:r>
+                  </a:p>
+                </p:txBody>
+              </p:sp>
+            </p:grpSp>
+            <p:grpSp>
+              <p:nvGrpSpPr>
+                <p:cNvPr id="91" name="Group 90"/>
+                <p:cNvGrpSpPr/>
+                <p:nvPr/>
+              </p:nvGrpSpPr>
+              <p:grpSpPr>
+                <a:xfrm>
+                  <a:off x="233085" y="1128595"/>
+                  <a:ext cx="1028868" cy="877881"/>
+                  <a:chOff x="8936727" y="2798110"/>
+                  <a:chExt cx="1028868" cy="877881"/>
+                </a:xfrm>
+              </p:grpSpPr>
+              <p:pic>
+                <p:nvPicPr>
+                  <p:cNvPr id="110" name="Picture 109"/>
+                  <p:cNvPicPr>
+                    <a:picLocks noChangeAspect="1"/>
+                  </p:cNvPicPr>
+                  <p:nvPr/>
+                </p:nvPicPr>
+                <p:blipFill>
+                  <a:blip r:embed="rId14">
+                    <a:extLst>
+                      <a:ext uri="{28A0092B-C50C-407E-A947-70E740481C1C}">
+                        <a14:useLocalDpi xmlns:a14="http://schemas.microsoft.com/office/drawing/2010/main" val="0"/>
+                      </a:ext>
+                    </a:extLst>
+                  </a:blip>
+                  <a:stretch>
+                    <a:fillRect/>
+                  </a:stretch>
+                </p:blipFill>
+                <p:spPr>
+                  <a:xfrm>
+                    <a:off x="9098843" y="2798110"/>
+                    <a:ext cx="470130" cy="470130"/>
+                  </a:xfrm>
+                  <a:prstGeom prst="rect">
+                    <a:avLst/>
+                  </a:prstGeom>
+                </p:spPr>
+              </p:pic>
+              <p:sp>
+                <p:nvSpPr>
+                  <p:cNvPr id="111" name="TextBox 110"/>
+                  <p:cNvSpPr txBox="1"/>
+                  <p:nvPr/>
+                </p:nvSpPr>
+                <p:spPr>
+                  <a:xfrm>
+                    <a:off x="8936727" y="3201419"/>
+                    <a:ext cx="1028868" cy="474572"/>
+                  </a:xfrm>
+                  <a:prstGeom prst="rect">
+                    <a:avLst/>
+                  </a:prstGeom>
+                  <a:noFill/>
+                </p:spPr>
+                <p:txBody>
+                  <a:bodyPr wrap="square" rtlCol="0">
+                    <a:spAutoFit/>
+                  </a:bodyPr>
+                  <a:lstStyle>
+                    <a:defPPr>
+                      <a:defRPr lang="en-US"/>
+                    </a:defPPr>
+                    <a:lvl1pPr>
+                      <a:defRPr sz="1400"/>
+                    </a:lvl1pPr>
+                  </a:lstStyle>
+                  <a:p>
+                    <a:pPr defTabSz="1019796">
+                      <a:defRPr/>
+                    </a:pPr>
+                    <a:r>
+                      <a:rPr lang="en-US" sz="667" kern="0" dirty="0">
+                        <a:solidFill>
+                          <a:prstClr val="black"/>
+                        </a:solidFill>
+                      </a:rPr>
+                      <a:t>Azure Virtual Machine</a:t>
+                    </a:r>
+                  </a:p>
+                </p:txBody>
+              </p:sp>
+            </p:grpSp>
+            <p:grpSp>
+              <p:nvGrpSpPr>
+                <p:cNvPr id="92" name="Group 91"/>
+                <p:cNvGrpSpPr/>
+                <p:nvPr/>
+              </p:nvGrpSpPr>
+              <p:grpSpPr>
+                <a:xfrm>
+                  <a:off x="8676325" y="3113455"/>
+                  <a:ext cx="1048077" cy="1305343"/>
+                  <a:chOff x="46873" y="3944162"/>
+                  <a:chExt cx="1048077" cy="1305343"/>
+                </a:xfrm>
+              </p:grpSpPr>
+              <p:pic>
+                <p:nvPicPr>
+                  <p:cNvPr id="108" name="Picture 107"/>
+                  <p:cNvPicPr>
+                    <a:picLocks noChangeAspect="1"/>
+                  </p:cNvPicPr>
+                  <p:nvPr/>
+                </p:nvPicPr>
+                <p:blipFill>
+                  <a:blip r:embed="rId15">
+                    <a:extLst>
+                      <a:ext uri="{28A0092B-C50C-407E-A947-70E740481C1C}">
+                        <a14:useLocalDpi xmlns:a14="http://schemas.microsoft.com/office/drawing/2010/main" val="0"/>
+                      </a:ext>
+                    </a:extLst>
+                  </a:blip>
+                  <a:stretch>
+                    <a:fillRect/>
+                  </a:stretch>
+                </p:blipFill>
+                <p:spPr>
+                  <a:xfrm>
+                    <a:off x="278059" y="3944162"/>
+                    <a:ext cx="464620" cy="464620"/>
+                  </a:xfrm>
+                  <a:prstGeom prst="rect">
+                    <a:avLst/>
+                  </a:prstGeom>
+                </p:spPr>
+              </p:pic>
+              <p:sp>
+                <p:nvSpPr>
+                  <p:cNvPr id="109" name="TextBox 108"/>
+                  <p:cNvSpPr txBox="1"/>
+                  <p:nvPr/>
+                </p:nvSpPr>
+                <p:spPr>
+                  <a:xfrm>
+                    <a:off x="46873" y="4447580"/>
+                    <a:ext cx="1048077" cy="801925"/>
+                  </a:xfrm>
+                  <a:prstGeom prst="rect">
+                    <a:avLst/>
+                  </a:prstGeom>
+                  <a:noFill/>
+                </p:spPr>
+                <p:txBody>
+                  <a:bodyPr wrap="square" rtlCol="0">
+                    <a:spAutoFit/>
+                  </a:bodyPr>
+                  <a:lstStyle>
+                    <a:defPPr>
+                      <a:defRPr lang="en-US"/>
+                    </a:defPPr>
+                    <a:lvl1pPr>
+                      <a:defRPr sz="1400"/>
+                    </a:lvl1pPr>
+                  </a:lstStyle>
+                  <a:p>
+                    <a:pPr defTabSz="1019796">
+                      <a:defRPr/>
+                    </a:pPr>
+                    <a:r>
+                      <a:rPr lang="en-US" sz="667" kern="0" dirty="0">
+                        <a:solidFill>
+                          <a:prstClr val="black"/>
+                        </a:solidFill>
+                      </a:rPr>
+                      <a:t>Azure Resource Group and Policies</a:t>
+                    </a:r>
+                  </a:p>
+                </p:txBody>
+              </p:sp>
+            </p:grpSp>
+            <p:grpSp>
+              <p:nvGrpSpPr>
+                <p:cNvPr id="93" name="Group 92"/>
+                <p:cNvGrpSpPr/>
+                <p:nvPr/>
+              </p:nvGrpSpPr>
+              <p:grpSpPr>
+                <a:xfrm>
+                  <a:off x="-1136636" y="2361234"/>
+                  <a:ext cx="1178478" cy="983674"/>
+                  <a:chOff x="1255002" y="3915042"/>
+                  <a:chExt cx="1178478" cy="983674"/>
+                </a:xfrm>
+              </p:grpSpPr>
+              <p:pic>
+                <p:nvPicPr>
+                  <p:cNvPr id="106" name="Picture 105"/>
+                  <p:cNvPicPr>
+                    <a:picLocks noChangeAspect="1"/>
+                  </p:cNvPicPr>
+                  <p:nvPr/>
+                </p:nvPicPr>
+                <p:blipFill>
+                  <a:blip r:embed="rId16">
+                    <a:extLst>
+                      <a:ext uri="{28A0092B-C50C-407E-A947-70E740481C1C}">
+                        <a14:useLocalDpi xmlns:a14="http://schemas.microsoft.com/office/drawing/2010/main" val="0"/>
+                      </a:ext>
+                    </a:extLst>
+                  </a:blip>
+                  <a:stretch>
+                    <a:fillRect/>
+                  </a:stretch>
+                </p:blipFill>
+                <p:spPr>
+                  <a:xfrm>
+                    <a:off x="1386585" y="3915042"/>
+                    <a:ext cx="470130" cy="470130"/>
+                  </a:xfrm>
+                  <a:prstGeom prst="rect">
+                    <a:avLst/>
+                  </a:prstGeom>
+                </p:spPr>
+              </p:pic>
+              <p:sp>
+                <p:nvSpPr>
+                  <p:cNvPr id="107" name="TextBox 106"/>
+                  <p:cNvSpPr txBox="1"/>
+                  <p:nvPr/>
+                </p:nvSpPr>
+                <p:spPr>
+                  <a:xfrm>
+                    <a:off x="1255002" y="4424145"/>
+                    <a:ext cx="1178478" cy="474571"/>
+                  </a:xfrm>
+                  <a:prstGeom prst="rect">
+                    <a:avLst/>
+                  </a:prstGeom>
+                  <a:noFill/>
+                </p:spPr>
+                <p:txBody>
+                  <a:bodyPr wrap="square" rtlCol="0">
+                    <a:spAutoFit/>
+                  </a:bodyPr>
+                  <a:lstStyle>
+                    <a:defPPr>
+                      <a:defRPr lang="en-US"/>
+                    </a:defPPr>
+                    <a:lvl1pPr>
+                      <a:defRPr sz="1400"/>
+                    </a:lvl1pPr>
+                  </a:lstStyle>
+                  <a:p>
+                    <a:pPr defTabSz="1019796">
+                      <a:defRPr/>
+                    </a:pPr>
+                    <a:r>
+                      <a:rPr lang="en-US" sz="667" kern="0" dirty="0">
+                        <a:solidFill>
+                          <a:prstClr val="black"/>
+                        </a:solidFill>
+                      </a:rPr>
+                      <a:t>Azure Blob Storage</a:t>
+                    </a:r>
+                  </a:p>
+                </p:txBody>
+              </p:sp>
+            </p:grpSp>
+            <p:grpSp>
+              <p:nvGrpSpPr>
+                <p:cNvPr id="94" name="Group 93"/>
+                <p:cNvGrpSpPr/>
+                <p:nvPr/>
+              </p:nvGrpSpPr>
+              <p:grpSpPr>
+                <a:xfrm>
+                  <a:off x="10009128" y="3055336"/>
+                  <a:ext cx="836799" cy="874885"/>
+                  <a:chOff x="6343340" y="2637432"/>
+                  <a:chExt cx="836799" cy="874885"/>
+                </a:xfrm>
+              </p:grpSpPr>
+              <p:pic>
+                <p:nvPicPr>
+                  <p:cNvPr id="104" name="Picture 103"/>
+                  <p:cNvPicPr>
+                    <a:picLocks noChangeAspect="1"/>
+                  </p:cNvPicPr>
+                  <p:nvPr/>
+                </p:nvPicPr>
+                <p:blipFill>
+                  <a:blip r:embed="rId17">
+                    <a:extLst>
+                      <a:ext uri="{28A0092B-C50C-407E-A947-70E740481C1C}">
+                        <a14:useLocalDpi xmlns:a14="http://schemas.microsoft.com/office/drawing/2010/main" val="0"/>
+                      </a:ext>
+                    </a:extLst>
+                  </a:blip>
+                  <a:stretch>
+                    <a:fillRect/>
+                  </a:stretch>
+                </p:blipFill>
+                <p:spPr>
+                  <a:xfrm>
+                    <a:off x="6384758" y="2637432"/>
+                    <a:ext cx="580852" cy="580853"/>
+                  </a:xfrm>
+                  <a:prstGeom prst="rect">
+                    <a:avLst/>
+                  </a:prstGeom>
+                </p:spPr>
+              </p:pic>
+              <p:sp>
+                <p:nvSpPr>
+                  <p:cNvPr id="105" name="TextBox 104"/>
+                  <p:cNvSpPr txBox="1"/>
+                  <p:nvPr/>
+                </p:nvSpPr>
+                <p:spPr>
+                  <a:xfrm>
+                    <a:off x="6343340" y="3201422"/>
+                    <a:ext cx="836799" cy="310895"/>
+                  </a:xfrm>
+                  <a:prstGeom prst="rect">
+                    <a:avLst/>
+                  </a:prstGeom>
+                  <a:noFill/>
+                </p:spPr>
+                <p:txBody>
+                  <a:bodyPr wrap="square" rtlCol="0">
+                    <a:spAutoFit/>
+                  </a:bodyPr>
+                  <a:lstStyle>
+                    <a:defPPr>
+                      <a:defRPr lang="en-US"/>
+                    </a:defPPr>
+                    <a:lvl1pPr>
+                      <a:defRPr sz="1400"/>
+                    </a:lvl1pPr>
+                  </a:lstStyle>
+                  <a:p>
+                    <a:pPr defTabSz="1019796">
+                      <a:defRPr/>
+                    </a:pPr>
+                    <a:r>
+                      <a:rPr lang="en-US" sz="667" kern="0" dirty="0">
+                        <a:solidFill>
+                          <a:prstClr val="black"/>
+                        </a:solidFill>
+                      </a:rPr>
+                      <a:t>Azure DNS</a:t>
+                    </a:r>
+                  </a:p>
+                </p:txBody>
+              </p:sp>
+            </p:grpSp>
+            <p:grpSp>
+              <p:nvGrpSpPr>
+                <p:cNvPr id="95" name="Group 94"/>
+                <p:cNvGrpSpPr/>
+                <p:nvPr/>
+              </p:nvGrpSpPr>
+              <p:grpSpPr>
+                <a:xfrm>
+                  <a:off x="6287067" y="3911161"/>
+                  <a:ext cx="1239519" cy="1035491"/>
+                  <a:chOff x="8726075" y="1242850"/>
+                  <a:chExt cx="1239519" cy="1035491"/>
+                </a:xfrm>
+              </p:grpSpPr>
+              <p:pic>
+                <p:nvPicPr>
+                  <p:cNvPr id="102" name="Picture 101"/>
+                  <p:cNvPicPr>
+                    <a:picLocks noChangeAspect="1"/>
+                  </p:cNvPicPr>
+                  <p:nvPr/>
+                </p:nvPicPr>
+                <p:blipFill>
+                  <a:blip r:embed="rId18">
+                    <a:extLst>
+                      <a:ext uri="{28A0092B-C50C-407E-A947-70E740481C1C}">
+                        <a14:useLocalDpi xmlns:a14="http://schemas.microsoft.com/office/drawing/2010/main" val="0"/>
+                      </a:ext>
+                    </a:extLst>
+                  </a:blip>
+                  <a:stretch>
+                    <a:fillRect/>
+                  </a:stretch>
+                </p:blipFill>
+                <p:spPr>
+                  <a:xfrm>
+                    <a:off x="9083017" y="1242850"/>
+                    <a:ext cx="584128" cy="584128"/>
+                  </a:xfrm>
+                  <a:prstGeom prst="rect">
+                    <a:avLst/>
+                  </a:prstGeom>
+                </p:spPr>
+              </p:pic>
+              <p:sp>
+                <p:nvSpPr>
+                  <p:cNvPr id="103" name="TextBox 102"/>
+                  <p:cNvSpPr txBox="1"/>
+                  <p:nvPr/>
+                </p:nvSpPr>
+                <p:spPr>
+                  <a:xfrm>
+                    <a:off x="8726075" y="1803770"/>
+                    <a:ext cx="1239519" cy="474571"/>
+                  </a:xfrm>
+                  <a:prstGeom prst="rect">
+                    <a:avLst/>
+                  </a:prstGeom>
+                  <a:noFill/>
+                </p:spPr>
+                <p:txBody>
+                  <a:bodyPr wrap="square" rtlCol="0">
+                    <a:spAutoFit/>
+                  </a:bodyPr>
+                  <a:lstStyle>
+                    <a:defPPr>
+                      <a:defRPr lang="en-US"/>
+                    </a:defPPr>
+                    <a:lvl1pPr>
+                      <a:defRPr sz="1400"/>
+                    </a:lvl1pPr>
+                  </a:lstStyle>
+                  <a:p>
+                    <a:pPr defTabSz="1019796">
+                      <a:defRPr/>
+                    </a:pPr>
+                    <a:r>
+                      <a:rPr lang="en-US" sz="667" kern="0" dirty="0">
+                        <a:solidFill>
+                          <a:prstClr val="black"/>
+                        </a:solidFill>
+                      </a:rPr>
+                      <a:t>Azure Load Balancer</a:t>
+                    </a:r>
+                  </a:p>
+                </p:txBody>
+              </p:sp>
+            </p:grpSp>
+            <p:grpSp>
+              <p:nvGrpSpPr>
+                <p:cNvPr id="96" name="Group 95"/>
+                <p:cNvGrpSpPr/>
+                <p:nvPr/>
+              </p:nvGrpSpPr>
+              <p:grpSpPr>
+                <a:xfrm>
+                  <a:off x="3429095" y="1959288"/>
+                  <a:ext cx="974755" cy="1498140"/>
+                  <a:chOff x="2501392" y="3915042"/>
+                  <a:chExt cx="974755" cy="1498140"/>
+                </a:xfrm>
+              </p:grpSpPr>
+              <p:pic>
+                <p:nvPicPr>
+                  <p:cNvPr id="100" name="Picture 99"/>
+                  <p:cNvPicPr>
+                    <a:picLocks noChangeAspect="1"/>
+                  </p:cNvPicPr>
+                  <p:nvPr/>
+                </p:nvPicPr>
+                <p:blipFill>
+                  <a:blip r:embed="rId19">
+                    <a:extLst>
+                      <a:ext uri="{28A0092B-C50C-407E-A947-70E740481C1C}">
+                        <a14:useLocalDpi xmlns:a14="http://schemas.microsoft.com/office/drawing/2010/main" val="0"/>
+                      </a:ext>
+                    </a:extLst>
+                  </a:blip>
+                  <a:stretch>
+                    <a:fillRect/>
+                  </a:stretch>
+                </p:blipFill>
+                <p:spPr>
+                  <a:xfrm>
+                    <a:off x="2589993" y="3915042"/>
+                    <a:ext cx="617177" cy="617177"/>
+                  </a:xfrm>
+                  <a:prstGeom prst="rect">
+                    <a:avLst/>
+                  </a:prstGeom>
+                </p:spPr>
+              </p:pic>
+              <p:sp>
+                <p:nvSpPr>
+                  <p:cNvPr id="101" name="TextBox 100"/>
+                  <p:cNvSpPr txBox="1"/>
+                  <p:nvPr/>
+                </p:nvSpPr>
+                <p:spPr>
+                  <a:xfrm>
+                    <a:off x="2501392" y="4447579"/>
+                    <a:ext cx="974755" cy="965603"/>
+                  </a:xfrm>
+                  <a:prstGeom prst="rect">
+                    <a:avLst/>
+                  </a:prstGeom>
+                  <a:noFill/>
+                </p:spPr>
+                <p:txBody>
+                  <a:bodyPr wrap="square" rtlCol="0">
+                    <a:spAutoFit/>
+                  </a:bodyPr>
+                  <a:lstStyle>
+                    <a:defPPr>
+                      <a:defRPr lang="en-US"/>
+                    </a:defPPr>
+                    <a:lvl1pPr>
+                      <a:defRPr sz="1400"/>
+                    </a:lvl1pPr>
+                  </a:lstStyle>
+                  <a:p>
+                    <a:pPr defTabSz="1019796">
+                      <a:defRPr/>
+                    </a:pPr>
+                    <a:r>
+                      <a:rPr lang="en-US" sz="667" kern="0" dirty="0">
+                        <a:solidFill>
+                          <a:prstClr val="black"/>
+                        </a:solidFill>
+                      </a:rPr>
+                      <a:t>Azure Active Directory access control (RBAC)</a:t>
+                    </a:r>
+                  </a:p>
+                </p:txBody>
+              </p:sp>
+            </p:grpSp>
+            <p:grpSp>
+              <p:nvGrpSpPr>
+                <p:cNvPr id="97" name="Group 96"/>
+                <p:cNvGrpSpPr/>
+                <p:nvPr/>
+              </p:nvGrpSpPr>
+              <p:grpSpPr>
+                <a:xfrm>
+                  <a:off x="7571305" y="3078452"/>
+                  <a:ext cx="989635" cy="1052196"/>
+                  <a:chOff x="2460990" y="1220115"/>
+                  <a:chExt cx="989635" cy="1052196"/>
+                </a:xfrm>
+              </p:grpSpPr>
+              <p:sp>
+                <p:nvSpPr>
+                  <p:cNvPr id="98" name="TextBox 97"/>
+                  <p:cNvSpPr txBox="1"/>
+                  <p:nvPr/>
+                </p:nvSpPr>
+                <p:spPr>
+                  <a:xfrm>
+                    <a:off x="2460990" y="1797739"/>
+                    <a:ext cx="989635" cy="474572"/>
+                  </a:xfrm>
+                  <a:prstGeom prst="rect">
+                    <a:avLst/>
+                  </a:prstGeom>
+                  <a:noFill/>
+                </p:spPr>
+                <p:txBody>
+                  <a:bodyPr wrap="square" rtlCol="0">
+                    <a:spAutoFit/>
+                  </a:bodyPr>
+                  <a:lstStyle/>
+                  <a:p>
+                    <a:pPr defTabSz="1019796">
+                      <a:defRPr/>
+                    </a:pPr>
+                    <a:r>
+                      <a:rPr lang="en-US" sz="667" kern="0" dirty="0">
+                        <a:solidFill>
+                          <a:prstClr val="black"/>
+                        </a:solidFill>
+                      </a:rPr>
+                      <a:t>App Service Environment</a:t>
+                    </a:r>
+                  </a:p>
+                </p:txBody>
+              </p:sp>
+              <p:pic>
+                <p:nvPicPr>
+                  <p:cNvPr id="99" name="Picture 98"/>
+                  <p:cNvPicPr>
+                    <a:picLocks noChangeAspect="1"/>
+                  </p:cNvPicPr>
+                  <p:nvPr/>
+                </p:nvPicPr>
+                <p:blipFill>
+                  <a:blip r:embed="rId20">
+                    <a:extLst>
+                      <a:ext uri="{28A0092B-C50C-407E-A947-70E740481C1C}">
+                        <a14:useLocalDpi xmlns:a14="http://schemas.microsoft.com/office/drawing/2010/main" val="0"/>
+                      </a:ext>
+                    </a:extLst>
+                  </a:blip>
+                  <a:stretch>
+                    <a:fillRect/>
+                  </a:stretch>
+                </p:blipFill>
+                <p:spPr>
+                  <a:xfrm>
+                    <a:off x="2585922" y="1220115"/>
+                    <a:ext cx="587251" cy="587251"/>
+                  </a:xfrm>
+                  <a:prstGeom prst="rect">
+                    <a:avLst/>
+                  </a:prstGeom>
+                </p:spPr>
+              </p:pic>
+            </p:grpSp>
+          </p:grpSp>
+          <p:pic>
+            <p:nvPicPr>
+              <p:cNvPr id="74" name="Picture 73"/>
+              <p:cNvPicPr>
+                <a:picLocks noChangeAspect="1"/>
+              </p:cNvPicPr>
+              <p:nvPr/>
+            </p:nvPicPr>
+            <p:blipFill rotWithShape="1">
+              <a:blip r:embed="rId21">
+                <a:extLst>
+                  <a:ext uri="{28A0092B-C50C-407E-A947-70E740481C1C}">
+                    <a14:useLocalDpi xmlns:a14="http://schemas.microsoft.com/office/drawing/2010/main" val="0"/>
+                  </a:ext>
+                </a:extLst>
+              </a:blip>
+              <a:srcRect l="84184" t="37331" b="37373"/>
+              <a:stretch/>
+            </p:blipFill>
+            <p:spPr>
+              <a:xfrm>
+                <a:off x="6091185" y="2046487"/>
+                <a:ext cx="588245" cy="428963"/>
+              </a:xfrm>
+              <a:prstGeom prst="rect">
+                <a:avLst/>
+              </a:prstGeom>
+              <a:noFill/>
+              <a:ln>
+                <a:noFill/>
+              </a:ln>
+            </p:spPr>
+          </p:pic>
+        </p:grpSp>
+        <p:sp>
+          <p:nvSpPr>
+            <p:cNvPr id="69" name="TextBox 68"/>
+            <p:cNvSpPr txBox="1"/>
+            <p:nvPr/>
+          </p:nvSpPr>
+          <p:spPr>
+            <a:xfrm>
+              <a:off x="9485128" y="4478555"/>
+              <a:ext cx="399352" cy="157333"/>
+            </a:xfrm>
+            <a:prstGeom prst="rect">
+              <a:avLst/>
+            </a:prstGeom>
+            <a:noFill/>
+          </p:spPr>
+          <p:txBody>
+            <a:bodyPr wrap="square" rtlCol="0">
+              <a:spAutoFit/>
+            </a:bodyPr>
+            <a:lstStyle/>
+            <a:p>
+              <a:pPr defTabSz="1019796">
+                <a:defRPr/>
+              </a:pPr>
+              <a:r>
+                <a:rPr lang="en-US" sz="917" b="1" kern="0" dirty="0">
+                  <a:solidFill>
+                    <a:srgbClr val="FF0000"/>
+                  </a:solidFill>
+                </a:rPr>
+                <a:t>DMZ</a:t>
+              </a:r>
+            </a:p>
+          </p:txBody>
+        </p:sp>
+        <p:sp>
+          <p:nvSpPr>
+            <p:cNvPr id="70" name="TextBox 69"/>
+            <p:cNvSpPr txBox="1"/>
+            <p:nvPr/>
+          </p:nvSpPr>
+          <p:spPr>
+            <a:xfrm>
+              <a:off x="8374551" y="4474913"/>
+              <a:ext cx="554473" cy="157333"/>
+            </a:xfrm>
+            <a:prstGeom prst="rect">
+              <a:avLst/>
+            </a:prstGeom>
+            <a:noFill/>
+          </p:spPr>
+          <p:txBody>
+            <a:bodyPr wrap="square" rtlCol="0">
+              <a:spAutoFit/>
+            </a:bodyPr>
+            <a:lstStyle/>
+            <a:p>
+              <a:pPr defTabSz="1019796">
+                <a:defRPr/>
+              </a:pPr>
+              <a:r>
+                <a:rPr lang="en-US" sz="917" b="1" kern="0" dirty="0">
+                  <a:solidFill>
+                    <a:srgbClr val="FF0000"/>
+                  </a:solidFill>
+                </a:rPr>
+                <a:t>Front</a:t>
+              </a:r>
+              <a:r>
+                <a:rPr lang="en-US" sz="917" b="1" kern="0" dirty="0">
+                  <a:solidFill>
+                    <a:prstClr val="black"/>
+                  </a:solidFill>
+                </a:rPr>
+                <a:t> </a:t>
+              </a:r>
+              <a:r>
+                <a:rPr lang="en-US" sz="917" b="1" kern="0" dirty="0">
+                  <a:solidFill>
+                    <a:srgbClr val="FF0000"/>
+                  </a:solidFill>
+                </a:rPr>
+                <a:t>End</a:t>
+              </a:r>
+            </a:p>
+          </p:txBody>
+        </p:sp>
+        <p:sp>
+          <p:nvSpPr>
+            <p:cNvPr id="71" name="TextBox 70"/>
+            <p:cNvSpPr txBox="1"/>
+            <p:nvPr/>
+          </p:nvSpPr>
+          <p:spPr>
+            <a:xfrm>
+              <a:off x="6894005" y="4510963"/>
+              <a:ext cx="715454" cy="157333"/>
+            </a:xfrm>
+            <a:prstGeom prst="rect">
+              <a:avLst/>
+            </a:prstGeom>
+            <a:noFill/>
+          </p:spPr>
+          <p:txBody>
+            <a:bodyPr wrap="square" rtlCol="0">
+              <a:spAutoFit/>
+            </a:bodyPr>
+            <a:lstStyle/>
+            <a:p>
+              <a:pPr defTabSz="1019796">
+                <a:defRPr/>
+              </a:pPr>
+              <a:r>
+                <a:rPr lang="en-US" sz="917" b="1" kern="0" dirty="0">
+                  <a:solidFill>
+                    <a:srgbClr val="FF0000"/>
+                  </a:solidFill>
+                </a:rPr>
+                <a:t>Middle Tier</a:t>
+              </a:r>
+            </a:p>
+          </p:txBody>
+        </p:sp>
+        <p:sp>
+          <p:nvSpPr>
+            <p:cNvPr id="72" name="TextBox 71"/>
+            <p:cNvSpPr txBox="1"/>
+            <p:nvPr/>
+          </p:nvSpPr>
+          <p:spPr>
+            <a:xfrm>
+              <a:off x="6171070" y="4907592"/>
+              <a:ext cx="715454" cy="157333"/>
+            </a:xfrm>
+            <a:prstGeom prst="rect">
+              <a:avLst/>
+            </a:prstGeom>
+            <a:noFill/>
+          </p:spPr>
+          <p:txBody>
+            <a:bodyPr wrap="square" rtlCol="0">
+              <a:spAutoFit/>
+            </a:bodyPr>
+            <a:lstStyle/>
+            <a:p>
+              <a:pPr defTabSz="1019796">
+                <a:defRPr/>
+              </a:pPr>
+              <a:r>
+                <a:rPr lang="en-US" sz="917" b="1" kern="0" dirty="0">
+                  <a:solidFill>
+                    <a:srgbClr val="FF0000"/>
+                  </a:solidFill>
+                </a:rPr>
+                <a:t>Backend</a:t>
+              </a:r>
+            </a:p>
+          </p:txBody>
+        </p:sp>
+      </p:grpSp>
+      <p:sp>
+        <p:nvSpPr>
+          <p:cNvPr id="3" name="Rectangle 2">
             <a:extLst>
-              <a:ext uri="{28A0092B-C50C-407E-A947-70E740481C1C}">
-                <a14:useLocalDpi xmlns:a14="http://schemas.microsoft.com/office/drawing/2010/main" val="0"/>
+              <a:ext uri="{FF2B5EF4-FFF2-40B4-BE49-F238E27FC236}">
+                <a16:creationId xmlns:a16="http://schemas.microsoft.com/office/drawing/2014/main" id="{23740D87-94AE-4076-AC47-3B959B25D0BB}"/>
               </a:ext>
             </a:extLst>
-          </a:blip>
-          <a:stretch>
-            <a:fillRect/>
-          </a:stretch>
-        </p:blipFill>
-        <p:spPr>
-          <a:xfrm>
-            <a:off x="2234163" y="2198752"/>
-            <a:ext cx="4490091" cy="2047154"/>
-          </a:xfrm>
-          <a:prstGeom prst="rect">
-            <a:avLst/>
-          </a:prstGeom>
-          <a:noFill/>
-          <a:ln>
-            <a:noFill/>
-          </a:ln>
-        </p:spPr>
-      </p:pic>
-      <p:sp>
-        <p:nvSpPr>
-          <p:cNvPr id="4" name="TextBox 3"/>
-          <p:cNvSpPr txBox="1"/>
+          </p:cNvPr>
+          <p:cNvSpPr/>
           <p:nvPr/>
         </p:nvSpPr>
         <p:spPr>
           <a:xfrm>
-            <a:off x="255451" y="1082350"/>
-            <a:ext cx="9252443" cy="1025858"/>
-          </a:xfrm>
-          <a:prstGeom prst="rect">
-            <a:avLst/>
-          </a:prstGeom>
-          <a:noFill/>
+            <a:off x="2861961" y="686552"/>
+            <a:ext cx="4353243" cy="400110"/>
+          </a:xfrm>
+          <a:prstGeom prst="rect">
+            <a:avLst/>
+          </a:prstGeom>
         </p:spPr>
         <p:txBody>
-          <a:bodyPr wrap="square" rtlCol="0">
+          <a:bodyPr wrap="none">
             <a:spAutoFit/>
           </a:bodyPr>
           <a:lstStyle/>
           <a:p>
-            <a:pPr marL="342900" indent="-342900">
-              <a:buFont typeface="Arial" panose="020B0604020202020204" pitchFamily="34" charset="0"/>
-              <a:buChar char="•"/>
-            </a:pPr>
-            <a:r>
-              <a:rPr lang="en-US" dirty="0">
+            <a:r>
+              <a:rPr lang="en-US" sz="2000" dirty="0">
+                <a:solidFill>
+                  <a:srgbClr val="002060"/>
+                </a:solidFill>
                 <a:latin typeface="Segoe UI" panose="020B0502040204020203" pitchFamily="34" charset="0"/>
+                <a:ea typeface="+mj-ea"/>
                 <a:cs typeface="Segoe UI" panose="020B0502040204020203" pitchFamily="34" charset="0"/>
               </a:rPr>
-              <a:t>Demonstrates secure and compliant standing up of Infrastructure and Application (&lt;3 </a:t>
-            </a:r>
-            <a:r>
-              <a:rPr lang="en-US" dirty="0" err="1">
-                <a:latin typeface="Segoe UI" panose="020B0502040204020203" pitchFamily="34" charset="0"/>
-                <a:cs typeface="Segoe UI" panose="020B0502040204020203" pitchFamily="34" charset="0"/>
-              </a:rPr>
-              <a:t>hrs</a:t>
-            </a:r>
-            <a:r>
-              <a:rPr lang="en-US" dirty="0">
-                <a:latin typeface="Segoe UI" panose="020B0502040204020203" pitchFamily="34" charset="0"/>
-                <a:cs typeface="Segoe UI" panose="020B0502040204020203" pitchFamily="34" charset="0"/>
-              </a:rPr>
-              <a:t>) using a layered approach in implementing industry best practices for cloud security</a:t>
+              <a:t>4 tier (3 tier + DMZ) design overview</a:t>
             </a:r>
           </a:p>
         </p:txBody>
       </p:sp>
-      <p:sp>
-        <p:nvSpPr>
-          <p:cNvPr id="5" name="Rectangle 4"/>
-          <p:cNvSpPr/>
-          <p:nvPr/>
-        </p:nvSpPr>
-        <p:spPr>
-          <a:xfrm>
-            <a:off x="255451" y="4580191"/>
-            <a:ext cx="8188753" cy="403508"/>
-          </a:xfrm>
-          <a:prstGeom prst="rect">
-            <a:avLst/>
-          </a:prstGeom>
-        </p:spPr>
-        <p:txBody>
-          <a:bodyPr wrap="square">
-            <a:spAutoFit/>
-          </a:bodyPr>
-          <a:lstStyle/>
-          <a:p>
-            <a:pPr marL="342900" indent="-342900">
-              <a:buFont typeface="Arial" panose="020B0604020202020204" pitchFamily="34" charset="0"/>
-              <a:buChar char="•"/>
-            </a:pPr>
-            <a:r>
-              <a:rPr lang="en-US" dirty="0">
-                <a:latin typeface="Segoe UI" panose="020B0502040204020203" pitchFamily="34" charset="0"/>
-                <a:cs typeface="Segoe UI" panose="020B0502040204020203" pitchFamily="34" charset="0"/>
-              </a:rPr>
-              <a:t>Allows you to focus on your business application</a:t>
-            </a:r>
-          </a:p>
-        </p:txBody>
-      </p:sp>
+      <p:cxnSp>
+        <p:nvCxnSpPr>
+          <p:cNvPr id="5" name="Straight Connector 4">
+            <a:extLst>
+              <a:ext uri="{FF2B5EF4-FFF2-40B4-BE49-F238E27FC236}">
+                <a16:creationId xmlns:a16="http://schemas.microsoft.com/office/drawing/2014/main" id="{F7E9660F-45BF-4E65-B4B5-E307ECD6F9B9}"/>
+              </a:ext>
+            </a:extLst>
+          </p:cNvPr>
+          <p:cNvCxnSpPr/>
+          <p:nvPr/>
+        </p:nvCxnSpPr>
+        <p:spPr>
+          <a:xfrm>
+            <a:off x="1057922" y="1131903"/>
+            <a:ext cx="8337612" cy="0"/>
+          </a:xfrm>
+          <a:prstGeom prst="line">
+            <a:avLst/>
+          </a:prstGeom>
+        </p:spPr>
+        <p:style>
+          <a:lnRef idx="1">
+            <a:schemeClr val="accent1"/>
+          </a:lnRef>
+          <a:fillRef idx="0">
+            <a:schemeClr val="accent1"/>
+          </a:fillRef>
+          <a:effectRef idx="0">
+            <a:schemeClr val="accent1"/>
+          </a:effectRef>
+          <a:fontRef idx="minor">
+            <a:schemeClr val="tx1"/>
+          </a:fontRef>
+        </p:style>
+      </p:cxnSp>
     </p:spTree>
     <p:extLst>
       <p:ext uri="{BB962C8B-B14F-4D97-AF65-F5344CB8AC3E}">
-        <p14:creationId xmlns:p14="http://schemas.microsoft.com/office/powerpoint/2010/main" val="3533446521"/>
+        <p14:creationId xmlns:p14="http://schemas.microsoft.com/office/powerpoint/2010/main" val="3714000298"/>
       </p:ext>
     </p:extLst>
   </p:cSld>
